--- a/Terceiro Semestre/Projeto_de_BD_e_Consulta_SQL/Trabalhos/Banco de dados Orientados a grafos.pptx
+++ b/Terceiro Semestre/Projeto_de_BD_e_Consulta_SQL/Trabalhos/Banco de dados Orientados a grafos.pptx
@@ -1,46 +1,47 @@
 
 <file path=ppt/presentation.xml><?xml version="1.0" encoding="utf-8"?>
-<p:presentation xmlns:a="http://schemas.openxmlformats.org/drawingml/2006/main" xmlns:r="http://schemas.openxmlformats.org/officeDocument/2006/relationships" xmlns:mc="http://schemas.openxmlformats.org/markup-compatibility/2006" xmlns:mv="urn:schemas-microsoft-com:mac:vml" xmlns:p="http://schemas.openxmlformats.org/presentationml/2006/main" xmlns:c="http://schemas.openxmlformats.org/drawingml/2006/chart" xmlns:dgm="http://schemas.openxmlformats.org/drawingml/2006/diagram" xmlns:o="urn:schemas-microsoft-com:office:office" xmlns:v="urn:schemas-microsoft-com:vml" xmlns:pvml="urn:schemas-microsoft-com:office:powerpoint" xmlns:com="http://schemas.openxmlformats.org/drawingml/2006/compatibility" xmlns:p14="http://schemas.microsoft.com/office/powerpoint/2010/main" xmlns:p15="http://schemas.microsoft.com/office/powerpoint/2012/main" xmlns:ahyp="http://schemas.microsoft.com/office/drawing/2018/hyperlinkcolor" autoCompressPictures="0" embedTrueTypeFonts="1" strictFirstAndLastChars="0" saveSubsetFonts="1">
+<p:presentation xmlns:a="http://schemas.openxmlformats.org/drawingml/2006/main" xmlns:r="http://schemas.openxmlformats.org/officeDocument/2006/relationships" xmlns:p="http://schemas.openxmlformats.org/presentationml/2006/main" strictFirstAndLastChars="0" embedTrueTypeFonts="1" saveSubsetFonts="1" autoCompressPictures="0">
   <p:sldMasterIdLst>
-    <p:sldMasterId id="2147483659" r:id="rId4"/>
+    <p:sldMasterId id="2147483659" r:id="rId1"/>
   </p:sldMasterIdLst>
   <p:notesMasterIdLst>
-    <p:notesMasterId r:id="rId5"/>
+    <p:notesMasterId r:id="rId15"/>
   </p:notesMasterIdLst>
   <p:sldIdLst>
-    <p:sldId id="256" r:id="rId6"/>
-    <p:sldId id="257" r:id="rId7"/>
-    <p:sldId id="258" r:id="rId8"/>
-    <p:sldId id="259" r:id="rId9"/>
-    <p:sldId id="260" r:id="rId10"/>
-    <p:sldId id="261" r:id="rId11"/>
-    <p:sldId id="262" r:id="rId12"/>
-    <p:sldId id="263" r:id="rId13"/>
-    <p:sldId id="264" r:id="rId14"/>
-    <p:sldId id="265" r:id="rId15"/>
-    <p:sldId id="266" r:id="rId16"/>
-    <p:sldId id="267" r:id="rId17"/>
+    <p:sldId id="256" r:id="rId2"/>
+    <p:sldId id="257" r:id="rId3"/>
+    <p:sldId id="268" r:id="rId4"/>
+    <p:sldId id="258" r:id="rId5"/>
+    <p:sldId id="259" r:id="rId6"/>
+    <p:sldId id="260" r:id="rId7"/>
+    <p:sldId id="261" r:id="rId8"/>
+    <p:sldId id="262" r:id="rId9"/>
+    <p:sldId id="263" r:id="rId10"/>
+    <p:sldId id="264" r:id="rId11"/>
+    <p:sldId id="265" r:id="rId12"/>
+    <p:sldId id="266" r:id="rId13"/>
+    <p:sldId id="267" r:id="rId14"/>
   </p:sldIdLst>
-  <p:sldSz cy="5143500" cx="9144000"/>
+  <p:sldSz cx="9144000" cy="5143500" type="screen16x9"/>
   <p:notesSz cx="6858000" cy="9144000"/>
   <p:embeddedFontLst>
     <p:embeddedFont>
-      <p:font typeface="Montserrat"/>
-      <p:regular r:id="rId18"/>
-      <p:bold r:id="rId19"/>
-      <p:italic r:id="rId20"/>
-      <p:boldItalic r:id="rId21"/>
+      <p:font typeface="Lato" panose="020F0502020204030203" pitchFamily="34" charset="0"/>
+      <p:regular r:id="rId16"/>
+      <p:bold r:id="rId17"/>
+      <p:italic r:id="rId18"/>
+      <p:boldItalic r:id="rId19"/>
     </p:embeddedFont>
     <p:embeddedFont>
-      <p:font typeface="Lato"/>
-      <p:regular r:id="rId22"/>
-      <p:bold r:id="rId23"/>
-      <p:italic r:id="rId24"/>
-      <p:boldItalic r:id="rId25"/>
+      <p:font typeface="Montserrat" panose="00000500000000000000" pitchFamily="2" charset="0"/>
+      <p:regular r:id="rId20"/>
+      <p:bold r:id="rId21"/>
+      <p:italic r:id="rId22"/>
+      <p:boldItalic r:id="rId23"/>
     </p:embeddedFont>
   </p:embeddedFontLst>
   <p:defaultTextStyle>
-    <a:defPPr lvl="0" marR="0" rtl="0" algn="l">
+    <a:defPPr marR="0" lvl="0" algn="l" rtl="0">
       <a:lnSpc>
         <a:spcPct val="100000"/>
       </a:lnSpc>
@@ -51,7 +52,7 @@
         <a:spcPts val="0"/>
       </a:spcAft>
     </a:defPPr>
-    <a:lvl1pPr lvl="0" marR="0" rtl="0" algn="l">
+    <a:lvl1pPr marR="0" lvl="0" algn="l" rtl="0">
       <a:lnSpc>
         <a:spcPct val="100000"/>
       </a:lnSpc>
@@ -65,7 +66,7 @@
         <a:srgbClr val="000000"/>
       </a:buClr>
       <a:buFont typeface="Arial"/>
-      <a:defRPr b="0" i="0" sz="1400" u="none" cap="none" strike="noStrike">
+      <a:defRPr sz="1400" b="0" i="0" u="none" strike="noStrike" cap="none">
         <a:solidFill>
           <a:srgbClr val="000000"/>
         </a:solidFill>
@@ -75,7 +76,7 @@
         <a:sym typeface="Arial"/>
       </a:defRPr>
     </a:lvl1pPr>
-    <a:lvl2pPr lvl="1" marR="0" rtl="0" algn="l">
+    <a:lvl2pPr marR="0" lvl="1" algn="l" rtl="0">
       <a:lnSpc>
         <a:spcPct val="100000"/>
       </a:lnSpc>
@@ -89,7 +90,7 @@
         <a:srgbClr val="000000"/>
       </a:buClr>
       <a:buFont typeface="Arial"/>
-      <a:defRPr b="0" i="0" sz="1400" u="none" cap="none" strike="noStrike">
+      <a:defRPr sz="1400" b="0" i="0" u="none" strike="noStrike" cap="none">
         <a:solidFill>
           <a:srgbClr val="000000"/>
         </a:solidFill>
@@ -99,7 +100,7 @@
         <a:sym typeface="Arial"/>
       </a:defRPr>
     </a:lvl2pPr>
-    <a:lvl3pPr lvl="2" marR="0" rtl="0" algn="l">
+    <a:lvl3pPr marR="0" lvl="2" algn="l" rtl="0">
       <a:lnSpc>
         <a:spcPct val="100000"/>
       </a:lnSpc>
@@ -113,7 +114,7 @@
         <a:srgbClr val="000000"/>
       </a:buClr>
       <a:buFont typeface="Arial"/>
-      <a:defRPr b="0" i="0" sz="1400" u="none" cap="none" strike="noStrike">
+      <a:defRPr sz="1400" b="0" i="0" u="none" strike="noStrike" cap="none">
         <a:solidFill>
           <a:srgbClr val="000000"/>
         </a:solidFill>
@@ -123,7 +124,7 @@
         <a:sym typeface="Arial"/>
       </a:defRPr>
     </a:lvl3pPr>
-    <a:lvl4pPr lvl="3" marR="0" rtl="0" algn="l">
+    <a:lvl4pPr marR="0" lvl="3" algn="l" rtl="0">
       <a:lnSpc>
         <a:spcPct val="100000"/>
       </a:lnSpc>
@@ -137,7 +138,7 @@
         <a:srgbClr val="000000"/>
       </a:buClr>
       <a:buFont typeface="Arial"/>
-      <a:defRPr b="0" i="0" sz="1400" u="none" cap="none" strike="noStrike">
+      <a:defRPr sz="1400" b="0" i="0" u="none" strike="noStrike" cap="none">
         <a:solidFill>
           <a:srgbClr val="000000"/>
         </a:solidFill>
@@ -147,7 +148,7 @@
         <a:sym typeface="Arial"/>
       </a:defRPr>
     </a:lvl4pPr>
-    <a:lvl5pPr lvl="4" marR="0" rtl="0" algn="l">
+    <a:lvl5pPr marR="0" lvl="4" algn="l" rtl="0">
       <a:lnSpc>
         <a:spcPct val="100000"/>
       </a:lnSpc>
@@ -161,7 +162,7 @@
         <a:srgbClr val="000000"/>
       </a:buClr>
       <a:buFont typeface="Arial"/>
-      <a:defRPr b="0" i="0" sz="1400" u="none" cap="none" strike="noStrike">
+      <a:defRPr sz="1400" b="0" i="0" u="none" strike="noStrike" cap="none">
         <a:solidFill>
           <a:srgbClr val="000000"/>
         </a:solidFill>
@@ -171,7 +172,7 @@
         <a:sym typeface="Arial"/>
       </a:defRPr>
     </a:lvl5pPr>
-    <a:lvl6pPr lvl="5" marR="0" rtl="0" algn="l">
+    <a:lvl6pPr marR="0" lvl="5" algn="l" rtl="0">
       <a:lnSpc>
         <a:spcPct val="100000"/>
       </a:lnSpc>
@@ -185,7 +186,7 @@
         <a:srgbClr val="000000"/>
       </a:buClr>
       <a:buFont typeface="Arial"/>
-      <a:defRPr b="0" i="0" sz="1400" u="none" cap="none" strike="noStrike">
+      <a:defRPr sz="1400" b="0" i="0" u="none" strike="noStrike" cap="none">
         <a:solidFill>
           <a:srgbClr val="000000"/>
         </a:solidFill>
@@ -195,7 +196,7 @@
         <a:sym typeface="Arial"/>
       </a:defRPr>
     </a:lvl6pPr>
-    <a:lvl7pPr lvl="6" marR="0" rtl="0" algn="l">
+    <a:lvl7pPr marR="0" lvl="6" algn="l" rtl="0">
       <a:lnSpc>
         <a:spcPct val="100000"/>
       </a:lnSpc>
@@ -209,7 +210,7 @@
         <a:srgbClr val="000000"/>
       </a:buClr>
       <a:buFont typeface="Arial"/>
-      <a:defRPr b="0" i="0" sz="1400" u="none" cap="none" strike="noStrike">
+      <a:defRPr sz="1400" b="0" i="0" u="none" strike="noStrike" cap="none">
         <a:solidFill>
           <a:srgbClr val="000000"/>
         </a:solidFill>
@@ -219,7 +220,7 @@
         <a:sym typeface="Arial"/>
       </a:defRPr>
     </a:lvl7pPr>
-    <a:lvl8pPr lvl="7" marR="0" rtl="0" algn="l">
+    <a:lvl8pPr marR="0" lvl="7" algn="l" rtl="0">
       <a:lnSpc>
         <a:spcPct val="100000"/>
       </a:lnSpc>
@@ -233,7 +234,7 @@
         <a:srgbClr val="000000"/>
       </a:buClr>
       <a:buFont typeface="Arial"/>
-      <a:defRPr b="0" i="0" sz="1400" u="none" cap="none" strike="noStrike">
+      <a:defRPr sz="1400" b="0" i="0" u="none" strike="noStrike" cap="none">
         <a:solidFill>
           <a:srgbClr val="000000"/>
         </a:solidFill>
@@ -243,7 +244,7 @@
         <a:sym typeface="Arial"/>
       </a:defRPr>
     </a:lvl8pPr>
-    <a:lvl9pPr lvl="8" marR="0" rtl="0" algn="l">
+    <a:lvl9pPr marR="0" lvl="8" algn="l" rtl="0">
       <a:lnSpc>
         <a:spcPct val="100000"/>
       </a:lnSpc>
@@ -257,7 +258,7 @@
         <a:srgbClr val="000000"/>
       </a:buClr>
       <a:buFont typeface="Arial"/>
-      <a:defRPr b="0" i="0" sz="1400" u="none" cap="none" strike="noStrike">
+      <a:defRPr sz="1400" b="0" i="0" u="none" strike="noStrike" cap="none">
         <a:solidFill>
           <a:srgbClr val="000000"/>
         </a:solidFill>
@@ -270,7 +271,7 @@
   </p:defaultTextStyle>
   <p:extLst>
     <p:ext uri="{EFAFB233-063F-42B5-8137-9DF3F51BA10A}">
-      <p15:sldGuideLst>
+      <p15:sldGuideLst xmlns:p15="http://schemas.microsoft.com/office/powerpoint/2012/main">
         <p15:guide id="1" orient="horz" pos="1620">
           <p15:clr>
             <a:srgbClr val="747775"/>
@@ -288,11 +289,16 @@
 </file>
 
 <file path=ppt/notesMasters/notesMaster1.xml><?xml version="1.0" encoding="utf-8"?>
-<p:notesMaster xmlns:a="http://schemas.openxmlformats.org/drawingml/2006/main" xmlns:r="http://schemas.openxmlformats.org/officeDocument/2006/relationships" xmlns:mc="http://schemas.openxmlformats.org/markup-compatibility/2006" xmlns:mv="urn:schemas-microsoft-com:mac:vml" xmlns:p="http://schemas.openxmlformats.org/presentationml/2006/main" xmlns:c="http://schemas.openxmlformats.org/drawingml/2006/chart" xmlns:dgm="http://schemas.openxmlformats.org/drawingml/2006/diagram" xmlns:o="urn:schemas-microsoft-com:office:office" xmlns:v="urn:schemas-microsoft-com:vml" xmlns:pvml="urn:schemas-microsoft-com:office:powerpoint" xmlns:com="http://schemas.openxmlformats.org/drawingml/2006/compatibility" xmlns:p14="http://schemas.microsoft.com/office/powerpoint/2010/main" xmlns:p15="http://schemas.microsoft.com/office/powerpoint/2012/main" xmlns:ahyp="http://schemas.microsoft.com/office/drawing/2018/hyperlinkcolor">
+<p:notesMaster xmlns:a="http://schemas.openxmlformats.org/drawingml/2006/main" xmlns:r="http://schemas.openxmlformats.org/officeDocument/2006/relationships" xmlns:p="http://schemas.openxmlformats.org/presentationml/2006/main">
   <p:cSld>
+    <p:bg>
+      <p:bgRef idx="1001">
+        <a:schemeClr val="bg1"/>
+      </p:bgRef>
+    </p:bg>
     <p:spTree>
       <p:nvGrpSpPr>
-        <p:cNvPr id="2" name="Shape 2"/>
+        <p:cNvPr id="1" name="Shape 2"/>
         <p:cNvGrpSpPr/>
         <p:nvPr/>
       </p:nvGrpSpPr>
@@ -307,9 +313,11 @@
       <p:sp>
         <p:nvSpPr>
           <p:cNvPr id="3" name="Google Shape;3;n"/>
-          <p:cNvSpPr/>
+          <p:cNvSpPr>
+            <a:spLocks noGrp="1" noRot="1" noChangeAspect="1"/>
+          </p:cNvSpPr>
           <p:nvPr>
-            <p:ph idx="2" type="sldImg"/>
+            <p:ph type="sldImg" idx="2"/>
           </p:nvPr>
         </p:nvSpPr>
         <p:spPr>
@@ -318,9 +326,13 @@
             <a:ext cx="6096075" cy="3429000"/>
           </a:xfrm>
           <a:custGeom>
-            <a:rect b="b" l="l" r="r" t="t"/>
+            <a:avLst/>
+            <a:gdLst/>
+            <a:ahLst/>
+            <a:cxnLst/>
+            <a:rect l="l" t="t" r="r" b="b"/>
             <a:pathLst>
-              <a:path extrusionOk="0" h="120000" w="120000">
+              <a:path w="120000" h="120000" extrusionOk="0">
                 <a:moveTo>
                   <a:pt x="0" y="0"/>
                 </a:moveTo>
@@ -338,23 +350,25 @@
             </a:pathLst>
           </a:custGeom>
           <a:noFill/>
-          <a:ln cap="flat" cmpd="sng" w="9525">
+          <a:ln w="9525" cap="flat" cmpd="sng">
             <a:solidFill>
               <a:srgbClr val="000000"/>
             </a:solidFill>
             <a:prstDash val="solid"/>
             <a:round/>
-            <a:headEnd len="sm" w="sm" type="none"/>
-            <a:tailEnd len="sm" w="sm" type="none"/>
+            <a:headEnd type="none" w="sm" len="sm"/>
+            <a:tailEnd type="none" w="sm" len="sm"/>
           </a:ln>
         </p:spPr>
       </p:sp>
       <p:sp>
         <p:nvSpPr>
           <p:cNvPr id="4" name="Google Shape;4;n"/>
-          <p:cNvSpPr txBox="1"/>
+          <p:cNvSpPr txBox="1">
+            <a:spLocks noGrp="1"/>
+          </p:cNvSpPr>
           <p:nvPr>
-            <p:ph idx="1" type="body"/>
+            <p:ph type="body" idx="1"/>
           </p:nvPr>
         </p:nvSpPr>
         <p:spPr>
@@ -371,11 +385,11 @@
           </a:ln>
         </p:spPr>
         <p:txBody>
-          <a:bodyPr anchorCtr="0" anchor="t" bIns="91425" lIns="91425" spcFirstLastPara="1" rIns="91425" wrap="square" tIns="91425">
+          <a:bodyPr spcFirstLastPara="1" wrap="square" lIns="91425" tIns="91425" rIns="91425" bIns="91425" anchor="t" anchorCtr="0">
             <a:noAutofit/>
           </a:bodyPr>
           <a:lstStyle>
-            <a:lvl1pPr indent="-298450" lvl="0" marL="457200">
+            <a:lvl1pPr marL="457200" lvl="0" indent="-298450">
               <a:spcBef>
                 <a:spcPts val="0"/>
               </a:spcBef>
@@ -386,7 +400,7 @@
               <a:buChar char="●"/>
               <a:defRPr sz="1100"/>
             </a:lvl1pPr>
-            <a:lvl2pPr indent="-298450" lvl="1" marL="914400">
+            <a:lvl2pPr marL="914400" lvl="1" indent="-298450">
               <a:spcBef>
                 <a:spcPts val="0"/>
               </a:spcBef>
@@ -397,7 +411,7 @@
               <a:buChar char="○"/>
               <a:defRPr sz="1100"/>
             </a:lvl2pPr>
-            <a:lvl3pPr indent="-298450" lvl="2" marL="1371600">
+            <a:lvl3pPr marL="1371600" lvl="2" indent="-298450">
               <a:spcBef>
                 <a:spcPts val="0"/>
               </a:spcBef>
@@ -408,7 +422,7 @@
               <a:buChar char="■"/>
               <a:defRPr sz="1100"/>
             </a:lvl3pPr>
-            <a:lvl4pPr indent="-298450" lvl="3" marL="1828800">
+            <a:lvl4pPr marL="1828800" lvl="3" indent="-298450">
               <a:spcBef>
                 <a:spcPts val="0"/>
               </a:spcBef>
@@ -419,7 +433,7 @@
               <a:buChar char="●"/>
               <a:defRPr sz="1100"/>
             </a:lvl4pPr>
-            <a:lvl5pPr indent="-298450" lvl="4" marL="2286000">
+            <a:lvl5pPr marL="2286000" lvl="4" indent="-298450">
               <a:spcBef>
                 <a:spcPts val="0"/>
               </a:spcBef>
@@ -430,7 +444,7 @@
               <a:buChar char="○"/>
               <a:defRPr sz="1100"/>
             </a:lvl5pPr>
-            <a:lvl6pPr indent="-298450" lvl="5" marL="2743200">
+            <a:lvl6pPr marL="2743200" lvl="5" indent="-298450">
               <a:spcBef>
                 <a:spcPts val="0"/>
               </a:spcBef>
@@ -441,7 +455,7 @@
               <a:buChar char="■"/>
               <a:defRPr sz="1100"/>
             </a:lvl6pPr>
-            <a:lvl7pPr indent="-298450" lvl="6" marL="3200400">
+            <a:lvl7pPr marL="3200400" lvl="6" indent="-298450">
               <a:spcBef>
                 <a:spcPts val="0"/>
               </a:spcBef>
@@ -452,7 +466,7 @@
               <a:buChar char="●"/>
               <a:defRPr sz="1100"/>
             </a:lvl7pPr>
-            <a:lvl8pPr indent="-298450" lvl="7" marL="3657600">
+            <a:lvl8pPr marL="3657600" lvl="7" indent="-298450">
               <a:spcBef>
                 <a:spcPts val="0"/>
               </a:spcBef>
@@ -463,7 +477,7 @@
               <a:buChar char="○"/>
               <a:defRPr sz="1100"/>
             </a:lvl8pPr>
-            <a:lvl9pPr indent="-298450" lvl="8" marL="4114800">
+            <a:lvl9pPr marL="4114800" lvl="8" indent="-298450">
               <a:spcBef>
                 <a:spcPts val="0"/>
               </a:spcBef>
@@ -475,14 +489,16 @@
               <a:defRPr sz="1100"/>
             </a:lvl9pPr>
           </a:lstStyle>
-          <a:p/>
+          <a:p>
+            <a:endParaRPr/>
+          </a:p>
         </p:txBody>
       </p:sp>
     </p:spTree>
   </p:cSld>
-  <p:clrMap accent1="accent1" accent2="accent2" accent3="accent3" accent4="accent4" accent5="accent5" accent6="accent6" bg1="lt1" bg2="dk2" tx1="dk1" tx2="lt2" folHlink="folHlink" hlink="hlink"/>
+  <p:clrMap bg1="lt1" tx1="dk1" bg2="dk2" tx2="lt2" accent1="accent1" accent2="accent2" accent3="accent3" accent4="accent4" accent5="accent5" accent6="accent6" hlink="hlink" folHlink="folHlink"/>
   <p:notesStyle>
-    <a:defPPr lvl="0" marR="0" rtl="0" algn="l">
+    <a:defPPr marR="0" lvl="0" algn="l" rtl="0">
       <a:lnSpc>
         <a:spcPct val="100000"/>
       </a:lnSpc>
@@ -493,7 +509,7 @@
         <a:spcPts val="0"/>
       </a:spcAft>
     </a:defPPr>
-    <a:lvl1pPr lvl="0" marR="0" rtl="0" algn="l">
+    <a:lvl1pPr marR="0" lvl="0" algn="l" rtl="0">
       <a:lnSpc>
         <a:spcPct val="100000"/>
       </a:lnSpc>
@@ -507,7 +523,7 @@
         <a:srgbClr val="000000"/>
       </a:buClr>
       <a:buFont typeface="Arial"/>
-      <a:defRPr b="0" i="0" sz="1400" u="none" cap="none" strike="noStrike">
+      <a:defRPr sz="1400" b="0" i="0" u="none" strike="noStrike" cap="none">
         <a:solidFill>
           <a:srgbClr val="000000"/>
         </a:solidFill>
@@ -517,7 +533,7 @@
         <a:sym typeface="Arial"/>
       </a:defRPr>
     </a:lvl1pPr>
-    <a:lvl2pPr lvl="1" marR="0" rtl="0" algn="l">
+    <a:lvl2pPr marR="0" lvl="1" algn="l" rtl="0">
       <a:lnSpc>
         <a:spcPct val="100000"/>
       </a:lnSpc>
@@ -531,7 +547,7 @@
         <a:srgbClr val="000000"/>
       </a:buClr>
       <a:buFont typeface="Arial"/>
-      <a:defRPr b="0" i="0" sz="1400" u="none" cap="none" strike="noStrike">
+      <a:defRPr sz="1400" b="0" i="0" u="none" strike="noStrike" cap="none">
         <a:solidFill>
           <a:srgbClr val="000000"/>
         </a:solidFill>
@@ -541,7 +557,7 @@
         <a:sym typeface="Arial"/>
       </a:defRPr>
     </a:lvl2pPr>
-    <a:lvl3pPr lvl="2" marR="0" rtl="0" algn="l">
+    <a:lvl3pPr marR="0" lvl="2" algn="l" rtl="0">
       <a:lnSpc>
         <a:spcPct val="100000"/>
       </a:lnSpc>
@@ -555,7 +571,7 @@
         <a:srgbClr val="000000"/>
       </a:buClr>
       <a:buFont typeface="Arial"/>
-      <a:defRPr b="0" i="0" sz="1400" u="none" cap="none" strike="noStrike">
+      <a:defRPr sz="1400" b="0" i="0" u="none" strike="noStrike" cap="none">
         <a:solidFill>
           <a:srgbClr val="000000"/>
         </a:solidFill>
@@ -565,7 +581,7 @@
         <a:sym typeface="Arial"/>
       </a:defRPr>
     </a:lvl3pPr>
-    <a:lvl4pPr lvl="3" marR="0" rtl="0" algn="l">
+    <a:lvl4pPr marR="0" lvl="3" algn="l" rtl="0">
       <a:lnSpc>
         <a:spcPct val="100000"/>
       </a:lnSpc>
@@ -579,7 +595,7 @@
         <a:srgbClr val="000000"/>
       </a:buClr>
       <a:buFont typeface="Arial"/>
-      <a:defRPr b="0" i="0" sz="1400" u="none" cap="none" strike="noStrike">
+      <a:defRPr sz="1400" b="0" i="0" u="none" strike="noStrike" cap="none">
         <a:solidFill>
           <a:srgbClr val="000000"/>
         </a:solidFill>
@@ -589,7 +605,7 @@
         <a:sym typeface="Arial"/>
       </a:defRPr>
     </a:lvl4pPr>
-    <a:lvl5pPr lvl="4" marR="0" rtl="0" algn="l">
+    <a:lvl5pPr marR="0" lvl="4" algn="l" rtl="0">
       <a:lnSpc>
         <a:spcPct val="100000"/>
       </a:lnSpc>
@@ -603,7 +619,7 @@
         <a:srgbClr val="000000"/>
       </a:buClr>
       <a:buFont typeface="Arial"/>
-      <a:defRPr b="0" i="0" sz="1400" u="none" cap="none" strike="noStrike">
+      <a:defRPr sz="1400" b="0" i="0" u="none" strike="noStrike" cap="none">
         <a:solidFill>
           <a:srgbClr val="000000"/>
         </a:solidFill>
@@ -613,7 +629,7 @@
         <a:sym typeface="Arial"/>
       </a:defRPr>
     </a:lvl5pPr>
-    <a:lvl6pPr lvl="5" marR="0" rtl="0" algn="l">
+    <a:lvl6pPr marR="0" lvl="5" algn="l" rtl="0">
       <a:lnSpc>
         <a:spcPct val="100000"/>
       </a:lnSpc>
@@ -627,7 +643,7 @@
         <a:srgbClr val="000000"/>
       </a:buClr>
       <a:buFont typeface="Arial"/>
-      <a:defRPr b="0" i="0" sz="1400" u="none" cap="none" strike="noStrike">
+      <a:defRPr sz="1400" b="0" i="0" u="none" strike="noStrike" cap="none">
         <a:solidFill>
           <a:srgbClr val="000000"/>
         </a:solidFill>
@@ -637,7 +653,7 @@
         <a:sym typeface="Arial"/>
       </a:defRPr>
     </a:lvl6pPr>
-    <a:lvl7pPr lvl="6" marR="0" rtl="0" algn="l">
+    <a:lvl7pPr marR="0" lvl="6" algn="l" rtl="0">
       <a:lnSpc>
         <a:spcPct val="100000"/>
       </a:lnSpc>
@@ -651,7 +667,7 @@
         <a:srgbClr val="000000"/>
       </a:buClr>
       <a:buFont typeface="Arial"/>
-      <a:defRPr b="0" i="0" sz="1400" u="none" cap="none" strike="noStrike">
+      <a:defRPr sz="1400" b="0" i="0" u="none" strike="noStrike" cap="none">
         <a:solidFill>
           <a:srgbClr val="000000"/>
         </a:solidFill>
@@ -661,7 +677,7 @@
         <a:sym typeface="Arial"/>
       </a:defRPr>
     </a:lvl7pPr>
-    <a:lvl8pPr lvl="7" marR="0" rtl="0" algn="l">
+    <a:lvl8pPr marR="0" lvl="7" algn="l" rtl="0">
       <a:lnSpc>
         <a:spcPct val="100000"/>
       </a:lnSpc>
@@ -675,7 +691,7 @@
         <a:srgbClr val="000000"/>
       </a:buClr>
       <a:buFont typeface="Arial"/>
-      <a:defRPr b="0" i="0" sz="1400" u="none" cap="none" strike="noStrike">
+      <a:defRPr sz="1400" b="0" i="0" u="none" strike="noStrike" cap="none">
         <a:solidFill>
           <a:srgbClr val="000000"/>
         </a:solidFill>
@@ -685,7 +701,7 @@
         <a:sym typeface="Arial"/>
       </a:defRPr>
     </a:lvl8pPr>
-    <a:lvl9pPr lvl="8" marR="0" rtl="0" algn="l">
+    <a:lvl9pPr marR="0" lvl="8" algn="l" rtl="0">
       <a:lnSpc>
         <a:spcPct val="100000"/>
       </a:lnSpc>
@@ -699,7 +715,7 @@
         <a:srgbClr val="000000"/>
       </a:buClr>
       <a:buFont typeface="Arial"/>
-      <a:defRPr b="0" i="0" sz="1400" u="none" cap="none" strike="noStrike">
+      <a:defRPr sz="1400" b="0" i="0" u="none" strike="noStrike" cap="none">
         <a:solidFill>
           <a:srgbClr val="000000"/>
         </a:solidFill>
@@ -714,11 +730,11 @@
 </file>
 
 <file path=ppt/notesSlides/notesSlide1.xml><?xml version="1.0" encoding="utf-8"?>
-<p:notes xmlns:a="http://schemas.openxmlformats.org/drawingml/2006/main" xmlns:r="http://schemas.openxmlformats.org/officeDocument/2006/relationships" xmlns:mc="http://schemas.openxmlformats.org/markup-compatibility/2006" xmlns:mv="urn:schemas-microsoft-com:mac:vml" xmlns:p="http://schemas.openxmlformats.org/presentationml/2006/main" xmlns:c="http://schemas.openxmlformats.org/drawingml/2006/chart" xmlns:dgm="http://schemas.openxmlformats.org/drawingml/2006/diagram" xmlns:o="urn:schemas-microsoft-com:office:office" xmlns:v="urn:schemas-microsoft-com:vml" xmlns:pvml="urn:schemas-microsoft-com:office:powerpoint" xmlns:com="http://schemas.openxmlformats.org/drawingml/2006/compatibility" xmlns:p14="http://schemas.microsoft.com/office/powerpoint/2010/main" xmlns:p15="http://schemas.microsoft.com/office/powerpoint/2012/main" xmlns:ahyp="http://schemas.microsoft.com/office/drawing/2018/hyperlinkcolor" showMasterPhAnim="0" showMasterSp="0">
+<p:notes xmlns:a="http://schemas.openxmlformats.org/drawingml/2006/main" xmlns:r="http://schemas.openxmlformats.org/officeDocument/2006/relationships" xmlns:p="http://schemas.openxmlformats.org/presentationml/2006/main" showMasterSp="0" showMasterPhAnim="0">
   <p:cSld>
     <p:spTree>
       <p:nvGrpSpPr>
-        <p:cNvPr id="130" name="Shape 130"/>
+        <p:cNvPr id="1" name="Shape 130"/>
         <p:cNvGrpSpPr/>
         <p:nvPr/>
       </p:nvGrpSpPr>
@@ -733,20 +749,26 @@
       <p:sp>
         <p:nvSpPr>
           <p:cNvPr id="131" name="Google Shape;131;p:notes"/>
-          <p:cNvSpPr/>
+          <p:cNvSpPr>
+            <a:spLocks noGrp="1" noRot="1" noChangeAspect="1"/>
+          </p:cNvSpPr>
           <p:nvPr>
-            <p:ph idx="2" type="sldImg"/>
+            <p:ph type="sldImg" idx="2"/>
           </p:nvPr>
         </p:nvSpPr>
         <p:spPr>
           <a:xfrm>
-            <a:off x="381300" y="685800"/>
-            <a:ext cx="6096075" cy="3429000"/>
+            <a:off x="381000" y="685800"/>
+            <a:ext cx="6096000" cy="3429000"/>
           </a:xfrm>
           <a:custGeom>
-            <a:rect b="b" l="l" r="r" t="t"/>
+            <a:avLst/>
+            <a:gdLst/>
+            <a:ahLst/>
+            <a:cxnLst/>
+            <a:rect l="l" t="t" r="r" b="b"/>
             <a:pathLst>
-              <a:path extrusionOk="0" h="120000" w="120000">
+              <a:path w="120000" h="120000" extrusionOk="0">
                 <a:moveTo>
                   <a:pt x="0" y="0"/>
                 </a:moveTo>
@@ -768,9 +790,11 @@
       <p:sp>
         <p:nvSpPr>
           <p:cNvPr id="132" name="Google Shape;132;p:notes"/>
-          <p:cNvSpPr txBox="1"/>
+          <p:cNvSpPr txBox="1">
+            <a:spLocks noGrp="1"/>
+          </p:cNvSpPr>
           <p:nvPr>
-            <p:ph idx="1" type="body"/>
+            <p:ph type="body" idx="1"/>
           </p:nvPr>
         </p:nvSpPr>
         <p:spPr>
@@ -783,12 +807,12 @@
           </a:prstGeom>
         </p:spPr>
         <p:txBody>
-          <a:bodyPr anchorCtr="0" anchor="t" bIns="91425" lIns="91425" spcFirstLastPara="1" rIns="91425" wrap="square" tIns="91425">
+          <a:bodyPr spcFirstLastPara="1" wrap="square" lIns="91425" tIns="91425" rIns="91425" bIns="91425" anchor="t" anchorCtr="0">
             <a:noAutofit/>
           </a:bodyPr>
           <a:lstStyle/>
           <a:p>
-            <a:pPr indent="0" lvl="0" marL="0" rtl="0" algn="l">
+            <a:pPr marL="0" lvl="0" indent="0" algn="l" rtl="0">
               <a:spcBef>
                 <a:spcPts val="0"/>
               </a:spcBef>
@@ -797,9 +821,6 @@
               </a:spcAft>
               <a:buNone/>
             </a:pPr>
-            <a:r>
-              <a:t/>
-            </a:r>
             <a:endParaRPr/>
           </a:p>
         </p:txBody>
@@ -813,11 +834,115 @@
 </file>
 
 <file path=ppt/notesSlides/notesSlide10.xml><?xml version="1.0" encoding="utf-8"?>
-<p:notes xmlns:a="http://schemas.openxmlformats.org/drawingml/2006/main" xmlns:r="http://schemas.openxmlformats.org/officeDocument/2006/relationships" xmlns:mc="http://schemas.openxmlformats.org/markup-compatibility/2006" xmlns:mv="urn:schemas-microsoft-com:mac:vml" xmlns:p="http://schemas.openxmlformats.org/presentationml/2006/main" xmlns:c="http://schemas.openxmlformats.org/drawingml/2006/chart" xmlns:dgm="http://schemas.openxmlformats.org/drawingml/2006/diagram" xmlns:o="urn:schemas-microsoft-com:office:office" xmlns:v="urn:schemas-microsoft-com:vml" xmlns:pvml="urn:schemas-microsoft-com:office:powerpoint" xmlns:com="http://schemas.openxmlformats.org/drawingml/2006/compatibility" xmlns:p14="http://schemas.microsoft.com/office/powerpoint/2010/main" xmlns:p15="http://schemas.microsoft.com/office/powerpoint/2012/main" xmlns:ahyp="http://schemas.microsoft.com/office/drawing/2018/hyperlinkcolor" showMasterPhAnim="0" showMasterSp="0">
+<p:notes xmlns:a="http://schemas.openxmlformats.org/drawingml/2006/main" xmlns:r="http://schemas.openxmlformats.org/officeDocument/2006/relationships" xmlns:p="http://schemas.openxmlformats.org/presentationml/2006/main" showMasterSp="0" showMasterPhAnim="0">
   <p:cSld>
     <p:spTree>
       <p:nvGrpSpPr>
-        <p:cNvPr id="185" name="Shape 185"/>
+        <p:cNvPr id="1" name="Shape 179"/>
+        <p:cNvGrpSpPr/>
+        <p:nvPr/>
+      </p:nvGrpSpPr>
+      <p:grpSpPr>
+        <a:xfrm>
+          <a:off x="0" y="0"/>
+          <a:ext cx="0" cy="0"/>
+          <a:chOff x="0" y="0"/>
+          <a:chExt cx="0" cy="0"/>
+        </a:xfrm>
+      </p:grpSpPr>
+      <p:sp>
+        <p:nvSpPr>
+          <p:cNvPr id="180" name="Google Shape;180;g254e5806e42_0_52:notes"/>
+          <p:cNvSpPr>
+            <a:spLocks noGrp="1" noRot="1" noChangeAspect="1"/>
+          </p:cNvSpPr>
+          <p:nvPr>
+            <p:ph type="sldImg" idx="2"/>
+          </p:nvPr>
+        </p:nvSpPr>
+        <p:spPr>
+          <a:xfrm>
+            <a:off x="381300" y="685800"/>
+            <a:ext cx="6096000" cy="3429000"/>
+          </a:xfrm>
+          <a:custGeom>
+            <a:avLst/>
+            <a:gdLst/>
+            <a:ahLst/>
+            <a:cxnLst/>
+            <a:rect l="l" t="t" r="r" b="b"/>
+            <a:pathLst>
+              <a:path w="120000" h="120000" extrusionOk="0">
+                <a:moveTo>
+                  <a:pt x="0" y="0"/>
+                </a:moveTo>
+                <a:lnTo>
+                  <a:pt x="120000" y="0"/>
+                </a:lnTo>
+                <a:lnTo>
+                  <a:pt x="120000" y="120000"/>
+                </a:lnTo>
+                <a:lnTo>
+                  <a:pt x="0" y="120000"/>
+                </a:lnTo>
+                <a:close/>
+              </a:path>
+            </a:pathLst>
+          </a:custGeom>
+        </p:spPr>
+      </p:sp>
+      <p:sp>
+        <p:nvSpPr>
+          <p:cNvPr id="181" name="Google Shape;181;g254e5806e42_0_52:notes"/>
+          <p:cNvSpPr txBox="1">
+            <a:spLocks noGrp="1"/>
+          </p:cNvSpPr>
+          <p:nvPr>
+            <p:ph type="body" idx="1"/>
+          </p:nvPr>
+        </p:nvSpPr>
+        <p:spPr>
+          <a:xfrm>
+            <a:off x="685800" y="4343400"/>
+            <a:ext cx="5486400" cy="4114800"/>
+          </a:xfrm>
+          <a:prstGeom prst="rect">
+            <a:avLst/>
+          </a:prstGeom>
+        </p:spPr>
+        <p:txBody>
+          <a:bodyPr spcFirstLastPara="1" wrap="square" lIns="91425" tIns="91425" rIns="91425" bIns="91425" anchor="t" anchorCtr="0">
+            <a:noAutofit/>
+          </a:bodyPr>
+          <a:lstStyle/>
+          <a:p>
+            <a:pPr marL="0" lvl="0" indent="0" algn="l" rtl="0">
+              <a:spcBef>
+                <a:spcPts val="0"/>
+              </a:spcBef>
+              <a:spcAft>
+                <a:spcPts val="0"/>
+              </a:spcAft>
+              <a:buNone/>
+            </a:pPr>
+            <a:endParaRPr/>
+          </a:p>
+        </p:txBody>
+      </p:sp>
+    </p:spTree>
+  </p:cSld>
+  <p:clrMapOvr>
+    <a:masterClrMapping/>
+  </p:clrMapOvr>
+</p:notes>
+</file>
+
+<file path=ppt/notesSlides/notesSlide11.xml><?xml version="1.0" encoding="utf-8"?>
+<p:notes xmlns:a="http://schemas.openxmlformats.org/drawingml/2006/main" xmlns:r="http://schemas.openxmlformats.org/officeDocument/2006/relationships" xmlns:p="http://schemas.openxmlformats.org/presentationml/2006/main" showMasterSp="0" showMasterPhAnim="0">
+  <p:cSld>
+    <p:spTree>
+      <p:nvGrpSpPr>
+        <p:cNvPr id="1" name="Shape 185"/>
         <p:cNvGrpSpPr/>
         <p:nvPr/>
       </p:nvGrpSpPr>
@@ -832,20 +957,26 @@
       <p:sp>
         <p:nvSpPr>
           <p:cNvPr id="186" name="Google Shape;186;g254e5806e42_0_59:notes"/>
-          <p:cNvSpPr/>
+          <p:cNvSpPr>
+            <a:spLocks noGrp="1" noRot="1" noChangeAspect="1"/>
+          </p:cNvSpPr>
           <p:nvPr>
-            <p:ph idx="2" type="sldImg"/>
+            <p:ph type="sldImg" idx="2"/>
           </p:nvPr>
         </p:nvSpPr>
         <p:spPr>
           <a:xfrm>
-            <a:off x="381300" y="685800"/>
+            <a:off x="381000" y="685800"/>
             <a:ext cx="6096000" cy="3429000"/>
           </a:xfrm>
           <a:custGeom>
-            <a:rect b="b" l="l" r="r" t="t"/>
+            <a:avLst/>
+            <a:gdLst/>
+            <a:ahLst/>
+            <a:cxnLst/>
+            <a:rect l="l" t="t" r="r" b="b"/>
             <a:pathLst>
-              <a:path extrusionOk="0" h="120000" w="120000">
+              <a:path w="120000" h="120000" extrusionOk="0">
                 <a:moveTo>
                   <a:pt x="0" y="0"/>
                 </a:moveTo>
@@ -867,9 +998,11 @@
       <p:sp>
         <p:nvSpPr>
           <p:cNvPr id="187" name="Google Shape;187;g254e5806e42_0_59:notes"/>
-          <p:cNvSpPr txBox="1"/>
+          <p:cNvSpPr txBox="1">
+            <a:spLocks noGrp="1"/>
+          </p:cNvSpPr>
           <p:nvPr>
-            <p:ph idx="1" type="body"/>
+            <p:ph type="body" idx="1"/>
           </p:nvPr>
         </p:nvSpPr>
         <p:spPr>
@@ -882,12 +1015,12 @@
           </a:prstGeom>
         </p:spPr>
         <p:txBody>
-          <a:bodyPr anchorCtr="0" anchor="t" bIns="91425" lIns="91425" spcFirstLastPara="1" rIns="91425" wrap="square" tIns="91425">
+          <a:bodyPr spcFirstLastPara="1" wrap="square" lIns="91425" tIns="91425" rIns="91425" bIns="91425" anchor="t" anchorCtr="0">
             <a:noAutofit/>
           </a:bodyPr>
           <a:lstStyle/>
           <a:p>
-            <a:pPr indent="0" lvl="0" marL="0" rtl="0" algn="l">
+            <a:pPr marL="0" lvl="0" indent="0" algn="l" rtl="0">
               <a:spcBef>
                 <a:spcPts val="0"/>
               </a:spcBef>
@@ -896,9 +1029,6 @@
               </a:spcAft>
               <a:buNone/>
             </a:pPr>
-            <a:r>
-              <a:t/>
-            </a:r>
             <a:endParaRPr/>
           </a:p>
         </p:txBody>
@@ -911,12 +1041,12 @@
 </p:notes>
 </file>
 
-<file path=ppt/notesSlides/notesSlide11.xml><?xml version="1.0" encoding="utf-8"?>
-<p:notes xmlns:a="http://schemas.openxmlformats.org/drawingml/2006/main" xmlns:r="http://schemas.openxmlformats.org/officeDocument/2006/relationships" xmlns:mc="http://schemas.openxmlformats.org/markup-compatibility/2006" xmlns:mv="urn:schemas-microsoft-com:mac:vml" xmlns:p="http://schemas.openxmlformats.org/presentationml/2006/main" xmlns:c="http://schemas.openxmlformats.org/drawingml/2006/chart" xmlns:dgm="http://schemas.openxmlformats.org/drawingml/2006/diagram" xmlns:o="urn:schemas-microsoft-com:office:office" xmlns:v="urn:schemas-microsoft-com:vml" xmlns:pvml="urn:schemas-microsoft-com:office:powerpoint" xmlns:com="http://schemas.openxmlformats.org/drawingml/2006/compatibility" xmlns:p14="http://schemas.microsoft.com/office/powerpoint/2010/main" xmlns:p15="http://schemas.microsoft.com/office/powerpoint/2012/main" xmlns:ahyp="http://schemas.microsoft.com/office/drawing/2018/hyperlinkcolor" showMasterPhAnim="0" showMasterSp="0">
+<file path=ppt/notesSlides/notesSlide12.xml><?xml version="1.0" encoding="utf-8"?>
+<p:notes xmlns:a="http://schemas.openxmlformats.org/drawingml/2006/main" xmlns:r="http://schemas.openxmlformats.org/officeDocument/2006/relationships" xmlns:p="http://schemas.openxmlformats.org/presentationml/2006/main" showMasterSp="0" showMasterPhAnim="0">
   <p:cSld>
     <p:spTree>
       <p:nvGrpSpPr>
-        <p:cNvPr id="191" name="Shape 191"/>
+        <p:cNvPr id="1" name="Shape 191"/>
         <p:cNvGrpSpPr/>
         <p:nvPr/>
       </p:nvGrpSpPr>
@@ -931,9 +1061,11 @@
       <p:sp>
         <p:nvSpPr>
           <p:cNvPr id="192" name="Google Shape;192;g254e5806e42_0_26:notes"/>
-          <p:cNvSpPr/>
+          <p:cNvSpPr>
+            <a:spLocks noGrp="1" noRot="1" noChangeAspect="1"/>
+          </p:cNvSpPr>
           <p:nvPr>
-            <p:ph idx="2" type="sldImg"/>
+            <p:ph type="sldImg" idx="2"/>
           </p:nvPr>
         </p:nvSpPr>
         <p:spPr>
@@ -942,9 +1074,13 @@
             <a:ext cx="6096000" cy="3429000"/>
           </a:xfrm>
           <a:custGeom>
-            <a:rect b="b" l="l" r="r" t="t"/>
+            <a:avLst/>
+            <a:gdLst/>
+            <a:ahLst/>
+            <a:cxnLst/>
+            <a:rect l="l" t="t" r="r" b="b"/>
             <a:pathLst>
-              <a:path extrusionOk="0" h="120000" w="120000">
+              <a:path w="120000" h="120000" extrusionOk="0">
                 <a:moveTo>
                   <a:pt x="0" y="0"/>
                 </a:moveTo>
@@ -966,9 +1102,11 @@
       <p:sp>
         <p:nvSpPr>
           <p:cNvPr id="193" name="Google Shape;193;g254e5806e42_0_26:notes"/>
-          <p:cNvSpPr txBox="1"/>
+          <p:cNvSpPr txBox="1">
+            <a:spLocks noGrp="1"/>
+          </p:cNvSpPr>
           <p:nvPr>
-            <p:ph idx="1" type="body"/>
+            <p:ph type="body" idx="1"/>
           </p:nvPr>
         </p:nvSpPr>
         <p:spPr>
@@ -981,12 +1119,12 @@
           </a:prstGeom>
         </p:spPr>
         <p:txBody>
-          <a:bodyPr anchorCtr="0" anchor="t" bIns="91425" lIns="91425" spcFirstLastPara="1" rIns="91425" wrap="square" tIns="91425">
+          <a:bodyPr spcFirstLastPara="1" wrap="square" lIns="91425" tIns="91425" rIns="91425" bIns="91425" anchor="t" anchorCtr="0">
             <a:noAutofit/>
           </a:bodyPr>
           <a:lstStyle/>
           <a:p>
-            <a:pPr indent="0" lvl="0" marL="0" rtl="0" algn="l">
+            <a:pPr marL="0" lvl="0" indent="0" algn="l" rtl="0">
               <a:spcBef>
                 <a:spcPts val="0"/>
               </a:spcBef>
@@ -995,9 +1133,6 @@
               </a:spcAft>
               <a:buNone/>
             </a:pPr>
-            <a:r>
-              <a:t/>
-            </a:r>
             <a:endParaRPr/>
           </a:p>
         </p:txBody>
@@ -1010,12 +1145,12 @@
 </p:notes>
 </file>
 
-<file path=ppt/notesSlides/notesSlide12.xml><?xml version="1.0" encoding="utf-8"?>
-<p:notes xmlns:a="http://schemas.openxmlformats.org/drawingml/2006/main" xmlns:r="http://schemas.openxmlformats.org/officeDocument/2006/relationships" xmlns:mc="http://schemas.openxmlformats.org/markup-compatibility/2006" xmlns:mv="urn:schemas-microsoft-com:mac:vml" xmlns:p="http://schemas.openxmlformats.org/presentationml/2006/main" xmlns:c="http://schemas.openxmlformats.org/drawingml/2006/chart" xmlns:dgm="http://schemas.openxmlformats.org/drawingml/2006/diagram" xmlns:o="urn:schemas-microsoft-com:office:office" xmlns:v="urn:schemas-microsoft-com:vml" xmlns:pvml="urn:schemas-microsoft-com:office:powerpoint" xmlns:com="http://schemas.openxmlformats.org/drawingml/2006/compatibility" xmlns:p14="http://schemas.microsoft.com/office/powerpoint/2010/main" xmlns:p15="http://schemas.microsoft.com/office/powerpoint/2012/main" xmlns:ahyp="http://schemas.microsoft.com/office/drawing/2018/hyperlinkcolor" showMasterPhAnim="0" showMasterSp="0">
+<file path=ppt/notesSlides/notesSlide13.xml><?xml version="1.0" encoding="utf-8"?>
+<p:notes xmlns:a="http://schemas.openxmlformats.org/drawingml/2006/main" xmlns:r="http://schemas.openxmlformats.org/officeDocument/2006/relationships" xmlns:p="http://schemas.openxmlformats.org/presentationml/2006/main" showMasterSp="0" showMasterPhAnim="0">
   <p:cSld>
     <p:spTree>
       <p:nvGrpSpPr>
-        <p:cNvPr id="197" name="Shape 197"/>
+        <p:cNvPr id="1" name="Shape 197"/>
         <p:cNvGrpSpPr/>
         <p:nvPr/>
       </p:nvGrpSpPr>
@@ -1030,9 +1165,11 @@
       <p:sp>
         <p:nvSpPr>
           <p:cNvPr id="198" name="Google Shape;198;g254e5806e42_0_40:notes"/>
-          <p:cNvSpPr/>
+          <p:cNvSpPr>
+            <a:spLocks noGrp="1" noRot="1" noChangeAspect="1"/>
+          </p:cNvSpPr>
           <p:nvPr>
-            <p:ph idx="2" type="sldImg"/>
+            <p:ph type="sldImg" idx="2"/>
           </p:nvPr>
         </p:nvSpPr>
         <p:spPr>
@@ -1041,9 +1178,13 @@
             <a:ext cx="6096000" cy="3429000"/>
           </a:xfrm>
           <a:custGeom>
-            <a:rect b="b" l="l" r="r" t="t"/>
+            <a:avLst/>
+            <a:gdLst/>
+            <a:ahLst/>
+            <a:cxnLst/>
+            <a:rect l="l" t="t" r="r" b="b"/>
             <a:pathLst>
-              <a:path extrusionOk="0" h="120000" w="120000">
+              <a:path w="120000" h="120000" extrusionOk="0">
                 <a:moveTo>
                   <a:pt x="0" y="0"/>
                 </a:moveTo>
@@ -1065,9 +1206,11 @@
       <p:sp>
         <p:nvSpPr>
           <p:cNvPr id="199" name="Google Shape;199;g254e5806e42_0_40:notes"/>
-          <p:cNvSpPr txBox="1"/>
+          <p:cNvSpPr txBox="1">
+            <a:spLocks noGrp="1"/>
+          </p:cNvSpPr>
           <p:nvPr>
-            <p:ph idx="1" type="body"/>
+            <p:ph type="body" idx="1"/>
           </p:nvPr>
         </p:nvSpPr>
         <p:spPr>
@@ -1080,12 +1223,12 @@
           </a:prstGeom>
         </p:spPr>
         <p:txBody>
-          <a:bodyPr anchorCtr="0" anchor="t" bIns="91425" lIns="91425" spcFirstLastPara="1" rIns="91425" wrap="square" tIns="91425">
+          <a:bodyPr spcFirstLastPara="1" wrap="square" lIns="91425" tIns="91425" rIns="91425" bIns="91425" anchor="t" anchorCtr="0">
             <a:noAutofit/>
           </a:bodyPr>
           <a:lstStyle/>
           <a:p>
-            <a:pPr indent="0" lvl="0" marL="0" rtl="0" algn="l">
+            <a:pPr marL="0" lvl="0" indent="0" algn="l" rtl="0">
               <a:spcBef>
                 <a:spcPts val="0"/>
               </a:spcBef>
@@ -1094,9 +1237,6 @@
               </a:spcAft>
               <a:buNone/>
             </a:pPr>
-            <a:r>
-              <a:t/>
-            </a:r>
             <a:endParaRPr/>
           </a:p>
         </p:txBody>
@@ -1110,11 +1250,11 @@
 </file>
 
 <file path=ppt/notesSlides/notesSlide2.xml><?xml version="1.0" encoding="utf-8"?>
-<p:notes xmlns:a="http://schemas.openxmlformats.org/drawingml/2006/main" xmlns:r="http://schemas.openxmlformats.org/officeDocument/2006/relationships" xmlns:mc="http://schemas.openxmlformats.org/markup-compatibility/2006" xmlns:mv="urn:schemas-microsoft-com:mac:vml" xmlns:p="http://schemas.openxmlformats.org/presentationml/2006/main" xmlns:c="http://schemas.openxmlformats.org/drawingml/2006/chart" xmlns:dgm="http://schemas.openxmlformats.org/drawingml/2006/diagram" xmlns:o="urn:schemas-microsoft-com:office:office" xmlns:v="urn:schemas-microsoft-com:vml" xmlns:pvml="urn:schemas-microsoft-com:office:powerpoint" xmlns:com="http://schemas.openxmlformats.org/drawingml/2006/compatibility" xmlns:p14="http://schemas.microsoft.com/office/powerpoint/2010/main" xmlns:p15="http://schemas.microsoft.com/office/powerpoint/2012/main" xmlns:ahyp="http://schemas.microsoft.com/office/drawing/2018/hyperlinkcolor" showMasterPhAnim="0" showMasterSp="0">
+<p:notes xmlns:a="http://schemas.openxmlformats.org/drawingml/2006/main" xmlns:r="http://schemas.openxmlformats.org/officeDocument/2006/relationships" xmlns:p="http://schemas.openxmlformats.org/presentationml/2006/main" showMasterSp="0" showMasterPhAnim="0">
   <p:cSld>
     <p:spTree>
       <p:nvGrpSpPr>
-        <p:cNvPr id="136" name="Shape 136"/>
+        <p:cNvPr id="1" name="Shape 136"/>
         <p:cNvGrpSpPr/>
         <p:nvPr/>
       </p:nvGrpSpPr>
@@ -1129,20 +1269,26 @@
       <p:sp>
         <p:nvSpPr>
           <p:cNvPr id="137" name="Google Shape;137;g254e32246d5_0_125:notes"/>
-          <p:cNvSpPr/>
+          <p:cNvSpPr>
+            <a:spLocks noGrp="1" noRot="1" noChangeAspect="1"/>
+          </p:cNvSpPr>
           <p:nvPr>
-            <p:ph idx="2" type="sldImg"/>
+            <p:ph type="sldImg" idx="2"/>
           </p:nvPr>
         </p:nvSpPr>
         <p:spPr>
           <a:xfrm>
-            <a:off x="381300" y="685800"/>
+            <a:off x="381000" y="685800"/>
             <a:ext cx="6096000" cy="3429000"/>
           </a:xfrm>
           <a:custGeom>
-            <a:rect b="b" l="l" r="r" t="t"/>
+            <a:avLst/>
+            <a:gdLst/>
+            <a:ahLst/>
+            <a:cxnLst/>
+            <a:rect l="l" t="t" r="r" b="b"/>
             <a:pathLst>
-              <a:path extrusionOk="0" h="120000" w="120000">
+              <a:path w="120000" h="120000" extrusionOk="0">
                 <a:moveTo>
                   <a:pt x="0" y="0"/>
                 </a:moveTo>
@@ -1164,9 +1310,11 @@
       <p:sp>
         <p:nvSpPr>
           <p:cNvPr id="138" name="Google Shape;138;g254e32246d5_0_125:notes"/>
-          <p:cNvSpPr txBox="1"/>
+          <p:cNvSpPr txBox="1">
+            <a:spLocks noGrp="1"/>
+          </p:cNvSpPr>
           <p:nvPr>
-            <p:ph idx="1" type="body"/>
+            <p:ph type="body" idx="1"/>
           </p:nvPr>
         </p:nvSpPr>
         <p:spPr>
@@ -1179,12 +1327,12 @@
           </a:prstGeom>
         </p:spPr>
         <p:txBody>
-          <a:bodyPr anchorCtr="0" anchor="t" bIns="91425" lIns="91425" spcFirstLastPara="1" rIns="91425" wrap="square" tIns="91425">
+          <a:bodyPr spcFirstLastPara="1" wrap="square" lIns="91425" tIns="91425" rIns="91425" bIns="91425" anchor="t" anchorCtr="0">
             <a:noAutofit/>
           </a:bodyPr>
           <a:lstStyle/>
           <a:p>
-            <a:pPr indent="0" lvl="0" marL="0" rtl="0" algn="l">
+            <a:pPr marL="0" lvl="0" indent="0" algn="l" rtl="0">
               <a:spcBef>
                 <a:spcPts val="0"/>
               </a:spcBef>
@@ -1193,9 +1341,6 @@
               </a:spcAft>
               <a:buNone/>
             </a:pPr>
-            <a:r>
-              <a:t/>
-            </a:r>
             <a:endParaRPr/>
           </a:p>
         </p:txBody>
@@ -1209,11 +1354,11 @@
 </file>
 
 <file path=ppt/notesSlides/notesSlide3.xml><?xml version="1.0" encoding="utf-8"?>
-<p:notes xmlns:a="http://schemas.openxmlformats.org/drawingml/2006/main" xmlns:r="http://schemas.openxmlformats.org/officeDocument/2006/relationships" xmlns:mc="http://schemas.openxmlformats.org/markup-compatibility/2006" xmlns:mv="urn:schemas-microsoft-com:mac:vml" xmlns:p="http://schemas.openxmlformats.org/presentationml/2006/main" xmlns:c="http://schemas.openxmlformats.org/drawingml/2006/chart" xmlns:dgm="http://schemas.openxmlformats.org/drawingml/2006/diagram" xmlns:o="urn:schemas-microsoft-com:office:office" xmlns:v="urn:schemas-microsoft-com:vml" xmlns:pvml="urn:schemas-microsoft-com:office:powerpoint" xmlns:com="http://schemas.openxmlformats.org/drawingml/2006/compatibility" xmlns:p14="http://schemas.microsoft.com/office/powerpoint/2010/main" xmlns:p15="http://schemas.microsoft.com/office/powerpoint/2012/main" xmlns:ahyp="http://schemas.microsoft.com/office/drawing/2018/hyperlinkcolor" showMasterPhAnim="0" showMasterSp="0">
+<p:notes xmlns:a="http://schemas.openxmlformats.org/drawingml/2006/main" xmlns:r="http://schemas.openxmlformats.org/officeDocument/2006/relationships" xmlns:p="http://schemas.openxmlformats.org/presentationml/2006/main" showMasterSp="0" showMasterPhAnim="0">
   <p:cSld>
     <p:spTree>
       <p:nvGrpSpPr>
-        <p:cNvPr id="142" name="Shape 142"/>
+        <p:cNvPr id="1" name="Shape 142"/>
         <p:cNvGrpSpPr/>
         <p:nvPr/>
       </p:nvGrpSpPr>
@@ -1228,20 +1373,26 @@
       <p:sp>
         <p:nvSpPr>
           <p:cNvPr id="143" name="Google Shape;143;g254e32246d5_0_132:notes"/>
-          <p:cNvSpPr/>
+          <p:cNvSpPr>
+            <a:spLocks noGrp="1" noRot="1" noChangeAspect="1"/>
+          </p:cNvSpPr>
           <p:nvPr>
-            <p:ph idx="2" type="sldImg"/>
+            <p:ph type="sldImg" idx="2"/>
           </p:nvPr>
         </p:nvSpPr>
         <p:spPr>
           <a:xfrm>
-            <a:off x="381300" y="685800"/>
+            <a:off x="381000" y="685800"/>
             <a:ext cx="6096000" cy="3429000"/>
           </a:xfrm>
           <a:custGeom>
-            <a:rect b="b" l="l" r="r" t="t"/>
+            <a:avLst/>
+            <a:gdLst/>
+            <a:ahLst/>
+            <a:cxnLst/>
+            <a:rect l="l" t="t" r="r" b="b"/>
             <a:pathLst>
-              <a:path extrusionOk="0" h="120000" w="120000">
+              <a:path w="120000" h="120000" extrusionOk="0">
                 <a:moveTo>
                   <a:pt x="0" y="0"/>
                 </a:moveTo>
@@ -1263,9 +1414,11 @@
       <p:sp>
         <p:nvSpPr>
           <p:cNvPr id="144" name="Google Shape;144;g254e32246d5_0_132:notes"/>
-          <p:cNvSpPr txBox="1"/>
+          <p:cNvSpPr txBox="1">
+            <a:spLocks noGrp="1"/>
+          </p:cNvSpPr>
           <p:nvPr>
-            <p:ph idx="1" type="body"/>
+            <p:ph type="body" idx="1"/>
           </p:nvPr>
         </p:nvSpPr>
         <p:spPr>
@@ -1278,12 +1431,12 @@
           </a:prstGeom>
         </p:spPr>
         <p:txBody>
-          <a:bodyPr anchorCtr="0" anchor="t" bIns="91425" lIns="91425" spcFirstLastPara="1" rIns="91425" wrap="square" tIns="91425">
+          <a:bodyPr spcFirstLastPara="1" wrap="square" lIns="91425" tIns="91425" rIns="91425" bIns="91425" anchor="t" anchorCtr="0">
             <a:noAutofit/>
           </a:bodyPr>
           <a:lstStyle/>
           <a:p>
-            <a:pPr indent="0" lvl="0" marL="0" rtl="0" algn="l">
+            <a:pPr marL="0" lvl="0" indent="0" algn="l" rtl="0">
               <a:spcBef>
                 <a:spcPts val="0"/>
               </a:spcBef>
@@ -1292,9 +1445,115 @@
               </a:spcAft>
               <a:buNone/>
             </a:pPr>
-            <a:r>
-              <a:t/>
-            </a:r>
+            <a:endParaRPr/>
+          </a:p>
+        </p:txBody>
+      </p:sp>
+    </p:spTree>
+    <p:extLst>
+      <p:ext uri="{BB962C8B-B14F-4D97-AF65-F5344CB8AC3E}">
+        <p14:creationId xmlns:p14="http://schemas.microsoft.com/office/powerpoint/2010/main" val="2158179886"/>
+      </p:ext>
+    </p:extLst>
+  </p:cSld>
+  <p:clrMapOvr>
+    <a:masterClrMapping/>
+  </p:clrMapOvr>
+</p:notes>
+</file>
+
+<file path=ppt/notesSlides/notesSlide4.xml><?xml version="1.0" encoding="utf-8"?>
+<p:notes xmlns:a="http://schemas.openxmlformats.org/drawingml/2006/main" xmlns:r="http://schemas.openxmlformats.org/officeDocument/2006/relationships" xmlns:p="http://schemas.openxmlformats.org/presentationml/2006/main" showMasterSp="0" showMasterPhAnim="0">
+  <p:cSld>
+    <p:spTree>
+      <p:nvGrpSpPr>
+        <p:cNvPr id="1" name="Shape 142"/>
+        <p:cNvGrpSpPr/>
+        <p:nvPr/>
+      </p:nvGrpSpPr>
+      <p:grpSpPr>
+        <a:xfrm>
+          <a:off x="0" y="0"/>
+          <a:ext cx="0" cy="0"/>
+          <a:chOff x="0" y="0"/>
+          <a:chExt cx="0" cy="0"/>
+        </a:xfrm>
+      </p:grpSpPr>
+      <p:sp>
+        <p:nvSpPr>
+          <p:cNvPr id="143" name="Google Shape;143;g254e32246d5_0_132:notes"/>
+          <p:cNvSpPr>
+            <a:spLocks noGrp="1" noRot="1" noChangeAspect="1"/>
+          </p:cNvSpPr>
+          <p:nvPr>
+            <p:ph type="sldImg" idx="2"/>
+          </p:nvPr>
+        </p:nvSpPr>
+        <p:spPr>
+          <a:xfrm>
+            <a:off x="381000" y="685800"/>
+            <a:ext cx="6096000" cy="3429000"/>
+          </a:xfrm>
+          <a:custGeom>
+            <a:avLst/>
+            <a:gdLst/>
+            <a:ahLst/>
+            <a:cxnLst/>
+            <a:rect l="l" t="t" r="r" b="b"/>
+            <a:pathLst>
+              <a:path w="120000" h="120000" extrusionOk="0">
+                <a:moveTo>
+                  <a:pt x="0" y="0"/>
+                </a:moveTo>
+                <a:lnTo>
+                  <a:pt x="120000" y="0"/>
+                </a:lnTo>
+                <a:lnTo>
+                  <a:pt x="120000" y="120000"/>
+                </a:lnTo>
+                <a:lnTo>
+                  <a:pt x="0" y="120000"/>
+                </a:lnTo>
+                <a:close/>
+              </a:path>
+            </a:pathLst>
+          </a:custGeom>
+        </p:spPr>
+      </p:sp>
+      <p:sp>
+        <p:nvSpPr>
+          <p:cNvPr id="144" name="Google Shape;144;g254e32246d5_0_132:notes"/>
+          <p:cNvSpPr txBox="1">
+            <a:spLocks noGrp="1"/>
+          </p:cNvSpPr>
+          <p:nvPr>
+            <p:ph type="body" idx="1"/>
+          </p:nvPr>
+        </p:nvSpPr>
+        <p:spPr>
+          <a:xfrm>
+            <a:off x="685800" y="4343400"/>
+            <a:ext cx="5486400" cy="4114800"/>
+          </a:xfrm>
+          <a:prstGeom prst="rect">
+            <a:avLst/>
+          </a:prstGeom>
+        </p:spPr>
+        <p:txBody>
+          <a:bodyPr spcFirstLastPara="1" wrap="square" lIns="91425" tIns="91425" rIns="91425" bIns="91425" anchor="t" anchorCtr="0">
+            <a:noAutofit/>
+          </a:bodyPr>
+          <a:lstStyle/>
+          <a:p>
+            <a:pPr marL="0" lvl="0" indent="0" algn="l" rtl="0">
+              <a:spcBef>
+                <a:spcPts val="0"/>
+              </a:spcBef>
+              <a:spcAft>
+                <a:spcPts val="0"/>
+              </a:spcAft>
+              <a:buNone/>
+            </a:pPr>
             <a:endParaRPr/>
           </a:p>
         </p:txBody>
@@ -1307,12 +1566,12 @@
 </p:notes>
 </file>
 
-<file path=ppt/notesSlides/notesSlide4.xml><?xml version="1.0" encoding="utf-8"?>
-<p:notes xmlns:a="http://schemas.openxmlformats.org/drawingml/2006/main" xmlns:r="http://schemas.openxmlformats.org/officeDocument/2006/relationships" xmlns:mc="http://schemas.openxmlformats.org/markup-compatibility/2006" xmlns:mv="urn:schemas-microsoft-com:mac:vml" xmlns:p="http://schemas.openxmlformats.org/presentationml/2006/main" xmlns:c="http://schemas.openxmlformats.org/drawingml/2006/chart" xmlns:dgm="http://schemas.openxmlformats.org/drawingml/2006/diagram" xmlns:o="urn:schemas-microsoft-com:office:office" xmlns:v="urn:schemas-microsoft-com:vml" xmlns:pvml="urn:schemas-microsoft-com:office:powerpoint" xmlns:com="http://schemas.openxmlformats.org/drawingml/2006/compatibility" xmlns:p14="http://schemas.microsoft.com/office/powerpoint/2010/main" xmlns:p15="http://schemas.microsoft.com/office/powerpoint/2012/main" xmlns:ahyp="http://schemas.microsoft.com/office/drawing/2018/hyperlinkcolor" showMasterPhAnim="0" showMasterSp="0">
+<file path=ppt/notesSlides/notesSlide5.xml><?xml version="1.0" encoding="utf-8"?>
+<p:notes xmlns:a="http://schemas.openxmlformats.org/drawingml/2006/main" xmlns:r="http://schemas.openxmlformats.org/officeDocument/2006/relationships" xmlns:p="http://schemas.openxmlformats.org/presentationml/2006/main" showMasterSp="0" showMasterPhAnim="0">
   <p:cSld>
     <p:spTree>
       <p:nvGrpSpPr>
-        <p:cNvPr id="149" name="Shape 149"/>
+        <p:cNvPr id="1" name="Shape 149"/>
         <p:cNvGrpSpPr/>
         <p:nvPr/>
       </p:nvGrpSpPr>
@@ -1327,9 +1586,11 @@
       <p:sp>
         <p:nvSpPr>
           <p:cNvPr id="150" name="Google Shape;150;g254e5806e42_0_20:notes"/>
-          <p:cNvSpPr/>
+          <p:cNvSpPr>
+            <a:spLocks noGrp="1" noRot="1" noChangeAspect="1"/>
+          </p:cNvSpPr>
           <p:nvPr>
-            <p:ph idx="2" type="sldImg"/>
+            <p:ph type="sldImg" idx="2"/>
           </p:nvPr>
         </p:nvSpPr>
         <p:spPr>
@@ -1338,9 +1599,13 @@
             <a:ext cx="6096000" cy="3429000"/>
           </a:xfrm>
           <a:custGeom>
-            <a:rect b="b" l="l" r="r" t="t"/>
+            <a:avLst/>
+            <a:gdLst/>
+            <a:ahLst/>
+            <a:cxnLst/>
+            <a:rect l="l" t="t" r="r" b="b"/>
             <a:pathLst>
-              <a:path extrusionOk="0" h="120000" w="120000">
+              <a:path w="120000" h="120000" extrusionOk="0">
                 <a:moveTo>
                   <a:pt x="0" y="0"/>
                 </a:moveTo>
@@ -1362,9 +1627,11 @@
       <p:sp>
         <p:nvSpPr>
           <p:cNvPr id="151" name="Google Shape;151;g254e5806e42_0_20:notes"/>
-          <p:cNvSpPr txBox="1"/>
+          <p:cNvSpPr txBox="1">
+            <a:spLocks noGrp="1"/>
+          </p:cNvSpPr>
           <p:nvPr>
-            <p:ph idx="1" type="body"/>
+            <p:ph type="body" idx="1"/>
           </p:nvPr>
         </p:nvSpPr>
         <p:spPr>
@@ -1377,12 +1644,12 @@
           </a:prstGeom>
         </p:spPr>
         <p:txBody>
-          <a:bodyPr anchorCtr="0" anchor="t" bIns="91425" lIns="91425" spcFirstLastPara="1" rIns="91425" wrap="square" tIns="91425">
+          <a:bodyPr spcFirstLastPara="1" wrap="square" lIns="91425" tIns="91425" rIns="91425" bIns="91425" anchor="t" anchorCtr="0">
             <a:noAutofit/>
           </a:bodyPr>
           <a:lstStyle/>
           <a:p>
-            <a:pPr indent="0" lvl="0" marL="0" rtl="0" algn="l">
+            <a:pPr marL="0" lvl="0" indent="0" algn="l" rtl="0">
               <a:spcBef>
                 <a:spcPts val="0"/>
               </a:spcBef>
@@ -1391,9 +1658,6 @@
               </a:spcAft>
               <a:buNone/>
             </a:pPr>
-            <a:r>
-              <a:t/>
-            </a:r>
             <a:endParaRPr/>
           </a:p>
         </p:txBody>
@@ -1406,12 +1670,12 @@
 </p:notes>
 </file>
 
-<file path=ppt/notesSlides/notesSlide5.xml><?xml version="1.0" encoding="utf-8"?>
-<p:notes xmlns:a="http://schemas.openxmlformats.org/drawingml/2006/main" xmlns:r="http://schemas.openxmlformats.org/officeDocument/2006/relationships" xmlns:mc="http://schemas.openxmlformats.org/markup-compatibility/2006" xmlns:mv="urn:schemas-microsoft-com:mac:vml" xmlns:p="http://schemas.openxmlformats.org/presentationml/2006/main" xmlns:c="http://schemas.openxmlformats.org/drawingml/2006/chart" xmlns:dgm="http://schemas.openxmlformats.org/drawingml/2006/diagram" xmlns:o="urn:schemas-microsoft-com:office:office" xmlns:v="urn:schemas-microsoft-com:vml" xmlns:pvml="urn:schemas-microsoft-com:office:powerpoint" xmlns:com="http://schemas.openxmlformats.org/drawingml/2006/compatibility" xmlns:p14="http://schemas.microsoft.com/office/powerpoint/2010/main" xmlns:p15="http://schemas.microsoft.com/office/powerpoint/2012/main" xmlns:ahyp="http://schemas.microsoft.com/office/drawing/2018/hyperlinkcolor" showMasterPhAnim="0" showMasterSp="0">
+<file path=ppt/notesSlides/notesSlide6.xml><?xml version="1.0" encoding="utf-8"?>
+<p:notes xmlns:a="http://schemas.openxmlformats.org/drawingml/2006/main" xmlns:r="http://schemas.openxmlformats.org/officeDocument/2006/relationships" xmlns:p="http://schemas.openxmlformats.org/presentationml/2006/main" showMasterSp="0" showMasterPhAnim="0">
   <p:cSld>
     <p:spTree>
       <p:nvGrpSpPr>
-        <p:cNvPr id="155" name="Shape 155"/>
+        <p:cNvPr id="1" name="Shape 155"/>
         <p:cNvGrpSpPr/>
         <p:nvPr/>
       </p:nvGrpSpPr>
@@ -1426,20 +1690,26 @@
       <p:sp>
         <p:nvSpPr>
           <p:cNvPr id="156" name="Google Shape;156;g254e32246d5_0_145:notes"/>
-          <p:cNvSpPr/>
+          <p:cNvSpPr>
+            <a:spLocks noGrp="1" noRot="1" noChangeAspect="1"/>
+          </p:cNvSpPr>
           <p:nvPr>
-            <p:ph idx="2" type="sldImg"/>
+            <p:ph type="sldImg" idx="2"/>
           </p:nvPr>
         </p:nvSpPr>
         <p:spPr>
           <a:xfrm>
-            <a:off x="381300" y="685800"/>
+            <a:off x="381000" y="685800"/>
             <a:ext cx="6096000" cy="3429000"/>
           </a:xfrm>
           <a:custGeom>
-            <a:rect b="b" l="l" r="r" t="t"/>
+            <a:avLst/>
+            <a:gdLst/>
+            <a:ahLst/>
+            <a:cxnLst/>
+            <a:rect l="l" t="t" r="r" b="b"/>
             <a:pathLst>
-              <a:path extrusionOk="0" h="120000" w="120000">
+              <a:path w="120000" h="120000" extrusionOk="0">
                 <a:moveTo>
                   <a:pt x="0" y="0"/>
                 </a:moveTo>
@@ -1461,9 +1731,11 @@
       <p:sp>
         <p:nvSpPr>
           <p:cNvPr id="157" name="Google Shape;157;g254e32246d5_0_145:notes"/>
-          <p:cNvSpPr txBox="1"/>
+          <p:cNvSpPr txBox="1">
+            <a:spLocks noGrp="1"/>
+          </p:cNvSpPr>
           <p:nvPr>
-            <p:ph idx="1" type="body"/>
+            <p:ph type="body" idx="1"/>
           </p:nvPr>
         </p:nvSpPr>
         <p:spPr>
@@ -1476,12 +1748,12 @@
           </a:prstGeom>
         </p:spPr>
         <p:txBody>
-          <a:bodyPr anchorCtr="0" anchor="t" bIns="91425" lIns="91425" spcFirstLastPara="1" rIns="91425" wrap="square" tIns="91425">
+          <a:bodyPr spcFirstLastPara="1" wrap="square" lIns="91425" tIns="91425" rIns="91425" bIns="91425" anchor="t" anchorCtr="0">
             <a:noAutofit/>
           </a:bodyPr>
           <a:lstStyle/>
           <a:p>
-            <a:pPr indent="0" lvl="0" marL="0" rtl="0" algn="l">
+            <a:pPr marL="0" lvl="0" indent="0" algn="l" rtl="0">
               <a:spcBef>
                 <a:spcPts val="0"/>
               </a:spcBef>
@@ -1490,9 +1762,6 @@
               </a:spcAft>
               <a:buNone/>
             </a:pPr>
-            <a:r>
-              <a:t/>
-            </a:r>
             <a:endParaRPr/>
           </a:p>
         </p:txBody>
@@ -1505,12 +1774,12 @@
 </p:notes>
 </file>
 
-<file path=ppt/notesSlides/notesSlide6.xml><?xml version="1.0" encoding="utf-8"?>
-<p:notes xmlns:a="http://schemas.openxmlformats.org/drawingml/2006/main" xmlns:r="http://schemas.openxmlformats.org/officeDocument/2006/relationships" xmlns:mc="http://schemas.openxmlformats.org/markup-compatibility/2006" xmlns:mv="urn:schemas-microsoft-com:mac:vml" xmlns:p="http://schemas.openxmlformats.org/presentationml/2006/main" xmlns:c="http://schemas.openxmlformats.org/drawingml/2006/chart" xmlns:dgm="http://schemas.openxmlformats.org/drawingml/2006/diagram" xmlns:o="urn:schemas-microsoft-com:office:office" xmlns:v="urn:schemas-microsoft-com:vml" xmlns:pvml="urn:schemas-microsoft-com:office:powerpoint" xmlns:com="http://schemas.openxmlformats.org/drawingml/2006/compatibility" xmlns:p14="http://schemas.microsoft.com/office/powerpoint/2010/main" xmlns:p15="http://schemas.microsoft.com/office/powerpoint/2012/main" xmlns:ahyp="http://schemas.microsoft.com/office/drawing/2018/hyperlinkcolor" showMasterPhAnim="0" showMasterSp="0">
+<file path=ppt/notesSlides/notesSlide7.xml><?xml version="1.0" encoding="utf-8"?>
+<p:notes xmlns:a="http://schemas.openxmlformats.org/drawingml/2006/main" xmlns:r="http://schemas.openxmlformats.org/officeDocument/2006/relationships" xmlns:p="http://schemas.openxmlformats.org/presentationml/2006/main" showMasterSp="0" showMasterPhAnim="0">
   <p:cSld>
     <p:spTree>
       <p:nvGrpSpPr>
-        <p:cNvPr id="161" name="Shape 161"/>
+        <p:cNvPr id="1" name="Shape 161"/>
         <p:cNvGrpSpPr/>
         <p:nvPr/>
       </p:nvGrpSpPr>
@@ -1525,9 +1794,11 @@
       <p:sp>
         <p:nvSpPr>
           <p:cNvPr id="162" name="Google Shape;162;g254e32246d5_0_165:notes"/>
-          <p:cNvSpPr/>
+          <p:cNvSpPr>
+            <a:spLocks noGrp="1" noRot="1" noChangeAspect="1"/>
+          </p:cNvSpPr>
           <p:nvPr>
-            <p:ph idx="2" type="sldImg"/>
+            <p:ph type="sldImg" idx="2"/>
           </p:nvPr>
         </p:nvSpPr>
         <p:spPr>
@@ -1536,9 +1807,13 @@
             <a:ext cx="6096000" cy="3429000"/>
           </a:xfrm>
           <a:custGeom>
-            <a:rect b="b" l="l" r="r" t="t"/>
+            <a:avLst/>
+            <a:gdLst/>
+            <a:ahLst/>
+            <a:cxnLst/>
+            <a:rect l="l" t="t" r="r" b="b"/>
             <a:pathLst>
-              <a:path extrusionOk="0" h="120000" w="120000">
+              <a:path w="120000" h="120000" extrusionOk="0">
                 <a:moveTo>
                   <a:pt x="0" y="0"/>
                 </a:moveTo>
@@ -1560,9 +1835,11 @@
       <p:sp>
         <p:nvSpPr>
           <p:cNvPr id="163" name="Google Shape;163;g254e32246d5_0_165:notes"/>
-          <p:cNvSpPr txBox="1"/>
+          <p:cNvSpPr txBox="1">
+            <a:spLocks noGrp="1"/>
+          </p:cNvSpPr>
           <p:nvPr>
-            <p:ph idx="1" type="body"/>
+            <p:ph type="body" idx="1"/>
           </p:nvPr>
         </p:nvSpPr>
         <p:spPr>
@@ -1575,12 +1852,12 @@
           </a:prstGeom>
         </p:spPr>
         <p:txBody>
-          <a:bodyPr anchorCtr="0" anchor="t" bIns="91425" lIns="91425" spcFirstLastPara="1" rIns="91425" wrap="square" tIns="91425">
+          <a:bodyPr spcFirstLastPara="1" wrap="square" lIns="91425" tIns="91425" rIns="91425" bIns="91425" anchor="t" anchorCtr="0">
             <a:noAutofit/>
           </a:bodyPr>
           <a:lstStyle/>
           <a:p>
-            <a:pPr indent="0" lvl="0" marL="0" rtl="0" algn="l">
+            <a:pPr marL="0" lvl="0" indent="0" algn="l" rtl="0">
               <a:spcBef>
                 <a:spcPts val="0"/>
               </a:spcBef>
@@ -1589,9 +1866,6 @@
               </a:spcAft>
               <a:buNone/>
             </a:pPr>
-            <a:r>
-              <a:t/>
-            </a:r>
             <a:endParaRPr/>
           </a:p>
         </p:txBody>
@@ -1604,12 +1878,12 @@
 </p:notes>
 </file>
 
-<file path=ppt/notesSlides/notesSlide7.xml><?xml version="1.0" encoding="utf-8"?>
-<p:notes xmlns:a="http://schemas.openxmlformats.org/drawingml/2006/main" xmlns:r="http://schemas.openxmlformats.org/officeDocument/2006/relationships" xmlns:mc="http://schemas.openxmlformats.org/markup-compatibility/2006" xmlns:mv="urn:schemas-microsoft-com:mac:vml" xmlns:p="http://schemas.openxmlformats.org/presentationml/2006/main" xmlns:c="http://schemas.openxmlformats.org/drawingml/2006/chart" xmlns:dgm="http://schemas.openxmlformats.org/drawingml/2006/diagram" xmlns:o="urn:schemas-microsoft-com:office:office" xmlns:v="urn:schemas-microsoft-com:vml" xmlns:pvml="urn:schemas-microsoft-com:office:powerpoint" xmlns:com="http://schemas.openxmlformats.org/drawingml/2006/compatibility" xmlns:p14="http://schemas.microsoft.com/office/powerpoint/2010/main" xmlns:p15="http://schemas.microsoft.com/office/powerpoint/2012/main" xmlns:ahyp="http://schemas.microsoft.com/office/drawing/2018/hyperlinkcolor" showMasterPhAnim="0" showMasterSp="0">
+<file path=ppt/notesSlides/notesSlide8.xml><?xml version="1.0" encoding="utf-8"?>
+<p:notes xmlns:a="http://schemas.openxmlformats.org/drawingml/2006/main" xmlns:r="http://schemas.openxmlformats.org/officeDocument/2006/relationships" xmlns:p="http://schemas.openxmlformats.org/presentationml/2006/main" showMasterSp="0" showMasterPhAnim="0">
   <p:cSld>
     <p:spTree>
       <p:nvGrpSpPr>
-        <p:cNvPr id="167" name="Shape 167"/>
+        <p:cNvPr id="1" name="Shape 167"/>
         <p:cNvGrpSpPr/>
         <p:nvPr/>
       </p:nvGrpSpPr>
@@ -1624,9 +1898,11 @@
       <p:sp>
         <p:nvSpPr>
           <p:cNvPr id="168" name="Google Shape;168;g254e5806e42_0_0:notes"/>
-          <p:cNvSpPr/>
+          <p:cNvSpPr>
+            <a:spLocks noGrp="1" noRot="1" noChangeAspect="1"/>
+          </p:cNvSpPr>
           <p:nvPr>
-            <p:ph idx="2" type="sldImg"/>
+            <p:ph type="sldImg" idx="2"/>
           </p:nvPr>
         </p:nvSpPr>
         <p:spPr>
@@ -1635,9 +1911,13 @@
             <a:ext cx="6096000" cy="3429000"/>
           </a:xfrm>
           <a:custGeom>
-            <a:rect b="b" l="l" r="r" t="t"/>
+            <a:avLst/>
+            <a:gdLst/>
+            <a:ahLst/>
+            <a:cxnLst/>
+            <a:rect l="l" t="t" r="r" b="b"/>
             <a:pathLst>
-              <a:path extrusionOk="0" h="120000" w="120000">
+              <a:path w="120000" h="120000" extrusionOk="0">
                 <a:moveTo>
                   <a:pt x="0" y="0"/>
                 </a:moveTo>
@@ -1659,9 +1939,11 @@
       <p:sp>
         <p:nvSpPr>
           <p:cNvPr id="169" name="Google Shape;169;g254e5806e42_0_0:notes"/>
-          <p:cNvSpPr txBox="1"/>
+          <p:cNvSpPr txBox="1">
+            <a:spLocks noGrp="1"/>
+          </p:cNvSpPr>
           <p:nvPr>
-            <p:ph idx="1" type="body"/>
+            <p:ph type="body" idx="1"/>
           </p:nvPr>
         </p:nvSpPr>
         <p:spPr>
@@ -1674,12 +1956,12 @@
           </a:prstGeom>
         </p:spPr>
         <p:txBody>
-          <a:bodyPr anchorCtr="0" anchor="t" bIns="91425" lIns="91425" spcFirstLastPara="1" rIns="91425" wrap="square" tIns="91425">
+          <a:bodyPr spcFirstLastPara="1" wrap="square" lIns="91425" tIns="91425" rIns="91425" bIns="91425" anchor="t" anchorCtr="0">
             <a:noAutofit/>
           </a:bodyPr>
           <a:lstStyle/>
           <a:p>
-            <a:pPr indent="0" lvl="0" marL="0" rtl="0" algn="l">
+            <a:pPr marL="0" lvl="0" indent="0" algn="l" rtl="0">
               <a:spcBef>
                 <a:spcPts val="0"/>
               </a:spcBef>
@@ -1688,9 +1970,6 @@
               </a:spcAft>
               <a:buNone/>
             </a:pPr>
-            <a:r>
-              <a:t/>
-            </a:r>
             <a:endParaRPr/>
           </a:p>
         </p:txBody>
@@ -1703,12 +1982,12 @@
 </p:notes>
 </file>
 
-<file path=ppt/notesSlides/notesSlide8.xml><?xml version="1.0" encoding="utf-8"?>
-<p:notes xmlns:a="http://schemas.openxmlformats.org/drawingml/2006/main" xmlns:r="http://schemas.openxmlformats.org/officeDocument/2006/relationships" xmlns:mc="http://schemas.openxmlformats.org/markup-compatibility/2006" xmlns:mv="urn:schemas-microsoft-com:mac:vml" xmlns:p="http://schemas.openxmlformats.org/presentationml/2006/main" xmlns:c="http://schemas.openxmlformats.org/drawingml/2006/chart" xmlns:dgm="http://schemas.openxmlformats.org/drawingml/2006/diagram" xmlns:o="urn:schemas-microsoft-com:office:office" xmlns:v="urn:schemas-microsoft-com:vml" xmlns:pvml="urn:schemas-microsoft-com:office:powerpoint" xmlns:com="http://schemas.openxmlformats.org/drawingml/2006/compatibility" xmlns:p14="http://schemas.microsoft.com/office/powerpoint/2010/main" xmlns:p15="http://schemas.microsoft.com/office/powerpoint/2012/main" xmlns:ahyp="http://schemas.microsoft.com/office/drawing/2018/hyperlinkcolor" showMasterPhAnim="0" showMasterSp="0">
+<file path=ppt/notesSlides/notesSlide9.xml><?xml version="1.0" encoding="utf-8"?>
+<p:notes xmlns:a="http://schemas.openxmlformats.org/drawingml/2006/main" xmlns:r="http://schemas.openxmlformats.org/officeDocument/2006/relationships" xmlns:p="http://schemas.openxmlformats.org/presentationml/2006/main" showMasterSp="0" showMasterPhAnim="0">
   <p:cSld>
     <p:spTree>
       <p:nvGrpSpPr>
-        <p:cNvPr id="173" name="Shape 173"/>
+        <p:cNvPr id="1" name="Shape 173"/>
         <p:cNvGrpSpPr/>
         <p:nvPr/>
       </p:nvGrpSpPr>
@@ -1723,20 +2002,26 @@
       <p:sp>
         <p:nvSpPr>
           <p:cNvPr id="174" name="Google Shape;174;g254e5806e42_0_10:notes"/>
-          <p:cNvSpPr/>
+          <p:cNvSpPr>
+            <a:spLocks noGrp="1" noRot="1" noChangeAspect="1"/>
+          </p:cNvSpPr>
           <p:nvPr>
-            <p:ph idx="2" type="sldImg"/>
+            <p:ph type="sldImg" idx="2"/>
           </p:nvPr>
         </p:nvSpPr>
         <p:spPr>
           <a:xfrm>
-            <a:off x="381300" y="685800"/>
+            <a:off x="381000" y="685800"/>
             <a:ext cx="6096000" cy="3429000"/>
           </a:xfrm>
           <a:custGeom>
-            <a:rect b="b" l="l" r="r" t="t"/>
+            <a:avLst/>
+            <a:gdLst/>
+            <a:ahLst/>
+            <a:cxnLst/>
+            <a:rect l="l" t="t" r="r" b="b"/>
             <a:pathLst>
-              <a:path extrusionOk="0" h="120000" w="120000">
+              <a:path w="120000" h="120000" extrusionOk="0">
                 <a:moveTo>
                   <a:pt x="0" y="0"/>
                 </a:moveTo>
@@ -1758,9 +2043,11 @@
       <p:sp>
         <p:nvSpPr>
           <p:cNvPr id="175" name="Google Shape;175;g254e5806e42_0_10:notes"/>
-          <p:cNvSpPr txBox="1"/>
+          <p:cNvSpPr txBox="1">
+            <a:spLocks noGrp="1"/>
+          </p:cNvSpPr>
           <p:nvPr>
-            <p:ph idx="1" type="body"/>
+            <p:ph type="body" idx="1"/>
           </p:nvPr>
         </p:nvSpPr>
         <p:spPr>
@@ -1773,12 +2060,12 @@
           </a:prstGeom>
         </p:spPr>
         <p:txBody>
-          <a:bodyPr anchorCtr="0" anchor="t" bIns="91425" lIns="91425" spcFirstLastPara="1" rIns="91425" wrap="square" tIns="91425">
+          <a:bodyPr spcFirstLastPara="1" wrap="square" lIns="91425" tIns="91425" rIns="91425" bIns="91425" anchor="t" anchorCtr="0">
             <a:noAutofit/>
           </a:bodyPr>
           <a:lstStyle/>
           <a:p>
-            <a:pPr indent="0" lvl="0" marL="0" rtl="0" algn="l">
+            <a:pPr marL="0" lvl="0" indent="0" algn="l" rtl="0">
               <a:spcBef>
                 <a:spcPts val="0"/>
               </a:spcBef>
@@ -1787,108 +2074,6 @@
               </a:spcAft>
               <a:buNone/>
             </a:pPr>
-            <a:r>
-              <a:t/>
-            </a:r>
-            <a:endParaRPr/>
-          </a:p>
-        </p:txBody>
-      </p:sp>
-    </p:spTree>
-  </p:cSld>
-  <p:clrMapOvr>
-    <a:masterClrMapping/>
-  </p:clrMapOvr>
-</p:notes>
-</file>
-
-<file path=ppt/notesSlides/notesSlide9.xml><?xml version="1.0" encoding="utf-8"?>
-<p:notes xmlns:a="http://schemas.openxmlformats.org/drawingml/2006/main" xmlns:r="http://schemas.openxmlformats.org/officeDocument/2006/relationships" xmlns:mc="http://schemas.openxmlformats.org/markup-compatibility/2006" xmlns:mv="urn:schemas-microsoft-com:mac:vml" xmlns:p="http://schemas.openxmlformats.org/presentationml/2006/main" xmlns:c="http://schemas.openxmlformats.org/drawingml/2006/chart" xmlns:dgm="http://schemas.openxmlformats.org/drawingml/2006/diagram" xmlns:o="urn:schemas-microsoft-com:office:office" xmlns:v="urn:schemas-microsoft-com:vml" xmlns:pvml="urn:schemas-microsoft-com:office:powerpoint" xmlns:com="http://schemas.openxmlformats.org/drawingml/2006/compatibility" xmlns:p14="http://schemas.microsoft.com/office/powerpoint/2010/main" xmlns:p15="http://schemas.microsoft.com/office/powerpoint/2012/main" xmlns:ahyp="http://schemas.microsoft.com/office/drawing/2018/hyperlinkcolor" showMasterPhAnim="0" showMasterSp="0">
-  <p:cSld>
-    <p:spTree>
-      <p:nvGrpSpPr>
-        <p:cNvPr id="179" name="Shape 179"/>
-        <p:cNvGrpSpPr/>
-        <p:nvPr/>
-      </p:nvGrpSpPr>
-      <p:grpSpPr>
-        <a:xfrm>
-          <a:off x="0" y="0"/>
-          <a:ext cx="0" cy="0"/>
-          <a:chOff x="0" y="0"/>
-          <a:chExt cx="0" cy="0"/>
-        </a:xfrm>
-      </p:grpSpPr>
-      <p:sp>
-        <p:nvSpPr>
-          <p:cNvPr id="180" name="Google Shape;180;g254e5806e42_0_52:notes"/>
-          <p:cNvSpPr/>
-          <p:nvPr>
-            <p:ph idx="2" type="sldImg"/>
-          </p:nvPr>
-        </p:nvSpPr>
-        <p:spPr>
-          <a:xfrm>
-            <a:off x="381300" y="685800"/>
-            <a:ext cx="6096000" cy="3429000"/>
-          </a:xfrm>
-          <a:custGeom>
-            <a:rect b="b" l="l" r="r" t="t"/>
-            <a:pathLst>
-              <a:path extrusionOk="0" h="120000" w="120000">
-                <a:moveTo>
-                  <a:pt x="0" y="0"/>
-                </a:moveTo>
-                <a:lnTo>
-                  <a:pt x="120000" y="0"/>
-                </a:lnTo>
-                <a:lnTo>
-                  <a:pt x="120000" y="120000"/>
-                </a:lnTo>
-                <a:lnTo>
-                  <a:pt x="0" y="120000"/>
-                </a:lnTo>
-                <a:close/>
-              </a:path>
-            </a:pathLst>
-          </a:custGeom>
-        </p:spPr>
-      </p:sp>
-      <p:sp>
-        <p:nvSpPr>
-          <p:cNvPr id="181" name="Google Shape;181;g254e5806e42_0_52:notes"/>
-          <p:cNvSpPr txBox="1"/>
-          <p:nvPr>
-            <p:ph idx="1" type="body"/>
-          </p:nvPr>
-        </p:nvSpPr>
-        <p:spPr>
-          <a:xfrm>
-            <a:off x="685800" y="4343400"/>
-            <a:ext cx="5486400" cy="4114800"/>
-          </a:xfrm>
-          <a:prstGeom prst="rect">
-            <a:avLst/>
-          </a:prstGeom>
-        </p:spPr>
-        <p:txBody>
-          <a:bodyPr anchorCtr="0" anchor="t" bIns="91425" lIns="91425" spcFirstLastPara="1" rIns="91425" wrap="square" tIns="91425">
-            <a:noAutofit/>
-          </a:bodyPr>
-          <a:lstStyle/>
-          <a:p>
-            <a:pPr indent="0" lvl="0" marL="0" rtl="0" algn="l">
-              <a:spcBef>
-                <a:spcPts val="0"/>
-              </a:spcBef>
-              <a:spcAft>
-                <a:spcPts val="0"/>
-              </a:spcAft>
-              <a:buNone/>
-            </a:pPr>
-            <a:r>
-              <a:t/>
-            </a:r>
             <a:endParaRPr/>
           </a:p>
         </p:txBody>
@@ -1902,11 +2087,11 @@
 </file>
 
 <file path=ppt/slideLayouts/slideLayout1.xml><?xml version="1.0" encoding="utf-8"?>
-<p:sldLayout xmlns:a="http://schemas.openxmlformats.org/drawingml/2006/main" xmlns:r="http://schemas.openxmlformats.org/officeDocument/2006/relationships" xmlns:mc="http://schemas.openxmlformats.org/markup-compatibility/2006" xmlns:mv="urn:schemas-microsoft-com:mac:vml" xmlns:p="http://schemas.openxmlformats.org/presentationml/2006/main" xmlns:c="http://schemas.openxmlformats.org/drawingml/2006/chart" xmlns:dgm="http://schemas.openxmlformats.org/drawingml/2006/diagram" xmlns:o="urn:schemas-microsoft-com:office:office" xmlns:v="urn:schemas-microsoft-com:vml" xmlns:pvml="urn:schemas-microsoft-com:office:powerpoint" xmlns:com="http://schemas.openxmlformats.org/drawingml/2006/compatibility" xmlns:p14="http://schemas.microsoft.com/office/powerpoint/2010/main" xmlns:p15="http://schemas.microsoft.com/office/powerpoint/2012/main" xmlns:ahyp="http://schemas.microsoft.com/office/drawing/2018/hyperlinkcolor" matchingName="Title slide" type="title">
+<p:sldLayout xmlns:a="http://schemas.openxmlformats.org/drawingml/2006/main" xmlns:r="http://schemas.openxmlformats.org/officeDocument/2006/relationships" xmlns:p="http://schemas.openxmlformats.org/presentationml/2006/main" matchingName="Title slide" type="title">
   <p:cSld name="TITLE">
     <p:spTree>
       <p:nvGrpSpPr>
-        <p:cNvPr id="9" name="Shape 9"/>
+        <p:cNvPr id="1" name="Shape 9"/>
         <p:cNvGrpSpPr/>
         <p:nvPr/>
       </p:nvGrpSpPr>
@@ -1931,7 +2116,7 @@
           </a:xfrm>
           <a:prstGeom prst="diagStripe">
             <a:avLst>
-              <a:gd fmla="val 0" name="adj"/>
+              <a:gd name="adj" fmla="val 0"/>
             </a:avLst>
           </a:prstGeom>
           <a:solidFill>
@@ -1944,12 +2129,12 @@
           </a:ln>
         </p:spPr>
         <p:txBody>
-          <a:bodyPr anchorCtr="0" anchor="ctr" bIns="91425" lIns="91425" spcFirstLastPara="1" rIns="91425" wrap="square" tIns="91425">
+          <a:bodyPr spcFirstLastPara="1" wrap="square" lIns="91425" tIns="91425" rIns="91425" bIns="91425" anchor="ctr" anchorCtr="0">
             <a:noAutofit/>
           </a:bodyPr>
           <a:lstStyle/>
           <a:p>
-            <a:pPr indent="0" lvl="0" marL="0" rtl="0" algn="l">
+            <a:pPr marL="0" lvl="0" indent="0" algn="l" rtl="0">
               <a:spcBef>
                 <a:spcPts val="0"/>
               </a:spcBef>
@@ -1958,9 +2143,6 @@
               </a:spcAft>
               <a:buNone/>
             </a:pPr>
-            <a:r>
-              <a:t/>
-            </a:r>
             <a:endParaRPr/>
           </a:p>
         </p:txBody>
@@ -1992,7 +2174,7 @@
             </a:xfrm>
             <a:prstGeom prst="diagStripe">
               <a:avLst>
-                <a:gd fmla="val 50000" name="adj"/>
+                <a:gd name="adj" fmla="val 50000"/>
               </a:avLst>
             </a:prstGeom>
             <a:solidFill>
@@ -2005,12 +2187,12 @@
             </a:ln>
           </p:spPr>
           <p:txBody>
-            <a:bodyPr anchorCtr="0" anchor="ctr" bIns="91425" lIns="91425" spcFirstLastPara="1" rIns="91425" wrap="square" tIns="91425">
+            <a:bodyPr spcFirstLastPara="1" wrap="square" lIns="91425" tIns="91425" rIns="91425" bIns="91425" anchor="ctr" anchorCtr="0">
               <a:noAutofit/>
             </a:bodyPr>
             <a:lstStyle/>
             <a:p>
-              <a:pPr indent="0" lvl="0" marL="0" rtl="0" algn="l">
+              <a:pPr marL="0" lvl="0" indent="0" algn="l" rtl="0">
                 <a:spcBef>
                   <a:spcPts val="0"/>
                 </a:spcBef>
@@ -2019,9 +2201,6 @@
                 </a:spcAft>
                 <a:buNone/>
               </a:pPr>
-              <a:r>
-                <a:t/>
-              </a:r>
               <a:endParaRPr/>
             </a:p>
           </p:txBody>
@@ -2039,7 +2218,7 @@
             </a:xfrm>
             <a:prstGeom prst="diagStripe">
               <a:avLst>
-                <a:gd fmla="val 58774" name="adj"/>
+                <a:gd name="adj" fmla="val 58774"/>
               </a:avLst>
             </a:prstGeom>
             <a:solidFill>
@@ -2052,12 +2231,12 @@
             </a:ln>
           </p:spPr>
           <p:txBody>
-            <a:bodyPr anchorCtr="0" anchor="ctr" bIns="91425" lIns="91425" spcFirstLastPara="1" rIns="91425" wrap="square" tIns="91425">
+            <a:bodyPr spcFirstLastPara="1" wrap="square" lIns="91425" tIns="91425" rIns="91425" bIns="91425" anchor="ctr" anchorCtr="0">
               <a:noAutofit/>
             </a:bodyPr>
             <a:lstStyle/>
             <a:p>
-              <a:pPr indent="0" lvl="0" marL="0" rtl="0" algn="l">
+              <a:pPr marL="0" lvl="0" indent="0" algn="l" rtl="0">
                 <a:spcBef>
                   <a:spcPts val="0"/>
                 </a:spcBef>
@@ -2066,9 +2245,6 @@
                 </a:spcAft>
                 <a:buNone/>
               </a:pPr>
-              <a:r>
-                <a:t/>
-              </a:r>
               <a:endParaRPr/>
             </a:p>
           </p:txBody>
@@ -2086,7 +2262,7 @@
             </a:xfrm>
             <a:prstGeom prst="diagStripe">
               <a:avLst>
-                <a:gd fmla="val 50000" name="adj"/>
+                <a:gd name="adj" fmla="val 50000"/>
               </a:avLst>
             </a:prstGeom>
             <a:solidFill>
@@ -2097,12 +2273,12 @@
             </a:ln>
           </p:spPr>
           <p:txBody>
-            <a:bodyPr anchorCtr="0" anchor="ctr" bIns="91425" lIns="91425" spcFirstLastPara="1" rIns="91425" wrap="square" tIns="91425">
+            <a:bodyPr spcFirstLastPara="1" wrap="square" lIns="91425" tIns="91425" rIns="91425" bIns="91425" anchor="ctr" anchorCtr="0">
               <a:noAutofit/>
             </a:bodyPr>
             <a:lstStyle/>
             <a:p>
-              <a:pPr indent="0" lvl="0" marL="0" rtl="0" algn="l">
+              <a:pPr marL="0" lvl="0" indent="0" algn="l" rtl="0">
                 <a:spcBef>
                   <a:spcPts val="0"/>
                 </a:spcBef>
@@ -2111,9 +2287,6 @@
                 </a:spcAft>
                 <a:buNone/>
               </a:pPr>
-              <a:r>
-                <a:t/>
-              </a:r>
               <a:endParaRPr/>
             </a:p>
           </p:txBody>
@@ -2131,7 +2304,7 @@
             </a:xfrm>
             <a:prstGeom prst="diagStripe">
               <a:avLst>
-                <a:gd fmla="val 50000" name="adj"/>
+                <a:gd name="adj" fmla="val 50000"/>
               </a:avLst>
             </a:prstGeom>
             <a:solidFill>
@@ -2142,12 +2315,12 @@
             </a:ln>
           </p:spPr>
           <p:txBody>
-            <a:bodyPr anchorCtr="0" anchor="ctr" bIns="91425" lIns="91425" spcFirstLastPara="1" rIns="91425" wrap="square" tIns="91425">
+            <a:bodyPr spcFirstLastPara="1" wrap="square" lIns="91425" tIns="91425" rIns="91425" bIns="91425" anchor="ctr" anchorCtr="0">
               <a:noAutofit/>
             </a:bodyPr>
             <a:lstStyle/>
             <a:p>
-              <a:pPr indent="0" lvl="0" marL="0" rtl="0" algn="l">
+              <a:pPr marL="0" lvl="0" indent="0" algn="l" rtl="0">
                 <a:spcBef>
                   <a:spcPts val="0"/>
                 </a:spcBef>
@@ -2156,9 +2329,6 @@
                 </a:spcAft>
                 <a:buNone/>
               </a:pPr>
-              <a:r>
-                <a:t/>
-              </a:r>
               <a:endParaRPr/>
             </a:p>
           </p:txBody>
@@ -2167,7 +2337,9 @@
       <p:sp>
         <p:nvSpPr>
           <p:cNvPr id="16" name="Google Shape;16;p2"/>
-          <p:cNvSpPr txBox="1"/>
+          <p:cNvSpPr txBox="1">
+            <a:spLocks noGrp="1"/>
+          </p:cNvSpPr>
           <p:nvPr>
             <p:ph type="ctrTitle"/>
           </p:nvPr>
@@ -2182,7 +2354,7 @@
           </a:prstGeom>
         </p:spPr>
         <p:txBody>
-          <a:bodyPr anchorCtr="0" anchor="t" bIns="91425" lIns="91425" spcFirstLastPara="1" rIns="91425" wrap="square" tIns="91425">
+          <a:bodyPr spcFirstLastPara="1" wrap="square" lIns="91425" tIns="91425" rIns="91425" bIns="91425" anchor="t" anchorCtr="0">
             <a:normAutofit/>
           </a:bodyPr>
           <a:lstStyle>
@@ -2286,15 +2458,19 @@
               <a:defRPr sz="4000"/>
             </a:lvl9pPr>
           </a:lstStyle>
-          <a:p/>
+          <a:p>
+            <a:endParaRPr/>
+          </a:p>
         </p:txBody>
       </p:sp>
       <p:sp>
         <p:nvSpPr>
           <p:cNvPr id="17" name="Google Shape;17;p2"/>
-          <p:cNvSpPr txBox="1"/>
+          <p:cNvSpPr txBox="1">
+            <a:spLocks noGrp="1"/>
+          </p:cNvSpPr>
           <p:nvPr>
-            <p:ph idx="1" type="subTitle"/>
+            <p:ph type="subTitle" idx="1"/>
           </p:nvPr>
         </p:nvSpPr>
         <p:spPr>
@@ -2307,7 +2483,7 @@
           </a:prstGeom>
         </p:spPr>
         <p:txBody>
-          <a:bodyPr anchorCtr="0" anchor="t" bIns="91425" lIns="91425" spcFirstLastPara="1" rIns="91425" wrap="square" tIns="91425">
+          <a:bodyPr spcFirstLastPara="1" wrap="square" lIns="91425" tIns="91425" rIns="91425" bIns="91425" anchor="t" anchorCtr="0">
             <a:normAutofit/>
           </a:bodyPr>
           <a:lstStyle>
@@ -2438,15 +2614,19 @@
               <a:defRPr sz="1300"/>
             </a:lvl9pPr>
           </a:lstStyle>
-          <a:p/>
+          <a:p>
+            <a:endParaRPr/>
+          </a:p>
         </p:txBody>
       </p:sp>
       <p:sp>
         <p:nvSpPr>
           <p:cNvPr id="18" name="Google Shape;18;p2"/>
-          <p:cNvSpPr txBox="1"/>
+          <p:cNvSpPr txBox="1">
+            <a:spLocks noGrp="1"/>
+          </p:cNvSpPr>
           <p:nvPr>
-            <p:ph idx="12" type="sldNum"/>
+            <p:ph type="sldNum" idx="12"/>
           </p:nvPr>
         </p:nvSpPr>
         <p:spPr>
@@ -2459,7 +2639,7 @@
           </a:prstGeom>
         </p:spPr>
         <p:txBody>
-          <a:bodyPr anchorCtr="0" anchor="ctr" bIns="91425" lIns="91425" spcFirstLastPara="1" rIns="91425" wrap="square" tIns="91425">
+          <a:bodyPr spcFirstLastPara="1" wrap="square" lIns="91425" tIns="91425" rIns="91425" bIns="91425" anchor="ctr" anchorCtr="0">
             <a:normAutofit/>
           </a:bodyPr>
           <a:lstStyle>
@@ -2501,7 +2681,7 @@
             </a:lvl9pPr>
           </a:lstStyle>
           <a:p>
-            <a:pPr indent="0" lvl="0" marL="0" rtl="0" algn="r">
+            <a:pPr marL="0" lvl="0" indent="0" algn="r" rtl="0">
               <a:spcBef>
                 <a:spcPts val="0"/>
               </a:spcBef>
@@ -2527,11 +2707,11 @@
 </file>
 
 <file path=ppt/slideLayouts/slideLayout10.xml><?xml version="1.0" encoding="utf-8"?>
-<p:sldLayout xmlns:a="http://schemas.openxmlformats.org/drawingml/2006/main" xmlns:r="http://schemas.openxmlformats.org/officeDocument/2006/relationships" xmlns:mc="http://schemas.openxmlformats.org/markup-compatibility/2006" xmlns:mv="urn:schemas-microsoft-com:mac:vml" xmlns:p="http://schemas.openxmlformats.org/presentationml/2006/main" xmlns:c="http://schemas.openxmlformats.org/drawingml/2006/chart" xmlns:dgm="http://schemas.openxmlformats.org/drawingml/2006/diagram" xmlns:o="urn:schemas-microsoft-com:office:office" xmlns:v="urn:schemas-microsoft-com:vml" xmlns:pvml="urn:schemas-microsoft-com:office:powerpoint" xmlns:com="http://schemas.openxmlformats.org/drawingml/2006/compatibility" xmlns:p14="http://schemas.microsoft.com/office/powerpoint/2010/main" xmlns:p15="http://schemas.microsoft.com/office/powerpoint/2012/main" xmlns:ahyp="http://schemas.microsoft.com/office/drawing/2018/hyperlinkcolor" matchingName="Big number">
+<p:sldLayout xmlns:a="http://schemas.openxmlformats.org/drawingml/2006/main" xmlns:r="http://schemas.openxmlformats.org/officeDocument/2006/relationships" xmlns:p="http://schemas.openxmlformats.org/presentationml/2006/main" matchingName="Big number">
   <p:cSld name="BIG_NUMBER">
     <p:spTree>
       <p:nvGrpSpPr>
-        <p:cNvPr id="105" name="Shape 105"/>
+        <p:cNvPr id="1" name="Shape 105"/>
         <p:cNvGrpSpPr/>
         <p:nvPr/>
       </p:nvGrpSpPr>
@@ -2570,7 +2750,7 @@
             </a:xfrm>
             <a:prstGeom prst="diagStripe">
               <a:avLst>
-                <a:gd fmla="val 49469" name="adj"/>
+                <a:gd name="adj" fmla="val 49469"/>
               </a:avLst>
             </a:prstGeom>
             <a:solidFill>
@@ -2583,12 +2763,12 @@
             </a:ln>
           </p:spPr>
           <p:txBody>
-            <a:bodyPr anchorCtr="0" anchor="ctr" bIns="91425" lIns="91425" spcFirstLastPara="1" rIns="91425" wrap="square" tIns="91425">
+            <a:bodyPr spcFirstLastPara="1" wrap="square" lIns="91425" tIns="91425" rIns="91425" bIns="91425" anchor="ctr" anchorCtr="0">
               <a:noAutofit/>
             </a:bodyPr>
             <a:lstStyle/>
             <a:p>
-              <a:pPr indent="0" lvl="0" marL="0" rtl="0" algn="l">
+              <a:pPr marL="0" lvl="0" indent="0" algn="l" rtl="0">
                 <a:spcBef>
                   <a:spcPts val="0"/>
                 </a:spcBef>
@@ -2597,9 +2777,6 @@
                 </a:spcAft>
                 <a:buNone/>
               </a:pPr>
-              <a:r>
-                <a:t/>
-              </a:r>
               <a:endParaRPr/>
             </a:p>
           </p:txBody>
@@ -2617,7 +2794,7 @@
             </a:xfrm>
             <a:prstGeom prst="diagStripe">
               <a:avLst>
-                <a:gd fmla="val 0" name="adj"/>
+                <a:gd name="adj" fmla="val 0"/>
               </a:avLst>
             </a:prstGeom>
             <a:solidFill>
@@ -2630,12 +2807,12 @@
             </a:ln>
           </p:spPr>
           <p:txBody>
-            <a:bodyPr anchorCtr="0" anchor="ctr" bIns="91425" lIns="91425" spcFirstLastPara="1" rIns="91425" wrap="square" tIns="91425">
+            <a:bodyPr spcFirstLastPara="1" wrap="square" lIns="91425" tIns="91425" rIns="91425" bIns="91425" anchor="ctr" anchorCtr="0">
               <a:noAutofit/>
             </a:bodyPr>
             <a:lstStyle/>
             <a:p>
-              <a:pPr indent="0" lvl="0" marL="0" rtl="0" algn="l">
+              <a:pPr marL="0" lvl="0" indent="0" algn="l" rtl="0">
                 <a:spcBef>
                   <a:spcPts val="0"/>
                 </a:spcBef>
@@ -2644,9 +2821,6 @@
                 </a:spcAft>
                 <a:buNone/>
               </a:pPr>
-              <a:r>
-                <a:t/>
-              </a:r>
               <a:endParaRPr/>
             </a:p>
           </p:txBody>
@@ -2664,7 +2838,7 @@
             </a:xfrm>
             <a:prstGeom prst="diagStripe">
               <a:avLst>
-                <a:gd fmla="val 50000" name="adj"/>
+                <a:gd name="adj" fmla="val 50000"/>
               </a:avLst>
             </a:prstGeom>
             <a:solidFill>
@@ -2677,12 +2851,12 @@
             </a:ln>
           </p:spPr>
           <p:txBody>
-            <a:bodyPr anchorCtr="0" anchor="ctr" bIns="91425" lIns="91425" spcFirstLastPara="1" rIns="91425" wrap="square" tIns="91425">
+            <a:bodyPr spcFirstLastPara="1" wrap="square" lIns="91425" tIns="91425" rIns="91425" bIns="91425" anchor="ctr" anchorCtr="0">
               <a:noAutofit/>
             </a:bodyPr>
             <a:lstStyle/>
             <a:p>
-              <a:pPr indent="0" lvl="0" marL="0" rtl="0" algn="l">
+              <a:pPr marL="0" lvl="0" indent="0" algn="l" rtl="0">
                 <a:spcBef>
                   <a:spcPts val="0"/>
                 </a:spcBef>
@@ -2691,9 +2865,6 @@
                 </a:spcAft>
                 <a:buNone/>
               </a:pPr>
-              <a:r>
-                <a:t/>
-              </a:r>
               <a:endParaRPr/>
             </a:p>
           </p:txBody>
@@ -2711,7 +2882,7 @@
             </a:xfrm>
             <a:prstGeom prst="diagStripe">
               <a:avLst>
-                <a:gd fmla="val 50000" name="adj"/>
+                <a:gd name="adj" fmla="val 50000"/>
               </a:avLst>
             </a:prstGeom>
             <a:solidFill>
@@ -2724,12 +2895,12 @@
             </a:ln>
           </p:spPr>
           <p:txBody>
-            <a:bodyPr anchorCtr="0" anchor="ctr" bIns="91425" lIns="91425" spcFirstLastPara="1" rIns="91425" wrap="square" tIns="91425">
+            <a:bodyPr spcFirstLastPara="1" wrap="square" lIns="91425" tIns="91425" rIns="91425" bIns="91425" anchor="ctr" anchorCtr="0">
               <a:noAutofit/>
             </a:bodyPr>
             <a:lstStyle/>
             <a:p>
-              <a:pPr indent="0" lvl="0" marL="0" rtl="0" algn="l">
+              <a:pPr marL="0" lvl="0" indent="0" algn="l" rtl="0">
                 <a:spcBef>
                   <a:spcPts val="0"/>
                 </a:spcBef>
@@ -2738,9 +2909,6 @@
                 </a:spcAft>
                 <a:buNone/>
               </a:pPr>
-              <a:r>
-                <a:t/>
-              </a:r>
               <a:endParaRPr/>
             </a:p>
           </p:txBody>
@@ -2758,7 +2926,7 @@
             </a:xfrm>
             <a:prstGeom prst="diagStripe">
               <a:avLst>
-                <a:gd fmla="val 50000" name="adj"/>
+                <a:gd name="adj" fmla="val 50000"/>
               </a:avLst>
             </a:prstGeom>
             <a:solidFill>
@@ -2771,12 +2939,12 @@
             </a:ln>
           </p:spPr>
           <p:txBody>
-            <a:bodyPr anchorCtr="0" anchor="ctr" bIns="91425" lIns="91425" spcFirstLastPara="1" rIns="91425" wrap="square" tIns="91425">
+            <a:bodyPr spcFirstLastPara="1" wrap="square" lIns="91425" tIns="91425" rIns="91425" bIns="91425" anchor="ctr" anchorCtr="0">
               <a:noAutofit/>
             </a:bodyPr>
             <a:lstStyle/>
             <a:p>
-              <a:pPr indent="0" lvl="0" marL="0" rtl="0" algn="l">
+              <a:pPr marL="0" lvl="0" indent="0" algn="l" rtl="0">
                 <a:spcBef>
                   <a:spcPts val="0"/>
                 </a:spcBef>
@@ -2785,9 +2953,6 @@
                 </a:spcAft>
                 <a:buNone/>
               </a:pPr>
-              <a:r>
-                <a:t/>
-              </a:r>
               <a:endParaRPr/>
             </a:p>
           </p:txBody>
@@ -2805,7 +2970,7 @@
             </a:xfrm>
             <a:prstGeom prst="diagStripe">
               <a:avLst>
-                <a:gd fmla="val 50000" name="adj"/>
+                <a:gd name="adj" fmla="val 50000"/>
               </a:avLst>
             </a:prstGeom>
             <a:solidFill>
@@ -2818,12 +2983,12 @@
             </a:ln>
           </p:spPr>
           <p:txBody>
-            <a:bodyPr anchorCtr="0" anchor="ctr" bIns="91425" lIns="91425" spcFirstLastPara="1" rIns="91425" wrap="square" tIns="91425">
+            <a:bodyPr spcFirstLastPara="1" wrap="square" lIns="91425" tIns="91425" rIns="91425" bIns="91425" anchor="ctr" anchorCtr="0">
               <a:noAutofit/>
             </a:bodyPr>
             <a:lstStyle/>
             <a:p>
-              <a:pPr indent="0" lvl="0" marL="0" rtl="0" algn="l">
+              <a:pPr marL="0" lvl="0" indent="0" algn="l" rtl="0">
                 <a:spcBef>
                   <a:spcPts val="0"/>
                 </a:spcBef>
@@ -2832,9 +2997,6 @@
                 </a:spcAft>
                 <a:buNone/>
               </a:pPr>
-              <a:r>
-                <a:t/>
-              </a:r>
               <a:endParaRPr/>
             </a:p>
           </p:txBody>
@@ -2852,7 +3014,7 @@
             </a:xfrm>
             <a:prstGeom prst="diagStripe">
               <a:avLst>
-                <a:gd fmla="val 50000" name="adj"/>
+                <a:gd name="adj" fmla="val 50000"/>
               </a:avLst>
             </a:prstGeom>
             <a:solidFill>
@@ -2865,12 +3027,12 @@
             </a:ln>
           </p:spPr>
           <p:txBody>
-            <a:bodyPr anchorCtr="0" anchor="ctr" bIns="91425" lIns="91425" spcFirstLastPara="1" rIns="91425" wrap="square" tIns="91425">
+            <a:bodyPr spcFirstLastPara="1" wrap="square" lIns="91425" tIns="91425" rIns="91425" bIns="91425" anchor="ctr" anchorCtr="0">
               <a:noAutofit/>
             </a:bodyPr>
             <a:lstStyle/>
             <a:p>
-              <a:pPr indent="0" lvl="0" marL="0" rtl="0" algn="l">
+              <a:pPr marL="0" lvl="0" indent="0" algn="l" rtl="0">
                 <a:spcBef>
                   <a:spcPts val="0"/>
                 </a:spcBef>
@@ -2879,9 +3041,6 @@
                 </a:spcAft>
                 <a:buNone/>
               </a:pPr>
-              <a:r>
-                <a:t/>
-              </a:r>
               <a:endParaRPr/>
             </a:p>
           </p:txBody>
@@ -2899,7 +3058,7 @@
             </a:xfrm>
             <a:prstGeom prst="diagStripe">
               <a:avLst>
-                <a:gd fmla="val 50000" name="adj"/>
+                <a:gd name="adj" fmla="val 50000"/>
               </a:avLst>
             </a:prstGeom>
             <a:solidFill>
@@ -2910,12 +3069,12 @@
             </a:ln>
           </p:spPr>
           <p:txBody>
-            <a:bodyPr anchorCtr="0" anchor="ctr" bIns="91425" lIns="91425" spcFirstLastPara="1" rIns="91425" wrap="square" tIns="91425">
+            <a:bodyPr spcFirstLastPara="1" wrap="square" lIns="91425" tIns="91425" rIns="91425" bIns="91425" anchor="ctr" anchorCtr="0">
               <a:noAutofit/>
             </a:bodyPr>
             <a:lstStyle/>
             <a:p>
-              <a:pPr indent="0" lvl="0" marL="0" rtl="0" algn="l">
+              <a:pPr marL="0" lvl="0" indent="0" algn="l" rtl="0">
                 <a:spcBef>
                   <a:spcPts val="0"/>
                 </a:spcBef>
@@ -2924,9 +3083,6 @@
                 </a:spcAft>
                 <a:buNone/>
               </a:pPr>
-              <a:r>
-                <a:t/>
-              </a:r>
               <a:endParaRPr/>
             </a:p>
           </p:txBody>
@@ -2944,7 +3100,7 @@
             </a:xfrm>
             <a:prstGeom prst="diagStripe">
               <a:avLst>
-                <a:gd fmla="val 50000" name="adj"/>
+                <a:gd name="adj" fmla="val 50000"/>
               </a:avLst>
             </a:prstGeom>
             <a:solidFill>
@@ -2957,12 +3113,12 @@
             </a:ln>
           </p:spPr>
           <p:txBody>
-            <a:bodyPr anchorCtr="0" anchor="ctr" bIns="91425" lIns="91425" spcFirstLastPara="1" rIns="91425" wrap="square" tIns="91425">
+            <a:bodyPr spcFirstLastPara="1" wrap="square" lIns="91425" tIns="91425" rIns="91425" bIns="91425" anchor="ctr" anchorCtr="0">
               <a:noAutofit/>
             </a:bodyPr>
             <a:lstStyle/>
             <a:p>
-              <a:pPr indent="0" lvl="0" marL="0" rtl="0" algn="l">
+              <a:pPr marL="0" lvl="0" indent="0" algn="l" rtl="0">
                 <a:spcBef>
                   <a:spcPts val="0"/>
                 </a:spcBef>
@@ -2971,9 +3127,6 @@
                 </a:spcAft>
                 <a:buNone/>
               </a:pPr>
-              <a:r>
-                <a:t/>
-              </a:r>
               <a:endParaRPr/>
             </a:p>
           </p:txBody>
@@ -2991,7 +3144,7 @@
             </a:xfrm>
             <a:prstGeom prst="diagStripe">
               <a:avLst>
-                <a:gd fmla="val 50000" name="adj"/>
+                <a:gd name="adj" fmla="val 50000"/>
               </a:avLst>
             </a:prstGeom>
             <a:solidFill>
@@ -3004,12 +3157,12 @@
             </a:ln>
           </p:spPr>
           <p:txBody>
-            <a:bodyPr anchorCtr="0" anchor="ctr" bIns="91425" lIns="91425" spcFirstLastPara="1" rIns="91425" wrap="square" tIns="91425">
+            <a:bodyPr spcFirstLastPara="1" wrap="square" lIns="91425" tIns="91425" rIns="91425" bIns="91425" anchor="ctr" anchorCtr="0">
               <a:noAutofit/>
             </a:bodyPr>
             <a:lstStyle/>
             <a:p>
-              <a:pPr indent="0" lvl="0" marL="0" rtl="0" algn="l">
+              <a:pPr marL="0" lvl="0" indent="0" algn="l" rtl="0">
                 <a:spcBef>
                   <a:spcPts val="0"/>
                 </a:spcBef>
@@ -3018,9 +3171,6 @@
                 </a:spcAft>
                 <a:buNone/>
               </a:pPr>
-              <a:r>
-                <a:t/>
-              </a:r>
               <a:endParaRPr/>
             </a:p>
           </p:txBody>
@@ -3038,7 +3188,7 @@
             </a:xfrm>
             <a:prstGeom prst="diagStripe">
               <a:avLst>
-                <a:gd fmla="val 50000" name="adj"/>
+                <a:gd name="adj" fmla="val 50000"/>
               </a:avLst>
             </a:prstGeom>
             <a:solidFill>
@@ -3051,12 +3201,12 @@
             </a:ln>
           </p:spPr>
           <p:txBody>
-            <a:bodyPr anchorCtr="0" anchor="ctr" bIns="91425" lIns="91425" spcFirstLastPara="1" rIns="91425" wrap="square" tIns="91425">
+            <a:bodyPr spcFirstLastPara="1" wrap="square" lIns="91425" tIns="91425" rIns="91425" bIns="91425" anchor="ctr" anchorCtr="0">
               <a:noAutofit/>
             </a:bodyPr>
             <a:lstStyle/>
             <a:p>
-              <a:pPr indent="0" lvl="0" marL="0" rtl="0" algn="l">
+              <a:pPr marL="0" lvl="0" indent="0" algn="l" rtl="0">
                 <a:spcBef>
                   <a:spcPts val="0"/>
                 </a:spcBef>
@@ -3065,9 +3215,6 @@
                 </a:spcAft>
                 <a:buNone/>
               </a:pPr>
-              <a:r>
-                <a:t/>
-              </a:r>
               <a:endParaRPr/>
             </a:p>
           </p:txBody>
@@ -3085,7 +3232,7 @@
             </a:xfrm>
             <a:prstGeom prst="diagStripe">
               <a:avLst>
-                <a:gd fmla="val 50000" name="adj"/>
+                <a:gd name="adj" fmla="val 50000"/>
               </a:avLst>
             </a:prstGeom>
             <a:solidFill>
@@ -3098,12 +3245,12 @@
             </a:ln>
           </p:spPr>
           <p:txBody>
-            <a:bodyPr anchorCtr="0" anchor="ctr" bIns="91425" lIns="91425" spcFirstLastPara="1" rIns="91425" wrap="square" tIns="91425">
+            <a:bodyPr spcFirstLastPara="1" wrap="square" lIns="91425" tIns="91425" rIns="91425" bIns="91425" anchor="ctr" anchorCtr="0">
               <a:noAutofit/>
             </a:bodyPr>
             <a:lstStyle/>
             <a:p>
-              <a:pPr indent="0" lvl="0" marL="0" rtl="0" algn="l">
+              <a:pPr marL="0" lvl="0" indent="0" algn="l" rtl="0">
                 <a:spcBef>
                   <a:spcPts val="0"/>
                 </a:spcBef>
@@ -3112,9 +3259,6 @@
                 </a:spcAft>
                 <a:buNone/>
               </a:pPr>
-              <a:r>
-                <a:t/>
-              </a:r>
               <a:endParaRPr/>
             </a:p>
           </p:txBody>
@@ -3132,7 +3276,7 @@
             </a:xfrm>
             <a:prstGeom prst="diagStripe">
               <a:avLst>
-                <a:gd fmla="val 50000" name="adj"/>
+                <a:gd name="adj" fmla="val 50000"/>
               </a:avLst>
             </a:prstGeom>
             <a:solidFill>
@@ -3145,12 +3289,12 @@
             </a:ln>
           </p:spPr>
           <p:txBody>
-            <a:bodyPr anchorCtr="0" anchor="ctr" bIns="91425" lIns="91425" spcFirstLastPara="1" rIns="91425" wrap="square" tIns="91425">
+            <a:bodyPr spcFirstLastPara="1" wrap="square" lIns="91425" tIns="91425" rIns="91425" bIns="91425" anchor="ctr" anchorCtr="0">
               <a:noAutofit/>
             </a:bodyPr>
             <a:lstStyle/>
             <a:p>
-              <a:pPr indent="0" lvl="0" marL="0" rtl="0" algn="l">
+              <a:pPr marL="0" lvl="0" indent="0" algn="l" rtl="0">
                 <a:spcBef>
                   <a:spcPts val="0"/>
                 </a:spcBef>
@@ -3159,9 +3303,6 @@
                 </a:spcAft>
                 <a:buNone/>
               </a:pPr>
-              <a:r>
-                <a:t/>
-              </a:r>
               <a:endParaRPr/>
             </a:p>
           </p:txBody>
@@ -3179,7 +3320,7 @@
             </a:xfrm>
             <a:prstGeom prst="diagStripe">
               <a:avLst>
-                <a:gd fmla="val 50000" name="adj"/>
+                <a:gd name="adj" fmla="val 50000"/>
               </a:avLst>
             </a:prstGeom>
             <a:solidFill>
@@ -3190,12 +3331,12 @@
             </a:ln>
           </p:spPr>
           <p:txBody>
-            <a:bodyPr anchorCtr="0" anchor="ctr" bIns="91425" lIns="91425" spcFirstLastPara="1" rIns="91425" wrap="square" tIns="91425">
+            <a:bodyPr spcFirstLastPara="1" wrap="square" lIns="91425" tIns="91425" rIns="91425" bIns="91425" anchor="ctr" anchorCtr="0">
               <a:noAutofit/>
             </a:bodyPr>
             <a:lstStyle/>
             <a:p>
-              <a:pPr indent="0" lvl="0" marL="0" rtl="0" algn="l">
+              <a:pPr marL="0" lvl="0" indent="0" algn="l" rtl="0">
                 <a:spcBef>
                   <a:spcPts val="0"/>
                 </a:spcBef>
@@ -3204,9 +3345,6 @@
                 </a:spcAft>
                 <a:buNone/>
               </a:pPr>
-              <a:r>
-                <a:t/>
-              </a:r>
               <a:endParaRPr/>
             </a:p>
           </p:txBody>
@@ -3224,7 +3362,7 @@
             </a:xfrm>
             <a:prstGeom prst="diagStripe">
               <a:avLst>
-                <a:gd fmla="val 50000" name="adj"/>
+                <a:gd name="adj" fmla="val 50000"/>
               </a:avLst>
             </a:prstGeom>
             <a:solidFill>
@@ -3237,12 +3375,12 @@
             </a:ln>
           </p:spPr>
           <p:txBody>
-            <a:bodyPr anchorCtr="0" anchor="ctr" bIns="91425" lIns="91425" spcFirstLastPara="1" rIns="91425" wrap="square" tIns="91425">
+            <a:bodyPr spcFirstLastPara="1" wrap="square" lIns="91425" tIns="91425" rIns="91425" bIns="91425" anchor="ctr" anchorCtr="0">
               <a:noAutofit/>
             </a:bodyPr>
             <a:lstStyle/>
             <a:p>
-              <a:pPr indent="0" lvl="0" marL="0" rtl="0" algn="l">
+              <a:pPr marL="0" lvl="0" indent="0" algn="l" rtl="0">
                 <a:spcBef>
                   <a:spcPts val="0"/>
                 </a:spcBef>
@@ -3251,9 +3389,6 @@
                 </a:spcAft>
                 <a:buNone/>
               </a:pPr>
-              <a:r>
-                <a:t/>
-              </a:r>
               <a:endParaRPr/>
             </a:p>
           </p:txBody>
@@ -3271,7 +3406,7 @@
             </a:xfrm>
             <a:prstGeom prst="diagStripe">
               <a:avLst>
-                <a:gd fmla="val 50000" name="adj"/>
+                <a:gd name="adj" fmla="val 50000"/>
               </a:avLst>
             </a:prstGeom>
             <a:solidFill>
@@ -3284,12 +3419,12 @@
             </a:ln>
           </p:spPr>
           <p:txBody>
-            <a:bodyPr anchorCtr="0" anchor="ctr" bIns="91425" lIns="91425" spcFirstLastPara="1" rIns="91425" wrap="square" tIns="91425">
+            <a:bodyPr spcFirstLastPara="1" wrap="square" lIns="91425" tIns="91425" rIns="91425" bIns="91425" anchor="ctr" anchorCtr="0">
               <a:noAutofit/>
             </a:bodyPr>
             <a:lstStyle/>
             <a:p>
-              <a:pPr indent="0" lvl="0" marL="0" rtl="0" algn="l">
+              <a:pPr marL="0" lvl="0" indent="0" algn="l" rtl="0">
                 <a:spcBef>
                   <a:spcPts val="0"/>
                 </a:spcBef>
@@ -3298,9 +3433,6 @@
                 </a:spcAft>
                 <a:buNone/>
               </a:pPr>
-              <a:r>
-                <a:t/>
-              </a:r>
               <a:endParaRPr/>
             </a:p>
           </p:txBody>
@@ -3318,7 +3450,7 @@
             </a:xfrm>
             <a:prstGeom prst="diagStripe">
               <a:avLst>
-                <a:gd fmla="val 50000" name="adj"/>
+                <a:gd name="adj" fmla="val 50000"/>
               </a:avLst>
             </a:prstGeom>
             <a:solidFill>
@@ -3331,12 +3463,12 @@
             </a:ln>
           </p:spPr>
           <p:txBody>
-            <a:bodyPr anchorCtr="0" anchor="ctr" bIns="91425" lIns="91425" spcFirstLastPara="1" rIns="91425" wrap="square" tIns="91425">
+            <a:bodyPr spcFirstLastPara="1" wrap="square" lIns="91425" tIns="91425" rIns="91425" bIns="91425" anchor="ctr" anchorCtr="0">
               <a:noAutofit/>
             </a:bodyPr>
             <a:lstStyle/>
             <a:p>
-              <a:pPr indent="0" lvl="0" marL="0" rtl="0" algn="l">
+              <a:pPr marL="0" lvl="0" indent="0" algn="l" rtl="0">
                 <a:spcBef>
                   <a:spcPts val="0"/>
                 </a:spcBef>
@@ -3345,9 +3477,6 @@
                 </a:spcAft>
                 <a:buNone/>
               </a:pPr>
-              <a:r>
-                <a:t/>
-              </a:r>
               <a:endParaRPr/>
             </a:p>
           </p:txBody>
@@ -3365,7 +3494,7 @@
             </a:xfrm>
             <a:prstGeom prst="diagStripe">
               <a:avLst>
-                <a:gd fmla="val 50000" name="adj"/>
+                <a:gd name="adj" fmla="val 50000"/>
               </a:avLst>
             </a:prstGeom>
             <a:solidFill>
@@ -3378,12 +3507,12 @@
             </a:ln>
           </p:spPr>
           <p:txBody>
-            <a:bodyPr anchorCtr="0" anchor="ctr" bIns="91425" lIns="91425" spcFirstLastPara="1" rIns="91425" wrap="square" tIns="91425">
+            <a:bodyPr spcFirstLastPara="1" wrap="square" lIns="91425" tIns="91425" rIns="91425" bIns="91425" anchor="ctr" anchorCtr="0">
               <a:noAutofit/>
             </a:bodyPr>
             <a:lstStyle/>
             <a:p>
-              <a:pPr indent="0" lvl="0" marL="0" rtl="0" algn="l">
+              <a:pPr marL="0" lvl="0" indent="0" algn="l" rtl="0">
                 <a:spcBef>
                   <a:spcPts val="0"/>
                 </a:spcBef>
@@ -3392,9 +3521,6 @@
                 </a:spcAft>
                 <a:buNone/>
               </a:pPr>
-              <a:r>
-                <a:t/>
-              </a:r>
               <a:endParaRPr/>
             </a:p>
           </p:txBody>
@@ -3403,9 +3529,11 @@
       <p:sp>
         <p:nvSpPr>
           <p:cNvPr id="125" name="Google Shape;125;p11"/>
-          <p:cNvSpPr txBox="1"/>
+          <p:cNvSpPr txBox="1">
+            <a:spLocks noGrp="1"/>
+          </p:cNvSpPr>
           <p:nvPr>
-            <p:ph hasCustomPrompt="1" type="title"/>
+            <p:ph type="title" hasCustomPrompt="1"/>
           </p:nvPr>
         </p:nvSpPr>
         <p:spPr>
@@ -3418,7 +3546,7 @@
           </a:prstGeom>
         </p:spPr>
         <p:txBody>
-          <a:bodyPr anchorCtr="0" anchor="t" bIns="91425" lIns="91425" spcFirstLastPara="1" rIns="91425" wrap="square" tIns="91425">
+          <a:bodyPr spcFirstLastPara="1" wrap="square" lIns="91425" tIns="91425" rIns="91425" bIns="91425" anchor="t" anchorCtr="0">
             <a:normAutofit/>
           </a:bodyPr>
           <a:lstStyle>
@@ -3532,9 +3660,11 @@
       <p:sp>
         <p:nvSpPr>
           <p:cNvPr id="126" name="Google Shape;126;p11"/>
-          <p:cNvSpPr txBox="1"/>
+          <p:cNvSpPr txBox="1">
+            <a:spLocks noGrp="1"/>
+          </p:cNvSpPr>
           <p:nvPr>
-            <p:ph idx="1" type="body"/>
+            <p:ph type="body" idx="1"/>
           </p:nvPr>
         </p:nvSpPr>
         <p:spPr>
@@ -3547,11 +3677,11 @@
           </a:prstGeom>
         </p:spPr>
         <p:txBody>
-          <a:bodyPr anchorCtr="0" anchor="t" bIns="91425" lIns="91425" spcFirstLastPara="1" rIns="91425" wrap="square" tIns="91425">
+          <a:bodyPr spcFirstLastPara="1" wrap="square" lIns="91425" tIns="91425" rIns="91425" bIns="91425" anchor="t" anchorCtr="0">
             <a:normAutofit/>
           </a:bodyPr>
           <a:lstStyle>
-            <a:lvl1pPr indent="-311150" lvl="0" marL="457200">
+            <a:lvl1pPr marL="457200" lvl="0" indent="-311150">
               <a:spcBef>
                 <a:spcPts val="0"/>
               </a:spcBef>
@@ -3562,7 +3692,7 @@
               <a:buChar char="●"/>
               <a:defRPr/>
             </a:lvl1pPr>
-            <a:lvl2pPr indent="-298450" lvl="1" marL="914400">
+            <a:lvl2pPr marL="914400" lvl="1" indent="-298450">
               <a:spcBef>
                 <a:spcPts val="0"/>
               </a:spcBef>
@@ -3573,7 +3703,7 @@
               <a:buChar char="○"/>
               <a:defRPr/>
             </a:lvl2pPr>
-            <a:lvl3pPr indent="-298450" lvl="2" marL="1371600">
+            <a:lvl3pPr marL="1371600" lvl="2" indent="-298450">
               <a:spcBef>
                 <a:spcPts val="0"/>
               </a:spcBef>
@@ -3584,7 +3714,7 @@
               <a:buChar char="■"/>
               <a:defRPr/>
             </a:lvl3pPr>
-            <a:lvl4pPr indent="-298450" lvl="3" marL="1828800">
+            <a:lvl4pPr marL="1828800" lvl="3" indent="-298450">
               <a:spcBef>
                 <a:spcPts val="0"/>
               </a:spcBef>
@@ -3595,7 +3725,7 @@
               <a:buChar char="●"/>
               <a:defRPr/>
             </a:lvl4pPr>
-            <a:lvl5pPr indent="-298450" lvl="4" marL="2286000">
+            <a:lvl5pPr marL="2286000" lvl="4" indent="-298450">
               <a:spcBef>
                 <a:spcPts val="0"/>
               </a:spcBef>
@@ -3606,7 +3736,7 @@
               <a:buChar char="○"/>
               <a:defRPr/>
             </a:lvl5pPr>
-            <a:lvl6pPr indent="-298450" lvl="5" marL="2743200">
+            <a:lvl6pPr marL="2743200" lvl="5" indent="-298450">
               <a:spcBef>
                 <a:spcPts val="0"/>
               </a:spcBef>
@@ -3617,7 +3747,7 @@
               <a:buChar char="■"/>
               <a:defRPr/>
             </a:lvl6pPr>
-            <a:lvl7pPr indent="-298450" lvl="6" marL="3200400">
+            <a:lvl7pPr marL="3200400" lvl="6" indent="-298450">
               <a:spcBef>
                 <a:spcPts val="0"/>
               </a:spcBef>
@@ -3628,7 +3758,7 @@
               <a:buChar char="●"/>
               <a:defRPr/>
             </a:lvl7pPr>
-            <a:lvl8pPr indent="-298450" lvl="7" marL="3657600">
+            <a:lvl8pPr marL="3657600" lvl="7" indent="-298450">
               <a:spcBef>
                 <a:spcPts val="0"/>
               </a:spcBef>
@@ -3639,7 +3769,7 @@
               <a:buChar char="○"/>
               <a:defRPr/>
             </a:lvl8pPr>
-            <a:lvl9pPr indent="-298450" lvl="8" marL="4114800">
+            <a:lvl9pPr marL="4114800" lvl="8" indent="-298450">
               <a:spcBef>
                 <a:spcPts val="0"/>
               </a:spcBef>
@@ -3651,15 +3781,19 @@
               <a:defRPr/>
             </a:lvl9pPr>
           </a:lstStyle>
-          <a:p/>
+          <a:p>
+            <a:endParaRPr/>
+          </a:p>
         </p:txBody>
       </p:sp>
       <p:sp>
         <p:nvSpPr>
           <p:cNvPr id="127" name="Google Shape;127;p11"/>
-          <p:cNvSpPr txBox="1"/>
+          <p:cNvSpPr txBox="1">
+            <a:spLocks noGrp="1"/>
+          </p:cNvSpPr>
           <p:nvPr>
-            <p:ph idx="12" type="sldNum"/>
+            <p:ph type="sldNum" idx="12"/>
           </p:nvPr>
         </p:nvSpPr>
         <p:spPr>
@@ -3672,7 +3806,7 @@
           </a:prstGeom>
         </p:spPr>
         <p:txBody>
-          <a:bodyPr anchorCtr="0" anchor="ctr" bIns="91425" lIns="91425" spcFirstLastPara="1" rIns="91425" wrap="square" tIns="91425">
+          <a:bodyPr spcFirstLastPara="1" wrap="square" lIns="91425" tIns="91425" rIns="91425" bIns="91425" anchor="ctr" anchorCtr="0">
             <a:normAutofit/>
           </a:bodyPr>
           <a:lstStyle>
@@ -3714,7 +3848,7 @@
             </a:lvl9pPr>
           </a:lstStyle>
           <a:p>
-            <a:pPr indent="0" lvl="0" marL="0" rtl="0" algn="r">
+            <a:pPr marL="0" lvl="0" indent="0" algn="r" rtl="0">
               <a:spcBef>
                 <a:spcPts val="0"/>
               </a:spcBef>
@@ -3740,11 +3874,11 @@
 </file>
 
 <file path=ppt/slideLayouts/slideLayout11.xml><?xml version="1.0" encoding="utf-8"?>
-<p:sldLayout xmlns:a="http://schemas.openxmlformats.org/drawingml/2006/main" xmlns:r="http://schemas.openxmlformats.org/officeDocument/2006/relationships" xmlns:mc="http://schemas.openxmlformats.org/markup-compatibility/2006" xmlns:mv="urn:schemas-microsoft-com:mac:vml" xmlns:p="http://schemas.openxmlformats.org/presentationml/2006/main" xmlns:c="http://schemas.openxmlformats.org/drawingml/2006/chart" xmlns:dgm="http://schemas.openxmlformats.org/drawingml/2006/diagram" xmlns:o="urn:schemas-microsoft-com:office:office" xmlns:v="urn:schemas-microsoft-com:vml" xmlns:pvml="urn:schemas-microsoft-com:office:powerpoint" xmlns:com="http://schemas.openxmlformats.org/drawingml/2006/compatibility" xmlns:p14="http://schemas.microsoft.com/office/powerpoint/2010/main" xmlns:p15="http://schemas.microsoft.com/office/powerpoint/2012/main" xmlns:ahyp="http://schemas.microsoft.com/office/drawing/2018/hyperlinkcolor" matchingName="Blank" type="blank">
+<p:sldLayout xmlns:a="http://schemas.openxmlformats.org/drawingml/2006/main" xmlns:r="http://schemas.openxmlformats.org/officeDocument/2006/relationships" xmlns:p="http://schemas.openxmlformats.org/presentationml/2006/main" matchingName="Blank" type="blank">
   <p:cSld name="BLANK">
     <p:spTree>
       <p:nvGrpSpPr>
-        <p:cNvPr id="128" name="Shape 128"/>
+        <p:cNvPr id="1" name="Shape 128"/>
         <p:cNvGrpSpPr/>
         <p:nvPr/>
       </p:nvGrpSpPr>
@@ -3759,9 +3893,11 @@
       <p:sp>
         <p:nvSpPr>
           <p:cNvPr id="129" name="Google Shape;129;p12"/>
-          <p:cNvSpPr txBox="1"/>
+          <p:cNvSpPr txBox="1">
+            <a:spLocks noGrp="1"/>
+          </p:cNvSpPr>
           <p:nvPr>
-            <p:ph idx="12" type="sldNum"/>
+            <p:ph type="sldNum" idx="12"/>
           </p:nvPr>
         </p:nvSpPr>
         <p:spPr>
@@ -3774,7 +3910,7 @@
           </a:prstGeom>
         </p:spPr>
         <p:txBody>
-          <a:bodyPr anchorCtr="0" anchor="ctr" bIns="91425" lIns="91425" spcFirstLastPara="1" rIns="91425" wrap="square" tIns="91425">
+          <a:bodyPr spcFirstLastPara="1" wrap="square" lIns="91425" tIns="91425" rIns="91425" bIns="91425" anchor="ctr" anchorCtr="0">
             <a:normAutofit/>
           </a:bodyPr>
           <a:lstStyle>
@@ -3816,7 +3952,7 @@
             </a:lvl9pPr>
           </a:lstStyle>
           <a:p>
-            <a:pPr indent="0" lvl="0" marL="0" rtl="0" algn="r">
+            <a:pPr marL="0" lvl="0" indent="0" algn="r" rtl="0">
               <a:spcBef>
                 <a:spcPts val="0"/>
               </a:spcBef>
@@ -3842,11 +3978,11 @@
 </file>
 
 <file path=ppt/slideLayouts/slideLayout2.xml><?xml version="1.0" encoding="utf-8"?>
-<p:sldLayout xmlns:a="http://schemas.openxmlformats.org/drawingml/2006/main" xmlns:r="http://schemas.openxmlformats.org/officeDocument/2006/relationships" xmlns:mc="http://schemas.openxmlformats.org/markup-compatibility/2006" xmlns:mv="urn:schemas-microsoft-com:mac:vml" xmlns:p="http://schemas.openxmlformats.org/presentationml/2006/main" xmlns:c="http://schemas.openxmlformats.org/drawingml/2006/chart" xmlns:dgm="http://schemas.openxmlformats.org/drawingml/2006/diagram" xmlns:o="urn:schemas-microsoft-com:office:office" xmlns:v="urn:schemas-microsoft-com:vml" xmlns:pvml="urn:schemas-microsoft-com:office:powerpoint" xmlns:com="http://schemas.openxmlformats.org/drawingml/2006/compatibility" xmlns:p14="http://schemas.microsoft.com/office/powerpoint/2010/main" xmlns:p15="http://schemas.microsoft.com/office/powerpoint/2012/main" xmlns:ahyp="http://schemas.microsoft.com/office/drawing/2018/hyperlinkcolor" matchingName="Section header" type="secHead">
+<p:sldLayout xmlns:a="http://schemas.openxmlformats.org/drawingml/2006/main" xmlns:r="http://schemas.openxmlformats.org/officeDocument/2006/relationships" xmlns:p="http://schemas.openxmlformats.org/presentationml/2006/main" matchingName="Section header" type="secHead">
   <p:cSld name="SECTION_HEADER">
     <p:spTree>
       <p:nvGrpSpPr>
-        <p:cNvPr id="19" name="Shape 19"/>
+        <p:cNvPr id="1" name="Shape 19"/>
         <p:cNvGrpSpPr/>
         <p:nvPr/>
       </p:nvGrpSpPr>
@@ -3885,7 +4021,7 @@
             </a:xfrm>
             <a:prstGeom prst="diagStripe">
               <a:avLst>
-                <a:gd fmla="val 49469" name="adj"/>
+                <a:gd name="adj" fmla="val 49469"/>
               </a:avLst>
             </a:prstGeom>
             <a:solidFill>
@@ -3898,12 +4034,12 @@
             </a:ln>
           </p:spPr>
           <p:txBody>
-            <a:bodyPr anchorCtr="0" anchor="ctr" bIns="91425" lIns="91425" spcFirstLastPara="1" rIns="91425" wrap="square" tIns="91425">
+            <a:bodyPr spcFirstLastPara="1" wrap="square" lIns="91425" tIns="91425" rIns="91425" bIns="91425" anchor="ctr" anchorCtr="0">
               <a:noAutofit/>
             </a:bodyPr>
             <a:lstStyle/>
             <a:p>
-              <a:pPr indent="0" lvl="0" marL="0" rtl="0" algn="l">
+              <a:pPr marL="0" lvl="0" indent="0" algn="l" rtl="0">
                 <a:spcBef>
                   <a:spcPts val="0"/>
                 </a:spcBef>
@@ -3912,9 +4048,6 @@
                 </a:spcAft>
                 <a:buNone/>
               </a:pPr>
-              <a:r>
-                <a:t/>
-              </a:r>
               <a:endParaRPr/>
             </a:p>
           </p:txBody>
@@ -3932,7 +4065,7 @@
             </a:xfrm>
             <a:prstGeom prst="diagStripe">
               <a:avLst>
-                <a:gd fmla="val 0" name="adj"/>
+                <a:gd name="adj" fmla="val 0"/>
               </a:avLst>
             </a:prstGeom>
             <a:solidFill>
@@ -3945,12 +4078,12 @@
             </a:ln>
           </p:spPr>
           <p:txBody>
-            <a:bodyPr anchorCtr="0" anchor="ctr" bIns="91425" lIns="91425" spcFirstLastPara="1" rIns="91425" wrap="square" tIns="91425">
+            <a:bodyPr spcFirstLastPara="1" wrap="square" lIns="91425" tIns="91425" rIns="91425" bIns="91425" anchor="ctr" anchorCtr="0">
               <a:noAutofit/>
             </a:bodyPr>
             <a:lstStyle/>
             <a:p>
-              <a:pPr indent="0" lvl="0" marL="0" rtl="0" algn="l">
+              <a:pPr marL="0" lvl="0" indent="0" algn="l" rtl="0">
                 <a:spcBef>
                   <a:spcPts val="0"/>
                 </a:spcBef>
@@ -3959,9 +4092,6 @@
                 </a:spcAft>
                 <a:buNone/>
               </a:pPr>
-              <a:r>
-                <a:t/>
-              </a:r>
               <a:endParaRPr/>
             </a:p>
           </p:txBody>
@@ -3979,7 +4109,7 @@
             </a:xfrm>
             <a:prstGeom prst="diagStripe">
               <a:avLst>
-                <a:gd fmla="val 50000" name="adj"/>
+                <a:gd name="adj" fmla="val 50000"/>
               </a:avLst>
             </a:prstGeom>
             <a:solidFill>
@@ -3992,12 +4122,12 @@
             </a:ln>
           </p:spPr>
           <p:txBody>
-            <a:bodyPr anchorCtr="0" anchor="ctr" bIns="91425" lIns="91425" spcFirstLastPara="1" rIns="91425" wrap="square" tIns="91425">
+            <a:bodyPr spcFirstLastPara="1" wrap="square" lIns="91425" tIns="91425" rIns="91425" bIns="91425" anchor="ctr" anchorCtr="0">
               <a:noAutofit/>
             </a:bodyPr>
             <a:lstStyle/>
             <a:p>
-              <a:pPr indent="0" lvl="0" marL="0" rtl="0" algn="l">
+              <a:pPr marL="0" lvl="0" indent="0" algn="l" rtl="0">
                 <a:spcBef>
                   <a:spcPts val="0"/>
                 </a:spcBef>
@@ -4006,9 +4136,6 @@
                 </a:spcAft>
                 <a:buNone/>
               </a:pPr>
-              <a:r>
-                <a:t/>
-              </a:r>
               <a:endParaRPr/>
             </a:p>
           </p:txBody>
@@ -4026,7 +4153,7 @@
             </a:xfrm>
             <a:prstGeom prst="diagStripe">
               <a:avLst>
-                <a:gd fmla="val 50000" name="adj"/>
+                <a:gd name="adj" fmla="val 50000"/>
               </a:avLst>
             </a:prstGeom>
             <a:solidFill>
@@ -4039,12 +4166,12 @@
             </a:ln>
           </p:spPr>
           <p:txBody>
-            <a:bodyPr anchorCtr="0" anchor="ctr" bIns="91425" lIns="91425" spcFirstLastPara="1" rIns="91425" wrap="square" tIns="91425">
+            <a:bodyPr spcFirstLastPara="1" wrap="square" lIns="91425" tIns="91425" rIns="91425" bIns="91425" anchor="ctr" anchorCtr="0">
               <a:noAutofit/>
             </a:bodyPr>
             <a:lstStyle/>
             <a:p>
-              <a:pPr indent="0" lvl="0" marL="0" rtl="0" algn="l">
+              <a:pPr marL="0" lvl="0" indent="0" algn="l" rtl="0">
                 <a:spcBef>
                   <a:spcPts val="0"/>
                 </a:spcBef>
@@ -4053,9 +4180,6 @@
                 </a:spcAft>
                 <a:buNone/>
               </a:pPr>
-              <a:r>
-                <a:t/>
-              </a:r>
               <a:endParaRPr/>
             </a:p>
           </p:txBody>
@@ -4073,7 +4197,7 @@
             </a:xfrm>
             <a:prstGeom prst="diagStripe">
               <a:avLst>
-                <a:gd fmla="val 50000" name="adj"/>
+                <a:gd name="adj" fmla="val 50000"/>
               </a:avLst>
             </a:prstGeom>
             <a:solidFill>
@@ -4086,12 +4210,12 @@
             </a:ln>
           </p:spPr>
           <p:txBody>
-            <a:bodyPr anchorCtr="0" anchor="ctr" bIns="91425" lIns="91425" spcFirstLastPara="1" rIns="91425" wrap="square" tIns="91425">
+            <a:bodyPr spcFirstLastPara="1" wrap="square" lIns="91425" tIns="91425" rIns="91425" bIns="91425" anchor="ctr" anchorCtr="0">
               <a:noAutofit/>
             </a:bodyPr>
             <a:lstStyle/>
             <a:p>
-              <a:pPr indent="0" lvl="0" marL="0" rtl="0" algn="l">
+              <a:pPr marL="0" lvl="0" indent="0" algn="l" rtl="0">
                 <a:spcBef>
                   <a:spcPts val="0"/>
                 </a:spcBef>
@@ -4100,9 +4224,6 @@
                 </a:spcAft>
                 <a:buNone/>
               </a:pPr>
-              <a:r>
-                <a:t/>
-              </a:r>
               <a:endParaRPr/>
             </a:p>
           </p:txBody>
@@ -4120,7 +4241,7 @@
             </a:xfrm>
             <a:prstGeom prst="diagStripe">
               <a:avLst>
-                <a:gd fmla="val 50000" name="adj"/>
+                <a:gd name="adj" fmla="val 50000"/>
               </a:avLst>
             </a:prstGeom>
             <a:solidFill>
@@ -4133,12 +4254,12 @@
             </a:ln>
           </p:spPr>
           <p:txBody>
-            <a:bodyPr anchorCtr="0" anchor="ctr" bIns="91425" lIns="91425" spcFirstLastPara="1" rIns="91425" wrap="square" tIns="91425">
+            <a:bodyPr spcFirstLastPara="1" wrap="square" lIns="91425" tIns="91425" rIns="91425" bIns="91425" anchor="ctr" anchorCtr="0">
               <a:noAutofit/>
             </a:bodyPr>
             <a:lstStyle/>
             <a:p>
-              <a:pPr indent="0" lvl="0" marL="0" rtl="0" algn="l">
+              <a:pPr marL="0" lvl="0" indent="0" algn="l" rtl="0">
                 <a:spcBef>
                   <a:spcPts val="0"/>
                 </a:spcBef>
@@ -4147,9 +4268,6 @@
                 </a:spcAft>
                 <a:buNone/>
               </a:pPr>
-              <a:r>
-                <a:t/>
-              </a:r>
               <a:endParaRPr/>
             </a:p>
           </p:txBody>
@@ -4167,7 +4285,7 @@
             </a:xfrm>
             <a:prstGeom prst="diagStripe">
               <a:avLst>
-                <a:gd fmla="val 50000" name="adj"/>
+                <a:gd name="adj" fmla="val 50000"/>
               </a:avLst>
             </a:prstGeom>
             <a:solidFill>
@@ -4180,12 +4298,12 @@
             </a:ln>
           </p:spPr>
           <p:txBody>
-            <a:bodyPr anchorCtr="0" anchor="ctr" bIns="91425" lIns="91425" spcFirstLastPara="1" rIns="91425" wrap="square" tIns="91425">
+            <a:bodyPr spcFirstLastPara="1" wrap="square" lIns="91425" tIns="91425" rIns="91425" bIns="91425" anchor="ctr" anchorCtr="0">
               <a:noAutofit/>
             </a:bodyPr>
             <a:lstStyle/>
             <a:p>
-              <a:pPr indent="0" lvl="0" marL="0" rtl="0" algn="l">
+              <a:pPr marL="0" lvl="0" indent="0" algn="l" rtl="0">
                 <a:spcBef>
                   <a:spcPts val="0"/>
                 </a:spcBef>
@@ -4194,9 +4312,6 @@
                 </a:spcAft>
                 <a:buNone/>
               </a:pPr>
-              <a:r>
-                <a:t/>
-              </a:r>
               <a:endParaRPr/>
             </a:p>
           </p:txBody>
@@ -4214,7 +4329,7 @@
             </a:xfrm>
             <a:prstGeom prst="diagStripe">
               <a:avLst>
-                <a:gd fmla="val 50000" name="adj"/>
+                <a:gd name="adj" fmla="val 50000"/>
               </a:avLst>
             </a:prstGeom>
             <a:solidFill>
@@ -4225,12 +4340,12 @@
             </a:ln>
           </p:spPr>
           <p:txBody>
-            <a:bodyPr anchorCtr="0" anchor="ctr" bIns="91425" lIns="91425" spcFirstLastPara="1" rIns="91425" wrap="square" tIns="91425">
+            <a:bodyPr spcFirstLastPara="1" wrap="square" lIns="91425" tIns="91425" rIns="91425" bIns="91425" anchor="ctr" anchorCtr="0">
               <a:noAutofit/>
             </a:bodyPr>
             <a:lstStyle/>
             <a:p>
-              <a:pPr indent="0" lvl="0" marL="0" rtl="0" algn="l">
+              <a:pPr marL="0" lvl="0" indent="0" algn="l" rtl="0">
                 <a:spcBef>
                   <a:spcPts val="0"/>
                 </a:spcBef>
@@ -4239,9 +4354,6 @@
                 </a:spcAft>
                 <a:buNone/>
               </a:pPr>
-              <a:r>
-                <a:t/>
-              </a:r>
               <a:endParaRPr/>
             </a:p>
           </p:txBody>
@@ -4259,7 +4371,7 @@
             </a:xfrm>
             <a:prstGeom prst="diagStripe">
               <a:avLst>
-                <a:gd fmla="val 50000" name="adj"/>
+                <a:gd name="adj" fmla="val 50000"/>
               </a:avLst>
             </a:prstGeom>
             <a:solidFill>
@@ -4272,12 +4384,12 @@
             </a:ln>
           </p:spPr>
           <p:txBody>
-            <a:bodyPr anchorCtr="0" anchor="ctr" bIns="91425" lIns="91425" spcFirstLastPara="1" rIns="91425" wrap="square" tIns="91425">
+            <a:bodyPr spcFirstLastPara="1" wrap="square" lIns="91425" tIns="91425" rIns="91425" bIns="91425" anchor="ctr" anchorCtr="0">
               <a:noAutofit/>
             </a:bodyPr>
             <a:lstStyle/>
             <a:p>
-              <a:pPr indent="0" lvl="0" marL="0" rtl="0" algn="l">
+              <a:pPr marL="0" lvl="0" indent="0" algn="l" rtl="0">
                 <a:spcBef>
                   <a:spcPts val="0"/>
                 </a:spcBef>
@@ -4286,9 +4398,6 @@
                 </a:spcAft>
                 <a:buNone/>
               </a:pPr>
-              <a:r>
-                <a:t/>
-              </a:r>
               <a:endParaRPr/>
             </a:p>
           </p:txBody>
@@ -4306,7 +4415,7 @@
             </a:xfrm>
             <a:prstGeom prst="diagStripe">
               <a:avLst>
-                <a:gd fmla="val 50000" name="adj"/>
+                <a:gd name="adj" fmla="val 50000"/>
               </a:avLst>
             </a:prstGeom>
             <a:solidFill>
@@ -4319,12 +4428,12 @@
             </a:ln>
           </p:spPr>
           <p:txBody>
-            <a:bodyPr anchorCtr="0" anchor="ctr" bIns="91425" lIns="91425" spcFirstLastPara="1" rIns="91425" wrap="square" tIns="91425">
+            <a:bodyPr spcFirstLastPara="1" wrap="square" lIns="91425" tIns="91425" rIns="91425" bIns="91425" anchor="ctr" anchorCtr="0">
               <a:noAutofit/>
             </a:bodyPr>
             <a:lstStyle/>
             <a:p>
-              <a:pPr indent="0" lvl="0" marL="0" rtl="0" algn="l">
+              <a:pPr marL="0" lvl="0" indent="0" algn="l" rtl="0">
                 <a:spcBef>
                   <a:spcPts val="0"/>
                 </a:spcBef>
@@ -4333,9 +4442,6 @@
                 </a:spcAft>
                 <a:buNone/>
               </a:pPr>
-              <a:r>
-                <a:t/>
-              </a:r>
               <a:endParaRPr/>
             </a:p>
           </p:txBody>
@@ -4353,7 +4459,7 @@
             </a:xfrm>
             <a:prstGeom prst="diagStripe">
               <a:avLst>
-                <a:gd fmla="val 50000" name="adj"/>
+                <a:gd name="adj" fmla="val 50000"/>
               </a:avLst>
             </a:prstGeom>
             <a:solidFill>
@@ -4366,12 +4472,12 @@
             </a:ln>
           </p:spPr>
           <p:txBody>
-            <a:bodyPr anchorCtr="0" anchor="ctr" bIns="91425" lIns="91425" spcFirstLastPara="1" rIns="91425" wrap="square" tIns="91425">
+            <a:bodyPr spcFirstLastPara="1" wrap="square" lIns="91425" tIns="91425" rIns="91425" bIns="91425" anchor="ctr" anchorCtr="0">
               <a:noAutofit/>
             </a:bodyPr>
             <a:lstStyle/>
             <a:p>
-              <a:pPr indent="0" lvl="0" marL="0" rtl="0" algn="l">
+              <a:pPr marL="0" lvl="0" indent="0" algn="l" rtl="0">
                 <a:spcBef>
                   <a:spcPts val="0"/>
                 </a:spcBef>
@@ -4380,9 +4486,6 @@
                 </a:spcAft>
                 <a:buNone/>
               </a:pPr>
-              <a:r>
-                <a:t/>
-              </a:r>
               <a:endParaRPr/>
             </a:p>
           </p:txBody>
@@ -4400,7 +4503,7 @@
             </a:xfrm>
             <a:prstGeom prst="diagStripe">
               <a:avLst>
-                <a:gd fmla="val 50000" name="adj"/>
+                <a:gd name="adj" fmla="val 50000"/>
               </a:avLst>
             </a:prstGeom>
             <a:solidFill>
@@ -4413,12 +4516,12 @@
             </a:ln>
           </p:spPr>
           <p:txBody>
-            <a:bodyPr anchorCtr="0" anchor="ctr" bIns="91425" lIns="91425" spcFirstLastPara="1" rIns="91425" wrap="square" tIns="91425">
+            <a:bodyPr spcFirstLastPara="1" wrap="square" lIns="91425" tIns="91425" rIns="91425" bIns="91425" anchor="ctr" anchorCtr="0">
               <a:noAutofit/>
             </a:bodyPr>
             <a:lstStyle/>
             <a:p>
-              <a:pPr indent="0" lvl="0" marL="0" rtl="0" algn="l">
+              <a:pPr marL="0" lvl="0" indent="0" algn="l" rtl="0">
                 <a:spcBef>
                   <a:spcPts val="0"/>
                 </a:spcBef>
@@ -4427,9 +4530,6 @@
                 </a:spcAft>
                 <a:buNone/>
               </a:pPr>
-              <a:r>
-                <a:t/>
-              </a:r>
               <a:endParaRPr/>
             </a:p>
           </p:txBody>
@@ -4447,7 +4547,7 @@
             </a:xfrm>
             <a:prstGeom prst="diagStripe">
               <a:avLst>
-                <a:gd fmla="val 50000" name="adj"/>
+                <a:gd name="adj" fmla="val 50000"/>
               </a:avLst>
             </a:prstGeom>
             <a:solidFill>
@@ -4460,12 +4560,12 @@
             </a:ln>
           </p:spPr>
           <p:txBody>
-            <a:bodyPr anchorCtr="0" anchor="ctr" bIns="91425" lIns="91425" spcFirstLastPara="1" rIns="91425" wrap="square" tIns="91425">
+            <a:bodyPr spcFirstLastPara="1" wrap="square" lIns="91425" tIns="91425" rIns="91425" bIns="91425" anchor="ctr" anchorCtr="0">
               <a:noAutofit/>
             </a:bodyPr>
             <a:lstStyle/>
             <a:p>
-              <a:pPr indent="0" lvl="0" marL="0" rtl="0" algn="l">
+              <a:pPr marL="0" lvl="0" indent="0" algn="l" rtl="0">
                 <a:spcBef>
                   <a:spcPts val="0"/>
                 </a:spcBef>
@@ -4474,9 +4574,6 @@
                 </a:spcAft>
                 <a:buNone/>
               </a:pPr>
-              <a:r>
-                <a:t/>
-              </a:r>
               <a:endParaRPr/>
             </a:p>
           </p:txBody>
@@ -4494,7 +4591,7 @@
             </a:xfrm>
             <a:prstGeom prst="diagStripe">
               <a:avLst>
-                <a:gd fmla="val 50000" name="adj"/>
+                <a:gd name="adj" fmla="val 50000"/>
               </a:avLst>
             </a:prstGeom>
             <a:solidFill>
@@ -4505,12 +4602,12 @@
             </a:ln>
           </p:spPr>
           <p:txBody>
-            <a:bodyPr anchorCtr="0" anchor="ctr" bIns="91425" lIns="91425" spcFirstLastPara="1" rIns="91425" wrap="square" tIns="91425">
+            <a:bodyPr spcFirstLastPara="1" wrap="square" lIns="91425" tIns="91425" rIns="91425" bIns="91425" anchor="ctr" anchorCtr="0">
               <a:noAutofit/>
             </a:bodyPr>
             <a:lstStyle/>
             <a:p>
-              <a:pPr indent="0" lvl="0" marL="0" rtl="0" algn="l">
+              <a:pPr marL="0" lvl="0" indent="0" algn="l" rtl="0">
                 <a:spcBef>
                   <a:spcPts val="0"/>
                 </a:spcBef>
@@ -4519,9 +4616,6 @@
                 </a:spcAft>
                 <a:buNone/>
               </a:pPr>
-              <a:r>
-                <a:t/>
-              </a:r>
               <a:endParaRPr/>
             </a:p>
           </p:txBody>
@@ -4539,7 +4633,7 @@
             </a:xfrm>
             <a:prstGeom prst="diagStripe">
               <a:avLst>
-                <a:gd fmla="val 50000" name="adj"/>
+                <a:gd name="adj" fmla="val 50000"/>
               </a:avLst>
             </a:prstGeom>
             <a:solidFill>
@@ -4552,12 +4646,12 @@
             </a:ln>
           </p:spPr>
           <p:txBody>
-            <a:bodyPr anchorCtr="0" anchor="ctr" bIns="91425" lIns="91425" spcFirstLastPara="1" rIns="91425" wrap="square" tIns="91425">
+            <a:bodyPr spcFirstLastPara="1" wrap="square" lIns="91425" tIns="91425" rIns="91425" bIns="91425" anchor="ctr" anchorCtr="0">
               <a:noAutofit/>
             </a:bodyPr>
             <a:lstStyle/>
             <a:p>
-              <a:pPr indent="0" lvl="0" marL="0" rtl="0" algn="l">
+              <a:pPr marL="0" lvl="0" indent="0" algn="l" rtl="0">
                 <a:spcBef>
                   <a:spcPts val="0"/>
                 </a:spcBef>
@@ -4566,9 +4660,6 @@
                 </a:spcAft>
                 <a:buNone/>
               </a:pPr>
-              <a:r>
-                <a:t/>
-              </a:r>
               <a:endParaRPr/>
             </a:p>
           </p:txBody>
@@ -4586,7 +4677,7 @@
             </a:xfrm>
             <a:prstGeom prst="diagStripe">
               <a:avLst>
-                <a:gd fmla="val 50000" name="adj"/>
+                <a:gd name="adj" fmla="val 50000"/>
               </a:avLst>
             </a:prstGeom>
             <a:solidFill>
@@ -4599,12 +4690,12 @@
             </a:ln>
           </p:spPr>
           <p:txBody>
-            <a:bodyPr anchorCtr="0" anchor="ctr" bIns="91425" lIns="91425" spcFirstLastPara="1" rIns="91425" wrap="square" tIns="91425">
+            <a:bodyPr spcFirstLastPara="1" wrap="square" lIns="91425" tIns="91425" rIns="91425" bIns="91425" anchor="ctr" anchorCtr="0">
               <a:noAutofit/>
             </a:bodyPr>
             <a:lstStyle/>
             <a:p>
-              <a:pPr indent="0" lvl="0" marL="0" rtl="0" algn="l">
+              <a:pPr marL="0" lvl="0" indent="0" algn="l" rtl="0">
                 <a:spcBef>
                   <a:spcPts val="0"/>
                 </a:spcBef>
@@ -4613,9 +4704,6 @@
                 </a:spcAft>
                 <a:buNone/>
               </a:pPr>
-              <a:r>
-                <a:t/>
-              </a:r>
               <a:endParaRPr/>
             </a:p>
           </p:txBody>
@@ -4633,7 +4721,7 @@
             </a:xfrm>
             <a:prstGeom prst="diagStripe">
               <a:avLst>
-                <a:gd fmla="val 50000" name="adj"/>
+                <a:gd name="adj" fmla="val 50000"/>
               </a:avLst>
             </a:prstGeom>
             <a:solidFill>
@@ -4646,12 +4734,12 @@
             </a:ln>
           </p:spPr>
           <p:txBody>
-            <a:bodyPr anchorCtr="0" anchor="ctr" bIns="91425" lIns="91425" spcFirstLastPara="1" rIns="91425" wrap="square" tIns="91425">
+            <a:bodyPr spcFirstLastPara="1" wrap="square" lIns="91425" tIns="91425" rIns="91425" bIns="91425" anchor="ctr" anchorCtr="0">
               <a:noAutofit/>
             </a:bodyPr>
             <a:lstStyle/>
             <a:p>
-              <a:pPr indent="0" lvl="0" marL="0" rtl="0" algn="l">
+              <a:pPr marL="0" lvl="0" indent="0" algn="l" rtl="0">
                 <a:spcBef>
                   <a:spcPts val="0"/>
                 </a:spcBef>
@@ -4660,9 +4748,6 @@
                 </a:spcAft>
                 <a:buNone/>
               </a:pPr>
-              <a:r>
-                <a:t/>
-              </a:r>
               <a:endParaRPr/>
             </a:p>
           </p:txBody>
@@ -4680,7 +4765,7 @@
             </a:xfrm>
             <a:prstGeom prst="diagStripe">
               <a:avLst>
-                <a:gd fmla="val 50000" name="adj"/>
+                <a:gd name="adj" fmla="val 50000"/>
               </a:avLst>
             </a:prstGeom>
             <a:solidFill>
@@ -4693,12 +4778,12 @@
             </a:ln>
           </p:spPr>
           <p:txBody>
-            <a:bodyPr anchorCtr="0" anchor="ctr" bIns="91425" lIns="91425" spcFirstLastPara="1" rIns="91425" wrap="square" tIns="91425">
+            <a:bodyPr spcFirstLastPara="1" wrap="square" lIns="91425" tIns="91425" rIns="91425" bIns="91425" anchor="ctr" anchorCtr="0">
               <a:noAutofit/>
             </a:bodyPr>
             <a:lstStyle/>
             <a:p>
-              <a:pPr indent="0" lvl="0" marL="0" rtl="0" algn="l">
+              <a:pPr marL="0" lvl="0" indent="0" algn="l" rtl="0">
                 <a:spcBef>
                   <a:spcPts val="0"/>
                 </a:spcBef>
@@ -4707,9 +4792,6 @@
                 </a:spcAft>
                 <a:buNone/>
               </a:pPr>
-              <a:r>
-                <a:t/>
-              </a:r>
               <a:endParaRPr/>
             </a:p>
           </p:txBody>
@@ -4718,7 +4800,9 @@
       <p:sp>
         <p:nvSpPr>
           <p:cNvPr id="39" name="Google Shape;39;p3"/>
-          <p:cNvSpPr txBox="1"/>
+          <p:cNvSpPr txBox="1">
+            <a:spLocks noGrp="1"/>
+          </p:cNvSpPr>
           <p:nvPr>
             <p:ph type="title"/>
           </p:nvPr>
@@ -4733,7 +4817,7 @@
           </a:prstGeom>
         </p:spPr>
         <p:txBody>
-          <a:bodyPr anchorCtr="0" anchor="ctr" bIns="91425" lIns="91425" spcFirstLastPara="1" rIns="91425" wrap="square" tIns="91425">
+          <a:bodyPr spcFirstLastPara="1" wrap="square" lIns="91425" tIns="91425" rIns="91425" bIns="91425" anchor="ctr" anchorCtr="0">
             <a:normAutofit/>
           </a:bodyPr>
           <a:lstStyle>
@@ -4837,15 +4921,19 @@
               <a:defRPr/>
             </a:lvl9pPr>
           </a:lstStyle>
-          <a:p/>
+          <a:p>
+            <a:endParaRPr/>
+          </a:p>
         </p:txBody>
       </p:sp>
       <p:sp>
         <p:nvSpPr>
           <p:cNvPr id="40" name="Google Shape;40;p3"/>
-          <p:cNvSpPr txBox="1"/>
+          <p:cNvSpPr txBox="1">
+            <a:spLocks noGrp="1"/>
+          </p:cNvSpPr>
           <p:nvPr>
-            <p:ph idx="12" type="sldNum"/>
+            <p:ph type="sldNum" idx="12"/>
           </p:nvPr>
         </p:nvSpPr>
         <p:spPr>
@@ -4858,7 +4946,7 @@
           </a:prstGeom>
         </p:spPr>
         <p:txBody>
-          <a:bodyPr anchorCtr="0" anchor="ctr" bIns="91425" lIns="91425" spcFirstLastPara="1" rIns="91425" wrap="square" tIns="91425">
+          <a:bodyPr spcFirstLastPara="1" wrap="square" lIns="91425" tIns="91425" rIns="91425" bIns="91425" anchor="ctr" anchorCtr="0">
             <a:normAutofit/>
           </a:bodyPr>
           <a:lstStyle>
@@ -4900,7 +4988,7 @@
             </a:lvl9pPr>
           </a:lstStyle>
           <a:p>
-            <a:pPr indent="0" lvl="0" marL="0" rtl="0" algn="r">
+            <a:pPr marL="0" lvl="0" indent="0" algn="r" rtl="0">
               <a:spcBef>
                 <a:spcPts val="0"/>
               </a:spcBef>
@@ -4926,11 +5014,11 @@
 </file>
 
 <file path=ppt/slideLayouts/slideLayout3.xml><?xml version="1.0" encoding="utf-8"?>
-<p:sldLayout xmlns:a="http://schemas.openxmlformats.org/drawingml/2006/main" xmlns:r="http://schemas.openxmlformats.org/officeDocument/2006/relationships" xmlns:mc="http://schemas.openxmlformats.org/markup-compatibility/2006" xmlns:mv="urn:schemas-microsoft-com:mac:vml" xmlns:p="http://schemas.openxmlformats.org/presentationml/2006/main" xmlns:c="http://schemas.openxmlformats.org/drawingml/2006/chart" xmlns:dgm="http://schemas.openxmlformats.org/drawingml/2006/diagram" xmlns:o="urn:schemas-microsoft-com:office:office" xmlns:v="urn:schemas-microsoft-com:vml" xmlns:pvml="urn:schemas-microsoft-com:office:powerpoint" xmlns:com="http://schemas.openxmlformats.org/drawingml/2006/compatibility" xmlns:p14="http://schemas.microsoft.com/office/powerpoint/2010/main" xmlns:p15="http://schemas.microsoft.com/office/powerpoint/2012/main" xmlns:ahyp="http://schemas.microsoft.com/office/drawing/2018/hyperlinkcolor" matchingName="Title and body" type="tx">
+<p:sldLayout xmlns:a="http://schemas.openxmlformats.org/drawingml/2006/main" xmlns:r="http://schemas.openxmlformats.org/officeDocument/2006/relationships" xmlns:p="http://schemas.openxmlformats.org/presentationml/2006/main" matchingName="Title and body" type="tx">
   <p:cSld name="TITLE_AND_BODY">
     <p:spTree>
       <p:nvGrpSpPr>
-        <p:cNvPr id="41" name="Shape 41"/>
+        <p:cNvPr id="1" name="Shape 41"/>
         <p:cNvGrpSpPr/>
         <p:nvPr/>
       </p:nvGrpSpPr>
@@ -4969,7 +5057,7 @@
             </a:xfrm>
             <a:prstGeom prst="diagStripe">
               <a:avLst>
-                <a:gd fmla="val 50000" name="adj"/>
+                <a:gd name="adj" fmla="val 50000"/>
               </a:avLst>
             </a:prstGeom>
             <a:solidFill>
@@ -4980,12 +5068,12 @@
             </a:ln>
           </p:spPr>
           <p:txBody>
-            <a:bodyPr anchorCtr="0" anchor="ctr" bIns="91425" lIns="91425" spcFirstLastPara="1" rIns="91425" wrap="square" tIns="91425">
+            <a:bodyPr spcFirstLastPara="1" wrap="square" lIns="91425" tIns="91425" rIns="91425" bIns="91425" anchor="ctr" anchorCtr="0">
               <a:noAutofit/>
             </a:bodyPr>
             <a:lstStyle/>
             <a:p>
-              <a:pPr indent="0" lvl="0" marL="0" rtl="0" algn="l">
+              <a:pPr marL="0" lvl="0" indent="0" algn="l" rtl="0">
                 <a:spcBef>
                   <a:spcPts val="0"/>
                 </a:spcBef>
@@ -4994,9 +5082,6 @@
                 </a:spcAft>
                 <a:buNone/>
               </a:pPr>
-              <a:r>
-                <a:t/>
-              </a:r>
               <a:endParaRPr/>
             </a:p>
           </p:txBody>
@@ -5014,7 +5099,7 @@
             </a:xfrm>
             <a:prstGeom prst="diagStripe">
               <a:avLst>
-                <a:gd fmla="val 50000" name="adj"/>
+                <a:gd name="adj" fmla="val 50000"/>
               </a:avLst>
             </a:prstGeom>
             <a:solidFill>
@@ -5025,12 +5110,12 @@
             </a:ln>
           </p:spPr>
           <p:txBody>
-            <a:bodyPr anchorCtr="0" anchor="ctr" bIns="91425" lIns="91425" spcFirstLastPara="1" rIns="91425" wrap="square" tIns="91425">
+            <a:bodyPr spcFirstLastPara="1" wrap="square" lIns="91425" tIns="91425" rIns="91425" bIns="91425" anchor="ctr" anchorCtr="0">
               <a:noAutofit/>
             </a:bodyPr>
             <a:lstStyle/>
             <a:p>
-              <a:pPr indent="0" lvl="0" marL="0" rtl="0" algn="l">
+              <a:pPr marL="0" lvl="0" indent="0" algn="l" rtl="0">
                 <a:spcBef>
                   <a:spcPts val="0"/>
                 </a:spcBef>
@@ -5039,9 +5124,6 @@
                 </a:spcAft>
                 <a:buNone/>
               </a:pPr>
-              <a:r>
-                <a:t/>
-              </a:r>
               <a:endParaRPr/>
             </a:p>
           </p:txBody>
@@ -5050,7 +5132,9 @@
       <p:sp>
         <p:nvSpPr>
           <p:cNvPr id="45" name="Google Shape;45;p4"/>
-          <p:cNvSpPr txBox="1"/>
+          <p:cNvSpPr txBox="1">
+            <a:spLocks noGrp="1"/>
+          </p:cNvSpPr>
           <p:nvPr>
             <p:ph type="title"/>
           </p:nvPr>
@@ -5065,7 +5149,7 @@
           </a:prstGeom>
         </p:spPr>
         <p:txBody>
-          <a:bodyPr anchorCtr="0" anchor="t" bIns="91425" lIns="91425" spcFirstLastPara="1" rIns="91425" wrap="square" tIns="91425">
+          <a:bodyPr spcFirstLastPara="1" wrap="square" lIns="91425" tIns="91425" rIns="91425" bIns="91425" anchor="t" anchorCtr="0">
             <a:normAutofit/>
           </a:bodyPr>
           <a:lstStyle>
@@ -5169,15 +5253,19 @@
               <a:defRPr sz="2400"/>
             </a:lvl9pPr>
           </a:lstStyle>
-          <a:p/>
+          <a:p>
+            <a:endParaRPr/>
+          </a:p>
         </p:txBody>
       </p:sp>
       <p:sp>
         <p:nvSpPr>
           <p:cNvPr id="46" name="Google Shape;46;p4"/>
-          <p:cNvSpPr txBox="1"/>
+          <p:cNvSpPr txBox="1">
+            <a:spLocks noGrp="1"/>
+          </p:cNvSpPr>
           <p:nvPr>
-            <p:ph idx="1" type="body"/>
+            <p:ph type="body" idx="1"/>
           </p:nvPr>
         </p:nvSpPr>
         <p:spPr>
@@ -5190,11 +5278,11 @@
           </a:prstGeom>
         </p:spPr>
         <p:txBody>
-          <a:bodyPr anchorCtr="0" anchor="t" bIns="91425" lIns="91425" spcFirstLastPara="1" rIns="91425" wrap="square" tIns="91425">
+          <a:bodyPr spcFirstLastPara="1" wrap="square" lIns="91425" tIns="91425" rIns="91425" bIns="91425" anchor="t" anchorCtr="0">
             <a:normAutofit/>
           </a:bodyPr>
           <a:lstStyle>
-            <a:lvl1pPr indent="-311150" lvl="0" marL="457200">
+            <a:lvl1pPr marL="457200" lvl="0" indent="-311150">
               <a:spcBef>
                 <a:spcPts val="0"/>
               </a:spcBef>
@@ -5205,7 +5293,7 @@
               <a:buChar char="●"/>
               <a:defRPr/>
             </a:lvl1pPr>
-            <a:lvl2pPr indent="-298450" lvl="1" marL="914400">
+            <a:lvl2pPr marL="914400" lvl="1" indent="-298450">
               <a:spcBef>
                 <a:spcPts val="0"/>
               </a:spcBef>
@@ -5216,7 +5304,7 @@
               <a:buChar char="○"/>
               <a:defRPr/>
             </a:lvl2pPr>
-            <a:lvl3pPr indent="-298450" lvl="2" marL="1371600">
+            <a:lvl3pPr marL="1371600" lvl="2" indent="-298450">
               <a:spcBef>
                 <a:spcPts val="0"/>
               </a:spcBef>
@@ -5227,7 +5315,7 @@
               <a:buChar char="■"/>
               <a:defRPr/>
             </a:lvl3pPr>
-            <a:lvl4pPr indent="-298450" lvl="3" marL="1828800">
+            <a:lvl4pPr marL="1828800" lvl="3" indent="-298450">
               <a:spcBef>
                 <a:spcPts val="0"/>
               </a:spcBef>
@@ -5238,7 +5326,7 @@
               <a:buChar char="●"/>
               <a:defRPr/>
             </a:lvl4pPr>
-            <a:lvl5pPr indent="-298450" lvl="4" marL="2286000">
+            <a:lvl5pPr marL="2286000" lvl="4" indent="-298450">
               <a:spcBef>
                 <a:spcPts val="0"/>
               </a:spcBef>
@@ -5249,7 +5337,7 @@
               <a:buChar char="○"/>
               <a:defRPr/>
             </a:lvl5pPr>
-            <a:lvl6pPr indent="-298450" lvl="5" marL="2743200">
+            <a:lvl6pPr marL="2743200" lvl="5" indent="-298450">
               <a:spcBef>
                 <a:spcPts val="0"/>
               </a:spcBef>
@@ -5260,7 +5348,7 @@
               <a:buChar char="■"/>
               <a:defRPr/>
             </a:lvl6pPr>
-            <a:lvl7pPr indent="-298450" lvl="6" marL="3200400">
+            <a:lvl7pPr marL="3200400" lvl="6" indent="-298450">
               <a:spcBef>
                 <a:spcPts val="0"/>
               </a:spcBef>
@@ -5271,7 +5359,7 @@
               <a:buChar char="●"/>
               <a:defRPr/>
             </a:lvl7pPr>
-            <a:lvl8pPr indent="-298450" lvl="7" marL="3657600">
+            <a:lvl8pPr marL="3657600" lvl="7" indent="-298450">
               <a:spcBef>
                 <a:spcPts val="0"/>
               </a:spcBef>
@@ -5282,7 +5370,7 @@
               <a:buChar char="○"/>
               <a:defRPr/>
             </a:lvl8pPr>
-            <a:lvl9pPr indent="-298450" lvl="8" marL="4114800">
+            <a:lvl9pPr marL="4114800" lvl="8" indent="-298450">
               <a:spcBef>
                 <a:spcPts val="0"/>
               </a:spcBef>
@@ -5294,15 +5382,19 @@
               <a:defRPr/>
             </a:lvl9pPr>
           </a:lstStyle>
-          <a:p/>
+          <a:p>
+            <a:endParaRPr/>
+          </a:p>
         </p:txBody>
       </p:sp>
       <p:sp>
         <p:nvSpPr>
           <p:cNvPr id="47" name="Google Shape;47;p4"/>
-          <p:cNvSpPr txBox="1"/>
+          <p:cNvSpPr txBox="1">
+            <a:spLocks noGrp="1"/>
+          </p:cNvSpPr>
           <p:nvPr>
-            <p:ph idx="12" type="sldNum"/>
+            <p:ph type="sldNum" idx="12"/>
           </p:nvPr>
         </p:nvSpPr>
         <p:spPr>
@@ -5315,7 +5407,7 @@
           </a:prstGeom>
         </p:spPr>
         <p:txBody>
-          <a:bodyPr anchorCtr="0" anchor="ctr" bIns="91425" lIns="91425" spcFirstLastPara="1" rIns="91425" wrap="square" tIns="91425">
+          <a:bodyPr spcFirstLastPara="1" wrap="square" lIns="91425" tIns="91425" rIns="91425" bIns="91425" anchor="ctr" anchorCtr="0">
             <a:normAutofit/>
           </a:bodyPr>
           <a:lstStyle>
@@ -5357,7 +5449,7 @@
             </a:lvl9pPr>
           </a:lstStyle>
           <a:p>
-            <a:pPr indent="0" lvl="0" marL="0" rtl="0" algn="r">
+            <a:pPr marL="0" lvl="0" indent="0" algn="r" rtl="0">
               <a:spcBef>
                 <a:spcPts val="0"/>
               </a:spcBef>
@@ -5383,11 +5475,11 @@
 </file>
 
 <file path=ppt/slideLayouts/slideLayout4.xml><?xml version="1.0" encoding="utf-8"?>
-<p:sldLayout xmlns:a="http://schemas.openxmlformats.org/drawingml/2006/main" xmlns:r="http://schemas.openxmlformats.org/officeDocument/2006/relationships" xmlns:mc="http://schemas.openxmlformats.org/markup-compatibility/2006" xmlns:mv="urn:schemas-microsoft-com:mac:vml" xmlns:p="http://schemas.openxmlformats.org/presentationml/2006/main" xmlns:c="http://schemas.openxmlformats.org/drawingml/2006/chart" xmlns:dgm="http://schemas.openxmlformats.org/drawingml/2006/diagram" xmlns:o="urn:schemas-microsoft-com:office:office" xmlns:v="urn:schemas-microsoft-com:vml" xmlns:pvml="urn:schemas-microsoft-com:office:powerpoint" xmlns:com="http://schemas.openxmlformats.org/drawingml/2006/compatibility" xmlns:p14="http://schemas.microsoft.com/office/powerpoint/2010/main" xmlns:p15="http://schemas.microsoft.com/office/powerpoint/2012/main" xmlns:ahyp="http://schemas.microsoft.com/office/drawing/2018/hyperlinkcolor" matchingName="Title and two columns" type="twoColTx">
+<p:sldLayout xmlns:a="http://schemas.openxmlformats.org/drawingml/2006/main" xmlns:r="http://schemas.openxmlformats.org/officeDocument/2006/relationships" xmlns:p="http://schemas.openxmlformats.org/presentationml/2006/main" matchingName="Title and two columns" type="twoColTx">
   <p:cSld name="TITLE_AND_TWO_COLUMNS">
     <p:spTree>
       <p:nvGrpSpPr>
-        <p:cNvPr id="48" name="Shape 48"/>
+        <p:cNvPr id="1" name="Shape 48"/>
         <p:cNvGrpSpPr/>
         <p:nvPr/>
       </p:nvGrpSpPr>
@@ -5426,7 +5518,7 @@
             </a:xfrm>
             <a:prstGeom prst="diagStripe">
               <a:avLst>
-                <a:gd fmla="val 50000" name="adj"/>
+                <a:gd name="adj" fmla="val 50000"/>
               </a:avLst>
             </a:prstGeom>
             <a:solidFill>
@@ -5437,12 +5529,12 @@
             </a:ln>
           </p:spPr>
           <p:txBody>
-            <a:bodyPr anchorCtr="0" anchor="ctr" bIns="91425" lIns="91425" spcFirstLastPara="1" rIns="91425" wrap="square" tIns="91425">
+            <a:bodyPr spcFirstLastPara="1" wrap="square" lIns="91425" tIns="91425" rIns="91425" bIns="91425" anchor="ctr" anchorCtr="0">
               <a:noAutofit/>
             </a:bodyPr>
             <a:lstStyle/>
             <a:p>
-              <a:pPr indent="0" lvl="0" marL="0" rtl="0" algn="l">
+              <a:pPr marL="0" lvl="0" indent="0" algn="l" rtl="0">
                 <a:spcBef>
                   <a:spcPts val="0"/>
                 </a:spcBef>
@@ -5451,9 +5543,6 @@
                 </a:spcAft>
                 <a:buNone/>
               </a:pPr>
-              <a:r>
-                <a:t/>
-              </a:r>
               <a:endParaRPr/>
             </a:p>
           </p:txBody>
@@ -5471,7 +5560,7 @@
             </a:xfrm>
             <a:prstGeom prst="diagStripe">
               <a:avLst>
-                <a:gd fmla="val 50000" name="adj"/>
+                <a:gd name="adj" fmla="val 50000"/>
               </a:avLst>
             </a:prstGeom>
             <a:solidFill>
@@ -5482,12 +5571,12 @@
             </a:ln>
           </p:spPr>
           <p:txBody>
-            <a:bodyPr anchorCtr="0" anchor="ctr" bIns="91425" lIns="91425" spcFirstLastPara="1" rIns="91425" wrap="square" tIns="91425">
+            <a:bodyPr spcFirstLastPara="1" wrap="square" lIns="91425" tIns="91425" rIns="91425" bIns="91425" anchor="ctr" anchorCtr="0">
               <a:noAutofit/>
             </a:bodyPr>
             <a:lstStyle/>
             <a:p>
-              <a:pPr indent="0" lvl="0" marL="0" rtl="0" algn="l">
+              <a:pPr marL="0" lvl="0" indent="0" algn="l" rtl="0">
                 <a:spcBef>
                   <a:spcPts val="0"/>
                 </a:spcBef>
@@ -5496,9 +5585,6 @@
                 </a:spcAft>
                 <a:buNone/>
               </a:pPr>
-              <a:r>
-                <a:t/>
-              </a:r>
               <a:endParaRPr/>
             </a:p>
           </p:txBody>
@@ -5507,7 +5593,9 @@
       <p:sp>
         <p:nvSpPr>
           <p:cNvPr id="52" name="Google Shape;52;p5"/>
-          <p:cNvSpPr txBox="1"/>
+          <p:cNvSpPr txBox="1">
+            <a:spLocks noGrp="1"/>
+          </p:cNvSpPr>
           <p:nvPr>
             <p:ph type="title"/>
           </p:nvPr>
@@ -5522,7 +5610,7 @@
           </a:prstGeom>
         </p:spPr>
         <p:txBody>
-          <a:bodyPr anchorCtr="0" anchor="t" bIns="91425" lIns="91425" spcFirstLastPara="1" rIns="91425" wrap="square" tIns="91425">
+          <a:bodyPr spcFirstLastPara="1" wrap="square" lIns="91425" tIns="91425" rIns="91425" bIns="91425" anchor="t" anchorCtr="0">
             <a:normAutofit/>
           </a:bodyPr>
           <a:lstStyle>
@@ -5626,15 +5714,19 @@
               <a:defRPr sz="2400"/>
             </a:lvl9pPr>
           </a:lstStyle>
-          <a:p/>
+          <a:p>
+            <a:endParaRPr/>
+          </a:p>
         </p:txBody>
       </p:sp>
       <p:sp>
         <p:nvSpPr>
           <p:cNvPr id="53" name="Google Shape;53;p5"/>
-          <p:cNvSpPr txBox="1"/>
+          <p:cNvSpPr txBox="1">
+            <a:spLocks noGrp="1"/>
+          </p:cNvSpPr>
           <p:nvPr>
-            <p:ph idx="1" type="body"/>
+            <p:ph type="body" idx="1"/>
           </p:nvPr>
         </p:nvSpPr>
         <p:spPr>
@@ -5647,11 +5739,11 @@
           </a:prstGeom>
         </p:spPr>
         <p:txBody>
-          <a:bodyPr anchorCtr="0" anchor="t" bIns="91425" lIns="91425" spcFirstLastPara="1" rIns="91425" wrap="square" tIns="91425">
+          <a:bodyPr spcFirstLastPara="1" wrap="square" lIns="91425" tIns="91425" rIns="91425" bIns="91425" anchor="t" anchorCtr="0">
             <a:normAutofit/>
           </a:bodyPr>
           <a:lstStyle>
-            <a:lvl1pPr indent="-311150" lvl="0" marL="457200">
+            <a:lvl1pPr marL="457200" lvl="0" indent="-311150">
               <a:spcBef>
                 <a:spcPts val="0"/>
               </a:spcBef>
@@ -5662,7 +5754,7 @@
               <a:buChar char="●"/>
               <a:defRPr/>
             </a:lvl1pPr>
-            <a:lvl2pPr indent="-298450" lvl="1" marL="914400">
+            <a:lvl2pPr marL="914400" lvl="1" indent="-298450">
               <a:spcBef>
                 <a:spcPts val="0"/>
               </a:spcBef>
@@ -5673,7 +5765,7 @@
               <a:buChar char="○"/>
               <a:defRPr/>
             </a:lvl2pPr>
-            <a:lvl3pPr indent="-298450" lvl="2" marL="1371600">
+            <a:lvl3pPr marL="1371600" lvl="2" indent="-298450">
               <a:spcBef>
                 <a:spcPts val="0"/>
               </a:spcBef>
@@ -5684,7 +5776,7 @@
               <a:buChar char="■"/>
               <a:defRPr/>
             </a:lvl3pPr>
-            <a:lvl4pPr indent="-298450" lvl="3" marL="1828800">
+            <a:lvl4pPr marL="1828800" lvl="3" indent="-298450">
               <a:spcBef>
                 <a:spcPts val="0"/>
               </a:spcBef>
@@ -5695,7 +5787,7 @@
               <a:buChar char="●"/>
               <a:defRPr/>
             </a:lvl4pPr>
-            <a:lvl5pPr indent="-298450" lvl="4" marL="2286000">
+            <a:lvl5pPr marL="2286000" lvl="4" indent="-298450">
               <a:spcBef>
                 <a:spcPts val="0"/>
               </a:spcBef>
@@ -5706,7 +5798,7 @@
               <a:buChar char="○"/>
               <a:defRPr/>
             </a:lvl5pPr>
-            <a:lvl6pPr indent="-298450" lvl="5" marL="2743200">
+            <a:lvl6pPr marL="2743200" lvl="5" indent="-298450">
               <a:spcBef>
                 <a:spcPts val="0"/>
               </a:spcBef>
@@ -5717,7 +5809,7 @@
               <a:buChar char="■"/>
               <a:defRPr/>
             </a:lvl6pPr>
-            <a:lvl7pPr indent="-298450" lvl="6" marL="3200400">
+            <a:lvl7pPr marL="3200400" lvl="6" indent="-298450">
               <a:spcBef>
                 <a:spcPts val="0"/>
               </a:spcBef>
@@ -5728,7 +5820,7 @@
               <a:buChar char="●"/>
               <a:defRPr/>
             </a:lvl7pPr>
-            <a:lvl8pPr indent="-298450" lvl="7" marL="3657600">
+            <a:lvl8pPr marL="3657600" lvl="7" indent="-298450">
               <a:spcBef>
                 <a:spcPts val="0"/>
               </a:spcBef>
@@ -5739,7 +5831,7 @@
               <a:buChar char="○"/>
               <a:defRPr/>
             </a:lvl8pPr>
-            <a:lvl9pPr indent="-298450" lvl="8" marL="4114800">
+            <a:lvl9pPr marL="4114800" lvl="8" indent="-298450">
               <a:spcBef>
                 <a:spcPts val="0"/>
               </a:spcBef>
@@ -5751,15 +5843,19 @@
               <a:defRPr/>
             </a:lvl9pPr>
           </a:lstStyle>
-          <a:p/>
+          <a:p>
+            <a:endParaRPr/>
+          </a:p>
         </p:txBody>
       </p:sp>
       <p:sp>
         <p:nvSpPr>
           <p:cNvPr id="54" name="Google Shape;54;p5"/>
-          <p:cNvSpPr txBox="1"/>
+          <p:cNvSpPr txBox="1">
+            <a:spLocks noGrp="1"/>
+          </p:cNvSpPr>
           <p:nvPr>
-            <p:ph idx="2" type="body"/>
+            <p:ph type="body" idx="2"/>
           </p:nvPr>
         </p:nvSpPr>
         <p:spPr>
@@ -5772,11 +5868,11 @@
           </a:prstGeom>
         </p:spPr>
         <p:txBody>
-          <a:bodyPr anchorCtr="0" anchor="t" bIns="91425" lIns="91425" spcFirstLastPara="1" rIns="91425" wrap="square" tIns="91425">
+          <a:bodyPr spcFirstLastPara="1" wrap="square" lIns="91425" tIns="91425" rIns="91425" bIns="91425" anchor="t" anchorCtr="0">
             <a:normAutofit/>
           </a:bodyPr>
           <a:lstStyle>
-            <a:lvl1pPr indent="-311150" lvl="0" marL="457200">
+            <a:lvl1pPr marL="457200" lvl="0" indent="-311150">
               <a:spcBef>
                 <a:spcPts val="0"/>
               </a:spcBef>
@@ -5787,7 +5883,7 @@
               <a:buChar char="●"/>
               <a:defRPr/>
             </a:lvl1pPr>
-            <a:lvl2pPr indent="-298450" lvl="1" marL="914400">
+            <a:lvl2pPr marL="914400" lvl="1" indent="-298450">
               <a:spcBef>
                 <a:spcPts val="0"/>
               </a:spcBef>
@@ -5798,7 +5894,7 @@
               <a:buChar char="○"/>
               <a:defRPr/>
             </a:lvl2pPr>
-            <a:lvl3pPr indent="-298450" lvl="2" marL="1371600">
+            <a:lvl3pPr marL="1371600" lvl="2" indent="-298450">
               <a:spcBef>
                 <a:spcPts val="0"/>
               </a:spcBef>
@@ -5809,7 +5905,7 @@
               <a:buChar char="■"/>
               <a:defRPr/>
             </a:lvl3pPr>
-            <a:lvl4pPr indent="-298450" lvl="3" marL="1828800">
+            <a:lvl4pPr marL="1828800" lvl="3" indent="-298450">
               <a:spcBef>
                 <a:spcPts val="0"/>
               </a:spcBef>
@@ -5820,7 +5916,7 @@
               <a:buChar char="●"/>
               <a:defRPr/>
             </a:lvl4pPr>
-            <a:lvl5pPr indent="-298450" lvl="4" marL="2286000">
+            <a:lvl5pPr marL="2286000" lvl="4" indent="-298450">
               <a:spcBef>
                 <a:spcPts val="0"/>
               </a:spcBef>
@@ -5831,7 +5927,7 @@
               <a:buChar char="○"/>
               <a:defRPr/>
             </a:lvl5pPr>
-            <a:lvl6pPr indent="-298450" lvl="5" marL="2743200">
+            <a:lvl6pPr marL="2743200" lvl="5" indent="-298450">
               <a:spcBef>
                 <a:spcPts val="0"/>
               </a:spcBef>
@@ -5842,7 +5938,7 @@
               <a:buChar char="■"/>
               <a:defRPr/>
             </a:lvl6pPr>
-            <a:lvl7pPr indent="-298450" lvl="6" marL="3200400">
+            <a:lvl7pPr marL="3200400" lvl="6" indent="-298450">
               <a:spcBef>
                 <a:spcPts val="0"/>
               </a:spcBef>
@@ -5853,7 +5949,7 @@
               <a:buChar char="●"/>
               <a:defRPr/>
             </a:lvl7pPr>
-            <a:lvl8pPr indent="-298450" lvl="7" marL="3657600">
+            <a:lvl8pPr marL="3657600" lvl="7" indent="-298450">
               <a:spcBef>
                 <a:spcPts val="0"/>
               </a:spcBef>
@@ -5864,7 +5960,7 @@
               <a:buChar char="○"/>
               <a:defRPr/>
             </a:lvl8pPr>
-            <a:lvl9pPr indent="-298450" lvl="8" marL="4114800">
+            <a:lvl9pPr marL="4114800" lvl="8" indent="-298450">
               <a:spcBef>
                 <a:spcPts val="0"/>
               </a:spcBef>
@@ -5876,15 +5972,19 @@
               <a:defRPr/>
             </a:lvl9pPr>
           </a:lstStyle>
-          <a:p/>
+          <a:p>
+            <a:endParaRPr/>
+          </a:p>
         </p:txBody>
       </p:sp>
       <p:sp>
         <p:nvSpPr>
           <p:cNvPr id="55" name="Google Shape;55;p5"/>
-          <p:cNvSpPr txBox="1"/>
+          <p:cNvSpPr txBox="1">
+            <a:spLocks noGrp="1"/>
+          </p:cNvSpPr>
           <p:nvPr>
-            <p:ph idx="12" type="sldNum"/>
+            <p:ph type="sldNum" idx="12"/>
           </p:nvPr>
         </p:nvSpPr>
         <p:spPr>
@@ -5897,7 +5997,7 @@
           </a:prstGeom>
         </p:spPr>
         <p:txBody>
-          <a:bodyPr anchorCtr="0" anchor="ctr" bIns="91425" lIns="91425" spcFirstLastPara="1" rIns="91425" wrap="square" tIns="91425">
+          <a:bodyPr spcFirstLastPara="1" wrap="square" lIns="91425" tIns="91425" rIns="91425" bIns="91425" anchor="ctr" anchorCtr="0">
             <a:normAutofit/>
           </a:bodyPr>
           <a:lstStyle>
@@ -5939,7 +6039,7 @@
             </a:lvl9pPr>
           </a:lstStyle>
           <a:p>
-            <a:pPr indent="0" lvl="0" marL="0" rtl="0" algn="r">
+            <a:pPr marL="0" lvl="0" indent="0" algn="r" rtl="0">
               <a:spcBef>
                 <a:spcPts val="0"/>
               </a:spcBef>
@@ -5965,11 +6065,11 @@
 </file>
 
 <file path=ppt/slideLayouts/slideLayout5.xml><?xml version="1.0" encoding="utf-8"?>
-<p:sldLayout xmlns:a="http://schemas.openxmlformats.org/drawingml/2006/main" xmlns:r="http://schemas.openxmlformats.org/officeDocument/2006/relationships" xmlns:mc="http://schemas.openxmlformats.org/markup-compatibility/2006" xmlns:mv="urn:schemas-microsoft-com:mac:vml" xmlns:p="http://schemas.openxmlformats.org/presentationml/2006/main" xmlns:c="http://schemas.openxmlformats.org/drawingml/2006/chart" xmlns:dgm="http://schemas.openxmlformats.org/drawingml/2006/diagram" xmlns:o="urn:schemas-microsoft-com:office:office" xmlns:v="urn:schemas-microsoft-com:vml" xmlns:pvml="urn:schemas-microsoft-com:office:powerpoint" xmlns:com="http://schemas.openxmlformats.org/drawingml/2006/compatibility" xmlns:p14="http://schemas.microsoft.com/office/powerpoint/2010/main" xmlns:p15="http://schemas.microsoft.com/office/powerpoint/2012/main" xmlns:ahyp="http://schemas.microsoft.com/office/drawing/2018/hyperlinkcolor" matchingName="Title only" type="titleOnly">
+<p:sldLayout xmlns:a="http://schemas.openxmlformats.org/drawingml/2006/main" xmlns:r="http://schemas.openxmlformats.org/officeDocument/2006/relationships" xmlns:p="http://schemas.openxmlformats.org/presentationml/2006/main" matchingName="Title only" type="titleOnly">
   <p:cSld name="TITLE_ONLY">
     <p:spTree>
       <p:nvGrpSpPr>
-        <p:cNvPr id="56" name="Shape 56"/>
+        <p:cNvPr id="1" name="Shape 56"/>
         <p:cNvGrpSpPr/>
         <p:nvPr/>
       </p:nvGrpSpPr>
@@ -6008,7 +6108,7 @@
             </a:xfrm>
             <a:prstGeom prst="diagStripe">
               <a:avLst>
-                <a:gd fmla="val 50000" name="adj"/>
+                <a:gd name="adj" fmla="val 50000"/>
               </a:avLst>
             </a:prstGeom>
             <a:solidFill>
@@ -6019,12 +6119,12 @@
             </a:ln>
           </p:spPr>
           <p:txBody>
-            <a:bodyPr anchorCtr="0" anchor="ctr" bIns="91425" lIns="91425" spcFirstLastPara="1" rIns="91425" wrap="square" tIns="91425">
+            <a:bodyPr spcFirstLastPara="1" wrap="square" lIns="91425" tIns="91425" rIns="91425" bIns="91425" anchor="ctr" anchorCtr="0">
               <a:noAutofit/>
             </a:bodyPr>
             <a:lstStyle/>
             <a:p>
-              <a:pPr indent="0" lvl="0" marL="0" rtl="0" algn="l">
+              <a:pPr marL="0" lvl="0" indent="0" algn="l" rtl="0">
                 <a:spcBef>
                   <a:spcPts val="0"/>
                 </a:spcBef>
@@ -6033,9 +6133,6 @@
                 </a:spcAft>
                 <a:buNone/>
               </a:pPr>
-              <a:r>
-                <a:t/>
-              </a:r>
               <a:endParaRPr/>
             </a:p>
           </p:txBody>
@@ -6053,7 +6150,7 @@
             </a:xfrm>
             <a:prstGeom prst="diagStripe">
               <a:avLst>
-                <a:gd fmla="val 50000" name="adj"/>
+                <a:gd name="adj" fmla="val 50000"/>
               </a:avLst>
             </a:prstGeom>
             <a:solidFill>
@@ -6064,12 +6161,12 @@
             </a:ln>
           </p:spPr>
           <p:txBody>
-            <a:bodyPr anchorCtr="0" anchor="ctr" bIns="91425" lIns="91425" spcFirstLastPara="1" rIns="91425" wrap="square" tIns="91425">
+            <a:bodyPr spcFirstLastPara="1" wrap="square" lIns="91425" tIns="91425" rIns="91425" bIns="91425" anchor="ctr" anchorCtr="0">
               <a:noAutofit/>
             </a:bodyPr>
             <a:lstStyle/>
             <a:p>
-              <a:pPr indent="0" lvl="0" marL="0" rtl="0" algn="l">
+              <a:pPr marL="0" lvl="0" indent="0" algn="l" rtl="0">
                 <a:spcBef>
                   <a:spcPts val="0"/>
                 </a:spcBef>
@@ -6078,9 +6175,6 @@
                 </a:spcAft>
                 <a:buNone/>
               </a:pPr>
-              <a:r>
-                <a:t/>
-              </a:r>
               <a:endParaRPr/>
             </a:p>
           </p:txBody>
@@ -6089,7 +6183,9 @@
       <p:sp>
         <p:nvSpPr>
           <p:cNvPr id="60" name="Google Shape;60;p6"/>
-          <p:cNvSpPr txBox="1"/>
+          <p:cNvSpPr txBox="1">
+            <a:spLocks noGrp="1"/>
+          </p:cNvSpPr>
           <p:nvPr>
             <p:ph type="title"/>
           </p:nvPr>
@@ -6104,7 +6200,7 @@
           </a:prstGeom>
         </p:spPr>
         <p:txBody>
-          <a:bodyPr anchorCtr="0" anchor="t" bIns="91425" lIns="91425" spcFirstLastPara="1" rIns="91425" wrap="square" tIns="91425">
+          <a:bodyPr spcFirstLastPara="1" wrap="square" lIns="91425" tIns="91425" rIns="91425" bIns="91425" anchor="t" anchorCtr="0">
             <a:normAutofit/>
           </a:bodyPr>
           <a:lstStyle>
@@ -6208,15 +6304,19 @@
               <a:defRPr sz="2400"/>
             </a:lvl9pPr>
           </a:lstStyle>
-          <a:p/>
+          <a:p>
+            <a:endParaRPr/>
+          </a:p>
         </p:txBody>
       </p:sp>
       <p:sp>
         <p:nvSpPr>
           <p:cNvPr id="61" name="Google Shape;61;p6"/>
-          <p:cNvSpPr txBox="1"/>
+          <p:cNvSpPr txBox="1">
+            <a:spLocks noGrp="1"/>
+          </p:cNvSpPr>
           <p:nvPr>
-            <p:ph idx="12" type="sldNum"/>
+            <p:ph type="sldNum" idx="12"/>
           </p:nvPr>
         </p:nvSpPr>
         <p:spPr>
@@ -6229,7 +6329,7 @@
           </a:prstGeom>
         </p:spPr>
         <p:txBody>
-          <a:bodyPr anchorCtr="0" anchor="ctr" bIns="91425" lIns="91425" spcFirstLastPara="1" rIns="91425" wrap="square" tIns="91425">
+          <a:bodyPr spcFirstLastPara="1" wrap="square" lIns="91425" tIns="91425" rIns="91425" bIns="91425" anchor="ctr" anchorCtr="0">
             <a:normAutofit/>
           </a:bodyPr>
           <a:lstStyle>
@@ -6271,7 +6371,7 @@
             </a:lvl9pPr>
           </a:lstStyle>
           <a:p>
-            <a:pPr indent="0" lvl="0" marL="0" rtl="0" algn="r">
+            <a:pPr marL="0" lvl="0" indent="0" algn="r" rtl="0">
               <a:spcBef>
                 <a:spcPts val="0"/>
               </a:spcBef>
@@ -6297,11 +6397,11 @@
 </file>
 
 <file path=ppt/slideLayouts/slideLayout6.xml><?xml version="1.0" encoding="utf-8"?>
-<p:sldLayout xmlns:a="http://schemas.openxmlformats.org/drawingml/2006/main" xmlns:r="http://schemas.openxmlformats.org/officeDocument/2006/relationships" xmlns:mc="http://schemas.openxmlformats.org/markup-compatibility/2006" xmlns:mv="urn:schemas-microsoft-com:mac:vml" xmlns:p="http://schemas.openxmlformats.org/presentationml/2006/main" xmlns:c="http://schemas.openxmlformats.org/drawingml/2006/chart" xmlns:dgm="http://schemas.openxmlformats.org/drawingml/2006/diagram" xmlns:o="urn:schemas-microsoft-com:office:office" xmlns:v="urn:schemas-microsoft-com:vml" xmlns:pvml="urn:schemas-microsoft-com:office:powerpoint" xmlns:com="http://schemas.openxmlformats.org/drawingml/2006/compatibility" xmlns:p14="http://schemas.microsoft.com/office/powerpoint/2010/main" xmlns:p15="http://schemas.microsoft.com/office/powerpoint/2012/main" xmlns:ahyp="http://schemas.microsoft.com/office/drawing/2018/hyperlinkcolor" matchingName="One column text">
+<p:sldLayout xmlns:a="http://schemas.openxmlformats.org/drawingml/2006/main" xmlns:r="http://schemas.openxmlformats.org/officeDocument/2006/relationships" xmlns:p="http://schemas.openxmlformats.org/presentationml/2006/main" matchingName="One column text">
   <p:cSld name="ONE_COLUMN_TEXT">
     <p:spTree>
       <p:nvGrpSpPr>
-        <p:cNvPr id="62" name="Shape 62"/>
+        <p:cNvPr id="1" name="Shape 62"/>
         <p:cNvGrpSpPr/>
         <p:nvPr/>
       </p:nvGrpSpPr>
@@ -6340,7 +6440,7 @@
             </a:xfrm>
             <a:prstGeom prst="diagStripe">
               <a:avLst>
-                <a:gd fmla="val 50000" name="adj"/>
+                <a:gd name="adj" fmla="val 50000"/>
               </a:avLst>
             </a:prstGeom>
             <a:solidFill>
@@ -6351,12 +6451,12 @@
             </a:ln>
           </p:spPr>
           <p:txBody>
-            <a:bodyPr anchorCtr="0" anchor="ctr" bIns="91425" lIns="91425" spcFirstLastPara="1" rIns="91425" wrap="square" tIns="91425">
+            <a:bodyPr spcFirstLastPara="1" wrap="square" lIns="91425" tIns="91425" rIns="91425" bIns="91425" anchor="ctr" anchorCtr="0">
               <a:noAutofit/>
             </a:bodyPr>
             <a:lstStyle/>
             <a:p>
-              <a:pPr indent="0" lvl="0" marL="0" rtl="0" algn="l">
+              <a:pPr marL="0" lvl="0" indent="0" algn="l" rtl="0">
                 <a:spcBef>
                   <a:spcPts val="0"/>
                 </a:spcBef>
@@ -6365,9 +6465,6 @@
                 </a:spcAft>
                 <a:buNone/>
               </a:pPr>
-              <a:r>
-                <a:t/>
-              </a:r>
               <a:endParaRPr/>
             </a:p>
           </p:txBody>
@@ -6385,7 +6482,7 @@
             </a:xfrm>
             <a:prstGeom prst="diagStripe">
               <a:avLst>
-                <a:gd fmla="val 50000" name="adj"/>
+                <a:gd name="adj" fmla="val 50000"/>
               </a:avLst>
             </a:prstGeom>
             <a:solidFill>
@@ -6396,12 +6493,12 @@
             </a:ln>
           </p:spPr>
           <p:txBody>
-            <a:bodyPr anchorCtr="0" anchor="ctr" bIns="91425" lIns="91425" spcFirstLastPara="1" rIns="91425" wrap="square" tIns="91425">
+            <a:bodyPr spcFirstLastPara="1" wrap="square" lIns="91425" tIns="91425" rIns="91425" bIns="91425" anchor="ctr" anchorCtr="0">
               <a:noAutofit/>
             </a:bodyPr>
             <a:lstStyle/>
             <a:p>
-              <a:pPr indent="0" lvl="0" marL="0" rtl="0" algn="l">
+              <a:pPr marL="0" lvl="0" indent="0" algn="l" rtl="0">
                 <a:spcBef>
                   <a:spcPts val="0"/>
                 </a:spcBef>
@@ -6410,9 +6507,6 @@
                 </a:spcAft>
                 <a:buNone/>
               </a:pPr>
-              <a:r>
-                <a:t/>
-              </a:r>
               <a:endParaRPr/>
             </a:p>
           </p:txBody>
@@ -6421,7 +6515,9 @@
       <p:sp>
         <p:nvSpPr>
           <p:cNvPr id="66" name="Google Shape;66;p7"/>
-          <p:cNvSpPr txBox="1"/>
+          <p:cNvSpPr txBox="1">
+            <a:spLocks noGrp="1"/>
+          </p:cNvSpPr>
           <p:nvPr>
             <p:ph type="title"/>
           </p:nvPr>
@@ -6436,7 +6532,7 @@
           </a:prstGeom>
         </p:spPr>
         <p:txBody>
-          <a:bodyPr anchorCtr="0" anchor="t" bIns="91425" lIns="91425" spcFirstLastPara="1" rIns="91425" wrap="square" tIns="91425">
+          <a:bodyPr spcFirstLastPara="1" wrap="square" lIns="91425" tIns="91425" rIns="91425" bIns="91425" anchor="t" anchorCtr="0">
             <a:normAutofit/>
           </a:bodyPr>
           <a:lstStyle>
@@ -6540,15 +6636,19 @@
               <a:defRPr sz="2400"/>
             </a:lvl9pPr>
           </a:lstStyle>
-          <a:p/>
+          <a:p>
+            <a:endParaRPr/>
+          </a:p>
         </p:txBody>
       </p:sp>
       <p:sp>
         <p:nvSpPr>
           <p:cNvPr id="67" name="Google Shape;67;p7"/>
-          <p:cNvSpPr txBox="1"/>
+          <p:cNvSpPr txBox="1">
+            <a:spLocks noGrp="1"/>
+          </p:cNvSpPr>
           <p:nvPr>
-            <p:ph idx="1" type="body"/>
+            <p:ph type="body" idx="1"/>
           </p:nvPr>
         </p:nvSpPr>
         <p:spPr>
@@ -6561,11 +6661,11 @@
           </a:prstGeom>
         </p:spPr>
         <p:txBody>
-          <a:bodyPr anchorCtr="0" anchor="t" bIns="91425" lIns="91425" spcFirstLastPara="1" rIns="91425" wrap="square" tIns="91425">
+          <a:bodyPr spcFirstLastPara="1" wrap="square" lIns="91425" tIns="91425" rIns="91425" bIns="91425" anchor="t" anchorCtr="0">
             <a:normAutofit/>
           </a:bodyPr>
           <a:lstStyle>
-            <a:lvl1pPr indent="-311150" lvl="0" marL="457200">
+            <a:lvl1pPr marL="457200" lvl="0" indent="-311150">
               <a:spcBef>
                 <a:spcPts val="0"/>
               </a:spcBef>
@@ -6576,7 +6676,7 @@
               <a:buChar char="●"/>
               <a:defRPr/>
             </a:lvl1pPr>
-            <a:lvl2pPr indent="-298450" lvl="1" marL="914400">
+            <a:lvl2pPr marL="914400" lvl="1" indent="-298450">
               <a:spcBef>
                 <a:spcPts val="0"/>
               </a:spcBef>
@@ -6587,7 +6687,7 @@
               <a:buChar char="○"/>
               <a:defRPr/>
             </a:lvl2pPr>
-            <a:lvl3pPr indent="-298450" lvl="2" marL="1371600">
+            <a:lvl3pPr marL="1371600" lvl="2" indent="-298450">
               <a:spcBef>
                 <a:spcPts val="0"/>
               </a:spcBef>
@@ -6598,7 +6698,7 @@
               <a:buChar char="■"/>
               <a:defRPr/>
             </a:lvl3pPr>
-            <a:lvl4pPr indent="-298450" lvl="3" marL="1828800">
+            <a:lvl4pPr marL="1828800" lvl="3" indent="-298450">
               <a:spcBef>
                 <a:spcPts val="0"/>
               </a:spcBef>
@@ -6609,7 +6709,7 @@
               <a:buChar char="●"/>
               <a:defRPr/>
             </a:lvl4pPr>
-            <a:lvl5pPr indent="-298450" lvl="4" marL="2286000">
+            <a:lvl5pPr marL="2286000" lvl="4" indent="-298450">
               <a:spcBef>
                 <a:spcPts val="0"/>
               </a:spcBef>
@@ -6620,7 +6720,7 @@
               <a:buChar char="○"/>
               <a:defRPr/>
             </a:lvl5pPr>
-            <a:lvl6pPr indent="-298450" lvl="5" marL="2743200">
+            <a:lvl6pPr marL="2743200" lvl="5" indent="-298450">
               <a:spcBef>
                 <a:spcPts val="0"/>
               </a:spcBef>
@@ -6631,7 +6731,7 @@
               <a:buChar char="■"/>
               <a:defRPr/>
             </a:lvl6pPr>
-            <a:lvl7pPr indent="-298450" lvl="6" marL="3200400">
+            <a:lvl7pPr marL="3200400" lvl="6" indent="-298450">
               <a:spcBef>
                 <a:spcPts val="0"/>
               </a:spcBef>
@@ -6642,7 +6742,7 @@
               <a:buChar char="●"/>
               <a:defRPr/>
             </a:lvl7pPr>
-            <a:lvl8pPr indent="-298450" lvl="7" marL="3657600">
+            <a:lvl8pPr marL="3657600" lvl="7" indent="-298450">
               <a:spcBef>
                 <a:spcPts val="0"/>
               </a:spcBef>
@@ -6653,7 +6753,7 @@
               <a:buChar char="○"/>
               <a:defRPr/>
             </a:lvl8pPr>
-            <a:lvl9pPr indent="-298450" lvl="8" marL="4114800">
+            <a:lvl9pPr marL="4114800" lvl="8" indent="-298450">
               <a:spcBef>
                 <a:spcPts val="0"/>
               </a:spcBef>
@@ -6665,15 +6765,19 @@
               <a:defRPr/>
             </a:lvl9pPr>
           </a:lstStyle>
-          <a:p/>
+          <a:p>
+            <a:endParaRPr/>
+          </a:p>
         </p:txBody>
       </p:sp>
       <p:sp>
         <p:nvSpPr>
           <p:cNvPr id="68" name="Google Shape;68;p7"/>
-          <p:cNvSpPr txBox="1"/>
+          <p:cNvSpPr txBox="1">
+            <a:spLocks noGrp="1"/>
+          </p:cNvSpPr>
           <p:nvPr>
-            <p:ph idx="12" type="sldNum"/>
+            <p:ph type="sldNum" idx="12"/>
           </p:nvPr>
         </p:nvSpPr>
         <p:spPr>
@@ -6686,7 +6790,7 @@
           </a:prstGeom>
         </p:spPr>
         <p:txBody>
-          <a:bodyPr anchorCtr="0" anchor="ctr" bIns="91425" lIns="91425" spcFirstLastPara="1" rIns="91425" wrap="square" tIns="91425">
+          <a:bodyPr spcFirstLastPara="1" wrap="square" lIns="91425" tIns="91425" rIns="91425" bIns="91425" anchor="ctr" anchorCtr="0">
             <a:normAutofit/>
           </a:bodyPr>
           <a:lstStyle>
@@ -6728,7 +6832,7 @@
             </a:lvl9pPr>
           </a:lstStyle>
           <a:p>
-            <a:pPr indent="0" lvl="0" marL="0" rtl="0" algn="r">
+            <a:pPr marL="0" lvl="0" indent="0" algn="r" rtl="0">
               <a:spcBef>
                 <a:spcPts val="0"/>
               </a:spcBef>
@@ -6754,11 +6858,11 @@
 </file>
 
 <file path=ppt/slideLayouts/slideLayout7.xml><?xml version="1.0" encoding="utf-8"?>
-<p:sldLayout xmlns:a="http://schemas.openxmlformats.org/drawingml/2006/main" xmlns:r="http://schemas.openxmlformats.org/officeDocument/2006/relationships" xmlns:mc="http://schemas.openxmlformats.org/markup-compatibility/2006" xmlns:mv="urn:schemas-microsoft-com:mac:vml" xmlns:p="http://schemas.openxmlformats.org/presentationml/2006/main" xmlns:c="http://schemas.openxmlformats.org/drawingml/2006/chart" xmlns:dgm="http://schemas.openxmlformats.org/drawingml/2006/diagram" xmlns:o="urn:schemas-microsoft-com:office:office" xmlns:v="urn:schemas-microsoft-com:vml" xmlns:pvml="urn:schemas-microsoft-com:office:powerpoint" xmlns:com="http://schemas.openxmlformats.org/drawingml/2006/compatibility" xmlns:p14="http://schemas.microsoft.com/office/powerpoint/2010/main" xmlns:p15="http://schemas.microsoft.com/office/powerpoint/2012/main" xmlns:ahyp="http://schemas.microsoft.com/office/drawing/2018/hyperlinkcolor" matchingName="Main point">
+<p:sldLayout xmlns:a="http://schemas.openxmlformats.org/drawingml/2006/main" xmlns:r="http://schemas.openxmlformats.org/officeDocument/2006/relationships" xmlns:p="http://schemas.openxmlformats.org/presentationml/2006/main" matchingName="Main point">
   <p:cSld name="MAIN_POINT">
     <p:spTree>
       <p:nvGrpSpPr>
-        <p:cNvPr id="69" name="Shape 69"/>
+        <p:cNvPr id="1" name="Shape 69"/>
         <p:cNvGrpSpPr/>
         <p:nvPr/>
       </p:nvGrpSpPr>
@@ -6797,7 +6901,7 @@
             </a:xfrm>
             <a:prstGeom prst="diagStripe">
               <a:avLst>
-                <a:gd fmla="val 49469" name="adj"/>
+                <a:gd name="adj" fmla="val 49469"/>
               </a:avLst>
             </a:prstGeom>
             <a:solidFill>
@@ -6810,12 +6914,12 @@
             </a:ln>
           </p:spPr>
           <p:txBody>
-            <a:bodyPr anchorCtr="0" anchor="ctr" bIns="91425" lIns="91425" spcFirstLastPara="1" rIns="91425" wrap="square" tIns="91425">
+            <a:bodyPr spcFirstLastPara="1" wrap="square" lIns="91425" tIns="91425" rIns="91425" bIns="91425" anchor="ctr" anchorCtr="0">
               <a:noAutofit/>
             </a:bodyPr>
             <a:lstStyle/>
             <a:p>
-              <a:pPr indent="0" lvl="0" marL="0" rtl="0" algn="l">
+              <a:pPr marL="0" lvl="0" indent="0" algn="l" rtl="0">
                 <a:spcBef>
                   <a:spcPts val="0"/>
                 </a:spcBef>
@@ -6824,9 +6928,6 @@
                 </a:spcAft>
                 <a:buNone/>
               </a:pPr>
-              <a:r>
-                <a:t/>
-              </a:r>
               <a:endParaRPr/>
             </a:p>
           </p:txBody>
@@ -6844,7 +6945,7 @@
             </a:xfrm>
             <a:prstGeom prst="diagStripe">
               <a:avLst>
-                <a:gd fmla="val 0" name="adj"/>
+                <a:gd name="adj" fmla="val 0"/>
               </a:avLst>
             </a:prstGeom>
             <a:solidFill>
@@ -6857,12 +6958,12 @@
             </a:ln>
           </p:spPr>
           <p:txBody>
-            <a:bodyPr anchorCtr="0" anchor="ctr" bIns="91425" lIns="91425" spcFirstLastPara="1" rIns="91425" wrap="square" tIns="91425">
+            <a:bodyPr spcFirstLastPara="1" wrap="square" lIns="91425" tIns="91425" rIns="91425" bIns="91425" anchor="ctr" anchorCtr="0">
               <a:noAutofit/>
             </a:bodyPr>
             <a:lstStyle/>
             <a:p>
-              <a:pPr indent="0" lvl="0" marL="0" rtl="0" algn="l">
+              <a:pPr marL="0" lvl="0" indent="0" algn="l" rtl="0">
                 <a:spcBef>
                   <a:spcPts val="0"/>
                 </a:spcBef>
@@ -6871,9 +6972,6 @@
                 </a:spcAft>
                 <a:buNone/>
               </a:pPr>
-              <a:r>
-                <a:t/>
-              </a:r>
               <a:endParaRPr/>
             </a:p>
           </p:txBody>
@@ -6891,7 +6989,7 @@
             </a:xfrm>
             <a:prstGeom prst="diagStripe">
               <a:avLst>
-                <a:gd fmla="val 50000" name="adj"/>
+                <a:gd name="adj" fmla="val 50000"/>
               </a:avLst>
             </a:prstGeom>
             <a:solidFill>
@@ -6904,12 +7002,12 @@
             </a:ln>
           </p:spPr>
           <p:txBody>
-            <a:bodyPr anchorCtr="0" anchor="ctr" bIns="91425" lIns="91425" spcFirstLastPara="1" rIns="91425" wrap="square" tIns="91425">
+            <a:bodyPr spcFirstLastPara="1" wrap="square" lIns="91425" tIns="91425" rIns="91425" bIns="91425" anchor="ctr" anchorCtr="0">
               <a:noAutofit/>
             </a:bodyPr>
             <a:lstStyle/>
             <a:p>
-              <a:pPr indent="0" lvl="0" marL="0" rtl="0" algn="l">
+              <a:pPr marL="0" lvl="0" indent="0" algn="l" rtl="0">
                 <a:spcBef>
                   <a:spcPts val="0"/>
                 </a:spcBef>
@@ -6918,9 +7016,6 @@
                 </a:spcAft>
                 <a:buNone/>
               </a:pPr>
-              <a:r>
-                <a:t/>
-              </a:r>
               <a:endParaRPr/>
             </a:p>
           </p:txBody>
@@ -6938,7 +7033,7 @@
             </a:xfrm>
             <a:prstGeom prst="diagStripe">
               <a:avLst>
-                <a:gd fmla="val 50000" name="adj"/>
+                <a:gd name="adj" fmla="val 50000"/>
               </a:avLst>
             </a:prstGeom>
             <a:solidFill>
@@ -6951,12 +7046,12 @@
             </a:ln>
           </p:spPr>
           <p:txBody>
-            <a:bodyPr anchorCtr="0" anchor="ctr" bIns="91425" lIns="91425" spcFirstLastPara="1" rIns="91425" wrap="square" tIns="91425">
+            <a:bodyPr spcFirstLastPara="1" wrap="square" lIns="91425" tIns="91425" rIns="91425" bIns="91425" anchor="ctr" anchorCtr="0">
               <a:noAutofit/>
             </a:bodyPr>
             <a:lstStyle/>
             <a:p>
-              <a:pPr indent="0" lvl="0" marL="0" rtl="0" algn="l">
+              <a:pPr marL="0" lvl="0" indent="0" algn="l" rtl="0">
                 <a:spcBef>
                   <a:spcPts val="0"/>
                 </a:spcBef>
@@ -6965,9 +7060,6 @@
                 </a:spcAft>
                 <a:buNone/>
               </a:pPr>
-              <a:r>
-                <a:t/>
-              </a:r>
               <a:endParaRPr/>
             </a:p>
           </p:txBody>
@@ -6985,7 +7077,7 @@
             </a:xfrm>
             <a:prstGeom prst="diagStripe">
               <a:avLst>
-                <a:gd fmla="val 50000" name="adj"/>
+                <a:gd name="adj" fmla="val 50000"/>
               </a:avLst>
             </a:prstGeom>
             <a:solidFill>
@@ -6998,12 +7090,12 @@
             </a:ln>
           </p:spPr>
           <p:txBody>
-            <a:bodyPr anchorCtr="0" anchor="ctr" bIns="91425" lIns="91425" spcFirstLastPara="1" rIns="91425" wrap="square" tIns="91425">
+            <a:bodyPr spcFirstLastPara="1" wrap="square" lIns="91425" tIns="91425" rIns="91425" bIns="91425" anchor="ctr" anchorCtr="0">
               <a:noAutofit/>
             </a:bodyPr>
             <a:lstStyle/>
             <a:p>
-              <a:pPr indent="0" lvl="0" marL="0" rtl="0" algn="l">
+              <a:pPr marL="0" lvl="0" indent="0" algn="l" rtl="0">
                 <a:spcBef>
                   <a:spcPts val="0"/>
                 </a:spcBef>
@@ -7012,9 +7104,6 @@
                 </a:spcAft>
                 <a:buNone/>
               </a:pPr>
-              <a:r>
-                <a:t/>
-              </a:r>
               <a:endParaRPr/>
             </a:p>
           </p:txBody>
@@ -7032,7 +7121,7 @@
             </a:xfrm>
             <a:prstGeom prst="diagStripe">
               <a:avLst>
-                <a:gd fmla="val 50000" name="adj"/>
+                <a:gd name="adj" fmla="val 50000"/>
               </a:avLst>
             </a:prstGeom>
             <a:solidFill>
@@ -7045,12 +7134,12 @@
             </a:ln>
           </p:spPr>
           <p:txBody>
-            <a:bodyPr anchorCtr="0" anchor="ctr" bIns="91425" lIns="91425" spcFirstLastPara="1" rIns="91425" wrap="square" tIns="91425">
+            <a:bodyPr spcFirstLastPara="1" wrap="square" lIns="91425" tIns="91425" rIns="91425" bIns="91425" anchor="ctr" anchorCtr="0">
               <a:noAutofit/>
             </a:bodyPr>
             <a:lstStyle/>
             <a:p>
-              <a:pPr indent="0" lvl="0" marL="0" rtl="0" algn="l">
+              <a:pPr marL="0" lvl="0" indent="0" algn="l" rtl="0">
                 <a:spcBef>
                   <a:spcPts val="0"/>
                 </a:spcBef>
@@ -7059,9 +7148,6 @@
                 </a:spcAft>
                 <a:buNone/>
               </a:pPr>
-              <a:r>
-                <a:t/>
-              </a:r>
               <a:endParaRPr/>
             </a:p>
           </p:txBody>
@@ -7079,7 +7165,7 @@
             </a:xfrm>
             <a:prstGeom prst="diagStripe">
               <a:avLst>
-                <a:gd fmla="val 50000" name="adj"/>
+                <a:gd name="adj" fmla="val 50000"/>
               </a:avLst>
             </a:prstGeom>
             <a:solidFill>
@@ -7092,12 +7178,12 @@
             </a:ln>
           </p:spPr>
           <p:txBody>
-            <a:bodyPr anchorCtr="0" anchor="ctr" bIns="91425" lIns="91425" spcFirstLastPara="1" rIns="91425" wrap="square" tIns="91425">
+            <a:bodyPr spcFirstLastPara="1" wrap="square" lIns="91425" tIns="91425" rIns="91425" bIns="91425" anchor="ctr" anchorCtr="0">
               <a:noAutofit/>
             </a:bodyPr>
             <a:lstStyle/>
             <a:p>
-              <a:pPr indent="0" lvl="0" marL="0" rtl="0" algn="l">
+              <a:pPr marL="0" lvl="0" indent="0" algn="l" rtl="0">
                 <a:spcBef>
                   <a:spcPts val="0"/>
                 </a:spcBef>
@@ -7106,9 +7192,6 @@
                 </a:spcAft>
                 <a:buNone/>
               </a:pPr>
-              <a:r>
-                <a:t/>
-              </a:r>
               <a:endParaRPr/>
             </a:p>
           </p:txBody>
@@ -7126,7 +7209,7 @@
             </a:xfrm>
             <a:prstGeom prst="diagStripe">
               <a:avLst>
-                <a:gd fmla="val 50000" name="adj"/>
+                <a:gd name="adj" fmla="val 50000"/>
               </a:avLst>
             </a:prstGeom>
             <a:solidFill>
@@ -7137,12 +7220,12 @@
             </a:ln>
           </p:spPr>
           <p:txBody>
-            <a:bodyPr anchorCtr="0" anchor="ctr" bIns="91425" lIns="91425" spcFirstLastPara="1" rIns="91425" wrap="square" tIns="91425">
+            <a:bodyPr spcFirstLastPara="1" wrap="square" lIns="91425" tIns="91425" rIns="91425" bIns="91425" anchor="ctr" anchorCtr="0">
               <a:noAutofit/>
             </a:bodyPr>
             <a:lstStyle/>
             <a:p>
-              <a:pPr indent="0" lvl="0" marL="0" rtl="0" algn="l">
+              <a:pPr marL="0" lvl="0" indent="0" algn="l" rtl="0">
                 <a:spcBef>
                   <a:spcPts val="0"/>
                 </a:spcBef>
@@ -7151,9 +7234,6 @@
                 </a:spcAft>
                 <a:buNone/>
               </a:pPr>
-              <a:r>
-                <a:t/>
-              </a:r>
               <a:endParaRPr/>
             </a:p>
           </p:txBody>
@@ -7171,7 +7251,7 @@
             </a:xfrm>
             <a:prstGeom prst="diagStripe">
               <a:avLst>
-                <a:gd fmla="val 50000" name="adj"/>
+                <a:gd name="adj" fmla="val 50000"/>
               </a:avLst>
             </a:prstGeom>
             <a:solidFill>
@@ -7184,12 +7264,12 @@
             </a:ln>
           </p:spPr>
           <p:txBody>
-            <a:bodyPr anchorCtr="0" anchor="ctr" bIns="91425" lIns="91425" spcFirstLastPara="1" rIns="91425" wrap="square" tIns="91425">
+            <a:bodyPr spcFirstLastPara="1" wrap="square" lIns="91425" tIns="91425" rIns="91425" bIns="91425" anchor="ctr" anchorCtr="0">
               <a:noAutofit/>
             </a:bodyPr>
             <a:lstStyle/>
             <a:p>
-              <a:pPr indent="0" lvl="0" marL="0" rtl="0" algn="l">
+              <a:pPr marL="0" lvl="0" indent="0" algn="l" rtl="0">
                 <a:spcBef>
                   <a:spcPts val="0"/>
                 </a:spcBef>
@@ -7198,9 +7278,6 @@
                 </a:spcAft>
                 <a:buNone/>
               </a:pPr>
-              <a:r>
-                <a:t/>
-              </a:r>
               <a:endParaRPr/>
             </a:p>
           </p:txBody>
@@ -7218,7 +7295,7 @@
             </a:xfrm>
             <a:prstGeom prst="diagStripe">
               <a:avLst>
-                <a:gd fmla="val 50000" name="adj"/>
+                <a:gd name="adj" fmla="val 50000"/>
               </a:avLst>
             </a:prstGeom>
             <a:solidFill>
@@ -7231,12 +7308,12 @@
             </a:ln>
           </p:spPr>
           <p:txBody>
-            <a:bodyPr anchorCtr="0" anchor="ctr" bIns="91425" lIns="91425" spcFirstLastPara="1" rIns="91425" wrap="square" tIns="91425">
+            <a:bodyPr spcFirstLastPara="1" wrap="square" lIns="91425" tIns="91425" rIns="91425" bIns="91425" anchor="ctr" anchorCtr="0">
               <a:noAutofit/>
             </a:bodyPr>
             <a:lstStyle/>
             <a:p>
-              <a:pPr indent="0" lvl="0" marL="0" rtl="0" algn="l">
+              <a:pPr marL="0" lvl="0" indent="0" algn="l" rtl="0">
                 <a:spcBef>
                   <a:spcPts val="0"/>
                 </a:spcBef>
@@ -7245,9 +7322,6 @@
                 </a:spcAft>
                 <a:buNone/>
               </a:pPr>
-              <a:r>
-                <a:t/>
-              </a:r>
               <a:endParaRPr/>
             </a:p>
           </p:txBody>
@@ -7265,7 +7339,7 @@
             </a:xfrm>
             <a:prstGeom prst="diagStripe">
               <a:avLst>
-                <a:gd fmla="val 50000" name="adj"/>
+                <a:gd name="adj" fmla="val 50000"/>
               </a:avLst>
             </a:prstGeom>
             <a:solidFill>
@@ -7278,12 +7352,12 @@
             </a:ln>
           </p:spPr>
           <p:txBody>
-            <a:bodyPr anchorCtr="0" anchor="ctr" bIns="91425" lIns="91425" spcFirstLastPara="1" rIns="91425" wrap="square" tIns="91425">
+            <a:bodyPr spcFirstLastPara="1" wrap="square" lIns="91425" tIns="91425" rIns="91425" bIns="91425" anchor="ctr" anchorCtr="0">
               <a:noAutofit/>
             </a:bodyPr>
             <a:lstStyle/>
             <a:p>
-              <a:pPr indent="0" lvl="0" marL="0" rtl="0" algn="l">
+              <a:pPr marL="0" lvl="0" indent="0" algn="l" rtl="0">
                 <a:spcBef>
                   <a:spcPts val="0"/>
                 </a:spcBef>
@@ -7292,9 +7366,6 @@
                 </a:spcAft>
                 <a:buNone/>
               </a:pPr>
-              <a:r>
-                <a:t/>
-              </a:r>
               <a:endParaRPr/>
             </a:p>
           </p:txBody>
@@ -7312,7 +7383,7 @@
             </a:xfrm>
             <a:prstGeom prst="diagStripe">
               <a:avLst>
-                <a:gd fmla="val 50000" name="adj"/>
+                <a:gd name="adj" fmla="val 50000"/>
               </a:avLst>
             </a:prstGeom>
             <a:solidFill>
@@ -7325,12 +7396,12 @@
             </a:ln>
           </p:spPr>
           <p:txBody>
-            <a:bodyPr anchorCtr="0" anchor="ctr" bIns="91425" lIns="91425" spcFirstLastPara="1" rIns="91425" wrap="square" tIns="91425">
+            <a:bodyPr spcFirstLastPara="1" wrap="square" lIns="91425" tIns="91425" rIns="91425" bIns="91425" anchor="ctr" anchorCtr="0">
               <a:noAutofit/>
             </a:bodyPr>
             <a:lstStyle/>
             <a:p>
-              <a:pPr indent="0" lvl="0" marL="0" rtl="0" algn="l">
+              <a:pPr marL="0" lvl="0" indent="0" algn="l" rtl="0">
                 <a:spcBef>
                   <a:spcPts val="0"/>
                 </a:spcBef>
@@ -7339,9 +7410,6 @@
                 </a:spcAft>
                 <a:buNone/>
               </a:pPr>
-              <a:r>
-                <a:t/>
-              </a:r>
               <a:endParaRPr/>
             </a:p>
           </p:txBody>
@@ -7359,7 +7427,7 @@
             </a:xfrm>
             <a:prstGeom prst="diagStripe">
               <a:avLst>
-                <a:gd fmla="val 50000" name="adj"/>
+                <a:gd name="adj" fmla="val 50000"/>
               </a:avLst>
             </a:prstGeom>
             <a:solidFill>
@@ -7372,12 +7440,12 @@
             </a:ln>
           </p:spPr>
           <p:txBody>
-            <a:bodyPr anchorCtr="0" anchor="ctr" bIns="91425" lIns="91425" spcFirstLastPara="1" rIns="91425" wrap="square" tIns="91425">
+            <a:bodyPr spcFirstLastPara="1" wrap="square" lIns="91425" tIns="91425" rIns="91425" bIns="91425" anchor="ctr" anchorCtr="0">
               <a:noAutofit/>
             </a:bodyPr>
             <a:lstStyle/>
             <a:p>
-              <a:pPr indent="0" lvl="0" marL="0" rtl="0" algn="l">
+              <a:pPr marL="0" lvl="0" indent="0" algn="l" rtl="0">
                 <a:spcBef>
                   <a:spcPts val="0"/>
                 </a:spcBef>
@@ -7386,9 +7454,6 @@
                 </a:spcAft>
                 <a:buNone/>
               </a:pPr>
-              <a:r>
-                <a:t/>
-              </a:r>
               <a:endParaRPr/>
             </a:p>
           </p:txBody>
@@ -7406,7 +7471,7 @@
             </a:xfrm>
             <a:prstGeom prst="diagStripe">
               <a:avLst>
-                <a:gd fmla="val 50000" name="adj"/>
+                <a:gd name="adj" fmla="val 50000"/>
               </a:avLst>
             </a:prstGeom>
             <a:solidFill>
@@ -7417,12 +7482,12 @@
             </a:ln>
           </p:spPr>
           <p:txBody>
-            <a:bodyPr anchorCtr="0" anchor="ctr" bIns="91425" lIns="91425" spcFirstLastPara="1" rIns="91425" wrap="square" tIns="91425">
+            <a:bodyPr spcFirstLastPara="1" wrap="square" lIns="91425" tIns="91425" rIns="91425" bIns="91425" anchor="ctr" anchorCtr="0">
               <a:noAutofit/>
             </a:bodyPr>
             <a:lstStyle/>
             <a:p>
-              <a:pPr indent="0" lvl="0" marL="0" rtl="0" algn="l">
+              <a:pPr marL="0" lvl="0" indent="0" algn="l" rtl="0">
                 <a:spcBef>
                   <a:spcPts val="0"/>
                 </a:spcBef>
@@ -7431,9 +7496,6 @@
                 </a:spcAft>
                 <a:buNone/>
               </a:pPr>
-              <a:r>
-                <a:t/>
-              </a:r>
               <a:endParaRPr/>
             </a:p>
           </p:txBody>
@@ -7451,7 +7513,7 @@
             </a:xfrm>
             <a:prstGeom prst="diagStripe">
               <a:avLst>
-                <a:gd fmla="val 50000" name="adj"/>
+                <a:gd name="adj" fmla="val 50000"/>
               </a:avLst>
             </a:prstGeom>
             <a:solidFill>
@@ -7464,12 +7526,12 @@
             </a:ln>
           </p:spPr>
           <p:txBody>
-            <a:bodyPr anchorCtr="0" anchor="ctr" bIns="91425" lIns="91425" spcFirstLastPara="1" rIns="91425" wrap="square" tIns="91425">
+            <a:bodyPr spcFirstLastPara="1" wrap="square" lIns="91425" tIns="91425" rIns="91425" bIns="91425" anchor="ctr" anchorCtr="0">
               <a:noAutofit/>
             </a:bodyPr>
             <a:lstStyle/>
             <a:p>
-              <a:pPr indent="0" lvl="0" marL="0" rtl="0" algn="l">
+              <a:pPr marL="0" lvl="0" indent="0" algn="l" rtl="0">
                 <a:spcBef>
                   <a:spcPts val="0"/>
                 </a:spcBef>
@@ -7478,9 +7540,6 @@
                 </a:spcAft>
                 <a:buNone/>
               </a:pPr>
-              <a:r>
-                <a:t/>
-              </a:r>
               <a:endParaRPr/>
             </a:p>
           </p:txBody>
@@ -7498,7 +7557,7 @@
             </a:xfrm>
             <a:prstGeom prst="diagStripe">
               <a:avLst>
-                <a:gd fmla="val 50000" name="adj"/>
+                <a:gd name="adj" fmla="val 50000"/>
               </a:avLst>
             </a:prstGeom>
             <a:solidFill>
@@ -7511,12 +7570,12 @@
             </a:ln>
           </p:spPr>
           <p:txBody>
-            <a:bodyPr anchorCtr="0" anchor="ctr" bIns="91425" lIns="91425" spcFirstLastPara="1" rIns="91425" wrap="square" tIns="91425">
+            <a:bodyPr spcFirstLastPara="1" wrap="square" lIns="91425" tIns="91425" rIns="91425" bIns="91425" anchor="ctr" anchorCtr="0">
               <a:noAutofit/>
             </a:bodyPr>
             <a:lstStyle/>
             <a:p>
-              <a:pPr indent="0" lvl="0" marL="0" rtl="0" algn="l">
+              <a:pPr marL="0" lvl="0" indent="0" algn="l" rtl="0">
                 <a:spcBef>
                   <a:spcPts val="0"/>
                 </a:spcBef>
@@ -7525,9 +7584,6 @@
                 </a:spcAft>
                 <a:buNone/>
               </a:pPr>
-              <a:r>
-                <a:t/>
-              </a:r>
               <a:endParaRPr/>
             </a:p>
           </p:txBody>
@@ -7545,7 +7601,7 @@
             </a:xfrm>
             <a:prstGeom prst="diagStripe">
               <a:avLst>
-                <a:gd fmla="val 50000" name="adj"/>
+                <a:gd name="adj" fmla="val 50000"/>
               </a:avLst>
             </a:prstGeom>
             <a:solidFill>
@@ -7558,12 +7614,12 @@
             </a:ln>
           </p:spPr>
           <p:txBody>
-            <a:bodyPr anchorCtr="0" anchor="ctr" bIns="91425" lIns="91425" spcFirstLastPara="1" rIns="91425" wrap="square" tIns="91425">
+            <a:bodyPr spcFirstLastPara="1" wrap="square" lIns="91425" tIns="91425" rIns="91425" bIns="91425" anchor="ctr" anchorCtr="0">
               <a:noAutofit/>
             </a:bodyPr>
             <a:lstStyle/>
             <a:p>
-              <a:pPr indent="0" lvl="0" marL="0" rtl="0" algn="l">
+              <a:pPr marL="0" lvl="0" indent="0" algn="l" rtl="0">
                 <a:spcBef>
                   <a:spcPts val="0"/>
                 </a:spcBef>
@@ -7572,9 +7628,6 @@
                 </a:spcAft>
                 <a:buNone/>
               </a:pPr>
-              <a:r>
-                <a:t/>
-              </a:r>
               <a:endParaRPr/>
             </a:p>
           </p:txBody>
@@ -7592,7 +7645,7 @@
             </a:xfrm>
             <a:prstGeom prst="diagStripe">
               <a:avLst>
-                <a:gd fmla="val 50000" name="adj"/>
+                <a:gd name="adj" fmla="val 50000"/>
               </a:avLst>
             </a:prstGeom>
             <a:solidFill>
@@ -7605,12 +7658,12 @@
             </a:ln>
           </p:spPr>
           <p:txBody>
-            <a:bodyPr anchorCtr="0" anchor="ctr" bIns="91425" lIns="91425" spcFirstLastPara="1" rIns="91425" wrap="square" tIns="91425">
+            <a:bodyPr spcFirstLastPara="1" wrap="square" lIns="91425" tIns="91425" rIns="91425" bIns="91425" anchor="ctr" anchorCtr="0">
               <a:noAutofit/>
             </a:bodyPr>
             <a:lstStyle/>
             <a:p>
-              <a:pPr indent="0" lvl="0" marL="0" rtl="0" algn="l">
+              <a:pPr marL="0" lvl="0" indent="0" algn="l" rtl="0">
                 <a:spcBef>
                   <a:spcPts val="0"/>
                 </a:spcBef>
@@ -7619,9 +7672,6 @@
                 </a:spcAft>
                 <a:buNone/>
               </a:pPr>
-              <a:r>
-                <a:t/>
-              </a:r>
               <a:endParaRPr/>
             </a:p>
           </p:txBody>
@@ -7630,7 +7680,9 @@
       <p:sp>
         <p:nvSpPr>
           <p:cNvPr id="89" name="Google Shape;89;p8"/>
-          <p:cNvSpPr txBox="1"/>
+          <p:cNvSpPr txBox="1">
+            <a:spLocks noGrp="1"/>
+          </p:cNvSpPr>
           <p:nvPr>
             <p:ph type="title"/>
           </p:nvPr>
@@ -7645,7 +7697,7 @@
           </a:prstGeom>
         </p:spPr>
         <p:txBody>
-          <a:bodyPr anchorCtr="0" anchor="ctr" bIns="91425" lIns="91425" spcFirstLastPara="1" rIns="91425" wrap="square" tIns="91425">
+          <a:bodyPr spcFirstLastPara="1" wrap="square" lIns="91425" tIns="91425" rIns="91425" bIns="91425" anchor="ctr" anchorCtr="0">
             <a:normAutofit/>
           </a:bodyPr>
           <a:lstStyle>
@@ -7749,15 +7801,19 @@
               <a:defRPr/>
             </a:lvl9pPr>
           </a:lstStyle>
-          <a:p/>
+          <a:p>
+            <a:endParaRPr/>
+          </a:p>
         </p:txBody>
       </p:sp>
       <p:sp>
         <p:nvSpPr>
           <p:cNvPr id="90" name="Google Shape;90;p8"/>
-          <p:cNvSpPr txBox="1"/>
+          <p:cNvSpPr txBox="1">
+            <a:spLocks noGrp="1"/>
+          </p:cNvSpPr>
           <p:nvPr>
-            <p:ph idx="12" type="sldNum"/>
+            <p:ph type="sldNum" idx="12"/>
           </p:nvPr>
         </p:nvSpPr>
         <p:spPr>
@@ -7770,7 +7826,7 @@
           </a:prstGeom>
         </p:spPr>
         <p:txBody>
-          <a:bodyPr anchorCtr="0" anchor="ctr" bIns="91425" lIns="91425" spcFirstLastPara="1" rIns="91425" wrap="square" tIns="91425">
+          <a:bodyPr spcFirstLastPara="1" wrap="square" lIns="91425" tIns="91425" rIns="91425" bIns="91425" anchor="ctr" anchorCtr="0">
             <a:normAutofit/>
           </a:bodyPr>
           <a:lstStyle>
@@ -7812,7 +7868,7 @@
             </a:lvl9pPr>
           </a:lstStyle>
           <a:p>
-            <a:pPr indent="0" lvl="0" marL="0" rtl="0" algn="r">
+            <a:pPr marL="0" lvl="0" indent="0" algn="r" rtl="0">
               <a:spcBef>
                 <a:spcPts val="0"/>
               </a:spcBef>
@@ -7838,11 +7894,11 @@
 </file>
 
 <file path=ppt/slideLayouts/slideLayout8.xml><?xml version="1.0" encoding="utf-8"?>
-<p:sldLayout xmlns:a="http://schemas.openxmlformats.org/drawingml/2006/main" xmlns:r="http://schemas.openxmlformats.org/officeDocument/2006/relationships" xmlns:mc="http://schemas.openxmlformats.org/markup-compatibility/2006" xmlns:mv="urn:schemas-microsoft-com:mac:vml" xmlns:p="http://schemas.openxmlformats.org/presentationml/2006/main" xmlns:c="http://schemas.openxmlformats.org/drawingml/2006/chart" xmlns:dgm="http://schemas.openxmlformats.org/drawingml/2006/diagram" xmlns:o="urn:schemas-microsoft-com:office:office" xmlns:v="urn:schemas-microsoft-com:vml" xmlns:pvml="urn:schemas-microsoft-com:office:powerpoint" xmlns:com="http://schemas.openxmlformats.org/drawingml/2006/compatibility" xmlns:p14="http://schemas.microsoft.com/office/powerpoint/2010/main" xmlns:p15="http://schemas.microsoft.com/office/powerpoint/2012/main" xmlns:ahyp="http://schemas.microsoft.com/office/drawing/2018/hyperlinkcolor" matchingName="Section title and description">
+<p:sldLayout xmlns:a="http://schemas.openxmlformats.org/drawingml/2006/main" xmlns:r="http://schemas.openxmlformats.org/officeDocument/2006/relationships" xmlns:p="http://schemas.openxmlformats.org/presentationml/2006/main" matchingName="Section title and description">
   <p:cSld name="SECTION_TITLE_AND_DESCRIPTION">
     <p:spTree>
       <p:nvGrpSpPr>
-        <p:cNvPr id="91" name="Shape 91"/>
+        <p:cNvPr id="1" name="Shape 91"/>
         <p:cNvGrpSpPr/>
         <p:nvPr/>
       </p:nvGrpSpPr>
@@ -7881,7 +7937,7 @@
             </a:xfrm>
             <a:prstGeom prst="diagStripe">
               <a:avLst>
-                <a:gd fmla="val 50000" name="adj"/>
+                <a:gd name="adj" fmla="val 50000"/>
               </a:avLst>
             </a:prstGeom>
             <a:solidFill>
@@ -7892,12 +7948,12 @@
             </a:ln>
           </p:spPr>
           <p:txBody>
-            <a:bodyPr anchorCtr="0" anchor="ctr" bIns="91425" lIns="91425" spcFirstLastPara="1" rIns="91425" wrap="square" tIns="91425">
+            <a:bodyPr spcFirstLastPara="1" wrap="square" lIns="91425" tIns="91425" rIns="91425" bIns="91425" anchor="ctr" anchorCtr="0">
               <a:noAutofit/>
             </a:bodyPr>
             <a:lstStyle/>
             <a:p>
-              <a:pPr indent="0" lvl="0" marL="0" rtl="0" algn="l">
+              <a:pPr marL="0" lvl="0" indent="0" algn="l" rtl="0">
                 <a:spcBef>
                   <a:spcPts val="0"/>
                 </a:spcBef>
@@ -7906,9 +7962,6 @@
                 </a:spcAft>
                 <a:buNone/>
               </a:pPr>
-              <a:r>
-                <a:t/>
-              </a:r>
               <a:endParaRPr/>
             </a:p>
           </p:txBody>
@@ -7926,7 +7979,7 @@
             </a:xfrm>
             <a:prstGeom prst="diagStripe">
               <a:avLst>
-                <a:gd fmla="val 50000" name="adj"/>
+                <a:gd name="adj" fmla="val 50000"/>
               </a:avLst>
             </a:prstGeom>
             <a:solidFill>
@@ -7937,12 +7990,12 @@
             </a:ln>
           </p:spPr>
           <p:txBody>
-            <a:bodyPr anchorCtr="0" anchor="ctr" bIns="91425" lIns="91425" spcFirstLastPara="1" rIns="91425" wrap="square" tIns="91425">
+            <a:bodyPr spcFirstLastPara="1" wrap="square" lIns="91425" tIns="91425" rIns="91425" bIns="91425" anchor="ctr" anchorCtr="0">
               <a:noAutofit/>
             </a:bodyPr>
             <a:lstStyle/>
             <a:p>
-              <a:pPr indent="0" lvl="0" marL="0" rtl="0" algn="l">
+              <a:pPr marL="0" lvl="0" indent="0" algn="l" rtl="0">
                 <a:spcBef>
                   <a:spcPts val="0"/>
                 </a:spcBef>
@@ -7951,9 +8004,6 @@
                 </a:spcAft>
                 <a:buNone/>
               </a:pPr>
-              <a:r>
-                <a:t/>
-              </a:r>
               <a:endParaRPr/>
             </a:p>
           </p:txBody>
@@ -7962,7 +8012,9 @@
       <p:sp>
         <p:nvSpPr>
           <p:cNvPr id="95" name="Google Shape;95;p9"/>
-          <p:cNvSpPr txBox="1"/>
+          <p:cNvSpPr txBox="1">
+            <a:spLocks noGrp="1"/>
+          </p:cNvSpPr>
           <p:nvPr>
             <p:ph type="title"/>
           </p:nvPr>
@@ -7977,7 +8029,7 @@
           </a:prstGeom>
         </p:spPr>
         <p:txBody>
-          <a:bodyPr anchorCtr="0" anchor="t" bIns="91425" lIns="91425" spcFirstLastPara="1" rIns="91425" wrap="square" tIns="91425">
+          <a:bodyPr spcFirstLastPara="1" wrap="square" lIns="91425" tIns="91425" rIns="91425" bIns="91425" anchor="t" anchorCtr="0">
             <a:normAutofit/>
           </a:bodyPr>
           <a:lstStyle>
@@ -8081,15 +8133,19 @@
               <a:defRPr sz="2400"/>
             </a:lvl9pPr>
           </a:lstStyle>
-          <a:p/>
+          <a:p>
+            <a:endParaRPr/>
+          </a:p>
         </p:txBody>
       </p:sp>
       <p:sp>
         <p:nvSpPr>
           <p:cNvPr id="96" name="Google Shape;96;p9"/>
-          <p:cNvSpPr txBox="1"/>
+          <p:cNvSpPr txBox="1">
+            <a:spLocks noGrp="1"/>
+          </p:cNvSpPr>
           <p:nvPr>
-            <p:ph idx="1" type="subTitle"/>
+            <p:ph type="subTitle" idx="1"/>
           </p:nvPr>
         </p:nvSpPr>
         <p:spPr>
@@ -8102,7 +8158,7 @@
           </a:prstGeom>
         </p:spPr>
         <p:txBody>
-          <a:bodyPr anchorCtr="0" anchor="t" bIns="91425" lIns="91425" spcFirstLastPara="1" rIns="91425" wrap="square" tIns="91425">
+          <a:bodyPr spcFirstLastPara="1" wrap="square" lIns="91425" tIns="91425" rIns="91425" bIns="91425" anchor="t" anchorCtr="0">
             <a:normAutofit/>
           </a:bodyPr>
           <a:lstStyle>
@@ -8233,15 +8289,19 @@
               <a:defRPr sz="1300"/>
             </a:lvl9pPr>
           </a:lstStyle>
-          <a:p/>
+          <a:p>
+            <a:endParaRPr/>
+          </a:p>
         </p:txBody>
       </p:sp>
       <p:sp>
         <p:nvSpPr>
           <p:cNvPr id="97" name="Google Shape;97;p9"/>
-          <p:cNvSpPr txBox="1"/>
+          <p:cNvSpPr txBox="1">
+            <a:spLocks noGrp="1"/>
+          </p:cNvSpPr>
           <p:nvPr>
-            <p:ph idx="2" type="body"/>
+            <p:ph type="body" idx="2"/>
           </p:nvPr>
         </p:nvSpPr>
         <p:spPr>
@@ -8254,11 +8314,11 @@
           </a:prstGeom>
         </p:spPr>
         <p:txBody>
-          <a:bodyPr anchorCtr="0" anchor="t" bIns="91425" lIns="91425" spcFirstLastPara="1" rIns="91425" wrap="square" tIns="91425">
+          <a:bodyPr spcFirstLastPara="1" wrap="square" lIns="91425" tIns="91425" rIns="91425" bIns="91425" anchor="t" anchorCtr="0">
             <a:normAutofit/>
           </a:bodyPr>
           <a:lstStyle>
-            <a:lvl1pPr indent="-311150" lvl="0" marL="457200">
+            <a:lvl1pPr marL="457200" lvl="0" indent="-311150">
               <a:spcBef>
                 <a:spcPts val="0"/>
               </a:spcBef>
@@ -8269,7 +8329,7 @@
               <a:buChar char="●"/>
               <a:defRPr/>
             </a:lvl1pPr>
-            <a:lvl2pPr indent="-298450" lvl="1" marL="914400">
+            <a:lvl2pPr marL="914400" lvl="1" indent="-298450">
               <a:spcBef>
                 <a:spcPts val="0"/>
               </a:spcBef>
@@ -8280,7 +8340,7 @@
               <a:buChar char="○"/>
               <a:defRPr/>
             </a:lvl2pPr>
-            <a:lvl3pPr indent="-298450" lvl="2" marL="1371600">
+            <a:lvl3pPr marL="1371600" lvl="2" indent="-298450">
               <a:spcBef>
                 <a:spcPts val="0"/>
               </a:spcBef>
@@ -8291,7 +8351,7 @@
               <a:buChar char="■"/>
               <a:defRPr/>
             </a:lvl3pPr>
-            <a:lvl4pPr indent="-298450" lvl="3" marL="1828800">
+            <a:lvl4pPr marL="1828800" lvl="3" indent="-298450">
               <a:spcBef>
                 <a:spcPts val="0"/>
               </a:spcBef>
@@ -8302,7 +8362,7 @@
               <a:buChar char="●"/>
               <a:defRPr/>
             </a:lvl4pPr>
-            <a:lvl5pPr indent="-298450" lvl="4" marL="2286000">
+            <a:lvl5pPr marL="2286000" lvl="4" indent="-298450">
               <a:spcBef>
                 <a:spcPts val="0"/>
               </a:spcBef>
@@ -8313,7 +8373,7 @@
               <a:buChar char="○"/>
               <a:defRPr/>
             </a:lvl5pPr>
-            <a:lvl6pPr indent="-298450" lvl="5" marL="2743200">
+            <a:lvl6pPr marL="2743200" lvl="5" indent="-298450">
               <a:spcBef>
                 <a:spcPts val="0"/>
               </a:spcBef>
@@ -8324,7 +8384,7 @@
               <a:buChar char="■"/>
               <a:defRPr/>
             </a:lvl6pPr>
-            <a:lvl7pPr indent="-298450" lvl="6" marL="3200400">
+            <a:lvl7pPr marL="3200400" lvl="6" indent="-298450">
               <a:spcBef>
                 <a:spcPts val="0"/>
               </a:spcBef>
@@ -8335,7 +8395,7 @@
               <a:buChar char="●"/>
               <a:defRPr/>
             </a:lvl7pPr>
-            <a:lvl8pPr indent="-298450" lvl="7" marL="3657600">
+            <a:lvl8pPr marL="3657600" lvl="7" indent="-298450">
               <a:spcBef>
                 <a:spcPts val="0"/>
               </a:spcBef>
@@ -8346,7 +8406,7 @@
               <a:buChar char="○"/>
               <a:defRPr/>
             </a:lvl8pPr>
-            <a:lvl9pPr indent="-298450" lvl="8" marL="4114800">
+            <a:lvl9pPr marL="4114800" lvl="8" indent="-298450">
               <a:spcBef>
                 <a:spcPts val="0"/>
               </a:spcBef>
@@ -8358,15 +8418,19 @@
               <a:defRPr/>
             </a:lvl9pPr>
           </a:lstStyle>
-          <a:p/>
+          <a:p>
+            <a:endParaRPr/>
+          </a:p>
         </p:txBody>
       </p:sp>
       <p:sp>
         <p:nvSpPr>
           <p:cNvPr id="98" name="Google Shape;98;p9"/>
-          <p:cNvSpPr txBox="1"/>
+          <p:cNvSpPr txBox="1">
+            <a:spLocks noGrp="1"/>
+          </p:cNvSpPr>
           <p:nvPr>
-            <p:ph idx="12" type="sldNum"/>
+            <p:ph type="sldNum" idx="12"/>
           </p:nvPr>
         </p:nvSpPr>
         <p:spPr>
@@ -8379,7 +8443,7 @@
           </a:prstGeom>
         </p:spPr>
         <p:txBody>
-          <a:bodyPr anchorCtr="0" anchor="ctr" bIns="91425" lIns="91425" spcFirstLastPara="1" rIns="91425" wrap="square" tIns="91425">
+          <a:bodyPr spcFirstLastPara="1" wrap="square" lIns="91425" tIns="91425" rIns="91425" bIns="91425" anchor="ctr" anchorCtr="0">
             <a:normAutofit/>
           </a:bodyPr>
           <a:lstStyle>
@@ -8421,7 +8485,7 @@
             </a:lvl9pPr>
           </a:lstStyle>
           <a:p>
-            <a:pPr indent="0" lvl="0" marL="0" rtl="0" algn="r">
+            <a:pPr marL="0" lvl="0" indent="0" algn="r" rtl="0">
               <a:spcBef>
                 <a:spcPts val="0"/>
               </a:spcBef>
@@ -8447,11 +8511,11 @@
 </file>
 
 <file path=ppt/slideLayouts/slideLayout9.xml><?xml version="1.0" encoding="utf-8"?>
-<p:sldLayout xmlns:a="http://schemas.openxmlformats.org/drawingml/2006/main" xmlns:r="http://schemas.openxmlformats.org/officeDocument/2006/relationships" xmlns:mc="http://schemas.openxmlformats.org/markup-compatibility/2006" xmlns:mv="urn:schemas-microsoft-com:mac:vml" xmlns:p="http://schemas.openxmlformats.org/presentationml/2006/main" xmlns:c="http://schemas.openxmlformats.org/drawingml/2006/chart" xmlns:dgm="http://schemas.openxmlformats.org/drawingml/2006/diagram" xmlns:o="urn:schemas-microsoft-com:office:office" xmlns:v="urn:schemas-microsoft-com:vml" xmlns:pvml="urn:schemas-microsoft-com:office:powerpoint" xmlns:com="http://schemas.openxmlformats.org/drawingml/2006/compatibility" xmlns:p14="http://schemas.microsoft.com/office/powerpoint/2010/main" xmlns:p15="http://schemas.microsoft.com/office/powerpoint/2012/main" xmlns:ahyp="http://schemas.microsoft.com/office/drawing/2018/hyperlinkcolor" matchingName="Caption">
+<p:sldLayout xmlns:a="http://schemas.openxmlformats.org/drawingml/2006/main" xmlns:r="http://schemas.openxmlformats.org/officeDocument/2006/relationships" xmlns:p="http://schemas.openxmlformats.org/presentationml/2006/main" matchingName="Caption">
   <p:cSld name="CAPTION_ONLY">
     <p:spTree>
       <p:nvGrpSpPr>
-        <p:cNvPr id="99" name="Shape 99"/>
+        <p:cNvPr id="1" name="Shape 99"/>
         <p:cNvGrpSpPr/>
         <p:nvPr/>
       </p:nvGrpSpPr>
@@ -8490,7 +8554,7 @@
             </a:xfrm>
             <a:prstGeom prst="diagStripe">
               <a:avLst>
-                <a:gd fmla="val 50000" name="adj"/>
+                <a:gd name="adj" fmla="val 50000"/>
               </a:avLst>
             </a:prstGeom>
             <a:solidFill>
@@ -8503,12 +8567,12 @@
             </a:ln>
           </p:spPr>
           <p:txBody>
-            <a:bodyPr anchorCtr="0" anchor="ctr" bIns="91425" lIns="91425" spcFirstLastPara="1" rIns="91425" wrap="square" tIns="91425">
+            <a:bodyPr spcFirstLastPara="1" wrap="square" lIns="91425" tIns="91425" rIns="91425" bIns="91425" anchor="ctr" anchorCtr="0">
               <a:noAutofit/>
             </a:bodyPr>
             <a:lstStyle/>
             <a:p>
-              <a:pPr indent="0" lvl="0" marL="0" rtl="0" algn="l">
+              <a:pPr marL="0" lvl="0" indent="0" algn="l" rtl="0">
                 <a:spcBef>
                   <a:spcPts val="0"/>
                 </a:spcBef>
@@ -8517,9 +8581,6 @@
                 </a:spcAft>
                 <a:buNone/>
               </a:pPr>
-              <a:r>
-                <a:t/>
-              </a:r>
               <a:endParaRPr/>
             </a:p>
           </p:txBody>
@@ -8537,7 +8598,7 @@
             </a:xfrm>
             <a:prstGeom prst="diagStripe">
               <a:avLst>
-                <a:gd fmla="val 50000" name="adj"/>
+                <a:gd name="adj" fmla="val 50000"/>
               </a:avLst>
             </a:prstGeom>
             <a:solidFill>
@@ -8550,12 +8611,12 @@
             </a:ln>
           </p:spPr>
           <p:txBody>
-            <a:bodyPr anchorCtr="0" anchor="ctr" bIns="91425" lIns="91425" spcFirstLastPara="1" rIns="91425" wrap="square" tIns="91425">
+            <a:bodyPr spcFirstLastPara="1" wrap="square" lIns="91425" tIns="91425" rIns="91425" bIns="91425" anchor="ctr" anchorCtr="0">
               <a:noAutofit/>
             </a:bodyPr>
             <a:lstStyle/>
             <a:p>
-              <a:pPr indent="0" lvl="0" marL="0" rtl="0" algn="l">
+              <a:pPr marL="0" lvl="0" indent="0" algn="l" rtl="0">
                 <a:spcBef>
                   <a:spcPts val="0"/>
                 </a:spcBef>
@@ -8564,9 +8625,6 @@
                 </a:spcAft>
                 <a:buNone/>
               </a:pPr>
-              <a:r>
-                <a:t/>
-              </a:r>
               <a:endParaRPr/>
             </a:p>
           </p:txBody>
@@ -8575,9 +8633,11 @@
       <p:sp>
         <p:nvSpPr>
           <p:cNvPr id="103" name="Google Shape;103;p10"/>
-          <p:cNvSpPr txBox="1"/>
+          <p:cNvSpPr txBox="1">
+            <a:spLocks noGrp="1"/>
+          </p:cNvSpPr>
           <p:nvPr>
-            <p:ph idx="1" type="body"/>
+            <p:ph type="body" idx="1"/>
           </p:nvPr>
         </p:nvSpPr>
         <p:spPr>
@@ -8590,11 +8650,11 @@
           </a:prstGeom>
         </p:spPr>
         <p:txBody>
-          <a:bodyPr anchorCtr="0" anchor="ctr" bIns="91425" lIns="91425" spcFirstLastPara="1" rIns="91425" wrap="square" tIns="91425">
+          <a:bodyPr spcFirstLastPara="1" wrap="square" lIns="91425" tIns="91425" rIns="91425" bIns="91425" anchor="ctr" anchorCtr="0">
             <a:normAutofit/>
           </a:bodyPr>
           <a:lstStyle>
-            <a:lvl1pPr indent="-228600" lvl="0" marL="457200">
+            <a:lvl1pPr marL="457200" lvl="0" indent="-228600">
               <a:lnSpc>
                 <a:spcPct val="100000"/>
               </a:lnSpc>
@@ -8609,15 +8669,19 @@
               <a:defRPr/>
             </a:lvl1pPr>
           </a:lstStyle>
-          <a:p/>
+          <a:p>
+            <a:endParaRPr/>
+          </a:p>
         </p:txBody>
       </p:sp>
       <p:sp>
         <p:nvSpPr>
           <p:cNvPr id="104" name="Google Shape;104;p10"/>
-          <p:cNvSpPr txBox="1"/>
+          <p:cNvSpPr txBox="1">
+            <a:spLocks noGrp="1"/>
+          </p:cNvSpPr>
           <p:nvPr>
-            <p:ph idx="12" type="sldNum"/>
+            <p:ph type="sldNum" idx="12"/>
           </p:nvPr>
         </p:nvSpPr>
         <p:spPr>
@@ -8630,7 +8694,7 @@
           </a:prstGeom>
         </p:spPr>
         <p:txBody>
-          <a:bodyPr anchorCtr="0" anchor="ctr" bIns="91425" lIns="91425" spcFirstLastPara="1" rIns="91425" wrap="square" tIns="91425">
+          <a:bodyPr spcFirstLastPara="1" wrap="square" lIns="91425" tIns="91425" rIns="91425" bIns="91425" anchor="ctr" anchorCtr="0">
             <a:normAutofit/>
           </a:bodyPr>
           <a:lstStyle>
@@ -8672,7 +8736,7 @@
             </a:lvl9pPr>
           </a:lstStyle>
           <a:p>
-            <a:pPr indent="0" lvl="0" marL="0" rtl="0" algn="r">
+            <a:pPr marL="0" lvl="0" indent="0" algn="r" rtl="0">
               <a:spcBef>
                 <a:spcPts val="0"/>
               </a:spcBef>
@@ -8698,18 +8762,19 @@
 </file>
 
 <file path=ppt/slideMasters/slideMaster1.xml><?xml version="1.0" encoding="utf-8"?>
-<p:sldMaster xmlns:a="http://schemas.openxmlformats.org/drawingml/2006/main" xmlns:r="http://schemas.openxmlformats.org/officeDocument/2006/relationships" xmlns:mc="http://schemas.openxmlformats.org/markup-compatibility/2006" xmlns:mv="urn:schemas-microsoft-com:mac:vml" xmlns:p="http://schemas.openxmlformats.org/presentationml/2006/main" xmlns:c="http://schemas.openxmlformats.org/drawingml/2006/chart" xmlns:dgm="http://schemas.openxmlformats.org/drawingml/2006/diagram" xmlns:o="urn:schemas-microsoft-com:office:office" xmlns:v="urn:schemas-microsoft-com:vml" xmlns:pvml="urn:schemas-microsoft-com:office:powerpoint" xmlns:com="http://schemas.openxmlformats.org/drawingml/2006/compatibility" xmlns:p14="http://schemas.microsoft.com/office/powerpoint/2010/main" xmlns:p15="http://schemas.microsoft.com/office/powerpoint/2012/main" xmlns:ahyp="http://schemas.microsoft.com/office/drawing/2018/hyperlinkcolor">
+<p:sldMaster xmlns:a="http://schemas.openxmlformats.org/drawingml/2006/main" xmlns:r="http://schemas.openxmlformats.org/officeDocument/2006/relationships" xmlns:p="http://schemas.openxmlformats.org/presentationml/2006/main">
   <p:cSld name="focus">
     <p:bg>
       <p:bgPr>
         <a:solidFill>
           <a:schemeClr val="dk1"/>
         </a:solidFill>
+        <a:effectLst/>
       </p:bgPr>
     </p:bg>
     <p:spTree>
       <p:nvGrpSpPr>
-        <p:cNvPr id="5" name="Shape 5"/>
+        <p:cNvPr id="1" name="Shape 5"/>
         <p:cNvGrpSpPr/>
         <p:nvPr/>
       </p:nvGrpSpPr>
@@ -8724,7 +8789,9 @@
       <p:sp>
         <p:nvSpPr>
           <p:cNvPr id="6" name="Google Shape;6;p1"/>
-          <p:cNvSpPr txBox="1"/>
+          <p:cNvSpPr txBox="1">
+            <a:spLocks noGrp="1"/>
+          </p:cNvSpPr>
           <p:nvPr>
             <p:ph type="title"/>
           </p:nvPr>
@@ -8743,7 +8810,7 @@
           </a:ln>
         </p:spPr>
         <p:txBody>
-          <a:bodyPr anchorCtr="0" anchor="t" bIns="91425" lIns="91425" spcFirstLastPara="1" rIns="91425" wrap="square" tIns="91425">
+          <a:bodyPr spcFirstLastPara="1" wrap="square" lIns="91425" tIns="91425" rIns="91425" bIns="91425" anchor="t" anchorCtr="0">
             <a:normAutofit/>
           </a:bodyPr>
           <a:lstStyle>
@@ -8955,15 +9022,19 @@
               </a:defRPr>
             </a:lvl9pPr>
           </a:lstStyle>
-          <a:p/>
+          <a:p>
+            <a:endParaRPr/>
+          </a:p>
         </p:txBody>
       </p:sp>
       <p:sp>
         <p:nvSpPr>
           <p:cNvPr id="7" name="Google Shape;7;p1"/>
-          <p:cNvSpPr txBox="1"/>
+          <p:cNvSpPr txBox="1">
+            <a:spLocks noGrp="1"/>
+          </p:cNvSpPr>
           <p:nvPr>
-            <p:ph idx="1" type="body"/>
+            <p:ph type="body" idx="1"/>
           </p:nvPr>
         </p:nvSpPr>
         <p:spPr>
@@ -8980,11 +9051,11 @@
           </a:ln>
         </p:spPr>
         <p:txBody>
-          <a:bodyPr anchorCtr="0" anchor="t" bIns="91425" lIns="91425" spcFirstLastPara="1" rIns="91425" wrap="square" tIns="91425">
+          <a:bodyPr spcFirstLastPara="1" wrap="square" lIns="91425" tIns="91425" rIns="91425" bIns="91425" anchor="t" anchorCtr="0">
             <a:normAutofit/>
           </a:bodyPr>
           <a:lstStyle>
-            <a:lvl1pPr indent="-311150" lvl="0" marL="457200">
+            <a:lvl1pPr marL="457200" lvl="0" indent="-311150">
               <a:lnSpc>
                 <a:spcPct val="115000"/>
               </a:lnSpc>
@@ -9010,7 +9081,7 @@
                 <a:sym typeface="Lato"/>
               </a:defRPr>
             </a:lvl1pPr>
-            <a:lvl2pPr indent="-298450" lvl="1" marL="914400">
+            <a:lvl2pPr marL="914400" lvl="1" indent="-298450">
               <a:lnSpc>
                 <a:spcPct val="115000"/>
               </a:lnSpc>
@@ -9036,7 +9107,7 @@
                 <a:sym typeface="Lato"/>
               </a:defRPr>
             </a:lvl2pPr>
-            <a:lvl3pPr indent="-298450" lvl="2" marL="1371600">
+            <a:lvl3pPr marL="1371600" lvl="2" indent="-298450">
               <a:lnSpc>
                 <a:spcPct val="115000"/>
               </a:lnSpc>
@@ -9062,7 +9133,7 @@
                 <a:sym typeface="Lato"/>
               </a:defRPr>
             </a:lvl3pPr>
-            <a:lvl4pPr indent="-298450" lvl="3" marL="1828800">
+            <a:lvl4pPr marL="1828800" lvl="3" indent="-298450">
               <a:lnSpc>
                 <a:spcPct val="115000"/>
               </a:lnSpc>
@@ -9088,7 +9159,7 @@
                 <a:sym typeface="Lato"/>
               </a:defRPr>
             </a:lvl4pPr>
-            <a:lvl5pPr indent="-298450" lvl="4" marL="2286000">
+            <a:lvl5pPr marL="2286000" lvl="4" indent="-298450">
               <a:lnSpc>
                 <a:spcPct val="115000"/>
               </a:lnSpc>
@@ -9114,7 +9185,7 @@
                 <a:sym typeface="Lato"/>
               </a:defRPr>
             </a:lvl5pPr>
-            <a:lvl6pPr indent="-298450" lvl="5" marL="2743200">
+            <a:lvl6pPr marL="2743200" lvl="5" indent="-298450">
               <a:lnSpc>
                 <a:spcPct val="115000"/>
               </a:lnSpc>
@@ -9140,7 +9211,7 @@
                 <a:sym typeface="Lato"/>
               </a:defRPr>
             </a:lvl6pPr>
-            <a:lvl7pPr indent="-298450" lvl="6" marL="3200400">
+            <a:lvl7pPr marL="3200400" lvl="6" indent="-298450">
               <a:lnSpc>
                 <a:spcPct val="115000"/>
               </a:lnSpc>
@@ -9166,7 +9237,7 @@
                 <a:sym typeface="Lato"/>
               </a:defRPr>
             </a:lvl7pPr>
-            <a:lvl8pPr indent="-298450" lvl="7" marL="3657600">
+            <a:lvl8pPr marL="3657600" lvl="7" indent="-298450">
               <a:lnSpc>
                 <a:spcPct val="115000"/>
               </a:lnSpc>
@@ -9192,7 +9263,7 @@
                 <a:sym typeface="Lato"/>
               </a:defRPr>
             </a:lvl8pPr>
-            <a:lvl9pPr indent="-298450" lvl="8" marL="4114800">
+            <a:lvl9pPr marL="4114800" lvl="8" indent="-298450">
               <a:lnSpc>
                 <a:spcPct val="115000"/>
               </a:lnSpc>
@@ -9219,15 +9290,19 @@
               </a:defRPr>
             </a:lvl9pPr>
           </a:lstStyle>
-          <a:p/>
+          <a:p>
+            <a:endParaRPr/>
+          </a:p>
         </p:txBody>
       </p:sp>
       <p:sp>
         <p:nvSpPr>
           <p:cNvPr id="8" name="Google Shape;8;p1"/>
-          <p:cNvSpPr txBox="1"/>
+          <p:cNvSpPr txBox="1">
+            <a:spLocks noGrp="1"/>
+          </p:cNvSpPr>
           <p:nvPr>
-            <p:ph idx="12" type="sldNum"/>
+            <p:ph type="sldNum" idx="12"/>
           </p:nvPr>
         </p:nvSpPr>
         <p:spPr>
@@ -9244,7 +9319,7 @@
           </a:ln>
         </p:spPr>
         <p:txBody>
-          <a:bodyPr anchorCtr="0" anchor="ctr" bIns="91425" lIns="91425" spcFirstLastPara="1" rIns="91425" wrap="square" tIns="91425">
+          <a:bodyPr spcFirstLastPara="1" wrap="square" lIns="91425" tIns="91425" rIns="91425" bIns="91425" anchor="ctr" anchorCtr="0">
             <a:normAutofit/>
           </a:bodyPr>
           <a:lstStyle>
@@ -9358,7 +9433,7 @@
             </a:lvl9pPr>
           </a:lstStyle>
           <a:p>
-            <a:pPr indent="0" lvl="0" marL="0" rtl="0" algn="r">
+            <a:pPr marL="0" lvl="0" indent="0" algn="r" rtl="0">
               <a:spcBef>
                 <a:spcPts val="0"/>
               </a:spcBef>
@@ -9377,7 +9452,7 @@
       </p:sp>
     </p:spTree>
   </p:cSld>
-  <p:clrMap accent1="accent1" accent2="accent2" accent3="accent3" accent4="accent4" accent5="accent5" accent6="accent6" bg1="lt1" bg2="dk2" tx1="dk1" tx2="lt2" folHlink="folHlink" hlink="hlink"/>
+  <p:clrMap bg1="lt1" tx1="dk1" bg2="dk2" tx2="lt2" accent1="accent1" accent2="accent2" accent3="accent3" accent4="accent4" accent5="accent5" accent6="accent6" hlink="hlink" folHlink="folHlink"/>
   <p:sldLayoutIdLst>
     <p:sldLayoutId id="2147483648" r:id="rId1"/>
     <p:sldLayoutId id="2147483649" r:id="rId2"/>
@@ -9391,10 +9466,10 @@
     <p:sldLayoutId id="2147483657" r:id="rId10"/>
     <p:sldLayoutId id="2147483658" r:id="rId11"/>
   </p:sldLayoutIdLst>
-  <p:hf dt="0" ftr="0" hdr="0" sldNum="0"/>
+  <p:hf sldNum="0" hdr="0" ftr="0" dt="0"/>
   <p:txStyles>
     <p:titleStyle>
-      <a:defPPr lvl="0" marR="0" rtl="0" algn="l">
+      <a:defPPr marR="0" lvl="0" algn="l" rtl="0">
         <a:lnSpc>
           <a:spcPct val="100000"/>
         </a:lnSpc>
@@ -9405,7 +9480,7 @@
           <a:spcPts val="0"/>
         </a:spcAft>
       </a:defPPr>
-      <a:lvl1pPr lvl="0" marR="0" rtl="0" algn="l">
+      <a:lvl1pPr marR="0" lvl="0" algn="l" rtl="0">
         <a:lnSpc>
           <a:spcPct val="100000"/>
         </a:lnSpc>
@@ -9419,7 +9494,7 @@
           <a:srgbClr val="000000"/>
         </a:buClr>
         <a:buFont typeface="Arial"/>
-        <a:defRPr b="0" i="0" sz="1400" u="none" cap="none" strike="noStrike">
+        <a:defRPr sz="1400" b="0" i="0" u="none" strike="noStrike" cap="none">
           <a:solidFill>
             <a:srgbClr val="000000"/>
           </a:solidFill>
@@ -9429,7 +9504,7 @@
           <a:sym typeface="Arial"/>
         </a:defRPr>
       </a:lvl1pPr>
-      <a:lvl2pPr lvl="1" marR="0" rtl="0" algn="l">
+      <a:lvl2pPr marR="0" lvl="1" algn="l" rtl="0">
         <a:lnSpc>
           <a:spcPct val="100000"/>
         </a:lnSpc>
@@ -9443,7 +9518,7 @@
           <a:srgbClr val="000000"/>
         </a:buClr>
         <a:buFont typeface="Arial"/>
-        <a:defRPr b="0" i="0" sz="1400" u="none" cap="none" strike="noStrike">
+        <a:defRPr sz="1400" b="0" i="0" u="none" strike="noStrike" cap="none">
           <a:solidFill>
             <a:srgbClr val="000000"/>
           </a:solidFill>
@@ -9453,7 +9528,7 @@
           <a:sym typeface="Arial"/>
         </a:defRPr>
       </a:lvl2pPr>
-      <a:lvl3pPr lvl="2" marR="0" rtl="0" algn="l">
+      <a:lvl3pPr marR="0" lvl="2" algn="l" rtl="0">
         <a:lnSpc>
           <a:spcPct val="100000"/>
         </a:lnSpc>
@@ -9467,7 +9542,7 @@
           <a:srgbClr val="000000"/>
         </a:buClr>
         <a:buFont typeface="Arial"/>
-        <a:defRPr b="0" i="0" sz="1400" u="none" cap="none" strike="noStrike">
+        <a:defRPr sz="1400" b="0" i="0" u="none" strike="noStrike" cap="none">
           <a:solidFill>
             <a:srgbClr val="000000"/>
           </a:solidFill>
@@ -9477,7 +9552,7 @@
           <a:sym typeface="Arial"/>
         </a:defRPr>
       </a:lvl3pPr>
-      <a:lvl4pPr lvl="3" marR="0" rtl="0" algn="l">
+      <a:lvl4pPr marR="0" lvl="3" algn="l" rtl="0">
         <a:lnSpc>
           <a:spcPct val="100000"/>
         </a:lnSpc>
@@ -9491,7 +9566,7 @@
           <a:srgbClr val="000000"/>
         </a:buClr>
         <a:buFont typeface="Arial"/>
-        <a:defRPr b="0" i="0" sz="1400" u="none" cap="none" strike="noStrike">
+        <a:defRPr sz="1400" b="0" i="0" u="none" strike="noStrike" cap="none">
           <a:solidFill>
             <a:srgbClr val="000000"/>
           </a:solidFill>
@@ -9501,7 +9576,7 @@
           <a:sym typeface="Arial"/>
         </a:defRPr>
       </a:lvl4pPr>
-      <a:lvl5pPr lvl="4" marR="0" rtl="0" algn="l">
+      <a:lvl5pPr marR="0" lvl="4" algn="l" rtl="0">
         <a:lnSpc>
           <a:spcPct val="100000"/>
         </a:lnSpc>
@@ -9515,7 +9590,7 @@
           <a:srgbClr val="000000"/>
         </a:buClr>
         <a:buFont typeface="Arial"/>
-        <a:defRPr b="0" i="0" sz="1400" u="none" cap="none" strike="noStrike">
+        <a:defRPr sz="1400" b="0" i="0" u="none" strike="noStrike" cap="none">
           <a:solidFill>
             <a:srgbClr val="000000"/>
           </a:solidFill>
@@ -9525,7 +9600,7 @@
           <a:sym typeface="Arial"/>
         </a:defRPr>
       </a:lvl5pPr>
-      <a:lvl6pPr lvl="5" marR="0" rtl="0" algn="l">
+      <a:lvl6pPr marR="0" lvl="5" algn="l" rtl="0">
         <a:lnSpc>
           <a:spcPct val="100000"/>
         </a:lnSpc>
@@ -9539,7 +9614,7 @@
           <a:srgbClr val="000000"/>
         </a:buClr>
         <a:buFont typeface="Arial"/>
-        <a:defRPr b="0" i="0" sz="1400" u="none" cap="none" strike="noStrike">
+        <a:defRPr sz="1400" b="0" i="0" u="none" strike="noStrike" cap="none">
           <a:solidFill>
             <a:srgbClr val="000000"/>
           </a:solidFill>
@@ -9549,7 +9624,7 @@
           <a:sym typeface="Arial"/>
         </a:defRPr>
       </a:lvl6pPr>
-      <a:lvl7pPr lvl="6" marR="0" rtl="0" algn="l">
+      <a:lvl7pPr marR="0" lvl="6" algn="l" rtl="0">
         <a:lnSpc>
           <a:spcPct val="100000"/>
         </a:lnSpc>
@@ -9563,7 +9638,7 @@
           <a:srgbClr val="000000"/>
         </a:buClr>
         <a:buFont typeface="Arial"/>
-        <a:defRPr b="0" i="0" sz="1400" u="none" cap="none" strike="noStrike">
+        <a:defRPr sz="1400" b="0" i="0" u="none" strike="noStrike" cap="none">
           <a:solidFill>
             <a:srgbClr val="000000"/>
           </a:solidFill>
@@ -9573,7 +9648,7 @@
           <a:sym typeface="Arial"/>
         </a:defRPr>
       </a:lvl7pPr>
-      <a:lvl8pPr lvl="7" marR="0" rtl="0" algn="l">
+      <a:lvl8pPr marR="0" lvl="7" algn="l" rtl="0">
         <a:lnSpc>
           <a:spcPct val="100000"/>
         </a:lnSpc>
@@ -9587,7 +9662,7 @@
           <a:srgbClr val="000000"/>
         </a:buClr>
         <a:buFont typeface="Arial"/>
-        <a:defRPr b="0" i="0" sz="1400" u="none" cap="none" strike="noStrike">
+        <a:defRPr sz="1400" b="0" i="0" u="none" strike="noStrike" cap="none">
           <a:solidFill>
             <a:srgbClr val="000000"/>
           </a:solidFill>
@@ -9597,7 +9672,7 @@
           <a:sym typeface="Arial"/>
         </a:defRPr>
       </a:lvl8pPr>
-      <a:lvl9pPr lvl="8" marR="0" rtl="0" algn="l">
+      <a:lvl9pPr marR="0" lvl="8" algn="l" rtl="0">
         <a:lnSpc>
           <a:spcPct val="100000"/>
         </a:lnSpc>
@@ -9611,7 +9686,7 @@
           <a:srgbClr val="000000"/>
         </a:buClr>
         <a:buFont typeface="Arial"/>
-        <a:defRPr b="0" i="0" sz="1400" u="none" cap="none" strike="noStrike">
+        <a:defRPr sz="1400" b="0" i="0" u="none" strike="noStrike" cap="none">
           <a:solidFill>
             <a:srgbClr val="000000"/>
           </a:solidFill>
@@ -9623,7 +9698,7 @@
       </a:lvl9pPr>
     </p:titleStyle>
     <p:bodyStyle>
-      <a:defPPr lvl="0" marR="0" rtl="0" algn="l">
+      <a:defPPr marR="0" lvl="0" algn="l" rtl="0">
         <a:lnSpc>
           <a:spcPct val="100000"/>
         </a:lnSpc>
@@ -9634,7 +9709,7 @@
           <a:spcPts val="0"/>
         </a:spcAft>
       </a:defPPr>
-      <a:lvl1pPr lvl="0" marR="0" rtl="0" algn="l">
+      <a:lvl1pPr marR="0" lvl="0" algn="l" rtl="0">
         <a:lnSpc>
           <a:spcPct val="100000"/>
         </a:lnSpc>
@@ -9648,7 +9723,7 @@
           <a:srgbClr val="000000"/>
         </a:buClr>
         <a:buFont typeface="Arial"/>
-        <a:defRPr b="0" i="0" sz="1400" u="none" cap="none" strike="noStrike">
+        <a:defRPr sz="1400" b="0" i="0" u="none" strike="noStrike" cap="none">
           <a:solidFill>
             <a:srgbClr val="000000"/>
           </a:solidFill>
@@ -9658,7 +9733,7 @@
           <a:sym typeface="Arial"/>
         </a:defRPr>
       </a:lvl1pPr>
-      <a:lvl2pPr lvl="1" marR="0" rtl="0" algn="l">
+      <a:lvl2pPr marR="0" lvl="1" algn="l" rtl="0">
         <a:lnSpc>
           <a:spcPct val="100000"/>
         </a:lnSpc>
@@ -9672,7 +9747,7 @@
           <a:srgbClr val="000000"/>
         </a:buClr>
         <a:buFont typeface="Arial"/>
-        <a:defRPr b="0" i="0" sz="1400" u="none" cap="none" strike="noStrike">
+        <a:defRPr sz="1400" b="0" i="0" u="none" strike="noStrike" cap="none">
           <a:solidFill>
             <a:srgbClr val="000000"/>
           </a:solidFill>
@@ -9682,7 +9757,7 @@
           <a:sym typeface="Arial"/>
         </a:defRPr>
       </a:lvl2pPr>
-      <a:lvl3pPr lvl="2" marR="0" rtl="0" algn="l">
+      <a:lvl3pPr marR="0" lvl="2" algn="l" rtl="0">
         <a:lnSpc>
           <a:spcPct val="100000"/>
         </a:lnSpc>
@@ -9696,7 +9771,7 @@
           <a:srgbClr val="000000"/>
         </a:buClr>
         <a:buFont typeface="Arial"/>
-        <a:defRPr b="0" i="0" sz="1400" u="none" cap="none" strike="noStrike">
+        <a:defRPr sz="1400" b="0" i="0" u="none" strike="noStrike" cap="none">
           <a:solidFill>
             <a:srgbClr val="000000"/>
           </a:solidFill>
@@ -9706,7 +9781,7 @@
           <a:sym typeface="Arial"/>
         </a:defRPr>
       </a:lvl3pPr>
-      <a:lvl4pPr lvl="3" marR="0" rtl="0" algn="l">
+      <a:lvl4pPr marR="0" lvl="3" algn="l" rtl="0">
         <a:lnSpc>
           <a:spcPct val="100000"/>
         </a:lnSpc>
@@ -9720,7 +9795,7 @@
           <a:srgbClr val="000000"/>
         </a:buClr>
         <a:buFont typeface="Arial"/>
-        <a:defRPr b="0" i="0" sz="1400" u="none" cap="none" strike="noStrike">
+        <a:defRPr sz="1400" b="0" i="0" u="none" strike="noStrike" cap="none">
           <a:solidFill>
             <a:srgbClr val="000000"/>
           </a:solidFill>
@@ -9730,7 +9805,7 @@
           <a:sym typeface="Arial"/>
         </a:defRPr>
       </a:lvl4pPr>
-      <a:lvl5pPr lvl="4" marR="0" rtl="0" algn="l">
+      <a:lvl5pPr marR="0" lvl="4" algn="l" rtl="0">
         <a:lnSpc>
           <a:spcPct val="100000"/>
         </a:lnSpc>
@@ -9744,7 +9819,7 @@
           <a:srgbClr val="000000"/>
         </a:buClr>
         <a:buFont typeface="Arial"/>
-        <a:defRPr b="0" i="0" sz="1400" u="none" cap="none" strike="noStrike">
+        <a:defRPr sz="1400" b="0" i="0" u="none" strike="noStrike" cap="none">
           <a:solidFill>
             <a:srgbClr val="000000"/>
           </a:solidFill>
@@ -9754,7 +9829,7 @@
           <a:sym typeface="Arial"/>
         </a:defRPr>
       </a:lvl5pPr>
-      <a:lvl6pPr lvl="5" marR="0" rtl="0" algn="l">
+      <a:lvl6pPr marR="0" lvl="5" algn="l" rtl="0">
         <a:lnSpc>
           <a:spcPct val="100000"/>
         </a:lnSpc>
@@ -9768,7 +9843,7 @@
           <a:srgbClr val="000000"/>
         </a:buClr>
         <a:buFont typeface="Arial"/>
-        <a:defRPr b="0" i="0" sz="1400" u="none" cap="none" strike="noStrike">
+        <a:defRPr sz="1400" b="0" i="0" u="none" strike="noStrike" cap="none">
           <a:solidFill>
             <a:srgbClr val="000000"/>
           </a:solidFill>
@@ -9778,7 +9853,7 @@
           <a:sym typeface="Arial"/>
         </a:defRPr>
       </a:lvl6pPr>
-      <a:lvl7pPr lvl="6" marR="0" rtl="0" algn="l">
+      <a:lvl7pPr marR="0" lvl="6" algn="l" rtl="0">
         <a:lnSpc>
           <a:spcPct val="100000"/>
         </a:lnSpc>
@@ -9792,7 +9867,7 @@
           <a:srgbClr val="000000"/>
         </a:buClr>
         <a:buFont typeface="Arial"/>
-        <a:defRPr b="0" i="0" sz="1400" u="none" cap="none" strike="noStrike">
+        <a:defRPr sz="1400" b="0" i="0" u="none" strike="noStrike" cap="none">
           <a:solidFill>
             <a:srgbClr val="000000"/>
           </a:solidFill>
@@ -9802,7 +9877,7 @@
           <a:sym typeface="Arial"/>
         </a:defRPr>
       </a:lvl7pPr>
-      <a:lvl8pPr lvl="7" marR="0" rtl="0" algn="l">
+      <a:lvl8pPr marR="0" lvl="7" algn="l" rtl="0">
         <a:lnSpc>
           <a:spcPct val="100000"/>
         </a:lnSpc>
@@ -9816,7 +9891,7 @@
           <a:srgbClr val="000000"/>
         </a:buClr>
         <a:buFont typeface="Arial"/>
-        <a:defRPr b="0" i="0" sz="1400" u="none" cap="none" strike="noStrike">
+        <a:defRPr sz="1400" b="0" i="0" u="none" strike="noStrike" cap="none">
           <a:solidFill>
             <a:srgbClr val="000000"/>
           </a:solidFill>
@@ -9826,7 +9901,7 @@
           <a:sym typeface="Arial"/>
         </a:defRPr>
       </a:lvl8pPr>
-      <a:lvl9pPr lvl="8" marR="0" rtl="0" algn="l">
+      <a:lvl9pPr marR="0" lvl="8" algn="l" rtl="0">
         <a:lnSpc>
           <a:spcPct val="100000"/>
         </a:lnSpc>
@@ -9840,7 +9915,7 @@
           <a:srgbClr val="000000"/>
         </a:buClr>
         <a:buFont typeface="Arial"/>
-        <a:defRPr b="0" i="0" sz="1400" u="none" cap="none" strike="noStrike">
+        <a:defRPr sz="1400" b="0" i="0" u="none" strike="noStrike" cap="none">
           <a:solidFill>
             <a:srgbClr val="000000"/>
           </a:solidFill>
@@ -9852,7 +9927,7 @@
       </a:lvl9pPr>
     </p:bodyStyle>
     <p:otherStyle>
-      <a:defPPr lvl="0" marR="0" rtl="0" algn="l">
+      <a:defPPr marR="0" lvl="0" algn="l" rtl="0">
         <a:lnSpc>
           <a:spcPct val="100000"/>
         </a:lnSpc>
@@ -9863,7 +9938,7 @@
           <a:spcPts val="0"/>
         </a:spcAft>
       </a:defPPr>
-      <a:lvl1pPr lvl="0" marR="0" rtl="0" algn="l">
+      <a:lvl1pPr marR="0" lvl="0" algn="l" rtl="0">
         <a:lnSpc>
           <a:spcPct val="100000"/>
         </a:lnSpc>
@@ -9877,7 +9952,7 @@
           <a:srgbClr val="000000"/>
         </a:buClr>
         <a:buFont typeface="Arial"/>
-        <a:defRPr b="0" i="0" sz="1400" u="none" cap="none" strike="noStrike">
+        <a:defRPr sz="1400" b="0" i="0" u="none" strike="noStrike" cap="none">
           <a:solidFill>
             <a:srgbClr val="000000"/>
           </a:solidFill>
@@ -9887,7 +9962,7 @@
           <a:sym typeface="Arial"/>
         </a:defRPr>
       </a:lvl1pPr>
-      <a:lvl2pPr lvl="1" marR="0" rtl="0" algn="l">
+      <a:lvl2pPr marR="0" lvl="1" algn="l" rtl="0">
         <a:lnSpc>
           <a:spcPct val="100000"/>
         </a:lnSpc>
@@ -9901,7 +9976,7 @@
           <a:srgbClr val="000000"/>
         </a:buClr>
         <a:buFont typeface="Arial"/>
-        <a:defRPr b="0" i="0" sz="1400" u="none" cap="none" strike="noStrike">
+        <a:defRPr sz="1400" b="0" i="0" u="none" strike="noStrike" cap="none">
           <a:solidFill>
             <a:srgbClr val="000000"/>
           </a:solidFill>
@@ -9911,7 +9986,7 @@
           <a:sym typeface="Arial"/>
         </a:defRPr>
       </a:lvl2pPr>
-      <a:lvl3pPr lvl="2" marR="0" rtl="0" algn="l">
+      <a:lvl3pPr marR="0" lvl="2" algn="l" rtl="0">
         <a:lnSpc>
           <a:spcPct val="100000"/>
         </a:lnSpc>
@@ -9925,7 +10000,7 @@
           <a:srgbClr val="000000"/>
         </a:buClr>
         <a:buFont typeface="Arial"/>
-        <a:defRPr b="0" i="0" sz="1400" u="none" cap="none" strike="noStrike">
+        <a:defRPr sz="1400" b="0" i="0" u="none" strike="noStrike" cap="none">
           <a:solidFill>
             <a:srgbClr val="000000"/>
           </a:solidFill>
@@ -9935,7 +10010,7 @@
           <a:sym typeface="Arial"/>
         </a:defRPr>
       </a:lvl3pPr>
-      <a:lvl4pPr lvl="3" marR="0" rtl="0" algn="l">
+      <a:lvl4pPr marR="0" lvl="3" algn="l" rtl="0">
         <a:lnSpc>
           <a:spcPct val="100000"/>
         </a:lnSpc>
@@ -9949,7 +10024,7 @@
           <a:srgbClr val="000000"/>
         </a:buClr>
         <a:buFont typeface="Arial"/>
-        <a:defRPr b="0" i="0" sz="1400" u="none" cap="none" strike="noStrike">
+        <a:defRPr sz="1400" b="0" i="0" u="none" strike="noStrike" cap="none">
           <a:solidFill>
             <a:srgbClr val="000000"/>
           </a:solidFill>
@@ -9959,7 +10034,7 @@
           <a:sym typeface="Arial"/>
         </a:defRPr>
       </a:lvl4pPr>
-      <a:lvl5pPr lvl="4" marR="0" rtl="0" algn="l">
+      <a:lvl5pPr marR="0" lvl="4" algn="l" rtl="0">
         <a:lnSpc>
           <a:spcPct val="100000"/>
         </a:lnSpc>
@@ -9973,7 +10048,7 @@
           <a:srgbClr val="000000"/>
         </a:buClr>
         <a:buFont typeface="Arial"/>
-        <a:defRPr b="0" i="0" sz="1400" u="none" cap="none" strike="noStrike">
+        <a:defRPr sz="1400" b="0" i="0" u="none" strike="noStrike" cap="none">
           <a:solidFill>
             <a:srgbClr val="000000"/>
           </a:solidFill>
@@ -9983,7 +10058,7 @@
           <a:sym typeface="Arial"/>
         </a:defRPr>
       </a:lvl5pPr>
-      <a:lvl6pPr lvl="5" marR="0" rtl="0" algn="l">
+      <a:lvl6pPr marR="0" lvl="5" algn="l" rtl="0">
         <a:lnSpc>
           <a:spcPct val="100000"/>
         </a:lnSpc>
@@ -9997,7 +10072,7 @@
           <a:srgbClr val="000000"/>
         </a:buClr>
         <a:buFont typeface="Arial"/>
-        <a:defRPr b="0" i="0" sz="1400" u="none" cap="none" strike="noStrike">
+        <a:defRPr sz="1400" b="0" i="0" u="none" strike="noStrike" cap="none">
           <a:solidFill>
             <a:srgbClr val="000000"/>
           </a:solidFill>
@@ -10007,7 +10082,7 @@
           <a:sym typeface="Arial"/>
         </a:defRPr>
       </a:lvl6pPr>
-      <a:lvl7pPr lvl="6" marR="0" rtl="0" algn="l">
+      <a:lvl7pPr marR="0" lvl="6" algn="l" rtl="0">
         <a:lnSpc>
           <a:spcPct val="100000"/>
         </a:lnSpc>
@@ -10021,7 +10096,7 @@
           <a:srgbClr val="000000"/>
         </a:buClr>
         <a:buFont typeface="Arial"/>
-        <a:defRPr b="0" i="0" sz="1400" u="none" cap="none" strike="noStrike">
+        <a:defRPr sz="1400" b="0" i="0" u="none" strike="noStrike" cap="none">
           <a:solidFill>
             <a:srgbClr val="000000"/>
           </a:solidFill>
@@ -10031,7 +10106,7 @@
           <a:sym typeface="Arial"/>
         </a:defRPr>
       </a:lvl7pPr>
-      <a:lvl8pPr lvl="7" marR="0" rtl="0" algn="l">
+      <a:lvl8pPr marR="0" lvl="7" algn="l" rtl="0">
         <a:lnSpc>
           <a:spcPct val="100000"/>
         </a:lnSpc>
@@ -10045,7 +10120,7 @@
           <a:srgbClr val="000000"/>
         </a:buClr>
         <a:buFont typeface="Arial"/>
-        <a:defRPr b="0" i="0" sz="1400" u="none" cap="none" strike="noStrike">
+        <a:defRPr sz="1400" b="0" i="0" u="none" strike="noStrike" cap="none">
           <a:solidFill>
             <a:srgbClr val="000000"/>
           </a:solidFill>
@@ -10055,7 +10130,7 @@
           <a:sym typeface="Arial"/>
         </a:defRPr>
       </a:lvl8pPr>
-      <a:lvl9pPr lvl="8" marR="0" rtl="0" algn="l">
+      <a:lvl9pPr marR="0" lvl="8" algn="l" rtl="0">
         <a:lnSpc>
           <a:spcPct val="100000"/>
         </a:lnSpc>
@@ -10069,7 +10144,7 @@
           <a:srgbClr val="000000"/>
         </a:buClr>
         <a:buFont typeface="Arial"/>
-        <a:defRPr b="0" i="0" sz="1400" u="none" cap="none" strike="noStrike">
+        <a:defRPr sz="1400" b="0" i="0" u="none" strike="noStrike" cap="none">
           <a:solidFill>
             <a:srgbClr val="000000"/>
           </a:solidFill>
@@ -10085,11 +10160,11 @@
 </file>
 
 <file path=ppt/slides/slide1.xml><?xml version="1.0" encoding="utf-8"?>
-<p:sld xmlns:a="http://schemas.openxmlformats.org/drawingml/2006/main" xmlns:r="http://schemas.openxmlformats.org/officeDocument/2006/relationships" xmlns:mc="http://schemas.openxmlformats.org/markup-compatibility/2006" xmlns:mv="urn:schemas-microsoft-com:mac:vml" xmlns:p="http://schemas.openxmlformats.org/presentationml/2006/main" xmlns:c="http://schemas.openxmlformats.org/drawingml/2006/chart" xmlns:dgm="http://schemas.openxmlformats.org/drawingml/2006/diagram" xmlns:o="urn:schemas-microsoft-com:office:office" xmlns:v="urn:schemas-microsoft-com:vml" xmlns:pvml="urn:schemas-microsoft-com:office:powerpoint" xmlns:com="http://schemas.openxmlformats.org/drawingml/2006/compatibility" xmlns:p14="http://schemas.microsoft.com/office/powerpoint/2010/main" xmlns:p15="http://schemas.microsoft.com/office/powerpoint/2012/main" xmlns:ahyp="http://schemas.microsoft.com/office/drawing/2018/hyperlinkcolor">
+<p:sld xmlns:a="http://schemas.openxmlformats.org/drawingml/2006/main" xmlns:r="http://schemas.openxmlformats.org/officeDocument/2006/relationships" xmlns:p="http://schemas.openxmlformats.org/presentationml/2006/main">
   <p:cSld>
     <p:spTree>
       <p:nvGrpSpPr>
-        <p:cNvPr id="133" name="Shape 133"/>
+        <p:cNvPr id="1" name="Shape 133"/>
         <p:cNvGrpSpPr/>
         <p:nvPr/>
       </p:nvGrpSpPr>
@@ -10104,7 +10179,9 @@
       <p:sp>
         <p:nvSpPr>
           <p:cNvPr id="134" name="Google Shape;134;p13"/>
-          <p:cNvSpPr txBox="1"/>
+          <p:cNvSpPr txBox="1">
+            <a:spLocks noGrp="1"/>
+          </p:cNvSpPr>
           <p:nvPr>
             <p:ph type="ctrTitle"/>
           </p:nvPr>
@@ -10119,12 +10196,12 @@
           </a:prstGeom>
         </p:spPr>
         <p:txBody>
-          <a:bodyPr anchorCtr="0" anchor="t" bIns="91425" lIns="91425" spcFirstLastPara="1" rIns="91425" wrap="square" tIns="91425">
+          <a:bodyPr spcFirstLastPara="1" wrap="square" lIns="91425" tIns="91425" rIns="91425" bIns="91425" anchor="t" anchorCtr="0">
             <a:normAutofit fontScale="90000"/>
           </a:bodyPr>
           <a:lstStyle/>
           <a:p>
-            <a:pPr indent="0" lvl="0" marL="0" rtl="0" algn="l">
+            <a:pPr marL="0" lvl="0" indent="0" algn="l" rtl="0">
               <a:spcBef>
                 <a:spcPts val="0"/>
               </a:spcBef>
@@ -10144,9 +10221,11 @@
       <p:sp>
         <p:nvSpPr>
           <p:cNvPr id="135" name="Google Shape;135;p13"/>
-          <p:cNvSpPr txBox="1"/>
+          <p:cNvSpPr txBox="1">
+            <a:spLocks noGrp="1"/>
+          </p:cNvSpPr>
           <p:nvPr>
-            <p:ph idx="1" type="subTitle"/>
+            <p:ph type="subTitle" idx="1"/>
           </p:nvPr>
         </p:nvSpPr>
         <p:spPr>
@@ -10159,12 +10238,98 @@
           </a:prstGeom>
         </p:spPr>
         <p:txBody>
-          <a:bodyPr anchorCtr="0" anchor="t" bIns="91425" lIns="91425" spcFirstLastPara="1" rIns="91425" wrap="square" tIns="91425">
-            <a:normAutofit lnSpcReduction="20000"/>
+          <a:bodyPr spcFirstLastPara="1" wrap="square" lIns="91425" tIns="91425" rIns="91425" bIns="91425" anchor="t" anchorCtr="0">
+            <a:normAutofit fontScale="92500" lnSpcReduction="20000"/>
           </a:bodyPr>
           <a:lstStyle/>
           <a:p>
-            <a:pPr indent="0" lvl="0" marL="0" rtl="0" algn="l">
+            <a:pPr marL="0" lvl="0" indent="0" algn="l" rtl="0">
+              <a:spcBef>
+                <a:spcPts val="0"/>
+              </a:spcBef>
+              <a:spcAft>
+                <a:spcPts val="0"/>
+              </a:spcAft>
+              <a:buNone/>
+            </a:pPr>
+            <a:r>
+              <a:rPr lang="pt-BR" dirty="0"/>
+              <a:t>Alysson Ferreira</a:t>
+            </a:r>
+            <a:endParaRPr dirty="0"/>
+          </a:p>
+          <a:p>
+            <a:pPr marL="0" lvl="0" indent="0" algn="l" rtl="0">
+              <a:spcBef>
+                <a:spcPts val="0"/>
+              </a:spcBef>
+              <a:spcAft>
+                <a:spcPts val="0"/>
+              </a:spcAft>
+              <a:buNone/>
+            </a:pPr>
+            <a:r>
+              <a:rPr lang="pt-BR" dirty="0"/>
+              <a:t>Anderson Richard</a:t>
+            </a:r>
+            <a:endParaRPr dirty="0"/>
+          </a:p>
+        </p:txBody>
+      </p:sp>
+    </p:spTree>
+  </p:cSld>
+  <p:clrMapOvr>
+    <a:masterClrMapping/>
+  </p:clrMapOvr>
+  <p:transition spd="slow">
+    <p:wipe/>
+  </p:transition>
+</p:sld>
+</file>
+
+<file path=ppt/slides/slide10.xml><?xml version="1.0" encoding="utf-8"?>
+<p:sld xmlns:a="http://schemas.openxmlformats.org/drawingml/2006/main" xmlns:r="http://schemas.openxmlformats.org/officeDocument/2006/relationships" xmlns:p="http://schemas.openxmlformats.org/presentationml/2006/main">
+  <p:cSld>
+    <p:spTree>
+      <p:nvGrpSpPr>
+        <p:cNvPr id="1" name="Shape 182"/>
+        <p:cNvGrpSpPr/>
+        <p:nvPr/>
+      </p:nvGrpSpPr>
+      <p:grpSpPr>
+        <a:xfrm>
+          <a:off x="0" y="0"/>
+          <a:ext cx="0" cy="0"/>
+          <a:chOff x="0" y="0"/>
+          <a:chExt cx="0" cy="0"/>
+        </a:xfrm>
+      </p:grpSpPr>
+      <p:sp>
+        <p:nvSpPr>
+          <p:cNvPr id="183" name="Google Shape;183;p21"/>
+          <p:cNvSpPr txBox="1">
+            <a:spLocks noGrp="1"/>
+          </p:cNvSpPr>
+          <p:nvPr>
+            <p:ph type="title"/>
+          </p:nvPr>
+        </p:nvSpPr>
+        <p:spPr>
+          <a:xfrm>
+            <a:off x="1297500" y="393750"/>
+            <a:ext cx="7038900" cy="914100"/>
+          </a:xfrm>
+          <a:prstGeom prst="rect">
+            <a:avLst/>
+          </a:prstGeom>
+        </p:spPr>
+        <p:txBody>
+          <a:bodyPr spcFirstLastPara="1" wrap="square" lIns="91425" tIns="91425" rIns="91425" bIns="91425" anchor="t" anchorCtr="0">
+            <a:normAutofit/>
+          </a:bodyPr>
+          <a:lstStyle/>
+          <a:p>
+            <a:pPr marL="0" lvl="0" indent="0" algn="l" rtl="0">
               <a:spcBef>
                 <a:spcPts val="0"/>
               </a:spcBef>
@@ -10175,24 +10340,78 @@
             </a:pPr>
             <a:r>
               <a:rPr lang="pt-BR"/>
-              <a:t>Alysson José</a:t>
+              <a:t>Casos de uso do banco de dados de grafos</a:t>
+            </a:r>
+            <a:endParaRPr/>
+          </a:p>
+        </p:txBody>
+      </p:sp>
+      <p:sp>
+        <p:nvSpPr>
+          <p:cNvPr id="184" name="Google Shape;184;p21"/>
+          <p:cNvSpPr txBox="1">
+            <a:spLocks noGrp="1"/>
+          </p:cNvSpPr>
+          <p:nvPr>
+            <p:ph type="body" idx="1"/>
+          </p:nvPr>
+        </p:nvSpPr>
+        <p:spPr>
+          <a:xfrm>
+            <a:off x="1297500" y="1567550"/>
+            <a:ext cx="7038900" cy="2911200"/>
+          </a:xfrm>
+          <a:prstGeom prst="rect">
+            <a:avLst/>
+          </a:prstGeom>
+        </p:spPr>
+        <p:txBody>
+          <a:bodyPr spcFirstLastPara="1" wrap="square" lIns="91425" tIns="91425" rIns="91425" bIns="91425" anchor="t" anchorCtr="0">
+            <a:normAutofit/>
+          </a:bodyPr>
+          <a:lstStyle/>
+          <a:p>
+            <a:pPr marL="457200" lvl="0" indent="-311150" algn="just" rtl="0">
+              <a:spcBef>
+                <a:spcPts val="0"/>
+              </a:spcBef>
+              <a:spcAft>
+                <a:spcPts val="0"/>
+              </a:spcAft>
+              <a:buSzPts val="1300"/>
+              <a:buChar char="●"/>
+            </a:pPr>
+            <a:r>
+              <a:rPr lang="pt-BR"/>
+              <a:t>Mecanismos de recomendação: Os bancos de dados de grafos são uma boa opção para aplicativos de recomendação. Pois você pode armazenar em um grafo os relacionamentos entre as categorias de informação, como os interesses, os amigos e o histórico de compras dos clientes. Você pode usar um banco de dados de grafos altamente disponível para fazer recomendações de produtos a um usuário com base em quais produtos foram comprados por outras pessoas que seguem o mesmo esporte e têm histórico de compras similar. </a:t>
             </a:r>
             <a:endParaRPr/>
           </a:p>
           <a:p>
-            <a:pPr indent="0" lvl="0" marL="0" rtl="0" algn="l">
-              <a:spcBef>
-                <a:spcPts val="0"/>
+            <a:pPr marL="0" lvl="0" indent="0" algn="l" rtl="0">
+              <a:spcBef>
+                <a:spcPts val="1200"/>
               </a:spcBef>
               <a:spcAft>
                 <a:spcPts val="0"/>
               </a:spcAft>
               <a:buNone/>
             </a:pPr>
-            <a:r>
-              <a:rPr lang="pt-BR"/>
-              <a:t>Anderson Richard</a:t>
-            </a:r>
+            <a:endParaRPr/>
+          </a:p>
+          <a:p>
+            <a:pPr marL="0" marR="0" lvl="0" indent="0" algn="l" rtl="0">
+              <a:lnSpc>
+                <a:spcPct val="115000"/>
+              </a:lnSpc>
+              <a:spcBef>
+                <a:spcPts val="1200"/>
+              </a:spcBef>
+              <a:spcAft>
+                <a:spcPts val="1200"/>
+              </a:spcAft>
+              <a:buNone/>
+            </a:pPr>
             <a:endParaRPr/>
           </a:p>
         </p:txBody>
@@ -10202,15 +10421,18 @@
   <p:clrMapOvr>
     <a:masterClrMapping/>
   </p:clrMapOvr>
+  <p:transition spd="slow">
+    <p:wipe/>
+  </p:transition>
 </p:sld>
 </file>
 
-<file path=ppt/slides/slide10.xml><?xml version="1.0" encoding="utf-8"?>
-<p:sld xmlns:a="http://schemas.openxmlformats.org/drawingml/2006/main" xmlns:r="http://schemas.openxmlformats.org/officeDocument/2006/relationships" xmlns:mc="http://schemas.openxmlformats.org/markup-compatibility/2006" xmlns:mv="urn:schemas-microsoft-com:mac:vml" xmlns:p="http://schemas.openxmlformats.org/presentationml/2006/main" xmlns:c="http://schemas.openxmlformats.org/drawingml/2006/chart" xmlns:dgm="http://schemas.openxmlformats.org/drawingml/2006/diagram" xmlns:o="urn:schemas-microsoft-com:office:office" xmlns:v="urn:schemas-microsoft-com:vml" xmlns:pvml="urn:schemas-microsoft-com:office:powerpoint" xmlns:com="http://schemas.openxmlformats.org/drawingml/2006/compatibility" xmlns:p14="http://schemas.microsoft.com/office/powerpoint/2010/main" xmlns:p15="http://schemas.microsoft.com/office/powerpoint/2012/main" xmlns:ahyp="http://schemas.microsoft.com/office/drawing/2018/hyperlinkcolor">
+<file path=ppt/slides/slide11.xml><?xml version="1.0" encoding="utf-8"?>
+<p:sld xmlns:a="http://schemas.openxmlformats.org/drawingml/2006/main" xmlns:r="http://schemas.openxmlformats.org/officeDocument/2006/relationships" xmlns:p="http://schemas.openxmlformats.org/presentationml/2006/main">
   <p:cSld>
     <p:spTree>
       <p:nvGrpSpPr>
-        <p:cNvPr id="188" name="Shape 188"/>
+        <p:cNvPr id="1" name="Shape 188"/>
         <p:cNvGrpSpPr/>
         <p:nvPr/>
       </p:nvGrpSpPr>
@@ -10225,7 +10447,9 @@
       <p:sp>
         <p:nvSpPr>
           <p:cNvPr id="189" name="Google Shape;189;p22"/>
-          <p:cNvSpPr txBox="1"/>
+          <p:cNvSpPr txBox="1">
+            <a:spLocks noGrp="1"/>
+          </p:cNvSpPr>
           <p:nvPr>
             <p:ph type="title"/>
           </p:nvPr>
@@ -10240,12 +10464,12 @@
           </a:prstGeom>
         </p:spPr>
         <p:txBody>
-          <a:bodyPr anchorCtr="0" anchor="t" bIns="91425" lIns="91425" spcFirstLastPara="1" rIns="91425" wrap="square" tIns="91425">
+          <a:bodyPr spcFirstLastPara="1" wrap="square" lIns="91425" tIns="91425" rIns="91425" bIns="91425" anchor="t" anchorCtr="0">
             <a:normAutofit/>
           </a:bodyPr>
           <a:lstStyle/>
           <a:p>
-            <a:pPr indent="0" lvl="0" marL="0" rtl="0" algn="l">
+            <a:pPr marL="0" lvl="0" indent="0" algn="l" rtl="0">
               <a:spcBef>
                 <a:spcPts val="0"/>
               </a:spcBef>
@@ -10265,9 +10489,11 @@
       <p:sp>
         <p:nvSpPr>
           <p:cNvPr id="190" name="Google Shape;190;p22"/>
-          <p:cNvSpPr txBox="1"/>
+          <p:cNvSpPr txBox="1">
+            <a:spLocks noGrp="1"/>
+          </p:cNvSpPr>
           <p:nvPr>
-            <p:ph idx="1" type="body"/>
+            <p:ph type="body" idx="1"/>
           </p:nvPr>
         </p:nvSpPr>
         <p:spPr>
@@ -10280,12 +10506,12 @@
           </a:prstGeom>
         </p:spPr>
         <p:txBody>
-          <a:bodyPr anchorCtr="0" anchor="t" bIns="91425" lIns="91425" spcFirstLastPara="1" rIns="91425" wrap="square" tIns="91425">
-            <a:normAutofit lnSpcReduction="10000"/>
+          <a:bodyPr spcFirstLastPara="1" wrap="square" lIns="91425" tIns="91425" rIns="91425" bIns="91425" anchor="t" anchorCtr="0">
+            <a:normAutofit/>
           </a:bodyPr>
           <a:lstStyle/>
           <a:p>
-            <a:pPr indent="-311150" lvl="0" marL="457200" marR="0" rtl="0" algn="just">
+            <a:pPr marL="457200" marR="0" lvl="0" indent="-311150" algn="just" rtl="0">
               <a:lnSpc>
                 <a:spcPct val="115000"/>
               </a:lnSpc>
@@ -10299,13 +10525,13 @@
               <a:buChar char="●"/>
             </a:pPr>
             <a:r>
-              <a:rPr lang="pt-BR"/>
-              <a:t>Detecção de fraudes: Os bancos de dados de grafos podem fazer uma prevenção sofisticada contra fraudes. Pois você pode usar relacionamentos para processar transações financeiras e de compras praticamente em tempo real. Com consultas de grafos rápidas, você pode detectar, por exemplo, se um possível comprador está usando o mesmo endereço de e-mail e cartão de crédito que o usado em um caso de fraude conhecido. Os bancos de dados de grafos também podem ajudá-lo a detectar facilmente padrões de relacionamento, como várias pessoas associadas a um endereço de e-mail pessoal ou várias pessoas compartilhando o mesmo endereço IP, mas residentes em endereços físicos diferentes. </a:t>
+              <a:rPr lang="pt-BR" dirty="0"/>
+              <a:t>Detecção de fraudes: Os bancos de dados de grafos podem fazer uma prevenção sofisticada contra fraudes. Pois você pode usar relacionamentos para processar transações financeiras e de compras praticamente em tempo real. Com consultas de grafos rápidas, você pode detectar, por exemplo, se um possível comprador está usando o mesmo endereço de e-mail e cartão de crédito que o usado em um caso de fraude conhecido. </a:t>
             </a:r>
-            <a:endParaRPr/>
+            <a:endParaRPr dirty="0"/>
           </a:p>
           <a:p>
-            <a:pPr indent="0" lvl="0" marL="0" marR="0" rtl="0" algn="l">
+            <a:pPr marL="0" marR="0" lvl="0" indent="0" algn="l" rtl="0">
               <a:lnSpc>
                 <a:spcPct val="115000"/>
               </a:lnSpc>
@@ -10313,32 +10539,11 @@
                 <a:spcPts val="1200"/>
               </a:spcBef>
               <a:spcAft>
-                <a:spcPts val="0"/>
+                <a:spcPts val="1200"/>
               </a:spcAft>
               <a:buNone/>
             </a:pPr>
-            <a:r>
-              <a:t/>
-            </a:r>
-            <a:endParaRPr/>
-          </a:p>
-          <a:p>
-            <a:pPr indent="0" lvl="0" marL="0" marR="0" rtl="0" algn="l">
-              <a:lnSpc>
-                <a:spcPct val="115000"/>
-              </a:lnSpc>
-              <a:spcBef>
-                <a:spcPts val="1200"/>
-              </a:spcBef>
-              <a:spcAft>
-                <a:spcPts val="1200"/>
-              </a:spcAft>
-              <a:buNone/>
-            </a:pPr>
-            <a:r>
-              <a:t/>
-            </a:r>
-            <a:endParaRPr/>
+            <a:endParaRPr dirty="0"/>
           </a:p>
         </p:txBody>
       </p:sp>
@@ -10347,15 +10552,18 @@
   <p:clrMapOvr>
     <a:masterClrMapping/>
   </p:clrMapOvr>
+  <p:transition spd="slow">
+    <p:wipe/>
+  </p:transition>
 </p:sld>
 </file>
 
-<file path=ppt/slides/slide11.xml><?xml version="1.0" encoding="utf-8"?>
-<p:sld xmlns:a="http://schemas.openxmlformats.org/drawingml/2006/main" xmlns:r="http://schemas.openxmlformats.org/officeDocument/2006/relationships" xmlns:mc="http://schemas.openxmlformats.org/markup-compatibility/2006" xmlns:mv="urn:schemas-microsoft-com:mac:vml" xmlns:p="http://schemas.openxmlformats.org/presentationml/2006/main" xmlns:c="http://schemas.openxmlformats.org/drawingml/2006/chart" xmlns:dgm="http://schemas.openxmlformats.org/drawingml/2006/diagram" xmlns:o="urn:schemas-microsoft-com:office:office" xmlns:v="urn:schemas-microsoft-com:vml" xmlns:pvml="urn:schemas-microsoft-com:office:powerpoint" xmlns:com="http://schemas.openxmlformats.org/drawingml/2006/compatibility" xmlns:p14="http://schemas.microsoft.com/office/powerpoint/2010/main" xmlns:p15="http://schemas.microsoft.com/office/powerpoint/2012/main" xmlns:ahyp="http://schemas.microsoft.com/office/drawing/2018/hyperlinkcolor">
+<file path=ppt/slides/slide12.xml><?xml version="1.0" encoding="utf-8"?>
+<p:sld xmlns:a="http://schemas.openxmlformats.org/drawingml/2006/main" xmlns:r="http://schemas.openxmlformats.org/officeDocument/2006/relationships" xmlns:p="http://schemas.openxmlformats.org/presentationml/2006/main">
   <p:cSld>
     <p:spTree>
       <p:nvGrpSpPr>
-        <p:cNvPr id="194" name="Shape 194"/>
+        <p:cNvPr id="1" name="Shape 194"/>
         <p:cNvGrpSpPr/>
         <p:nvPr/>
       </p:nvGrpSpPr>
@@ -10370,7 +10578,9 @@
       <p:sp>
         <p:nvSpPr>
           <p:cNvPr id="195" name="Google Shape;195;p23"/>
-          <p:cNvSpPr txBox="1"/>
+          <p:cNvSpPr txBox="1">
+            <a:spLocks noGrp="1"/>
+          </p:cNvSpPr>
           <p:nvPr>
             <p:ph type="title"/>
           </p:nvPr>
@@ -10385,12 +10595,12 @@
           </a:prstGeom>
         </p:spPr>
         <p:txBody>
-          <a:bodyPr anchorCtr="0" anchor="t" bIns="91425" lIns="91425" spcFirstLastPara="1" rIns="91425" wrap="square" tIns="91425">
+          <a:bodyPr spcFirstLastPara="1" wrap="square" lIns="91425" tIns="91425" rIns="91425" bIns="91425" anchor="t" anchorCtr="0">
             <a:normAutofit/>
           </a:bodyPr>
           <a:lstStyle/>
           <a:p>
-            <a:pPr indent="0" lvl="0" marL="0" rtl="0" algn="l">
+            <a:pPr marL="0" lvl="0" indent="0" algn="l" rtl="0">
               <a:spcBef>
                 <a:spcPts val="0"/>
               </a:spcBef>
@@ -10410,9 +10620,11 @@
       <p:sp>
         <p:nvSpPr>
           <p:cNvPr id="196" name="Google Shape;196;p23"/>
-          <p:cNvSpPr txBox="1"/>
+          <p:cNvSpPr txBox="1">
+            <a:spLocks noGrp="1"/>
+          </p:cNvSpPr>
           <p:nvPr>
-            <p:ph idx="1" type="body"/>
+            <p:ph type="body" idx="1"/>
           </p:nvPr>
         </p:nvSpPr>
         <p:spPr>
@@ -10425,12 +10637,12 @@
           </a:prstGeom>
         </p:spPr>
         <p:txBody>
-          <a:bodyPr anchorCtr="0" anchor="t" bIns="91425" lIns="91425" spcFirstLastPara="1" rIns="91425" wrap="square" tIns="91425">
+          <a:bodyPr spcFirstLastPara="1" wrap="square" lIns="91425" tIns="91425" rIns="91425" bIns="91425" anchor="t" anchorCtr="0">
             <a:normAutofit/>
           </a:bodyPr>
           <a:lstStyle/>
           <a:p>
-            <a:pPr indent="0" lvl="0" marL="0" rtl="0" algn="l">
+            <a:pPr marL="0" lvl="0" indent="0" algn="l" rtl="0">
               <a:lnSpc>
                 <a:spcPct val="100000"/>
               </a:lnSpc>
@@ -10444,16 +10656,12 @@
             </a:pPr>
             <a:r>
               <a:rPr lang="pt-BR"/>
-              <a:t>OC</a:t>
-            </a:r>
-            <a:r>
-              <a:rPr lang="pt-BR"/>
-              <a:t>I (Oracle Cloud Infrastructure), 2023.</a:t>
+              <a:t>OCI (Oracle Cloud Infrastructure), 2023.</a:t>
             </a:r>
             <a:endParaRPr/>
           </a:p>
           <a:p>
-            <a:pPr indent="0" lvl="0" marL="0" rtl="0" algn="l">
+            <a:pPr marL="0" lvl="0" indent="0" algn="l" rtl="0">
               <a:lnSpc>
                 <a:spcPct val="100000"/>
               </a:lnSpc>
@@ -10477,7 +10685,7 @@
             </a:r>
             <a:r>
               <a:rPr lang="pt-BR" u="sng">
-                <a:hlinkClick r:id="rId4"/>
+                <a:hlinkClick r:id="rId3"/>
               </a:rPr>
               <a:t>ttps://www.oracle.com/br/autonomous-database/what-is-graph-database/#:~:text=Um%20banco%20de%20dados%20de,n%C3%A3o%20est%C3%A3o%20equipados%20a%20fazer</a:t>
             </a:r>
@@ -10488,7 +10696,7 @@
             <a:endParaRPr/>
           </a:p>
           <a:p>
-            <a:pPr indent="0" lvl="0" marL="0" rtl="0" algn="l">
+            <a:pPr marL="0" lvl="0" indent="0" algn="l" rtl="0">
               <a:lnSpc>
                 <a:spcPct val="100000"/>
               </a:lnSpc>
@@ -10507,7 +10715,7 @@
             <a:endParaRPr/>
           </a:p>
           <a:p>
-            <a:pPr indent="0" lvl="0" marL="0" rtl="0" algn="l">
+            <a:pPr marL="0" lvl="0" indent="0" algn="l" rtl="0">
               <a:lnSpc>
                 <a:spcPct val="100000"/>
               </a:lnSpc>
@@ -10519,13 +10727,29 @@
               </a:spcAft>
               <a:buNone/>
             </a:pPr>
+            <a:endParaRPr/>
+          </a:p>
+          <a:p>
+            <a:pPr marL="0" lvl="0" indent="0" algn="l" rtl="0">
+              <a:lnSpc>
+                <a:spcPct val="100000"/>
+              </a:lnSpc>
+              <a:spcBef>
+                <a:spcPts val="0"/>
+              </a:spcBef>
+              <a:spcAft>
+                <a:spcPts val="0"/>
+              </a:spcAft>
+              <a:buNone/>
+            </a:pPr>
             <a:r>
-              <a:t/>
+              <a:rPr lang="pt-BR"/>
+              <a:t>AWS (Amazon Web Services), 2023.</a:t>
             </a:r>
             <a:endParaRPr/>
           </a:p>
           <a:p>
-            <a:pPr indent="0" lvl="0" marL="0" rtl="0" algn="l">
+            <a:pPr marL="0" lvl="0" indent="0" algn="l" rtl="0">
               <a:lnSpc>
                 <a:spcPct val="100000"/>
               </a:lnSpc>
@@ -10539,16 +10763,71 @@
             </a:pPr>
             <a:r>
               <a:rPr lang="pt-BR"/>
-              <a:t>AWS</a:t>
+              <a:t>Disponível em: </a:t>
             </a:r>
             <a:r>
-              <a:rPr lang="pt-BR"/>
-              <a:t> (Amazon Web Services), 2023.</a:t>
+              <a:rPr lang="pt-BR" u="sng">
+                <a:hlinkClick r:id="rId4"/>
+              </a:rPr>
+              <a:t>https://aws.amazon.com/pt/nosql/graph/</a:t>
             </a:r>
             <a:endParaRPr/>
           </a:p>
           <a:p>
-            <a:pPr indent="0" lvl="0" marL="0" rtl="0" algn="l">
+            <a:pPr marL="0" lvl="0" indent="0" algn="l" rtl="0">
+              <a:lnSpc>
+                <a:spcPct val="100000"/>
+              </a:lnSpc>
+              <a:spcBef>
+                <a:spcPts val="0"/>
+              </a:spcBef>
+              <a:spcAft>
+                <a:spcPts val="0"/>
+              </a:spcAft>
+              <a:buNone/>
+            </a:pPr>
+            <a:r>
+              <a:rPr lang="pt-BR"/>
+              <a:t>Acesso em: 22/06/2023</a:t>
+            </a:r>
+            <a:endParaRPr/>
+          </a:p>
+          <a:p>
+            <a:pPr marL="0" lvl="0" indent="0" algn="l" rtl="0">
+              <a:lnSpc>
+                <a:spcPct val="100000"/>
+              </a:lnSpc>
+              <a:spcBef>
+                <a:spcPts val="0"/>
+              </a:spcBef>
+              <a:spcAft>
+                <a:spcPts val="0"/>
+              </a:spcAft>
+              <a:buNone/>
+            </a:pPr>
+            <a:endParaRPr/>
+          </a:p>
+          <a:p>
+            <a:pPr marL="0" lvl="0" indent="0" algn="l" rtl="0">
+              <a:lnSpc>
+                <a:spcPct val="100000"/>
+              </a:lnSpc>
+              <a:spcBef>
+                <a:spcPts val="0"/>
+              </a:spcBef>
+              <a:spcAft>
+                <a:spcPts val="0"/>
+              </a:spcAft>
+              <a:buNone/>
+            </a:pPr>
+            <a:r>
+              <a:rPr lang="pt-BR"/>
+              <a:t>Prigol, Eliezer Silveira. Redes Sociais com banco de dados orientados a grafos. 2016</a:t>
+            </a:r>
+            <a:endParaRPr/>
+          </a:p>
+          <a:p>
+            <a:pPr marL="0" lvl="0" indent="0" algn="l" rtl="0">
               <a:lnSpc>
                 <a:spcPct val="100000"/>
               </a:lnSpc>
@@ -10568,93 +10847,12 @@
               <a:rPr lang="pt-BR" u="sng">
                 <a:hlinkClick r:id="rId5"/>
               </a:rPr>
-              <a:t>https://aws.amazon.com/pt/nosql/graph/</a:t>
-            </a:r>
-            <a:endParaRPr/>
-          </a:p>
-          <a:p>
-            <a:pPr indent="0" lvl="0" marL="0" rtl="0" algn="l">
-              <a:lnSpc>
-                <a:spcPct val="100000"/>
-              </a:lnSpc>
-              <a:spcBef>
-                <a:spcPts val="0"/>
-              </a:spcBef>
-              <a:spcAft>
-                <a:spcPts val="0"/>
-              </a:spcAft>
-              <a:buNone/>
-            </a:pPr>
-            <a:r>
-              <a:rPr lang="pt-BR"/>
-              <a:t>Acesso em: 22/06/2023</a:t>
-            </a:r>
-            <a:endParaRPr/>
-          </a:p>
-          <a:p>
-            <a:pPr indent="0" lvl="0" marL="0" rtl="0" algn="l">
-              <a:lnSpc>
-                <a:spcPct val="100000"/>
-              </a:lnSpc>
-              <a:spcBef>
-                <a:spcPts val="0"/>
-              </a:spcBef>
-              <a:spcAft>
-                <a:spcPts val="0"/>
-              </a:spcAft>
-              <a:buNone/>
-            </a:pPr>
-            <a:r>
-              <a:t/>
-            </a:r>
-            <a:endParaRPr/>
-          </a:p>
-          <a:p>
-            <a:pPr indent="0" lvl="0" marL="0" rtl="0" algn="l">
-              <a:lnSpc>
-                <a:spcPct val="100000"/>
-              </a:lnSpc>
-              <a:spcBef>
-                <a:spcPts val="0"/>
-              </a:spcBef>
-              <a:spcAft>
-                <a:spcPts val="0"/>
-              </a:spcAft>
-              <a:buNone/>
-            </a:pPr>
-            <a:r>
-              <a:rPr lang="pt-BR"/>
-              <a:t>Prigol, Eliezer Silveira. Redes Sociais com banco de dados orientados a grafos. 2016</a:t>
-            </a:r>
-            <a:endParaRPr/>
-          </a:p>
-          <a:p>
-            <a:pPr indent="0" lvl="0" marL="0" rtl="0" algn="l">
-              <a:lnSpc>
-                <a:spcPct val="100000"/>
-              </a:lnSpc>
-              <a:spcBef>
-                <a:spcPts val="0"/>
-              </a:spcBef>
-              <a:spcAft>
-                <a:spcPts val="0"/>
-              </a:spcAft>
-              <a:buNone/>
-            </a:pPr>
-            <a:r>
-              <a:rPr lang="pt-BR"/>
-              <a:t>Disponível em: </a:t>
-            </a:r>
-            <a:r>
-              <a:rPr lang="pt-BR" u="sng">
-                <a:hlinkClick r:id="rId6"/>
-              </a:rPr>
               <a:t>https://bibliodigital.unijui.edu.br:8443/xmlui/bitstream/handle/123456789/4596/Eli%c3%a9zer%20Silveira%20Prigol.pdf?sequence=1&amp;isAllowed=y</a:t>
             </a:r>
             <a:endParaRPr/>
           </a:p>
           <a:p>
-            <a:pPr indent="0" lvl="0" marL="0" rtl="0" algn="l">
+            <a:pPr marL="0" lvl="0" indent="0" algn="l" rtl="0">
               <a:lnSpc>
                 <a:spcPct val="100000"/>
               </a:lnSpc>
@@ -10673,7 +10871,7 @@
             <a:endParaRPr/>
           </a:p>
           <a:p>
-            <a:pPr indent="0" lvl="0" marL="0" rtl="0" algn="l">
+            <a:pPr marL="0" lvl="0" indent="0" algn="l" rtl="0">
               <a:spcBef>
                 <a:spcPts val="0"/>
               </a:spcBef>
@@ -10682,9 +10880,6 @@
               </a:spcAft>
               <a:buNone/>
             </a:pPr>
-            <a:r>
-              <a:t/>
-            </a:r>
             <a:endParaRPr/>
           </a:p>
         </p:txBody>
@@ -10694,15 +10889,18 @@
   <p:clrMapOvr>
     <a:masterClrMapping/>
   </p:clrMapOvr>
+  <p:transition spd="slow">
+    <p:wipe/>
+  </p:transition>
 </p:sld>
 </file>
 
-<file path=ppt/slides/slide12.xml><?xml version="1.0" encoding="utf-8"?>
-<p:sld xmlns:a="http://schemas.openxmlformats.org/drawingml/2006/main" xmlns:r="http://schemas.openxmlformats.org/officeDocument/2006/relationships" xmlns:mc="http://schemas.openxmlformats.org/markup-compatibility/2006" xmlns:mv="urn:schemas-microsoft-com:mac:vml" xmlns:p="http://schemas.openxmlformats.org/presentationml/2006/main" xmlns:c="http://schemas.openxmlformats.org/drawingml/2006/chart" xmlns:dgm="http://schemas.openxmlformats.org/drawingml/2006/diagram" xmlns:o="urn:schemas-microsoft-com:office:office" xmlns:v="urn:schemas-microsoft-com:vml" xmlns:pvml="urn:schemas-microsoft-com:office:powerpoint" xmlns:com="http://schemas.openxmlformats.org/drawingml/2006/compatibility" xmlns:p14="http://schemas.microsoft.com/office/powerpoint/2010/main" xmlns:p15="http://schemas.microsoft.com/office/powerpoint/2012/main" xmlns:ahyp="http://schemas.microsoft.com/office/drawing/2018/hyperlinkcolor">
+<file path=ppt/slides/slide13.xml><?xml version="1.0" encoding="utf-8"?>
+<p:sld xmlns:a="http://schemas.openxmlformats.org/drawingml/2006/main" xmlns:r="http://schemas.openxmlformats.org/officeDocument/2006/relationships" xmlns:p="http://schemas.openxmlformats.org/presentationml/2006/main">
   <p:cSld>
     <p:spTree>
       <p:nvGrpSpPr>
-        <p:cNvPr id="200" name="Shape 200"/>
+        <p:cNvPr id="1" name="Shape 200"/>
         <p:cNvGrpSpPr/>
         <p:nvPr/>
       </p:nvGrpSpPr>
@@ -10717,9 +10915,11 @@
       <p:sp>
         <p:nvSpPr>
           <p:cNvPr id="201" name="Google Shape;201;p24"/>
-          <p:cNvSpPr txBox="1"/>
+          <p:cNvSpPr txBox="1">
+            <a:spLocks noGrp="1"/>
+          </p:cNvSpPr>
           <p:nvPr>
-            <p:ph idx="1" type="body"/>
+            <p:ph type="body" idx="1"/>
           </p:nvPr>
         </p:nvSpPr>
         <p:spPr>
@@ -10732,12 +10932,12 @@
           </a:prstGeom>
         </p:spPr>
         <p:txBody>
-          <a:bodyPr anchorCtr="0" anchor="t" bIns="91425" lIns="91425" spcFirstLastPara="1" rIns="91425" wrap="square" tIns="91425">
+          <a:bodyPr spcFirstLastPara="1" wrap="square" lIns="91425" tIns="91425" rIns="91425" bIns="91425" anchor="t" anchorCtr="0">
             <a:normAutofit/>
           </a:bodyPr>
           <a:lstStyle/>
           <a:p>
-            <a:pPr indent="0" lvl="0" marL="0" rtl="0" algn="l">
+            <a:pPr marL="0" lvl="0" indent="0" algn="l" rtl="0">
               <a:lnSpc>
                 <a:spcPct val="100000"/>
               </a:lnSpc>
@@ -10751,16 +10951,12 @@
             </a:pPr>
             <a:r>
               <a:rPr lang="pt-BR"/>
-              <a:t>Cordeiro</a:t>
-            </a:r>
-            <a:r>
-              <a:rPr lang="pt-BR"/>
-              <a:t>, Ana Vitória Vitoriano. Grafos perfeitos cliques e colorações. 2015</a:t>
+              <a:t>Cordeiro, Ana Vitória Vitoriano. Grafos perfeitos cliques e colorações. 2015</a:t>
             </a:r>
             <a:endParaRPr/>
           </a:p>
           <a:p>
-            <a:pPr indent="0" lvl="0" marL="0" rtl="0" algn="l">
+            <a:pPr marL="0" lvl="0" indent="0" algn="l" rtl="0">
               <a:lnSpc>
                 <a:spcPct val="100000"/>
               </a:lnSpc>
@@ -10785,7 +10981,7 @@
             <a:endParaRPr/>
           </a:p>
           <a:p>
-            <a:pPr indent="0" lvl="0" marL="0" rtl="0" algn="l">
+            <a:pPr marL="0" lvl="0" indent="0" algn="l" rtl="0">
               <a:lnSpc>
                 <a:spcPct val="100000"/>
               </a:lnSpc>
@@ -10804,7 +11000,7 @@
             <a:endParaRPr/>
           </a:p>
           <a:p>
-            <a:pPr indent="0" lvl="0" marL="0" rtl="0" algn="l">
+            <a:pPr marL="0" lvl="0" indent="0" algn="l" rtl="0">
               <a:lnSpc>
                 <a:spcPct val="100000"/>
               </a:lnSpc>
@@ -10816,36 +11012,29 @@
               </a:spcAft>
               <a:buNone/>
             </a:pPr>
+            <a:endParaRPr/>
+          </a:p>
+          <a:p>
+            <a:pPr marL="0" lvl="0" indent="0" algn="l" rtl="0">
+              <a:lnSpc>
+                <a:spcPct val="100000"/>
+              </a:lnSpc>
+              <a:spcBef>
+                <a:spcPts val="0"/>
+              </a:spcBef>
+              <a:spcAft>
+                <a:spcPts val="0"/>
+              </a:spcAft>
+              <a:buNone/>
+            </a:pPr>
             <a:r>
-              <a:t/>
+              <a:rPr lang="pt-BR"/>
+              <a:t>Giordano, Andressa de Faria e Justiniano, Edilson de Souza. Banco de dados orientado a grafos aplicado à busca por mão de obra. 2015</a:t>
             </a:r>
             <a:endParaRPr/>
           </a:p>
           <a:p>
-            <a:pPr indent="0" lvl="0" marL="0" rtl="0" algn="l">
-              <a:lnSpc>
-                <a:spcPct val="100000"/>
-              </a:lnSpc>
-              <a:spcBef>
-                <a:spcPts val="0"/>
-              </a:spcBef>
-              <a:spcAft>
-                <a:spcPts val="0"/>
-              </a:spcAft>
-              <a:buNone/>
-            </a:pPr>
-            <a:r>
-              <a:rPr lang="pt-BR"/>
-              <a:t>Giordano</a:t>
-            </a:r>
-            <a:r>
-              <a:rPr lang="pt-BR"/>
-              <a:t>, Andressa de Faria e Justiniano, Edilson de Souza. Banco de dados orientado a grafos aplicado à busca por mão de obra. 2015</a:t>
-            </a:r>
-            <a:endParaRPr/>
-          </a:p>
-          <a:p>
-            <a:pPr indent="0" lvl="0" marL="0" marR="0" rtl="0" algn="l">
+            <a:pPr marL="0" marR="0" lvl="0" indent="0" algn="l" rtl="0">
               <a:lnSpc>
                 <a:spcPct val="100000"/>
               </a:lnSpc>
@@ -10864,7 +11053,7 @@
             <a:endParaRPr/>
           </a:p>
           <a:p>
-            <a:pPr indent="0" lvl="0" marL="0" marR="0" rtl="0" algn="l">
+            <a:pPr marL="0" marR="0" lvl="0" indent="0" algn="l" rtl="0">
               <a:lnSpc>
                 <a:spcPct val="100000"/>
               </a:lnSpc>
@@ -10876,13 +11065,10 @@
               </a:spcAft>
               <a:buNone/>
             </a:pPr>
-            <a:r>
-              <a:t/>
-            </a:r>
             <a:endParaRPr/>
           </a:p>
           <a:p>
-            <a:pPr indent="0" lvl="0" marL="0" marR="0" rtl="0" algn="l">
+            <a:pPr marL="0" marR="0" lvl="0" indent="0" algn="l" rtl="0">
               <a:lnSpc>
                 <a:spcPct val="100000"/>
               </a:lnSpc>
@@ -10901,7 +11087,7 @@
             <a:endParaRPr/>
           </a:p>
           <a:p>
-            <a:pPr indent="0" lvl="0" marL="0" marR="0" rtl="0" algn="l">
+            <a:pPr marL="0" marR="0" lvl="0" indent="0" algn="l" rtl="0">
               <a:lnSpc>
                 <a:spcPct val="100000"/>
               </a:lnSpc>
@@ -10930,7 +11116,7 @@
             <a:endParaRPr/>
           </a:p>
           <a:p>
-            <a:pPr indent="0" lvl="0" marL="0" marR="0" rtl="0" algn="l">
+            <a:pPr marL="0" marR="0" lvl="0" indent="0" algn="l" rtl="0">
               <a:lnSpc>
                 <a:spcPct val="100000"/>
               </a:lnSpc>
@@ -10949,7 +11135,7 @@
             <a:endParaRPr/>
           </a:p>
           <a:p>
-            <a:pPr indent="0" lvl="0" marL="0" marR="0" rtl="0" algn="l">
+            <a:pPr marL="0" marR="0" lvl="0" indent="0" algn="l" rtl="0">
               <a:lnSpc>
                 <a:spcPct val="100000"/>
               </a:lnSpc>
@@ -10961,13 +11147,10 @@
               </a:spcAft>
               <a:buNone/>
             </a:pPr>
-            <a:r>
-              <a:t/>
-            </a:r>
             <a:endParaRPr/>
           </a:p>
           <a:p>
-            <a:pPr indent="0" lvl="0" marL="0" marR="0" rtl="0" algn="l">
+            <a:pPr marL="0" marR="0" lvl="0" indent="0" algn="l" rtl="0">
               <a:lnSpc>
                 <a:spcPct val="100000"/>
               </a:lnSpc>
@@ -10992,15 +11175,18 @@
   <p:clrMapOvr>
     <a:masterClrMapping/>
   </p:clrMapOvr>
+  <p:transition spd="slow">
+    <p:wipe/>
+  </p:transition>
 </p:sld>
 </file>
 
 <file path=ppt/slides/slide2.xml><?xml version="1.0" encoding="utf-8"?>
-<p:sld xmlns:a="http://schemas.openxmlformats.org/drawingml/2006/main" xmlns:r="http://schemas.openxmlformats.org/officeDocument/2006/relationships" xmlns:mc="http://schemas.openxmlformats.org/markup-compatibility/2006" xmlns:mv="urn:schemas-microsoft-com:mac:vml" xmlns:p="http://schemas.openxmlformats.org/presentationml/2006/main" xmlns:c="http://schemas.openxmlformats.org/drawingml/2006/chart" xmlns:dgm="http://schemas.openxmlformats.org/drawingml/2006/diagram" xmlns:o="urn:schemas-microsoft-com:office:office" xmlns:v="urn:schemas-microsoft-com:vml" xmlns:pvml="urn:schemas-microsoft-com:office:powerpoint" xmlns:com="http://schemas.openxmlformats.org/drawingml/2006/compatibility" xmlns:p14="http://schemas.microsoft.com/office/powerpoint/2010/main" xmlns:p15="http://schemas.microsoft.com/office/powerpoint/2012/main" xmlns:ahyp="http://schemas.microsoft.com/office/drawing/2018/hyperlinkcolor">
+<p:sld xmlns:a="http://schemas.openxmlformats.org/drawingml/2006/main" xmlns:r="http://schemas.openxmlformats.org/officeDocument/2006/relationships" xmlns:p="http://schemas.openxmlformats.org/presentationml/2006/main">
   <p:cSld>
     <p:spTree>
       <p:nvGrpSpPr>
-        <p:cNvPr id="139" name="Shape 139"/>
+        <p:cNvPr id="1" name="Shape 139"/>
         <p:cNvGrpSpPr/>
         <p:nvPr/>
       </p:nvGrpSpPr>
@@ -11015,7 +11201,9 @@
       <p:sp>
         <p:nvSpPr>
           <p:cNvPr id="140" name="Google Shape;140;p14"/>
-          <p:cNvSpPr txBox="1"/>
+          <p:cNvSpPr txBox="1">
+            <a:spLocks noGrp="1"/>
+          </p:cNvSpPr>
           <p:nvPr>
             <p:ph type="title"/>
           </p:nvPr>
@@ -11030,12 +11218,12 @@
           </a:prstGeom>
         </p:spPr>
         <p:txBody>
-          <a:bodyPr anchorCtr="0" anchor="t" bIns="91425" lIns="91425" spcFirstLastPara="1" rIns="91425" wrap="square" tIns="91425">
+          <a:bodyPr spcFirstLastPara="1" wrap="square" lIns="91425" tIns="91425" rIns="91425" bIns="91425" anchor="t" anchorCtr="0">
             <a:normAutofit/>
           </a:bodyPr>
           <a:lstStyle/>
           <a:p>
-            <a:pPr indent="0" lvl="0" marL="0" rtl="0" algn="l">
+            <a:pPr marL="0" lvl="0" indent="0" algn="l" rtl="0">
               <a:spcBef>
                 <a:spcPts val="0"/>
               </a:spcBef>
@@ -11055,27 +11243,29 @@
       <p:sp>
         <p:nvSpPr>
           <p:cNvPr id="141" name="Google Shape;141;p14"/>
-          <p:cNvSpPr txBox="1"/>
+          <p:cNvSpPr txBox="1">
+            <a:spLocks noGrp="1"/>
+          </p:cNvSpPr>
           <p:nvPr>
-            <p:ph idx="1" type="body"/>
+            <p:ph type="body" idx="1"/>
           </p:nvPr>
         </p:nvSpPr>
         <p:spPr>
           <a:xfrm>
-            <a:off x="1297500" y="1108500"/>
-            <a:ext cx="7038900" cy="3256800"/>
+            <a:off x="1163686" y="1569417"/>
+            <a:ext cx="7038900" cy="1582661"/>
           </a:xfrm>
           <a:prstGeom prst="rect">
             <a:avLst/>
           </a:prstGeom>
         </p:spPr>
         <p:txBody>
-          <a:bodyPr anchorCtr="0" anchor="t" bIns="91425" lIns="91425" spcFirstLastPara="1" rIns="91425" wrap="square" tIns="91425">
+          <a:bodyPr spcFirstLastPara="1" wrap="square" lIns="91425" tIns="91425" rIns="91425" bIns="91425" anchor="t" anchorCtr="0">
             <a:normAutofit/>
           </a:bodyPr>
           <a:lstStyle/>
           <a:p>
-            <a:pPr indent="0" lvl="0" marL="0" marR="0" rtl="0" algn="just">
+            <a:pPr marL="0" marR="0" lvl="0" indent="0" algn="just" rtl="0">
               <a:lnSpc>
                 <a:spcPct val="115000"/>
               </a:lnSpc>
@@ -11088,45 +11278,62 @@
               <a:buNone/>
             </a:pPr>
             <a:r>
-              <a:rPr lang="pt-BR"/>
-              <a:t>A teoria dos grafos foi criada pelo matemático suíço Leonhard Euler no século XVIII com o propósito de solucionar um antigo problema, conhecido como as 7 pontes de Königsberg (Kaliningrad). </a:t>
+              <a:rPr lang="pt-BR" dirty="0"/>
+              <a:t>A teoria dos grafos foi criada pelo matemático suíço </a:t>
             </a:r>
             <a:r>
-              <a:rPr lang="pt-BR"/>
-              <a:t>Königsberg era uma antiga cidade medieval cortada pelo rio Pregel dividindo-a em 4 partes interligadas por 7 pontes. </a:t>
+              <a:rPr lang="pt-BR" dirty="0" err="1"/>
+              <a:t>Leonhard</a:t>
             </a:r>
-            <a:endParaRPr/>
+            <a:r>
+              <a:rPr lang="pt-BR" dirty="0"/>
+              <a:t> Euler no século XVIII com o propósito de solucionar um antigo problema, conhecido como as 7 pontes de </a:t>
+            </a:r>
+            <a:r>
+              <a:rPr lang="pt-BR" dirty="0" err="1"/>
+              <a:t>Königsberg</a:t>
+            </a:r>
+            <a:r>
+              <a:rPr lang="pt-BR" dirty="0"/>
+              <a:t> (</a:t>
+            </a:r>
+            <a:r>
+              <a:rPr lang="pt-BR" dirty="0" err="1"/>
+              <a:t>Kaliningrad</a:t>
+            </a:r>
+            <a:r>
+              <a:rPr lang="pt-BR" dirty="0"/>
+              <a:t>). </a:t>
+            </a:r>
+            <a:r>
+              <a:rPr lang="pt-BR" dirty="0" err="1"/>
+              <a:t>Königsberg</a:t>
+            </a:r>
+            <a:r>
+              <a:rPr lang="pt-BR" dirty="0"/>
+              <a:t> era uma antiga cidade medieval cortada pelo rio </a:t>
+            </a:r>
+            <a:r>
+              <a:rPr lang="pt-BR" dirty="0" err="1"/>
+              <a:t>Pregel</a:t>
+            </a:r>
+            <a:r>
+              <a:rPr lang="pt-BR" dirty="0"/>
+              <a:t> dividindo-a em 4 partes interligadas por 7 pontes. </a:t>
+            </a:r>
+            <a:endParaRPr dirty="0"/>
           </a:p>
           <a:p>
-            <a:pPr indent="0" lvl="0" marL="0" rtl="0" algn="just">
+            <a:pPr marL="0" lvl="0" indent="0" algn="just" rtl="0">
               <a:spcBef>
                 <a:spcPts val="1200"/>
               </a:spcBef>
               <a:spcAft>
-                <a:spcPts val="0"/>
+                <a:spcPts val="1200"/>
               </a:spcAft>
               <a:buNone/>
             </a:pPr>
-            <a:r>
-              <a:rPr lang="pt-BR"/>
-              <a:t>O problema das 7 pontes consistia basicamente em atravessar toda a cidade, visitar todas as partes e utilizar todas as pontes, desde que não repetisse uma das quatro partes ou uma das 7 pontes. Euler utilizou os grafos para resolver este problema, representando as pontes como vértices e as partes da cidade como arestas.</a:t>
-            </a:r>
-            <a:endParaRPr/>
-          </a:p>
-          <a:p>
-            <a:pPr indent="0" lvl="0" marL="0" rtl="0" algn="just">
-              <a:spcBef>
-                <a:spcPts val="1200"/>
-              </a:spcBef>
-              <a:spcAft>
-                <a:spcPts val="1200"/>
-              </a:spcAft>
-              <a:buNone/>
-            </a:pPr>
-            <a:r>
-              <a:t/>
-            </a:r>
-            <a:endParaRPr/>
+            <a:endParaRPr dirty="0"/>
           </a:p>
         </p:txBody>
       </p:sp>
@@ -11135,15 +11342,18 @@
   <p:clrMapOvr>
     <a:masterClrMapping/>
   </p:clrMapOvr>
+  <p:transition spd="slow">
+    <p:wipe/>
+  </p:transition>
 </p:sld>
 </file>
 
 <file path=ppt/slides/slide3.xml><?xml version="1.0" encoding="utf-8"?>
-<p:sld xmlns:a="http://schemas.openxmlformats.org/drawingml/2006/main" xmlns:r="http://schemas.openxmlformats.org/officeDocument/2006/relationships" xmlns:mc="http://schemas.openxmlformats.org/markup-compatibility/2006" xmlns:mv="urn:schemas-microsoft-com:mac:vml" xmlns:p="http://schemas.openxmlformats.org/presentationml/2006/main" xmlns:c="http://schemas.openxmlformats.org/drawingml/2006/chart" xmlns:dgm="http://schemas.openxmlformats.org/drawingml/2006/diagram" xmlns:o="urn:schemas-microsoft-com:office:office" xmlns:v="urn:schemas-microsoft-com:vml" xmlns:pvml="urn:schemas-microsoft-com:office:powerpoint" xmlns:com="http://schemas.openxmlformats.org/drawingml/2006/compatibility" xmlns:p14="http://schemas.microsoft.com/office/powerpoint/2010/main" xmlns:p15="http://schemas.microsoft.com/office/powerpoint/2012/main" xmlns:ahyp="http://schemas.microsoft.com/office/drawing/2018/hyperlinkcolor">
+<p:sld xmlns:a="http://schemas.openxmlformats.org/drawingml/2006/main" xmlns:r="http://schemas.openxmlformats.org/officeDocument/2006/relationships" xmlns:p="http://schemas.openxmlformats.org/presentationml/2006/main">
   <p:cSld>
     <p:spTree>
       <p:nvGrpSpPr>
-        <p:cNvPr id="145" name="Shape 145"/>
+        <p:cNvPr id="1" name="Shape 145"/>
         <p:cNvGrpSpPr/>
         <p:nvPr/>
       </p:nvGrpSpPr>
@@ -11155,54 +11365,6 @@
           <a:chExt cx="0" cy="0"/>
         </a:xfrm>
       </p:grpSpPr>
-      <p:sp>
-        <p:nvSpPr>
-          <p:cNvPr id="146" name="Google Shape;146;p15"/>
-          <p:cNvSpPr txBox="1"/>
-          <p:nvPr>
-            <p:ph idx="1" type="body"/>
-          </p:nvPr>
-        </p:nvSpPr>
-        <p:spPr>
-          <a:xfrm>
-            <a:off x="1234900" y="499200"/>
-            <a:ext cx="7038900" cy="1556100"/>
-          </a:xfrm>
-          <a:prstGeom prst="rect">
-            <a:avLst/>
-          </a:prstGeom>
-        </p:spPr>
-        <p:txBody>
-          <a:bodyPr anchorCtr="0" anchor="t" bIns="91425" lIns="91425" spcFirstLastPara="1" rIns="91425" wrap="square" tIns="91425">
-            <a:normAutofit/>
-          </a:bodyPr>
-          <a:lstStyle/>
-          <a:p>
-            <a:pPr indent="0" lvl="0" marL="0" rtl="0" algn="just">
-              <a:spcBef>
-                <a:spcPts val="0"/>
-              </a:spcBef>
-              <a:spcAft>
-                <a:spcPts val="1200"/>
-              </a:spcAft>
-              <a:buNone/>
-            </a:pPr>
-            <a:r>
-              <a:rPr lang="pt-BR"/>
-              <a:t>Euler utilizou os grafos para chegar a conclusão de que somente tendo um </a:t>
-            </a:r>
-            <a:r>
-              <a:rPr lang="pt-BR"/>
-              <a:t>par de pontes</a:t>
-            </a:r>
-            <a:r>
-              <a:rPr lang="pt-BR"/>
-              <a:t> em cada região é que se resolve este problema. A Teoria foi com o passar do tempo sendo aperfeiçoada por  Morgan (1852), e também por volta de 1930 por Kuratowski, König, Menger, entre outros cientistas. </a:t>
-            </a:r>
-            <a:endParaRPr/>
-          </a:p>
-        </p:txBody>
-      </p:sp>
       <p:pic>
         <p:nvPicPr>
           <p:cNvPr id="147" name="Google Shape;147;p15"/>
@@ -11219,7 +11381,7 @@
         </p:blipFill>
         <p:spPr>
           <a:xfrm>
-            <a:off x="1329200" y="1555725"/>
+            <a:off x="1329151" y="1005598"/>
             <a:ext cx="6850299" cy="2174100"/>
           </a:xfrm>
           <a:prstGeom prst="rect">
@@ -11234,9 +11396,185 @@
       <p:sp>
         <p:nvSpPr>
           <p:cNvPr id="148" name="Google Shape;148;p15"/>
-          <p:cNvSpPr txBox="1"/>
+          <p:cNvSpPr txBox="1">
+            <a:spLocks noGrp="1"/>
+          </p:cNvSpPr>
           <p:nvPr>
-            <p:ph idx="4294967295" type="subTitle"/>
+            <p:ph type="subTitle" idx="4294967295"/>
+          </p:nvPr>
+        </p:nvSpPr>
+        <p:spPr>
+          <a:xfrm>
+            <a:off x="1329250" y="3236327"/>
+            <a:ext cx="6850200" cy="506100"/>
+          </a:xfrm>
+          <a:prstGeom prst="rect">
+            <a:avLst/>
+          </a:prstGeom>
+        </p:spPr>
+        <p:txBody>
+          <a:bodyPr spcFirstLastPara="1" wrap="square" lIns="91425" tIns="91425" rIns="91425" bIns="91425" anchor="t" anchorCtr="0">
+            <a:normAutofit fontScale="70000" lnSpcReduction="20000"/>
+          </a:bodyPr>
+          <a:lstStyle/>
+          <a:p>
+            <a:pPr marL="0" lvl="0" indent="0" algn="ctr" rtl="0">
+              <a:spcBef>
+                <a:spcPts val="0"/>
+              </a:spcBef>
+              <a:spcAft>
+                <a:spcPts val="1200"/>
+              </a:spcAft>
+              <a:buNone/>
+            </a:pPr>
+            <a:r>
+              <a:rPr lang="pt-BR" dirty="0"/>
+              <a:t>Figura 1: O problema das 7 pontes de </a:t>
+            </a:r>
+            <a:r>
+              <a:rPr lang="pt-BR" dirty="0" err="1"/>
+              <a:t>Königsberg</a:t>
+            </a:r>
+            <a:r>
+              <a:rPr lang="pt-BR" dirty="0"/>
+              <a:t>. Fonte: TCC Banco de dados orientados a grafos aplicado à busca por mão de obra </a:t>
+            </a:r>
+            <a:endParaRPr dirty="0"/>
+          </a:p>
+        </p:txBody>
+      </p:sp>
+    </p:spTree>
+    <p:extLst>
+      <p:ext uri="{BB962C8B-B14F-4D97-AF65-F5344CB8AC3E}">
+        <p14:creationId xmlns:p14="http://schemas.microsoft.com/office/powerpoint/2010/main" val="2839735235"/>
+      </p:ext>
+    </p:extLst>
+  </p:cSld>
+  <p:clrMapOvr>
+    <a:masterClrMapping/>
+  </p:clrMapOvr>
+  <p:transition spd="slow">
+    <p:wipe/>
+  </p:transition>
+</p:sld>
+</file>
+
+<file path=ppt/slides/slide4.xml><?xml version="1.0" encoding="utf-8"?>
+<p:sld xmlns:a="http://schemas.openxmlformats.org/drawingml/2006/main" xmlns:r="http://schemas.openxmlformats.org/officeDocument/2006/relationships" xmlns:p="http://schemas.openxmlformats.org/presentationml/2006/main">
+  <p:cSld>
+    <p:spTree>
+      <p:nvGrpSpPr>
+        <p:cNvPr id="1" name="Shape 145"/>
+        <p:cNvGrpSpPr/>
+        <p:nvPr/>
+      </p:nvGrpSpPr>
+      <p:grpSpPr>
+        <a:xfrm>
+          <a:off x="0" y="0"/>
+          <a:ext cx="0" cy="0"/>
+          <a:chOff x="0" y="0"/>
+          <a:chExt cx="0" cy="0"/>
+        </a:xfrm>
+      </p:grpSpPr>
+      <p:sp>
+        <p:nvSpPr>
+          <p:cNvPr id="146" name="Google Shape;146;p15"/>
+          <p:cNvSpPr txBox="1">
+            <a:spLocks noGrp="1"/>
+          </p:cNvSpPr>
+          <p:nvPr>
+            <p:ph type="body" idx="1"/>
+          </p:nvPr>
+        </p:nvSpPr>
+        <p:spPr>
+          <a:xfrm>
+            <a:off x="1234900" y="499200"/>
+            <a:ext cx="7038900" cy="1556100"/>
+          </a:xfrm>
+          <a:prstGeom prst="rect">
+            <a:avLst/>
+          </a:prstGeom>
+        </p:spPr>
+        <p:txBody>
+          <a:bodyPr spcFirstLastPara="1" wrap="square" lIns="91425" tIns="91425" rIns="91425" bIns="91425" anchor="t" anchorCtr="0">
+            <a:normAutofit/>
+          </a:bodyPr>
+          <a:lstStyle/>
+          <a:p>
+            <a:pPr marL="0" lvl="0" indent="0" algn="just" rtl="0">
+              <a:spcBef>
+                <a:spcPts val="0"/>
+              </a:spcBef>
+              <a:spcAft>
+                <a:spcPts val="1200"/>
+              </a:spcAft>
+              <a:buNone/>
+            </a:pPr>
+            <a:r>
+              <a:rPr lang="pt-BR" dirty="0"/>
+              <a:t>Euler utilizou os grafos para chegar à conclusão de que somente tendo um par de pontes em cada região é que se resolve este problema. A Teoria foi com o passar do tempo sendo aperfeiçoada por  Morgan (1852), e também por volta de 1930 por </a:t>
+            </a:r>
+            <a:r>
+              <a:rPr lang="pt-BR" dirty="0" err="1"/>
+              <a:t>Kuratowski</a:t>
+            </a:r>
+            <a:r>
+              <a:rPr lang="pt-BR" dirty="0"/>
+              <a:t>, </a:t>
+            </a:r>
+            <a:r>
+              <a:rPr lang="pt-BR" dirty="0" err="1"/>
+              <a:t>König</a:t>
+            </a:r>
+            <a:r>
+              <a:rPr lang="pt-BR" dirty="0"/>
+              <a:t>, </a:t>
+            </a:r>
+            <a:r>
+              <a:rPr lang="pt-BR" dirty="0" err="1"/>
+              <a:t>Menger</a:t>
+            </a:r>
+            <a:r>
+              <a:rPr lang="pt-BR" dirty="0"/>
+              <a:t>, entre outros cientistas. </a:t>
+            </a:r>
+            <a:endParaRPr dirty="0"/>
+          </a:p>
+        </p:txBody>
+      </p:sp>
+      <p:pic>
+        <p:nvPicPr>
+          <p:cNvPr id="147" name="Google Shape;147;p15"/>
+          <p:cNvPicPr preferRelativeResize="0"/>
+          <p:nvPr/>
+        </p:nvPicPr>
+        <p:blipFill>
+          <a:blip r:embed="rId3"/>
+          <a:srcRect/>
+          <a:stretch/>
+        </p:blipFill>
+        <p:spPr>
+          <a:xfrm>
+            <a:off x="1329250" y="1623870"/>
+            <a:ext cx="6850200" cy="2174100"/>
+          </a:xfrm>
+          <a:prstGeom prst="rect">
+            <a:avLst/>
+          </a:prstGeom>
+          <a:noFill/>
+          <a:ln>
+            <a:noFill/>
+          </a:ln>
+        </p:spPr>
+      </p:pic>
+      <p:sp>
+        <p:nvSpPr>
+          <p:cNvPr id="148" name="Google Shape;148;p15"/>
+          <p:cNvSpPr txBox="1">
+            <a:spLocks noGrp="1"/>
+          </p:cNvSpPr>
+          <p:nvPr>
+            <p:ph type="subTitle" idx="4294967295"/>
           </p:nvPr>
         </p:nvSpPr>
         <p:spPr>
@@ -11249,12 +11587,12 @@
           </a:prstGeom>
         </p:spPr>
         <p:txBody>
-          <a:bodyPr anchorCtr="0" anchor="t" bIns="91425" lIns="91425" spcFirstLastPara="1" rIns="91425" wrap="square" tIns="91425">
-            <a:normAutofit fontScale="85000" lnSpcReduction="20000"/>
+          <a:bodyPr spcFirstLastPara="1" wrap="square" lIns="91425" tIns="91425" rIns="91425" bIns="91425" anchor="t" anchorCtr="0">
+            <a:normAutofit fontScale="70000" lnSpcReduction="20000"/>
           </a:bodyPr>
           <a:lstStyle/>
           <a:p>
-            <a:pPr indent="0" lvl="0" marL="0" rtl="0" algn="ctr">
+            <a:pPr marL="0" lvl="0" indent="0" algn="ctr" rtl="0">
               <a:spcBef>
                 <a:spcPts val="0"/>
               </a:spcBef>
@@ -11264,14 +11602,18 @@
               <a:buNone/>
             </a:pPr>
             <a:r>
-              <a:rPr lang="pt-BR"/>
-              <a:t>Figura 1: O problema das 7 pontes de </a:t>
+              <a:rPr lang="pt-BR" dirty="0"/>
+              <a:t>Figura 2: O problema das 7 pontes de </a:t>
             </a:r>
             <a:r>
-              <a:rPr lang="pt-BR"/>
-              <a:t>Königsberg. Fonte: TCC Banco de dados orientados a grafos aplicado à busca por mão de obra </a:t>
+              <a:rPr lang="pt-BR" dirty="0" err="1"/>
+              <a:t>Königsberg</a:t>
             </a:r>
-            <a:endParaRPr/>
+            <a:r>
+              <a:rPr lang="pt-BR" dirty="0"/>
+              <a:t>. Fonte: TCC Banco de dados orientados a grafos aplicado à busca por mão de obra </a:t>
+            </a:r>
+            <a:endParaRPr dirty="0"/>
           </a:p>
         </p:txBody>
       </p:sp>
@@ -11280,15 +11622,18 @@
   <p:clrMapOvr>
     <a:masterClrMapping/>
   </p:clrMapOvr>
+  <p:transition spd="slow">
+    <p:wipe/>
+  </p:transition>
 </p:sld>
 </file>
 
-<file path=ppt/slides/slide4.xml><?xml version="1.0" encoding="utf-8"?>
-<p:sld xmlns:a="http://schemas.openxmlformats.org/drawingml/2006/main" xmlns:r="http://schemas.openxmlformats.org/officeDocument/2006/relationships" xmlns:mc="http://schemas.openxmlformats.org/markup-compatibility/2006" xmlns:mv="urn:schemas-microsoft-com:mac:vml" xmlns:p="http://schemas.openxmlformats.org/presentationml/2006/main" xmlns:c="http://schemas.openxmlformats.org/drawingml/2006/chart" xmlns:dgm="http://schemas.openxmlformats.org/drawingml/2006/diagram" xmlns:o="urn:schemas-microsoft-com:office:office" xmlns:v="urn:schemas-microsoft-com:vml" xmlns:pvml="urn:schemas-microsoft-com:office:powerpoint" xmlns:com="http://schemas.openxmlformats.org/drawingml/2006/compatibility" xmlns:p14="http://schemas.microsoft.com/office/powerpoint/2010/main" xmlns:p15="http://schemas.microsoft.com/office/powerpoint/2012/main" xmlns:ahyp="http://schemas.microsoft.com/office/drawing/2018/hyperlinkcolor">
+<file path=ppt/slides/slide5.xml><?xml version="1.0" encoding="utf-8"?>
+<p:sld xmlns:a="http://schemas.openxmlformats.org/drawingml/2006/main" xmlns:r="http://schemas.openxmlformats.org/officeDocument/2006/relationships" xmlns:p="http://schemas.openxmlformats.org/presentationml/2006/main">
   <p:cSld>
     <p:spTree>
       <p:nvGrpSpPr>
-        <p:cNvPr id="152" name="Shape 152"/>
+        <p:cNvPr id="1" name="Shape 152"/>
         <p:cNvGrpSpPr/>
         <p:nvPr/>
       </p:nvGrpSpPr>
@@ -11303,7 +11648,9 @@
       <p:sp>
         <p:nvSpPr>
           <p:cNvPr id="153" name="Google Shape;153;p16"/>
-          <p:cNvSpPr txBox="1"/>
+          <p:cNvSpPr txBox="1">
+            <a:spLocks noGrp="1"/>
+          </p:cNvSpPr>
           <p:nvPr>
             <p:ph type="title"/>
           </p:nvPr>
@@ -11318,12 +11665,12 @@
           </a:prstGeom>
         </p:spPr>
         <p:txBody>
-          <a:bodyPr anchorCtr="0" anchor="t" bIns="91425" lIns="91425" spcFirstLastPara="1" rIns="91425" wrap="square" tIns="91425">
+          <a:bodyPr spcFirstLastPara="1" wrap="square" lIns="91425" tIns="91425" rIns="91425" bIns="91425" anchor="t" anchorCtr="0">
             <a:normAutofit/>
           </a:bodyPr>
           <a:lstStyle/>
           <a:p>
-            <a:pPr indent="0" lvl="0" marL="0" rtl="0" algn="l">
+            <a:pPr marL="0" lvl="0" indent="0" algn="l" rtl="0">
               <a:spcBef>
                 <a:spcPts val="0"/>
               </a:spcBef>
@@ -11334,11 +11681,7 @@
             </a:pPr>
             <a:r>
               <a:rPr lang="pt-BR"/>
-              <a:t>Princi</a:t>
-            </a:r>
-            <a:r>
-              <a:rPr lang="pt-BR"/>
-              <a:t>pais características dos grafos:</a:t>
+              <a:t>Principais características dos grafos:</a:t>
             </a:r>
             <a:endParaRPr/>
           </a:p>
@@ -11347,9 +11690,11 @@
       <p:sp>
         <p:nvSpPr>
           <p:cNvPr id="154" name="Google Shape;154;p16"/>
-          <p:cNvSpPr txBox="1"/>
+          <p:cNvSpPr txBox="1">
+            <a:spLocks noGrp="1"/>
+          </p:cNvSpPr>
           <p:nvPr>
-            <p:ph idx="1" type="body"/>
+            <p:ph type="body" idx="1"/>
           </p:nvPr>
         </p:nvSpPr>
         <p:spPr>
@@ -11362,12 +11707,12 @@
           </a:prstGeom>
         </p:spPr>
         <p:txBody>
-          <a:bodyPr anchorCtr="0" anchor="t" bIns="91425" lIns="91425" spcFirstLastPara="1" rIns="91425" wrap="square" tIns="91425">
+          <a:bodyPr spcFirstLastPara="1" wrap="square" lIns="91425" tIns="91425" rIns="91425" bIns="91425" anchor="t" anchorCtr="0">
             <a:normAutofit/>
           </a:bodyPr>
           <a:lstStyle/>
           <a:p>
-            <a:pPr indent="-311150" lvl="0" marL="457200" rtl="0" algn="l">
+            <a:pPr marL="457200" lvl="0" indent="-311150" algn="l" rtl="0">
               <a:spcBef>
                 <a:spcPts val="0"/>
               </a:spcBef>
@@ -11384,7 +11729,7 @@
             <a:endParaRPr/>
           </a:p>
           <a:p>
-            <a:pPr indent="-311150" lvl="0" marL="457200" rtl="0" algn="l">
+            <a:pPr marL="457200" lvl="0" indent="-311150" algn="l" rtl="0">
               <a:spcBef>
                 <a:spcPts val="0"/>
               </a:spcBef>
@@ -11396,20 +11741,12 @@
             </a:pPr>
             <a:r>
               <a:rPr lang="pt-BR"/>
-              <a:t>Arestas: representam os relacionamentos ou interações entre as entidades representadas pelos </a:t>
-            </a:r>
-            <a:r>
-              <a:rPr lang="pt-BR"/>
-              <a:t>vértices</a:t>
-            </a:r>
-            <a:r>
-              <a:rPr lang="pt-BR"/>
-              <a:t> .</a:t>
+              <a:t>Arestas: representam os relacionamentos ou interações entre as entidades representadas pelos vértices .</a:t>
             </a:r>
             <a:endParaRPr/>
           </a:p>
           <a:p>
-            <a:pPr indent="-311150" lvl="0" marL="457200" rtl="0" algn="l">
+            <a:pPr marL="457200" lvl="0" indent="-311150" algn="l" rtl="0">
               <a:spcBef>
                 <a:spcPts val="0"/>
               </a:spcBef>
@@ -11446,15 +11783,18 @@
   <p:clrMapOvr>
     <a:masterClrMapping/>
   </p:clrMapOvr>
+  <p:transition spd="slow">
+    <p:wipe/>
+  </p:transition>
 </p:sld>
 </file>
 
-<file path=ppt/slides/slide5.xml><?xml version="1.0" encoding="utf-8"?>
-<p:sld xmlns:a="http://schemas.openxmlformats.org/drawingml/2006/main" xmlns:r="http://schemas.openxmlformats.org/officeDocument/2006/relationships" xmlns:mc="http://schemas.openxmlformats.org/markup-compatibility/2006" xmlns:mv="urn:schemas-microsoft-com:mac:vml" xmlns:p="http://schemas.openxmlformats.org/presentationml/2006/main" xmlns:c="http://schemas.openxmlformats.org/drawingml/2006/chart" xmlns:dgm="http://schemas.openxmlformats.org/drawingml/2006/diagram" xmlns:o="urn:schemas-microsoft-com:office:office" xmlns:v="urn:schemas-microsoft-com:vml" xmlns:pvml="urn:schemas-microsoft-com:office:powerpoint" xmlns:com="http://schemas.openxmlformats.org/drawingml/2006/compatibility" xmlns:p14="http://schemas.microsoft.com/office/powerpoint/2010/main" xmlns:p15="http://schemas.microsoft.com/office/powerpoint/2012/main" xmlns:ahyp="http://schemas.microsoft.com/office/drawing/2018/hyperlinkcolor">
+<file path=ppt/slides/slide6.xml><?xml version="1.0" encoding="utf-8"?>
+<p:sld xmlns:a="http://schemas.openxmlformats.org/drawingml/2006/main" xmlns:r="http://schemas.openxmlformats.org/officeDocument/2006/relationships" xmlns:p="http://schemas.openxmlformats.org/presentationml/2006/main">
   <p:cSld>
     <p:spTree>
       <p:nvGrpSpPr>
-        <p:cNvPr id="158" name="Shape 158"/>
+        <p:cNvPr id="1" name="Shape 158"/>
         <p:cNvGrpSpPr/>
         <p:nvPr/>
       </p:nvGrpSpPr>
@@ -11469,7 +11809,9 @@
       <p:sp>
         <p:nvSpPr>
           <p:cNvPr id="159" name="Google Shape;159;p17"/>
-          <p:cNvSpPr txBox="1"/>
+          <p:cNvSpPr txBox="1">
+            <a:spLocks noGrp="1"/>
+          </p:cNvSpPr>
           <p:nvPr>
             <p:ph type="title"/>
           </p:nvPr>
@@ -11484,12 +11826,12 @@
           </a:prstGeom>
         </p:spPr>
         <p:txBody>
-          <a:bodyPr anchorCtr="0" anchor="t" bIns="91425" lIns="91425" spcFirstLastPara="1" rIns="91425" wrap="square" tIns="91425">
+          <a:bodyPr spcFirstLastPara="1" wrap="square" lIns="91425" tIns="91425" rIns="91425" bIns="91425" anchor="t" anchorCtr="0">
             <a:normAutofit/>
           </a:bodyPr>
           <a:lstStyle/>
           <a:p>
-            <a:pPr indent="0" lvl="0" marL="0" rtl="0" algn="l">
+            <a:pPr marL="0" lvl="0" indent="0" algn="l" rtl="0">
               <a:spcBef>
                 <a:spcPts val="0"/>
               </a:spcBef>
@@ -11509,9 +11851,11 @@
       <p:sp>
         <p:nvSpPr>
           <p:cNvPr id="160" name="Google Shape;160;p17"/>
-          <p:cNvSpPr txBox="1"/>
+          <p:cNvSpPr txBox="1">
+            <a:spLocks noGrp="1"/>
+          </p:cNvSpPr>
           <p:nvPr>
-            <p:ph idx="1" type="body"/>
+            <p:ph type="body" idx="1"/>
           </p:nvPr>
         </p:nvSpPr>
         <p:spPr>
@@ -11524,12 +11868,12 @@
           </a:prstGeom>
         </p:spPr>
         <p:txBody>
-          <a:bodyPr anchorCtr="0" anchor="t" bIns="91425" lIns="91425" spcFirstLastPara="1" rIns="91425" wrap="square" tIns="91425">
+          <a:bodyPr spcFirstLastPara="1" wrap="square" lIns="91425" tIns="91425" rIns="91425" bIns="91425" anchor="t" anchorCtr="0">
             <a:normAutofit/>
           </a:bodyPr>
           <a:lstStyle/>
           <a:p>
-            <a:pPr indent="0" lvl="0" marL="0" rtl="0" algn="just">
+            <a:pPr marL="0" lvl="0" indent="0" algn="just" rtl="0">
               <a:spcBef>
                 <a:spcPts val="0"/>
               </a:spcBef>
@@ -11539,26 +11883,9 @@
               <a:buNone/>
             </a:pPr>
             <a:r>
-              <a:rPr lang="pt-BR"/>
+              <a:rPr lang="pt-BR" dirty="0"/>
               <a:t>Os bancos de dados de grafos foram criados especificamente para possibilitar o armazenamento de relacionamentos e a navegação por eles. Os relacionamentos são elementos distintos que agregam a maior parte do valor para os bancos de dados de grafos. Esses bancos de dados usam nós para armazenar entidades de dados e arestas para armazenar os relacionamentos entre as entidades. Uma aresta tem sempre um nó inicial, um nó final, um tipo e um direcionamento, o que possibilita a descrição dos relacionamentos entre pais e filhos, das ações, das propriedades e assim por diante. A quantidade e os tipos de relacionamentos que um nó pode ter são ilimitados.</a:t>
             </a:r>
-            <a:endParaRPr/>
-          </a:p>
-          <a:p>
-            <a:pPr indent="0" lvl="0" marL="0" rtl="0" algn="just">
-              <a:spcBef>
-                <a:spcPts val="1200"/>
-              </a:spcBef>
-              <a:spcAft>
-                <a:spcPts val="1200"/>
-              </a:spcAft>
-              <a:buNone/>
-            </a:pPr>
-            <a:r>
-              <a:rPr lang="pt-BR"/>
-              <a:t>Um grafo em um banco de dados de grafos pode ser cruzado com tipos de arestas específicas ou por todo o grafo. O cruzamento das associações ou dos relacionamentos ocorre muito rapidamente, uma vez que os relacionamentos entre nós não são calculados no momento das consultas, mas persistem no banco de dados. A utilização desses bancos de dados de grafos são vantajosos em casos de uso como redes sociais, mecanismos de recomendação e detecção de fraudes, em que é necessário criar relacionamentos entre os dados e consultar rapidamente esses relacionamentos.</a:t>
-            </a:r>
-            <a:endParaRPr/>
           </a:p>
         </p:txBody>
       </p:sp>
@@ -11567,15 +11894,18 @@
   <p:clrMapOvr>
     <a:masterClrMapping/>
   </p:clrMapOvr>
+  <p:transition spd="slow">
+    <p:wipe/>
+  </p:transition>
 </p:sld>
 </file>
 
-<file path=ppt/slides/slide6.xml><?xml version="1.0" encoding="utf-8"?>
-<p:sld xmlns:a="http://schemas.openxmlformats.org/drawingml/2006/main" xmlns:r="http://schemas.openxmlformats.org/officeDocument/2006/relationships" xmlns:mc="http://schemas.openxmlformats.org/markup-compatibility/2006" xmlns:mv="urn:schemas-microsoft-com:mac:vml" xmlns:p="http://schemas.openxmlformats.org/presentationml/2006/main" xmlns:c="http://schemas.openxmlformats.org/drawingml/2006/chart" xmlns:dgm="http://schemas.openxmlformats.org/drawingml/2006/diagram" xmlns:o="urn:schemas-microsoft-com:office:office" xmlns:v="urn:schemas-microsoft-com:vml" xmlns:pvml="urn:schemas-microsoft-com:office:powerpoint" xmlns:com="http://schemas.openxmlformats.org/drawingml/2006/compatibility" xmlns:p14="http://schemas.microsoft.com/office/powerpoint/2010/main" xmlns:p15="http://schemas.microsoft.com/office/powerpoint/2012/main" xmlns:ahyp="http://schemas.microsoft.com/office/drawing/2018/hyperlinkcolor">
+<file path=ppt/slides/slide7.xml><?xml version="1.0" encoding="utf-8"?>
+<p:sld xmlns:a="http://schemas.openxmlformats.org/drawingml/2006/main" xmlns:r="http://schemas.openxmlformats.org/officeDocument/2006/relationships" xmlns:p="http://schemas.openxmlformats.org/presentationml/2006/main">
   <p:cSld>
     <p:spTree>
       <p:nvGrpSpPr>
-        <p:cNvPr id="164" name="Shape 164"/>
+        <p:cNvPr id="1" name="Shape 164"/>
         <p:cNvGrpSpPr/>
         <p:nvPr/>
       </p:nvGrpSpPr>
@@ -11590,7 +11920,9 @@
       <p:sp>
         <p:nvSpPr>
           <p:cNvPr id="165" name="Google Shape;165;p18"/>
-          <p:cNvSpPr txBox="1"/>
+          <p:cNvSpPr txBox="1">
+            <a:spLocks noGrp="1"/>
+          </p:cNvSpPr>
           <p:nvPr>
             <p:ph type="title"/>
           </p:nvPr>
@@ -11605,12 +11937,12 @@
           </a:prstGeom>
         </p:spPr>
         <p:txBody>
-          <a:bodyPr anchorCtr="0" anchor="t" bIns="91425" lIns="91425" spcFirstLastPara="1" rIns="91425" wrap="square" tIns="91425">
+          <a:bodyPr spcFirstLastPara="1" wrap="square" lIns="91425" tIns="91425" rIns="91425" bIns="91425" anchor="t" anchorCtr="0">
             <a:normAutofit fontScale="90000"/>
           </a:bodyPr>
           <a:lstStyle/>
           <a:p>
-            <a:pPr indent="0" lvl="0" marL="0" rtl="0" algn="l">
+            <a:pPr marL="0" lvl="0" indent="0" algn="l" rtl="0">
               <a:spcBef>
                 <a:spcPts val="0"/>
               </a:spcBef>
@@ -11630,9 +11962,11 @@
       <p:sp>
         <p:nvSpPr>
           <p:cNvPr id="166" name="Google Shape;166;p18"/>
-          <p:cNvSpPr txBox="1"/>
+          <p:cNvSpPr txBox="1">
+            <a:spLocks noGrp="1"/>
+          </p:cNvSpPr>
           <p:nvPr>
-            <p:ph idx="1" type="body"/>
+            <p:ph type="body" idx="1"/>
           </p:nvPr>
         </p:nvSpPr>
         <p:spPr>
@@ -11645,12 +11979,12 @@
           </a:prstGeom>
         </p:spPr>
         <p:txBody>
-          <a:bodyPr anchorCtr="0" anchor="t" bIns="91425" lIns="91425" spcFirstLastPara="1" rIns="91425" wrap="square" tIns="91425">
+          <a:bodyPr spcFirstLastPara="1" wrap="square" lIns="91425" tIns="91425" rIns="91425" bIns="91425" anchor="t" anchorCtr="0">
             <a:normAutofit/>
           </a:bodyPr>
           <a:lstStyle/>
           <a:p>
-            <a:pPr indent="0" lvl="0" marL="0" marR="0" rtl="0" algn="just">
+            <a:pPr marL="0" marR="0" lvl="0" indent="0" algn="just" rtl="0">
               <a:lnSpc>
                 <a:spcPct val="115000"/>
               </a:lnSpc>
@@ -11664,11 +11998,7 @@
             </a:pPr>
             <a:r>
               <a:rPr lang="pt-BR"/>
-              <a:t>G</a:t>
-            </a:r>
-            <a:r>
-              <a:rPr lang="pt-BR"/>
-              <a:t>rafos e bancos de dados de grafos fornecem modelos e estruturas para representar e explorar relacionamentos nos dados. Os algoritmos de grafos permitem a análise desses relacionamentos, enquanto os bancos de dados de grafos armazenam os dados de forma eficiente, possibilitando consultas e análises mais rápidas. Essas abordagens são especialmente úteis para lidar com grandes volumes de dados e descobrir insights valiosos em diversas áreas.</a:t>
+              <a:t>Grafos e bancos de dados de grafos fornecem modelos e estruturas para representar e explorar relacionamentos nos dados. Os algoritmos de grafos permitem a análise desses relacionamentos, enquanto os bancos de dados de grafos armazenam os dados de forma eficiente, possibilitando consultas e análises mais rápidas. Essas abordagens são especialmente úteis para lidar com grandes volumes de dados e descobrir insights valiosos em diversas áreas.</a:t>
             </a:r>
             <a:endParaRPr/>
           </a:p>
@@ -11679,15 +12009,18 @@
   <p:clrMapOvr>
     <a:masterClrMapping/>
   </p:clrMapOvr>
+  <p:transition spd="slow">
+    <p:wipe/>
+  </p:transition>
 </p:sld>
 </file>
 
-<file path=ppt/slides/slide7.xml><?xml version="1.0" encoding="utf-8"?>
-<p:sld xmlns:a="http://schemas.openxmlformats.org/drawingml/2006/main" xmlns:r="http://schemas.openxmlformats.org/officeDocument/2006/relationships" xmlns:mc="http://schemas.openxmlformats.org/markup-compatibility/2006" xmlns:mv="urn:schemas-microsoft-com:mac:vml" xmlns:p="http://schemas.openxmlformats.org/presentationml/2006/main" xmlns:c="http://schemas.openxmlformats.org/drawingml/2006/chart" xmlns:dgm="http://schemas.openxmlformats.org/drawingml/2006/diagram" xmlns:o="urn:schemas-microsoft-com:office:office" xmlns:v="urn:schemas-microsoft-com:vml" xmlns:pvml="urn:schemas-microsoft-com:office:powerpoint" xmlns:com="http://schemas.openxmlformats.org/drawingml/2006/compatibility" xmlns:p14="http://schemas.microsoft.com/office/powerpoint/2010/main" xmlns:p15="http://schemas.microsoft.com/office/powerpoint/2012/main" xmlns:ahyp="http://schemas.microsoft.com/office/drawing/2018/hyperlinkcolor">
+<file path=ppt/slides/slide8.xml><?xml version="1.0" encoding="utf-8"?>
+<p:sld xmlns:a="http://schemas.openxmlformats.org/drawingml/2006/main" xmlns:r="http://schemas.openxmlformats.org/officeDocument/2006/relationships" xmlns:p="http://schemas.openxmlformats.org/presentationml/2006/main">
   <p:cSld>
     <p:spTree>
       <p:nvGrpSpPr>
-        <p:cNvPr id="170" name="Shape 170"/>
+        <p:cNvPr id="1" name="Shape 170"/>
         <p:cNvGrpSpPr/>
         <p:nvPr/>
       </p:nvGrpSpPr>
@@ -11702,7 +12035,9 @@
       <p:sp>
         <p:nvSpPr>
           <p:cNvPr id="171" name="Google Shape;171;p19"/>
-          <p:cNvSpPr txBox="1"/>
+          <p:cNvSpPr txBox="1">
+            <a:spLocks noGrp="1"/>
+          </p:cNvSpPr>
           <p:nvPr>
             <p:ph type="title"/>
           </p:nvPr>
@@ -11717,12 +12052,12 @@
           </a:prstGeom>
         </p:spPr>
         <p:txBody>
-          <a:bodyPr anchorCtr="0" anchor="t" bIns="91425" lIns="91425" spcFirstLastPara="1" rIns="91425" wrap="square" tIns="91425">
+          <a:bodyPr spcFirstLastPara="1" wrap="square" lIns="91425" tIns="91425" rIns="91425" bIns="91425" anchor="t" anchorCtr="0">
             <a:normAutofit/>
           </a:bodyPr>
           <a:lstStyle/>
           <a:p>
-            <a:pPr indent="0" lvl="0" marL="0" rtl="0" algn="l">
+            <a:pPr marL="0" lvl="0" indent="0" algn="l" rtl="0">
               <a:spcBef>
                 <a:spcPts val="0"/>
               </a:spcBef>
@@ -11742,9 +12077,11 @@
       <p:sp>
         <p:nvSpPr>
           <p:cNvPr id="172" name="Google Shape;172;p19"/>
-          <p:cNvSpPr txBox="1"/>
+          <p:cNvSpPr txBox="1">
+            <a:spLocks noGrp="1"/>
+          </p:cNvSpPr>
           <p:nvPr>
-            <p:ph idx="1" type="body"/>
+            <p:ph type="body" idx="1"/>
           </p:nvPr>
         </p:nvSpPr>
         <p:spPr>
@@ -11757,12 +12094,12 @@
           </a:prstGeom>
         </p:spPr>
         <p:txBody>
-          <a:bodyPr anchorCtr="0" anchor="t" bIns="91425" lIns="91425" spcFirstLastPara="1" rIns="91425" wrap="square" tIns="91425">
+          <a:bodyPr spcFirstLastPara="1" wrap="square" lIns="91425" tIns="91425" rIns="91425" bIns="91425" anchor="t" anchorCtr="0">
             <a:normAutofit/>
           </a:bodyPr>
           <a:lstStyle/>
           <a:p>
-            <a:pPr indent="-311150" lvl="0" marL="457200" marR="0" rtl="0" algn="l">
+            <a:pPr marL="457200" marR="0" lvl="0" indent="-311150" algn="l" rtl="0">
               <a:lnSpc>
                 <a:spcPct val="115000"/>
               </a:lnSpc>
@@ -11782,7 +12119,7 @@
             <a:endParaRPr/>
           </a:p>
           <a:p>
-            <a:pPr indent="-311150" lvl="0" marL="457200" marR="0" rtl="0" algn="l">
+            <a:pPr marL="457200" marR="0" lvl="0" indent="-311150" algn="l" rtl="0">
               <a:lnSpc>
                 <a:spcPct val="115000"/>
               </a:lnSpc>
@@ -11802,7 +12139,7 @@
             <a:endParaRPr/>
           </a:p>
           <a:p>
-            <a:pPr indent="-311150" lvl="0" marL="457200" marR="0" rtl="0" algn="l">
+            <a:pPr marL="457200" marR="0" lvl="0" indent="-311150" algn="l" rtl="0">
               <a:lnSpc>
                 <a:spcPct val="115000"/>
               </a:lnSpc>
@@ -11822,7 +12159,7 @@
             <a:endParaRPr/>
           </a:p>
           <a:p>
-            <a:pPr indent="-311150" lvl="0" marL="457200" marR="0" rtl="0" algn="l">
+            <a:pPr marL="457200" marR="0" lvl="0" indent="-311150" algn="l" rtl="0">
               <a:lnSpc>
                 <a:spcPct val="115000"/>
               </a:lnSpc>
@@ -11842,7 +12179,7 @@
             <a:endParaRPr/>
           </a:p>
           <a:p>
-            <a:pPr indent="0" lvl="0" marL="457200" marR="0" rtl="0" algn="l">
+            <a:pPr marL="457200" marR="0" lvl="0" indent="0" algn="l" rtl="0">
               <a:lnSpc>
                 <a:spcPct val="115000"/>
               </a:lnSpc>
@@ -11854,9 +12191,6 @@
               </a:spcAft>
               <a:buNone/>
             </a:pPr>
-            <a:r>
-              <a:t/>
-            </a:r>
             <a:endParaRPr/>
           </a:p>
         </p:txBody>
@@ -11866,15 +12200,18 @@
   <p:clrMapOvr>
     <a:masterClrMapping/>
   </p:clrMapOvr>
+  <p:transition spd="slow">
+    <p:wipe/>
+  </p:transition>
 </p:sld>
 </file>
 
-<file path=ppt/slides/slide8.xml><?xml version="1.0" encoding="utf-8"?>
-<p:sld xmlns:a="http://schemas.openxmlformats.org/drawingml/2006/main" xmlns:r="http://schemas.openxmlformats.org/officeDocument/2006/relationships" xmlns:mc="http://schemas.openxmlformats.org/markup-compatibility/2006" xmlns:mv="urn:schemas-microsoft-com:mac:vml" xmlns:p="http://schemas.openxmlformats.org/presentationml/2006/main" xmlns:c="http://schemas.openxmlformats.org/drawingml/2006/chart" xmlns:dgm="http://schemas.openxmlformats.org/drawingml/2006/diagram" xmlns:o="urn:schemas-microsoft-com:office:office" xmlns:v="urn:schemas-microsoft-com:vml" xmlns:pvml="urn:schemas-microsoft-com:office:powerpoint" xmlns:com="http://schemas.openxmlformats.org/drawingml/2006/compatibility" xmlns:p14="http://schemas.microsoft.com/office/powerpoint/2010/main" xmlns:p15="http://schemas.microsoft.com/office/powerpoint/2012/main" xmlns:ahyp="http://schemas.microsoft.com/office/drawing/2018/hyperlinkcolor">
+<file path=ppt/slides/slide9.xml><?xml version="1.0" encoding="utf-8"?>
+<p:sld xmlns:a="http://schemas.openxmlformats.org/drawingml/2006/main" xmlns:r="http://schemas.openxmlformats.org/officeDocument/2006/relationships" xmlns:p="http://schemas.openxmlformats.org/presentationml/2006/main">
   <p:cSld>
     <p:spTree>
       <p:nvGrpSpPr>
-        <p:cNvPr id="176" name="Shape 176"/>
+        <p:cNvPr id="1" name="Shape 176"/>
         <p:cNvGrpSpPr/>
         <p:nvPr/>
       </p:nvGrpSpPr>
@@ -11889,7 +12226,9 @@
       <p:sp>
         <p:nvSpPr>
           <p:cNvPr id="177" name="Google Shape;177;p20"/>
-          <p:cNvSpPr txBox="1"/>
+          <p:cNvSpPr txBox="1">
+            <a:spLocks noGrp="1"/>
+          </p:cNvSpPr>
           <p:nvPr>
             <p:ph type="title"/>
           </p:nvPr>
@@ -11904,12 +12243,12 @@
           </a:prstGeom>
         </p:spPr>
         <p:txBody>
-          <a:bodyPr anchorCtr="0" anchor="t" bIns="91425" lIns="91425" spcFirstLastPara="1" rIns="91425" wrap="square" tIns="91425">
+          <a:bodyPr spcFirstLastPara="1" wrap="square" lIns="91425" tIns="91425" rIns="91425" bIns="91425" anchor="t" anchorCtr="0">
             <a:normAutofit/>
           </a:bodyPr>
           <a:lstStyle/>
           <a:p>
-            <a:pPr indent="0" lvl="0" marL="0" rtl="0" algn="l">
+            <a:pPr marL="0" lvl="0" indent="0" algn="l" rtl="0">
               <a:spcBef>
                 <a:spcPts val="0"/>
               </a:spcBef>
@@ -11929,9 +12268,11 @@
       <p:sp>
         <p:nvSpPr>
           <p:cNvPr id="178" name="Google Shape;178;p20"/>
-          <p:cNvSpPr txBox="1"/>
+          <p:cNvSpPr txBox="1">
+            <a:spLocks noGrp="1"/>
+          </p:cNvSpPr>
           <p:nvPr>
-            <p:ph idx="1" type="body"/>
+            <p:ph type="body" idx="1"/>
           </p:nvPr>
         </p:nvSpPr>
         <p:spPr>
@@ -11944,12 +12285,12 @@
           </a:prstGeom>
         </p:spPr>
         <p:txBody>
-          <a:bodyPr anchorCtr="0" anchor="t" bIns="91425" lIns="91425" spcFirstLastPara="1" rIns="91425" wrap="square" tIns="91425">
+          <a:bodyPr spcFirstLastPara="1" wrap="square" lIns="91425" tIns="91425" rIns="91425" bIns="91425" anchor="t" anchorCtr="0">
             <a:normAutofit/>
           </a:bodyPr>
           <a:lstStyle/>
           <a:p>
-            <a:pPr indent="-311150" lvl="0" marL="457200" marR="0" rtl="0" algn="just">
+            <a:pPr marL="457200" marR="0" lvl="0" indent="-311150" algn="just" rtl="0">
               <a:lnSpc>
                 <a:spcPct val="115000"/>
               </a:lnSpc>
@@ -11963,96 +12304,9 @@
               <a:buChar char="●"/>
             </a:pPr>
             <a:r>
-              <a:rPr lang="pt-BR"/>
-              <a:t>Análise de mídia social: Os bancos de dados de grafos podem ser usados em muitos cenários diferentes, mas são comumente usados para analisar redes sociais. Na verdade, as redes sociais são o caso de uso ideal, pois envolvem um grande volume de nós (contas de usuário) e conexões multidimensionais (engajamentos em muitas direções diferentes). Uma análise de grafos de uma rede social pode determinar:</a:t>
+              <a:rPr lang="pt-BR" dirty="0"/>
+              <a:t>Análise de mídia social: Os bancos de dados de grafos podem ser usados em muitos cenários diferentes, mas são comumente usados para analisar redes sociais. Na verdade, as redes sociais são o caso de uso ideal, pois envolvem um grande volume de nós (contas de usuário) e conexões multidimensionais (engajamentos em muitas direções diferentes). </a:t>
             </a:r>
-            <a:endParaRPr/>
-          </a:p>
-          <a:p>
-            <a:pPr indent="0" lvl="0" marL="457200" marR="0" rtl="0" algn="just">
-              <a:lnSpc>
-                <a:spcPct val="115000"/>
-              </a:lnSpc>
-              <a:spcBef>
-                <a:spcPts val="0"/>
-              </a:spcBef>
-              <a:spcAft>
-                <a:spcPts val="0"/>
-              </a:spcAft>
-              <a:buNone/>
-            </a:pPr>
-            <a:r>
-              <a:rPr lang="pt-BR"/>
-              <a:t>Quão ativos são os usuários? (número de nós)</a:t>
-            </a:r>
-            <a:endParaRPr/>
-          </a:p>
-          <a:p>
-            <a:pPr indent="0" lvl="0" marL="457200" marR="0" rtl="0" algn="just">
-              <a:lnSpc>
-                <a:spcPct val="115000"/>
-              </a:lnSpc>
-              <a:spcBef>
-                <a:spcPts val="0"/>
-              </a:spcBef>
-              <a:spcAft>
-                <a:spcPts val="0"/>
-              </a:spcAft>
-              <a:buNone/>
-            </a:pPr>
-            <a:r>
-              <a:rPr lang="pt-BR"/>
-              <a:t>Quais usuários têm maior influência? (densidade de conexões)</a:t>
-            </a:r>
-            <a:endParaRPr/>
-          </a:p>
-          <a:p>
-            <a:pPr indent="0" lvl="0" marL="457200" marR="0" rtl="0" algn="just">
-              <a:lnSpc>
-                <a:spcPct val="115000"/>
-              </a:lnSpc>
-              <a:spcBef>
-                <a:spcPts val="0"/>
-              </a:spcBef>
-              <a:spcAft>
-                <a:spcPts val="0"/>
-              </a:spcAft>
-              <a:buNone/>
-            </a:pPr>
-            <a:r>
-              <a:rPr lang="pt-BR"/>
-              <a:t>Quem tem o engajamento mais bidirecional? (direção e densidade de conexões)</a:t>
-            </a:r>
-            <a:endParaRPr sz="1100">
-              <a:solidFill>
-                <a:srgbClr val="161513"/>
-              </a:solidFill>
-              <a:highlight>
-                <a:srgbClr val="FFFFFF"/>
-              </a:highlight>
-              <a:latin typeface="Arial"/>
-              <a:ea typeface="Arial"/>
-              <a:cs typeface="Arial"/>
-              <a:sym typeface="Arial"/>
-            </a:endParaRPr>
-          </a:p>
-          <a:p>
-            <a:pPr indent="0" lvl="0" marL="0" marR="0" rtl="0" algn="l">
-              <a:lnSpc>
-                <a:spcPct val="115000"/>
-              </a:lnSpc>
-              <a:spcBef>
-                <a:spcPts val="0"/>
-              </a:spcBef>
-              <a:spcAft>
-                <a:spcPts val="1200"/>
-              </a:spcAft>
-              <a:buNone/>
-            </a:pPr>
-            <a:r>
-              <a:t/>
-            </a:r>
-            <a:endParaRPr/>
           </a:p>
         </p:txBody>
       </p:sp>
@@ -12061,150 +12315,295 @@
   <p:clrMapOvr>
     <a:masterClrMapping/>
   </p:clrMapOvr>
-</p:sld>
-</file>
-
-<file path=ppt/slides/slide9.xml><?xml version="1.0" encoding="utf-8"?>
-<p:sld xmlns:a="http://schemas.openxmlformats.org/drawingml/2006/main" xmlns:r="http://schemas.openxmlformats.org/officeDocument/2006/relationships" xmlns:mc="http://schemas.openxmlformats.org/markup-compatibility/2006" xmlns:mv="urn:schemas-microsoft-com:mac:vml" xmlns:p="http://schemas.openxmlformats.org/presentationml/2006/main" xmlns:c="http://schemas.openxmlformats.org/drawingml/2006/chart" xmlns:dgm="http://schemas.openxmlformats.org/drawingml/2006/diagram" xmlns:o="urn:schemas-microsoft-com:office:office" xmlns:v="urn:schemas-microsoft-com:vml" xmlns:pvml="urn:schemas-microsoft-com:office:powerpoint" xmlns:com="http://schemas.openxmlformats.org/drawingml/2006/compatibility" xmlns:p14="http://schemas.microsoft.com/office/powerpoint/2010/main" xmlns:p15="http://schemas.microsoft.com/office/powerpoint/2012/main" xmlns:ahyp="http://schemas.microsoft.com/office/drawing/2018/hyperlinkcolor">
-  <p:cSld>
-    <p:spTree>
-      <p:nvGrpSpPr>
-        <p:cNvPr id="182" name="Shape 182"/>
-        <p:cNvGrpSpPr/>
-        <p:nvPr/>
-      </p:nvGrpSpPr>
-      <p:grpSpPr>
-        <a:xfrm>
-          <a:off x="0" y="0"/>
-          <a:ext cx="0" cy="0"/>
-          <a:chOff x="0" y="0"/>
-          <a:chExt cx="0" cy="0"/>
-        </a:xfrm>
-      </p:grpSpPr>
-      <p:sp>
-        <p:nvSpPr>
-          <p:cNvPr id="183" name="Google Shape;183;p21"/>
-          <p:cNvSpPr txBox="1"/>
-          <p:nvPr>
-            <p:ph type="title"/>
-          </p:nvPr>
-        </p:nvSpPr>
-        <p:spPr>
-          <a:xfrm>
-            <a:off x="1297500" y="393750"/>
-            <a:ext cx="7038900" cy="914100"/>
-          </a:xfrm>
-          <a:prstGeom prst="rect">
-            <a:avLst/>
-          </a:prstGeom>
-        </p:spPr>
-        <p:txBody>
-          <a:bodyPr anchorCtr="0" anchor="t" bIns="91425" lIns="91425" spcFirstLastPara="1" rIns="91425" wrap="square" tIns="91425">
-            <a:normAutofit/>
-          </a:bodyPr>
-          <a:lstStyle/>
-          <a:p>
-            <a:pPr indent="0" lvl="0" marL="0" rtl="0" algn="l">
-              <a:spcBef>
-                <a:spcPts val="0"/>
-              </a:spcBef>
-              <a:spcAft>
-                <a:spcPts val="0"/>
-              </a:spcAft>
-              <a:buNone/>
-            </a:pPr>
-            <a:r>
-              <a:rPr lang="pt-BR"/>
-              <a:t>Casos de uso do banco de dados de grafos</a:t>
-            </a:r>
-            <a:endParaRPr/>
-          </a:p>
-        </p:txBody>
-      </p:sp>
-      <p:sp>
-        <p:nvSpPr>
-          <p:cNvPr id="184" name="Google Shape;184;p21"/>
-          <p:cNvSpPr txBox="1"/>
-          <p:nvPr>
-            <p:ph idx="1" type="body"/>
-          </p:nvPr>
-        </p:nvSpPr>
-        <p:spPr>
-          <a:xfrm>
-            <a:off x="1297500" y="1567550"/>
-            <a:ext cx="7038900" cy="2911200"/>
-          </a:xfrm>
-          <a:prstGeom prst="rect">
-            <a:avLst/>
-          </a:prstGeom>
-        </p:spPr>
-        <p:txBody>
-          <a:bodyPr anchorCtr="0" anchor="t" bIns="91425" lIns="91425" spcFirstLastPara="1" rIns="91425" wrap="square" tIns="91425">
-            <a:normAutofit/>
-          </a:bodyPr>
-          <a:lstStyle/>
-          <a:p>
-            <a:pPr indent="-311150" lvl="0" marL="457200" rtl="0" algn="just">
-              <a:spcBef>
-                <a:spcPts val="0"/>
-              </a:spcBef>
-              <a:spcAft>
-                <a:spcPts val="0"/>
-              </a:spcAft>
-              <a:buSzPts val="1300"/>
-              <a:buChar char="●"/>
-            </a:pPr>
-            <a:r>
-              <a:rPr lang="pt-BR"/>
-              <a:t>Mecanismos de recomendação: Os bancos de dados de grafos são uma boa opção para aplicativos de recomendação. Pois você pode armazenar em um grafo os relacionamentos entre as categorias de informação, como os interesses, os amigos e o histórico de compras dos clientes. Você pode usar um banco de dados de grafos altamente disponível para fazer recomendações de produtos a um usuário com base em quais produtos foram comprados por outras pessoas que seguem o mesmo esporte e têm histórico de compras similar. </a:t>
-            </a:r>
-            <a:endParaRPr/>
-          </a:p>
-          <a:p>
-            <a:pPr indent="0" lvl="0" marL="0" rtl="0" algn="l">
-              <a:spcBef>
-                <a:spcPts val="1200"/>
-              </a:spcBef>
-              <a:spcAft>
-                <a:spcPts val="0"/>
-              </a:spcAft>
-              <a:buNone/>
-            </a:pPr>
-            <a:r>
-              <a:t/>
-            </a:r>
-            <a:endParaRPr/>
-          </a:p>
-          <a:p>
-            <a:pPr indent="0" lvl="0" marL="0" marR="0" rtl="0" algn="l">
-              <a:lnSpc>
-                <a:spcPct val="115000"/>
-              </a:lnSpc>
-              <a:spcBef>
-                <a:spcPts val="1200"/>
-              </a:spcBef>
-              <a:spcAft>
-                <a:spcPts val="1200"/>
-              </a:spcAft>
-              <a:buNone/>
-            </a:pPr>
-            <a:r>
-              <a:t/>
-            </a:r>
-            <a:endParaRPr/>
-          </a:p>
-        </p:txBody>
-      </p:sp>
-    </p:spTree>
-  </p:cSld>
-  <p:clrMapOvr>
-    <a:masterClrMapping/>
-  </p:clrMapOvr>
+  <p:transition spd="slow">
+    <p:wipe/>
+  </p:transition>
 </p:sld>
 </file>
 
 <file path=ppt/theme/theme1.xml><?xml version="1.0" encoding="utf-8"?>
-<a:theme xmlns:a="http://schemas.openxmlformats.org/drawingml/2006/main" xmlns:r="http://schemas.openxmlformats.org/officeDocument/2006/relationships">
+<a:theme xmlns:a="http://schemas.openxmlformats.org/drawingml/2006/main" name="Focus">
+  <a:themeElements>
+    <a:clrScheme name="Focus">
+      <a:dk1>
+        <a:srgbClr val="1B212C"/>
+      </a:dk1>
+      <a:lt1>
+        <a:srgbClr val="FFFFFF"/>
+      </a:lt1>
+      <a:dk2>
+        <a:srgbClr val="D9D9D9"/>
+      </a:dk2>
+      <a:lt2>
+        <a:srgbClr val="82C7A5"/>
+      </a:lt2>
+      <a:accent1>
+        <a:srgbClr val="0145AC"/>
+      </a:accent1>
+      <a:accent2>
+        <a:srgbClr val="EECE1A"/>
+      </a:accent2>
+      <a:accent3>
+        <a:srgbClr val="4E5567"/>
+      </a:accent3>
+      <a:accent4>
+        <a:srgbClr val="F4D6AD"/>
+      </a:accent4>
+      <a:accent5>
+        <a:srgbClr val="7890CD"/>
+      </a:accent5>
+      <a:accent6>
+        <a:srgbClr val="F15E22"/>
+      </a:accent6>
+      <a:hlink>
+        <a:srgbClr val="7890CD"/>
+      </a:hlink>
+      <a:folHlink>
+        <a:srgbClr val="7890CD"/>
+      </a:folHlink>
+    </a:clrScheme>
+    <a:fontScheme name="Office">
+      <a:majorFont>
+        <a:latin typeface="Arial"/>
+        <a:ea typeface=""/>
+        <a:cs typeface=""/>
+        <a:font script="Jpan" typeface="ＭＳ Ｐゴシック"/>
+        <a:font script="Hang" typeface="맑은 고딕"/>
+        <a:font script="Hans" typeface="宋体"/>
+        <a:font script="Hant" typeface="新細明體"/>
+        <a:font script="Arab" typeface="Times New Roman"/>
+        <a:font script="Hebr" typeface="Times New Roman"/>
+        <a:font script="Thai" typeface="Angsana New"/>
+        <a:font script="Ethi" typeface="Nyala"/>
+        <a:font script="Beng" typeface="Vrinda"/>
+        <a:font script="Gujr" typeface="Shruti"/>
+        <a:font script="Khmr" typeface="MoolBoran"/>
+        <a:font script="Knda" typeface="Tunga"/>
+        <a:font script="Guru" typeface="Raavi"/>
+        <a:font script="Cans" typeface="Euphemia"/>
+        <a:font script="Cher" typeface="Plantagenet Cherokee"/>
+        <a:font script="Yiii" typeface="Microsoft Yi Baiti"/>
+        <a:font script="Tibt" typeface="Microsoft Himalaya"/>
+        <a:font script="Thaa" typeface="MV Boli"/>
+        <a:font script="Deva" typeface="Mangal"/>
+        <a:font script="Telu" typeface="Gautami"/>
+        <a:font script="Taml" typeface="Latha"/>
+        <a:font script="Syrc" typeface="Estrangelo Edessa"/>
+        <a:font script="Orya" typeface="Kalinga"/>
+        <a:font script="Mlym" typeface="Kartika"/>
+        <a:font script="Laoo" typeface="DokChampa"/>
+        <a:font script="Sinh" typeface="Iskoola Pota"/>
+        <a:font script="Mong" typeface="Mongolian Baiti"/>
+        <a:font script="Viet" typeface="Times New Roman"/>
+        <a:font script="Uigh" typeface="Microsoft Uighur"/>
+        <a:font script="Geor" typeface="Sylfaen"/>
+      </a:majorFont>
+      <a:minorFont>
+        <a:latin typeface="Arial"/>
+        <a:ea typeface=""/>
+        <a:cs typeface=""/>
+        <a:font script="Jpan" typeface="ＭＳ Ｐゴシック"/>
+        <a:font script="Hang" typeface="맑은 고딕"/>
+        <a:font script="Hans" typeface="宋体"/>
+        <a:font script="Hant" typeface="新細明體"/>
+        <a:font script="Arab" typeface="Arial"/>
+        <a:font script="Hebr" typeface="Arial"/>
+        <a:font script="Thai" typeface="Cordia New"/>
+        <a:font script="Ethi" typeface="Nyala"/>
+        <a:font script="Beng" typeface="Vrinda"/>
+        <a:font script="Gujr" typeface="Shruti"/>
+        <a:font script="Khmr" typeface="DaunPenh"/>
+        <a:font script="Knda" typeface="Tunga"/>
+        <a:font script="Guru" typeface="Raavi"/>
+        <a:font script="Cans" typeface="Euphemia"/>
+        <a:font script="Cher" typeface="Plantagenet Cherokee"/>
+        <a:font script="Yiii" typeface="Microsoft Yi Baiti"/>
+        <a:font script="Tibt" typeface="Microsoft Himalaya"/>
+        <a:font script="Thaa" typeface="MV Boli"/>
+        <a:font script="Deva" typeface="Mangal"/>
+        <a:font script="Telu" typeface="Gautami"/>
+        <a:font script="Taml" typeface="Latha"/>
+        <a:font script="Syrc" typeface="Estrangelo Edessa"/>
+        <a:font script="Orya" typeface="Kalinga"/>
+        <a:font script="Mlym" typeface="Kartika"/>
+        <a:font script="Laoo" typeface="DokChampa"/>
+        <a:font script="Sinh" typeface="Iskoola Pota"/>
+        <a:font script="Mong" typeface="Mongolian Baiti"/>
+        <a:font script="Viet" typeface="Arial"/>
+        <a:font script="Uigh" typeface="Microsoft Uighur"/>
+        <a:font script="Geor" typeface="Sylfaen"/>
+      </a:minorFont>
+    </a:fontScheme>
+    <a:fmtScheme name="Office">
+      <a:fillStyleLst>
+        <a:solidFill>
+          <a:schemeClr val="phClr"/>
+        </a:solidFill>
+        <a:gradFill rotWithShape="1">
+          <a:gsLst>
+            <a:gs pos="0">
+              <a:schemeClr val="phClr">
+                <a:tint val="50000"/>
+                <a:satMod val="300000"/>
+              </a:schemeClr>
+            </a:gs>
+            <a:gs pos="35000">
+              <a:schemeClr val="phClr">
+                <a:tint val="37000"/>
+                <a:satMod val="300000"/>
+              </a:schemeClr>
+            </a:gs>
+            <a:gs pos="100000">
+              <a:schemeClr val="phClr">
+                <a:tint val="15000"/>
+                <a:satMod val="350000"/>
+              </a:schemeClr>
+            </a:gs>
+          </a:gsLst>
+          <a:lin ang="16200000" scaled="1"/>
+        </a:gradFill>
+        <a:gradFill rotWithShape="1">
+          <a:gsLst>
+            <a:gs pos="0">
+              <a:schemeClr val="phClr">
+                <a:tint val="100000"/>
+                <a:shade val="100000"/>
+                <a:satMod val="130000"/>
+              </a:schemeClr>
+            </a:gs>
+            <a:gs pos="100000">
+              <a:schemeClr val="phClr">
+                <a:tint val="50000"/>
+                <a:shade val="100000"/>
+                <a:satMod val="350000"/>
+              </a:schemeClr>
+            </a:gs>
+          </a:gsLst>
+          <a:lin ang="16200000" scaled="0"/>
+        </a:gradFill>
+      </a:fillStyleLst>
+      <a:lnStyleLst>
+        <a:ln w="9525" cap="flat" cmpd="sng" algn="ctr">
+          <a:solidFill>
+            <a:schemeClr val="phClr">
+              <a:shade val="95000"/>
+              <a:satMod val="105000"/>
+            </a:schemeClr>
+          </a:solidFill>
+          <a:prstDash val="solid"/>
+        </a:ln>
+        <a:ln w="25400" cap="flat" cmpd="sng" algn="ctr">
+          <a:solidFill>
+            <a:schemeClr val="phClr"/>
+          </a:solidFill>
+          <a:prstDash val="solid"/>
+        </a:ln>
+        <a:ln w="38100" cap="flat" cmpd="sng" algn="ctr">
+          <a:solidFill>
+            <a:schemeClr val="phClr"/>
+          </a:solidFill>
+          <a:prstDash val="solid"/>
+        </a:ln>
+      </a:lnStyleLst>
+      <a:effectStyleLst>
+        <a:effectStyle>
+          <a:effectLst>
+            <a:outerShdw blurRad="40000" dist="20000" dir="5400000" rotWithShape="0">
+              <a:srgbClr val="000000">
+                <a:alpha val="38000"/>
+              </a:srgbClr>
+            </a:outerShdw>
+          </a:effectLst>
+        </a:effectStyle>
+        <a:effectStyle>
+          <a:effectLst>
+            <a:outerShdw blurRad="40000" dist="23000" dir="5400000" rotWithShape="0">
+              <a:srgbClr val="000000">
+                <a:alpha val="35000"/>
+              </a:srgbClr>
+            </a:outerShdw>
+          </a:effectLst>
+        </a:effectStyle>
+        <a:effectStyle>
+          <a:effectLst>
+            <a:outerShdw blurRad="40000" dist="23000" dir="5400000" rotWithShape="0">
+              <a:srgbClr val="000000">
+                <a:alpha val="35000"/>
+              </a:srgbClr>
+            </a:outerShdw>
+          </a:effectLst>
+          <a:scene3d>
+            <a:camera prst="orthographicFront">
+              <a:rot lat="0" lon="0" rev="0"/>
+            </a:camera>
+            <a:lightRig rig="threePt" dir="t">
+              <a:rot lat="0" lon="0" rev="1200000"/>
+            </a:lightRig>
+          </a:scene3d>
+          <a:sp3d>
+            <a:bevelT w="63500" h="25400"/>
+          </a:sp3d>
+        </a:effectStyle>
+      </a:effectStyleLst>
+      <a:bgFillStyleLst>
+        <a:solidFill>
+          <a:schemeClr val="phClr"/>
+        </a:solidFill>
+        <a:gradFill rotWithShape="1">
+          <a:gsLst>
+            <a:gs pos="0">
+              <a:schemeClr val="phClr">
+                <a:tint val="40000"/>
+                <a:satMod val="350000"/>
+              </a:schemeClr>
+            </a:gs>
+            <a:gs pos="40000">
+              <a:schemeClr val="phClr">
+                <a:tint val="45000"/>
+                <a:shade val="99000"/>
+                <a:satMod val="350000"/>
+              </a:schemeClr>
+            </a:gs>
+            <a:gs pos="100000">
+              <a:schemeClr val="phClr">
+                <a:shade val="20000"/>
+                <a:satMod val="255000"/>
+              </a:schemeClr>
+            </a:gs>
+          </a:gsLst>
+          <a:path path="circle">
+            <a:fillToRect l="50000" t="-80000" r="50000" b="180000"/>
+          </a:path>
+        </a:gradFill>
+        <a:gradFill rotWithShape="1">
+          <a:gsLst>
+            <a:gs pos="0">
+              <a:schemeClr val="phClr">
+                <a:tint val="80000"/>
+                <a:satMod val="300000"/>
+              </a:schemeClr>
+            </a:gs>
+            <a:gs pos="100000">
+              <a:schemeClr val="phClr">
+                <a:shade val="30000"/>
+                <a:satMod val="200000"/>
+              </a:schemeClr>
+            </a:gs>
+          </a:gsLst>
+          <a:path path="circle">
+            <a:fillToRect l="50000" t="50000" r="50000" b="50000"/>
+          </a:path>
+        </a:gradFill>
+      </a:bgFillStyleLst>
+    </a:fmtScheme>
+  </a:themeElements>
+  <a:objectDefaults/>
+  <a:extraClrSchemeLst/>
+</a:theme>
+</file>
+
+<file path=ppt/theme/theme2.xml><?xml version="1.0" encoding="utf-8"?>
+<a:theme xmlns:a="http://schemas.openxmlformats.org/drawingml/2006/main">
   <a:themeElements>
     <a:clrScheme name="Default">
       <a:dk1>
@@ -12479,284 +12878,7 @@
       </a:bgFillStyleLst>
     </a:fmtScheme>
   </a:themeElements>
-</a:theme>
-</file>
-
-<file path=ppt/theme/theme2.xml><?xml version="1.0" encoding="utf-8"?>
-<a:theme xmlns:a="http://schemas.openxmlformats.org/drawingml/2006/main" xmlns:r="http://schemas.openxmlformats.org/officeDocument/2006/relationships" name="Focus">
-  <a:themeElements>
-    <a:clrScheme name="Focus">
-      <a:dk1>
-        <a:srgbClr val="1B212C"/>
-      </a:dk1>
-      <a:lt1>
-        <a:srgbClr val="FFFFFF"/>
-      </a:lt1>
-      <a:dk2>
-        <a:srgbClr val="D9D9D9"/>
-      </a:dk2>
-      <a:lt2>
-        <a:srgbClr val="82C7A5"/>
-      </a:lt2>
-      <a:accent1>
-        <a:srgbClr val="0145AC"/>
-      </a:accent1>
-      <a:accent2>
-        <a:srgbClr val="EECE1A"/>
-      </a:accent2>
-      <a:accent3>
-        <a:srgbClr val="4E5567"/>
-      </a:accent3>
-      <a:accent4>
-        <a:srgbClr val="F4D6AD"/>
-      </a:accent4>
-      <a:accent5>
-        <a:srgbClr val="7890CD"/>
-      </a:accent5>
-      <a:accent6>
-        <a:srgbClr val="F15E22"/>
-      </a:accent6>
-      <a:hlink>
-        <a:srgbClr val="7890CD"/>
-      </a:hlink>
-      <a:folHlink>
-        <a:srgbClr val="7890CD"/>
-      </a:folHlink>
-    </a:clrScheme>
-    <a:fontScheme name="Office">
-      <a:majorFont>
-        <a:latin typeface="Arial"/>
-        <a:ea typeface=""/>
-        <a:cs typeface=""/>
-        <a:font script="Jpan" typeface="ＭＳ Ｐゴシック"/>
-        <a:font script="Hang" typeface="맑은 고딕"/>
-        <a:font script="Hans" typeface="宋体"/>
-        <a:font script="Hant" typeface="新細明體"/>
-        <a:font script="Arab" typeface="Times New Roman"/>
-        <a:font script="Hebr" typeface="Times New Roman"/>
-        <a:font script="Thai" typeface="Angsana New"/>
-        <a:font script="Ethi" typeface="Nyala"/>
-        <a:font script="Beng" typeface="Vrinda"/>
-        <a:font script="Gujr" typeface="Shruti"/>
-        <a:font script="Khmr" typeface="MoolBoran"/>
-        <a:font script="Knda" typeface="Tunga"/>
-        <a:font script="Guru" typeface="Raavi"/>
-        <a:font script="Cans" typeface="Euphemia"/>
-        <a:font script="Cher" typeface="Plantagenet Cherokee"/>
-        <a:font script="Yiii" typeface="Microsoft Yi Baiti"/>
-        <a:font script="Tibt" typeface="Microsoft Himalaya"/>
-        <a:font script="Thaa" typeface="MV Boli"/>
-        <a:font script="Deva" typeface="Mangal"/>
-        <a:font script="Telu" typeface="Gautami"/>
-        <a:font script="Taml" typeface="Latha"/>
-        <a:font script="Syrc" typeface="Estrangelo Edessa"/>
-        <a:font script="Orya" typeface="Kalinga"/>
-        <a:font script="Mlym" typeface="Kartika"/>
-        <a:font script="Laoo" typeface="DokChampa"/>
-        <a:font script="Sinh" typeface="Iskoola Pota"/>
-        <a:font script="Mong" typeface="Mongolian Baiti"/>
-        <a:font script="Viet" typeface="Times New Roman"/>
-        <a:font script="Uigh" typeface="Microsoft Uighur"/>
-        <a:font script="Geor" typeface="Sylfaen"/>
-      </a:majorFont>
-      <a:minorFont>
-        <a:latin typeface="Arial"/>
-        <a:ea typeface=""/>
-        <a:cs typeface=""/>
-        <a:font script="Jpan" typeface="ＭＳ Ｐゴシック"/>
-        <a:font script="Hang" typeface="맑은 고딕"/>
-        <a:font script="Hans" typeface="宋体"/>
-        <a:font script="Hant" typeface="新細明體"/>
-        <a:font script="Arab" typeface="Arial"/>
-        <a:font script="Hebr" typeface="Arial"/>
-        <a:font script="Thai" typeface="Cordia New"/>
-        <a:font script="Ethi" typeface="Nyala"/>
-        <a:font script="Beng" typeface="Vrinda"/>
-        <a:font script="Gujr" typeface="Shruti"/>
-        <a:font script="Khmr" typeface="DaunPenh"/>
-        <a:font script="Knda" typeface="Tunga"/>
-        <a:font script="Guru" typeface="Raavi"/>
-        <a:font script="Cans" typeface="Euphemia"/>
-        <a:font script="Cher" typeface="Plantagenet Cherokee"/>
-        <a:font script="Yiii" typeface="Microsoft Yi Baiti"/>
-        <a:font script="Tibt" typeface="Microsoft Himalaya"/>
-        <a:font script="Thaa" typeface="MV Boli"/>
-        <a:font script="Deva" typeface="Mangal"/>
-        <a:font script="Telu" typeface="Gautami"/>
-        <a:font script="Taml" typeface="Latha"/>
-        <a:font script="Syrc" typeface="Estrangelo Edessa"/>
-        <a:font script="Orya" typeface="Kalinga"/>
-        <a:font script="Mlym" typeface="Kartika"/>
-        <a:font script="Laoo" typeface="DokChampa"/>
-        <a:font script="Sinh" typeface="Iskoola Pota"/>
-        <a:font script="Mong" typeface="Mongolian Baiti"/>
-        <a:font script="Viet" typeface="Arial"/>
-        <a:font script="Uigh" typeface="Microsoft Uighur"/>
-        <a:font script="Geor" typeface="Sylfaen"/>
-      </a:minorFont>
-    </a:fontScheme>
-    <a:fmtScheme name="Office">
-      <a:fillStyleLst>
-        <a:solidFill>
-          <a:schemeClr val="phClr"/>
-        </a:solidFill>
-        <a:gradFill rotWithShape="1">
-          <a:gsLst>
-            <a:gs pos="0">
-              <a:schemeClr val="phClr">
-                <a:tint val="50000"/>
-                <a:satMod val="300000"/>
-              </a:schemeClr>
-            </a:gs>
-            <a:gs pos="35000">
-              <a:schemeClr val="phClr">
-                <a:tint val="37000"/>
-                <a:satMod val="300000"/>
-              </a:schemeClr>
-            </a:gs>
-            <a:gs pos="100000">
-              <a:schemeClr val="phClr">
-                <a:tint val="15000"/>
-                <a:satMod val="350000"/>
-              </a:schemeClr>
-            </a:gs>
-          </a:gsLst>
-          <a:lin ang="16200000" scaled="1"/>
-        </a:gradFill>
-        <a:gradFill rotWithShape="1">
-          <a:gsLst>
-            <a:gs pos="0">
-              <a:schemeClr val="phClr">
-                <a:tint val="100000"/>
-                <a:shade val="100000"/>
-                <a:satMod val="130000"/>
-              </a:schemeClr>
-            </a:gs>
-            <a:gs pos="100000">
-              <a:schemeClr val="phClr">
-                <a:tint val="50000"/>
-                <a:shade val="100000"/>
-                <a:satMod val="350000"/>
-              </a:schemeClr>
-            </a:gs>
-          </a:gsLst>
-          <a:lin ang="16200000" scaled="0"/>
-        </a:gradFill>
-      </a:fillStyleLst>
-      <a:lnStyleLst>
-        <a:ln w="9525" cap="flat" cmpd="sng" algn="ctr">
-          <a:solidFill>
-            <a:schemeClr val="phClr">
-              <a:shade val="95000"/>
-              <a:satMod val="105000"/>
-            </a:schemeClr>
-          </a:solidFill>
-          <a:prstDash val="solid"/>
-        </a:ln>
-        <a:ln w="25400" cap="flat" cmpd="sng" algn="ctr">
-          <a:solidFill>
-            <a:schemeClr val="phClr"/>
-          </a:solidFill>
-          <a:prstDash val="solid"/>
-        </a:ln>
-        <a:ln w="38100" cap="flat" cmpd="sng" algn="ctr">
-          <a:solidFill>
-            <a:schemeClr val="phClr"/>
-          </a:solidFill>
-          <a:prstDash val="solid"/>
-        </a:ln>
-      </a:lnStyleLst>
-      <a:effectStyleLst>
-        <a:effectStyle>
-          <a:effectLst>
-            <a:outerShdw blurRad="40000" dist="20000" dir="5400000" rotWithShape="0">
-              <a:srgbClr val="000000">
-                <a:alpha val="38000"/>
-              </a:srgbClr>
-            </a:outerShdw>
-          </a:effectLst>
-        </a:effectStyle>
-        <a:effectStyle>
-          <a:effectLst>
-            <a:outerShdw blurRad="40000" dist="23000" dir="5400000" rotWithShape="0">
-              <a:srgbClr val="000000">
-                <a:alpha val="35000"/>
-              </a:srgbClr>
-            </a:outerShdw>
-          </a:effectLst>
-        </a:effectStyle>
-        <a:effectStyle>
-          <a:effectLst>
-            <a:outerShdw blurRad="40000" dist="23000" dir="5400000" rotWithShape="0">
-              <a:srgbClr val="000000">
-                <a:alpha val="35000"/>
-              </a:srgbClr>
-            </a:outerShdw>
-          </a:effectLst>
-          <a:scene3d>
-            <a:camera prst="orthographicFront">
-              <a:rot lat="0" lon="0" rev="0"/>
-            </a:camera>
-            <a:lightRig rig="threePt" dir="t">
-              <a:rot lat="0" lon="0" rev="1200000"/>
-            </a:lightRig>
-          </a:scene3d>
-          <a:sp3d>
-            <a:bevelT w="63500" h="25400"/>
-          </a:sp3d>
-        </a:effectStyle>
-      </a:effectStyleLst>
-      <a:bgFillStyleLst>
-        <a:solidFill>
-          <a:schemeClr val="phClr"/>
-        </a:solidFill>
-        <a:gradFill rotWithShape="1">
-          <a:gsLst>
-            <a:gs pos="0">
-              <a:schemeClr val="phClr">
-                <a:tint val="40000"/>
-                <a:satMod val="350000"/>
-              </a:schemeClr>
-            </a:gs>
-            <a:gs pos="40000">
-              <a:schemeClr val="phClr">
-                <a:tint val="45000"/>
-                <a:shade val="99000"/>
-                <a:satMod val="350000"/>
-              </a:schemeClr>
-            </a:gs>
-            <a:gs pos="100000">
-              <a:schemeClr val="phClr">
-                <a:shade val="20000"/>
-                <a:satMod val="255000"/>
-              </a:schemeClr>
-            </a:gs>
-          </a:gsLst>
-          <a:path path="circle">
-            <a:fillToRect l="50000" t="-80000" r="50000" b="180000"/>
-          </a:path>
-        </a:gradFill>
-        <a:gradFill rotWithShape="1">
-          <a:gsLst>
-            <a:gs pos="0">
-              <a:schemeClr val="phClr">
-                <a:tint val="80000"/>
-                <a:satMod val="300000"/>
-              </a:schemeClr>
-            </a:gs>
-            <a:gs pos="100000">
-              <a:schemeClr val="phClr">
-                <a:shade val="30000"/>
-                <a:satMod val="200000"/>
-              </a:schemeClr>
-            </a:gs>
-          </a:gsLst>
-          <a:path path="circle">
-            <a:fillToRect l="50000" t="50000" r="50000" b="50000"/>
-          </a:path>
-        </a:gradFill>
-      </a:bgFillStyleLst>
-    </a:fmtScheme>
-  </a:themeElements>
+  <a:objectDefaults/>
+  <a:extraClrSchemeLst/>
 </a:theme>
 </file>